--- a/tex/figures/PotentialECons/Figures.pptx
+++ b/tex/figures/PotentialECons/Figures.pptx
@@ -6,6 +6,7 @@
   </p:sldMasterIdLst>
   <p:sldIdLst>
     <p:sldId id="271" r:id="rId2"/>
+    <p:sldId id="272" r:id="rId3"/>
   </p:sldIdLst>
   <p:sldSz cx="12192000" cy="6858000"/>
   <p:notesSz cx="6858000" cy="9144000"/>
@@ -4398,6 +4399,2632 @@
 </p:sld>
 </file>
 
+<file path=ppt/slides/slide2.xml><?xml version="1.0" encoding="utf-8"?>
+<p:sld xmlns:a="http://schemas.openxmlformats.org/drawingml/2006/main" xmlns:r="http://schemas.openxmlformats.org/officeDocument/2006/relationships" xmlns:p="http://schemas.openxmlformats.org/presentationml/2006/main">
+  <p:cSld>
+    <p:spTree>
+      <p:nvGrpSpPr>
+        <p:cNvPr id="1" name=""/>
+        <p:cNvGrpSpPr/>
+        <p:nvPr/>
+      </p:nvGrpSpPr>
+      <p:grpSpPr>
+        <a:xfrm>
+          <a:off x="0" y="0"/>
+          <a:ext cx="0" cy="0"/>
+          <a:chOff x="0" y="0"/>
+          <a:chExt cx="0" cy="0"/>
+        </a:xfrm>
+      </p:grpSpPr>
+      <p:grpSp>
+        <p:nvGrpSpPr>
+          <p:cNvPr id="28" name="Group 27"/>
+          <p:cNvGrpSpPr/>
+          <p:nvPr/>
+        </p:nvGrpSpPr>
+        <p:grpSpPr>
+          <a:xfrm>
+            <a:off x="360445" y="408877"/>
+            <a:ext cx="2041831" cy="2311956"/>
+            <a:chOff x="420033" y="598448"/>
+            <a:chExt cx="2041831" cy="2311956"/>
+          </a:xfrm>
+        </p:grpSpPr>
+        <p:grpSp>
+          <p:nvGrpSpPr>
+            <p:cNvPr id="24" name="Group 23"/>
+            <p:cNvGrpSpPr/>
+            <p:nvPr/>
+          </p:nvGrpSpPr>
+          <p:grpSpPr>
+            <a:xfrm>
+              <a:off x="420033" y="598448"/>
+              <a:ext cx="1453674" cy="2311956"/>
+              <a:chOff x="420033" y="598448"/>
+              <a:chExt cx="1453674" cy="2311956"/>
+            </a:xfrm>
+          </p:grpSpPr>
+          <p:sp>
+            <p:nvSpPr>
+              <p:cNvPr id="4" name="Rectangle 3"/>
+              <p:cNvSpPr/>
+              <p:nvPr/>
+            </p:nvSpPr>
+            <p:spPr>
+              <a:xfrm>
+                <a:off x="992459" y="2062975"/>
+                <a:ext cx="223024" cy="234176"/>
+              </a:xfrm>
+              <a:prstGeom prst="rect">
+                <a:avLst/>
+              </a:prstGeom>
+              <a:solidFill>
+                <a:schemeClr val="bg2">
+                  <a:lumMod val="90000"/>
+                </a:schemeClr>
+              </a:solidFill>
+              <a:ln w="38100">
+                <a:solidFill>
+                  <a:schemeClr val="tx1"/>
+                </a:solidFill>
+              </a:ln>
+            </p:spPr>
+            <p:style>
+              <a:lnRef idx="2">
+                <a:schemeClr val="accent1">
+                  <a:shade val="50000"/>
+                </a:schemeClr>
+              </a:lnRef>
+              <a:fillRef idx="1">
+                <a:schemeClr val="accent1"/>
+              </a:fillRef>
+              <a:effectRef idx="0">
+                <a:schemeClr val="accent1"/>
+              </a:effectRef>
+              <a:fontRef idx="minor">
+                <a:schemeClr val="lt1"/>
+              </a:fontRef>
+            </p:style>
+            <p:txBody>
+              <a:bodyPr rtlCol="0" anchor="ctr"/>
+              <a:lstStyle/>
+              <a:p>
+                <a:pPr algn="ctr"/>
+                <a:endParaRPr lang="en-US"/>
+              </a:p>
+            </p:txBody>
+          </p:sp>
+          <p:cxnSp>
+            <p:nvCxnSpPr>
+              <p:cNvPr id="7" name="Straight Arrow Connector 6"/>
+              <p:cNvCxnSpPr/>
+              <p:nvPr/>
+            </p:nvCxnSpPr>
+            <p:spPr>
+              <a:xfrm flipV="1">
+                <a:off x="847493" y="832624"/>
+                <a:ext cx="0" cy="1271239"/>
+              </a:xfrm>
+              <a:prstGeom prst="straightConnector1">
+                <a:avLst/>
+              </a:prstGeom>
+              <a:ln w="38100">
+                <a:solidFill>
+                  <a:schemeClr val="tx1"/>
+                </a:solidFill>
+                <a:prstDash val="sysDot"/>
+                <a:tailEnd type="triangle"/>
+              </a:ln>
+            </p:spPr>
+            <p:style>
+              <a:lnRef idx="1">
+                <a:schemeClr val="accent1"/>
+              </a:lnRef>
+              <a:fillRef idx="0">
+                <a:schemeClr val="accent1"/>
+              </a:fillRef>
+              <a:effectRef idx="0">
+                <a:schemeClr val="accent1"/>
+              </a:effectRef>
+              <a:fontRef idx="minor">
+                <a:schemeClr val="tx1"/>
+              </a:fontRef>
+            </p:style>
+          </p:cxnSp>
+          <p:sp>
+            <p:nvSpPr>
+              <p:cNvPr id="8" name="Rectangle 7"/>
+              <p:cNvSpPr/>
+              <p:nvPr/>
+            </p:nvSpPr>
+            <p:spPr>
+              <a:xfrm>
+                <a:off x="992459" y="598448"/>
+                <a:ext cx="223024" cy="234176"/>
+              </a:xfrm>
+              <a:prstGeom prst="rect">
+                <a:avLst/>
+              </a:prstGeom>
+              <a:solidFill>
+                <a:schemeClr val="bg2">
+                  <a:lumMod val="90000"/>
+                </a:schemeClr>
+              </a:solidFill>
+              <a:ln w="38100">
+                <a:solidFill>
+                  <a:schemeClr val="tx1"/>
+                </a:solidFill>
+                <a:prstDash val="sysDot"/>
+              </a:ln>
+            </p:spPr>
+            <p:style>
+              <a:lnRef idx="2">
+                <a:schemeClr val="accent1">
+                  <a:shade val="50000"/>
+                </a:schemeClr>
+              </a:lnRef>
+              <a:fillRef idx="1">
+                <a:schemeClr val="accent1"/>
+              </a:fillRef>
+              <a:effectRef idx="0">
+                <a:schemeClr val="accent1"/>
+              </a:effectRef>
+              <a:fontRef idx="minor">
+                <a:schemeClr val="lt1"/>
+              </a:fontRef>
+            </p:style>
+            <p:txBody>
+              <a:bodyPr rtlCol="0" anchor="ctr"/>
+              <a:lstStyle/>
+              <a:p>
+                <a:pPr algn="ctr"/>
+                <a:endParaRPr lang="en-US"/>
+              </a:p>
+            </p:txBody>
+          </p:sp>
+          <p:cxnSp>
+            <p:nvCxnSpPr>
+              <p:cNvPr id="9" name="Straight Arrow Connector 8"/>
+              <p:cNvCxnSpPr/>
+              <p:nvPr/>
+            </p:nvCxnSpPr>
+            <p:spPr>
+              <a:xfrm flipH="1">
+                <a:off x="1400090" y="834482"/>
+                <a:ext cx="7435" cy="1267521"/>
+              </a:xfrm>
+              <a:prstGeom prst="straightConnector1">
+                <a:avLst/>
+              </a:prstGeom>
+              <a:ln w="38100">
+                <a:solidFill>
+                  <a:schemeClr val="tx1"/>
+                </a:solidFill>
+                <a:prstDash val="sysDot"/>
+                <a:tailEnd type="triangle"/>
+              </a:ln>
+            </p:spPr>
+            <p:style>
+              <a:lnRef idx="1">
+                <a:schemeClr val="accent1"/>
+              </a:lnRef>
+              <a:fillRef idx="0">
+                <a:schemeClr val="accent1"/>
+              </a:fillRef>
+              <a:effectRef idx="0">
+                <a:schemeClr val="accent1"/>
+              </a:effectRef>
+              <a:fontRef idx="minor">
+                <a:schemeClr val="tx1"/>
+              </a:fontRef>
+            </p:style>
+          </p:cxnSp>
+          <mc:AlternateContent xmlns:mc="http://schemas.openxmlformats.org/markup-compatibility/2006">
+            <mc:Choice xmlns:a14="http://schemas.microsoft.com/office/drawing/2010/main" Requires="a14">
+              <p:sp>
+                <p:nvSpPr>
+                  <p:cNvPr id="12" name="TextBox 11"/>
+                  <p:cNvSpPr txBox="1"/>
+                  <p:nvPr/>
+                </p:nvSpPr>
+                <p:spPr>
+                  <a:xfrm>
+                    <a:off x="420033" y="1181849"/>
+                    <a:ext cx="333296" cy="353302"/>
+                  </a:xfrm>
+                  <a:prstGeom prst="rect">
+                    <a:avLst/>
+                  </a:prstGeom>
+                  <a:noFill/>
+                </p:spPr>
+                <p:txBody>
+                  <a:bodyPr wrap="none" lIns="0" tIns="0" rIns="0" bIns="0" rtlCol="0">
+                    <a:spAutoFit/>
+                  </a:bodyPr>
+                  <a:lstStyle/>
+                  <a:p>
+                    <a14:m>
+                      <m:oMathPara xmlns:m="http://schemas.openxmlformats.org/officeDocument/2006/math">
+                        <m:oMathParaPr>
+                          <m:jc m:val="centerGroup"/>
+                        </m:oMathParaPr>
+                        <m:oMath xmlns:m="http://schemas.openxmlformats.org/officeDocument/2006/math">
+                          <m:sSub>
+                            <m:sSubPr>
+                              <m:ctrlPr>
+                                <a:rPr lang="en-US" sz="2000" b="0" i="1" smtClean="0">
+                                  <a:latin typeface="Cambria Math" panose="02040503050406030204" pitchFamily="18" charset="0"/>
+                                  <a:cs typeface="Arial" panose="020B0604020202020204" pitchFamily="34" charset="0"/>
+                                </a:rPr>
+                              </m:ctrlPr>
+                            </m:sSubPr>
+                            <m:e>
+                              <m:acc>
+                                <m:accPr>
+                                  <m:chr m:val="⃗"/>
+                                  <m:ctrlPr>
+                                    <a:rPr lang="en-US" sz="2000" b="0" i="1" smtClean="0">
+                                      <a:latin typeface="Cambria Math" panose="02040503050406030204" pitchFamily="18" charset="0"/>
+                                      <a:cs typeface="Arial" panose="020B0604020202020204" pitchFamily="34" charset="0"/>
+                                    </a:rPr>
+                                  </m:ctrlPr>
+                                </m:accPr>
+                                <m:e>
+                                  <m:r>
+                                    <a:rPr lang="en-US" sz="2000" b="0" i="1" smtClean="0">
+                                      <a:latin typeface="Cambria Math" panose="02040503050406030204" pitchFamily="18" charset="0"/>
+                                      <a:cs typeface="Arial" panose="020B0604020202020204" pitchFamily="34" charset="0"/>
+                                    </a:rPr>
+                                    <m:t>𝑑</m:t>
+                                  </m:r>
+                                </m:e>
+                              </m:acc>
+                            </m:e>
+                            <m:sub>
+                              <m:r>
+                                <a:rPr lang="en-US" sz="2000" b="0" i="1" smtClean="0">
+                                  <a:latin typeface="Cambria Math" panose="02040503050406030204" pitchFamily="18" charset="0"/>
+                                  <a:cs typeface="Arial" panose="020B0604020202020204" pitchFamily="34" charset="0"/>
+                                </a:rPr>
+                                <m:t>1</m:t>
+                              </m:r>
+                            </m:sub>
+                          </m:sSub>
+                        </m:oMath>
+                      </m:oMathPara>
+                    </a14:m>
+                    <a:endParaRPr lang="en-US" sz="2000" dirty="0" smtClean="0">
+                      <a:latin typeface="Arial" panose="020B0604020202020204" pitchFamily="34" charset="0"/>
+                      <a:cs typeface="Arial" panose="020B0604020202020204" pitchFamily="34" charset="0"/>
+                    </a:endParaRPr>
+                  </a:p>
+                </p:txBody>
+              </p:sp>
+            </mc:Choice>
+            <mc:Fallback>
+              <p:sp>
+                <p:nvSpPr>
+                  <p:cNvPr id="12" name="TextBox 11"/>
+                  <p:cNvSpPr txBox="1">
+                    <a:spLocks noRot="1" noChangeAspect="1" noMove="1" noResize="1" noEditPoints="1" noAdjustHandles="1" noChangeArrowheads="1" noChangeShapeType="1" noTextEdit="1"/>
+                  </p:cNvSpPr>
+                  <p:nvPr/>
+                </p:nvSpPr>
+                <p:spPr>
+                  <a:xfrm>
+                    <a:off x="420033" y="1181849"/>
+                    <a:ext cx="333296" cy="353302"/>
+                  </a:xfrm>
+                  <a:prstGeom prst="rect">
+                    <a:avLst/>
+                  </a:prstGeom>
+                  <a:blipFill>
+                    <a:blip r:embed="rId2"/>
+                    <a:stretch>
+                      <a:fillRect l="-16364" t="-34483" r="-63636" b="-15517"/>
+                    </a:stretch>
+                  </a:blipFill>
+                </p:spPr>
+                <p:txBody>
+                  <a:bodyPr/>
+                  <a:lstStyle/>
+                  <a:p>
+                    <a:r>
+                      <a:rPr lang="en-US">
+                        <a:noFill/>
+                      </a:rPr>
+                      <a:t> </a:t>
+                    </a:r>
+                  </a:p>
+                </p:txBody>
+              </p:sp>
+            </mc:Fallback>
+          </mc:AlternateContent>
+          <mc:AlternateContent xmlns:mc="http://schemas.openxmlformats.org/markup-compatibility/2006">
+            <mc:Choice xmlns:a14="http://schemas.microsoft.com/office/drawing/2010/main" Requires="a14">
+              <p:sp>
+                <p:nvSpPr>
+                  <p:cNvPr id="14" name="TextBox 13"/>
+                  <p:cNvSpPr txBox="1"/>
+                  <p:nvPr/>
+                </p:nvSpPr>
+                <p:spPr>
+                  <a:xfrm>
+                    <a:off x="1534448" y="1181849"/>
+                    <a:ext cx="339259" cy="353302"/>
+                  </a:xfrm>
+                  <a:prstGeom prst="rect">
+                    <a:avLst/>
+                  </a:prstGeom>
+                  <a:noFill/>
+                </p:spPr>
+                <p:txBody>
+                  <a:bodyPr wrap="none" lIns="0" tIns="0" rIns="0" bIns="0" rtlCol="0">
+                    <a:spAutoFit/>
+                  </a:bodyPr>
+                  <a:lstStyle/>
+                  <a:p>
+                    <a14:m>
+                      <m:oMathPara xmlns:m="http://schemas.openxmlformats.org/officeDocument/2006/math">
+                        <m:oMathParaPr>
+                          <m:jc m:val="centerGroup"/>
+                        </m:oMathParaPr>
+                        <m:oMath xmlns:m="http://schemas.openxmlformats.org/officeDocument/2006/math">
+                          <m:sSub>
+                            <m:sSubPr>
+                              <m:ctrlPr>
+                                <a:rPr lang="en-US" sz="2000" b="0" i="1" smtClean="0">
+                                  <a:latin typeface="Cambria Math" panose="02040503050406030204" pitchFamily="18" charset="0"/>
+                                  <a:cs typeface="Arial" panose="020B0604020202020204" pitchFamily="34" charset="0"/>
+                                </a:rPr>
+                              </m:ctrlPr>
+                            </m:sSubPr>
+                            <m:e>
+                              <m:acc>
+                                <m:accPr>
+                                  <m:chr m:val="⃗"/>
+                                  <m:ctrlPr>
+                                    <a:rPr lang="en-US" sz="2000" b="0" i="1" smtClean="0">
+                                      <a:latin typeface="Cambria Math" panose="02040503050406030204" pitchFamily="18" charset="0"/>
+                                      <a:cs typeface="Arial" panose="020B0604020202020204" pitchFamily="34" charset="0"/>
+                                    </a:rPr>
+                                  </m:ctrlPr>
+                                </m:accPr>
+                                <m:e>
+                                  <m:r>
+                                    <a:rPr lang="en-US" sz="2000" b="0" i="1" smtClean="0">
+                                      <a:latin typeface="Cambria Math" panose="02040503050406030204" pitchFamily="18" charset="0"/>
+                                      <a:cs typeface="Arial" panose="020B0604020202020204" pitchFamily="34" charset="0"/>
+                                    </a:rPr>
+                                    <m:t>𝑑</m:t>
+                                  </m:r>
+                                </m:e>
+                              </m:acc>
+                            </m:e>
+                            <m:sub>
+                              <m:r>
+                                <a:rPr lang="en-US" sz="2000" b="0" i="1" smtClean="0">
+                                  <a:latin typeface="Cambria Math" panose="02040503050406030204" pitchFamily="18" charset="0"/>
+                                  <a:cs typeface="Arial" panose="020B0604020202020204" pitchFamily="34" charset="0"/>
+                                </a:rPr>
+                                <m:t>2</m:t>
+                              </m:r>
+                            </m:sub>
+                          </m:sSub>
+                        </m:oMath>
+                      </m:oMathPara>
+                    </a14:m>
+                    <a:endParaRPr lang="en-US" sz="2000" dirty="0" smtClean="0">
+                      <a:latin typeface="Arial" panose="020B0604020202020204" pitchFamily="34" charset="0"/>
+                      <a:cs typeface="Arial" panose="020B0604020202020204" pitchFamily="34" charset="0"/>
+                    </a:endParaRPr>
+                  </a:p>
+                </p:txBody>
+              </p:sp>
+            </mc:Choice>
+            <mc:Fallback>
+              <p:sp>
+                <p:nvSpPr>
+                  <p:cNvPr id="14" name="TextBox 13"/>
+                  <p:cNvSpPr txBox="1">
+                    <a:spLocks noRot="1" noChangeAspect="1" noMove="1" noResize="1" noEditPoints="1" noAdjustHandles="1" noChangeArrowheads="1" noChangeShapeType="1" noTextEdit="1"/>
+                  </p:cNvSpPr>
+                  <p:nvPr/>
+                </p:nvSpPr>
+                <p:spPr>
+                  <a:xfrm>
+                    <a:off x="1534448" y="1181849"/>
+                    <a:ext cx="339259" cy="353302"/>
+                  </a:xfrm>
+                  <a:prstGeom prst="rect">
+                    <a:avLst/>
+                  </a:prstGeom>
+                  <a:blipFill>
+                    <a:blip r:embed="rId3"/>
+                    <a:stretch>
+                      <a:fillRect l="-16071" t="-34483" r="-60714" b="-15517"/>
+                    </a:stretch>
+                  </a:blipFill>
+                </p:spPr>
+                <p:txBody>
+                  <a:bodyPr/>
+                  <a:lstStyle/>
+                  <a:p>
+                    <a:r>
+                      <a:rPr lang="en-US">
+                        <a:noFill/>
+                      </a:rPr>
+                      <a:t> </a:t>
+                    </a:r>
+                  </a:p>
+                </p:txBody>
+              </p:sp>
+            </mc:Fallback>
+          </mc:AlternateContent>
+          <p:cxnSp>
+            <p:nvCxnSpPr>
+              <p:cNvPr id="20" name="Straight Arrow Connector 19"/>
+              <p:cNvCxnSpPr/>
+              <p:nvPr/>
+            </p:nvCxnSpPr>
+            <p:spPr>
+              <a:xfrm>
+                <a:off x="1103971" y="2181922"/>
+                <a:ext cx="0" cy="702527"/>
+              </a:xfrm>
+              <a:prstGeom prst="straightConnector1">
+                <a:avLst/>
+              </a:prstGeom>
+              <a:ln w="38100">
+                <a:solidFill>
+                  <a:schemeClr val="tx1"/>
+                </a:solidFill>
+                <a:tailEnd type="triangle"/>
+              </a:ln>
+            </p:spPr>
+            <p:style>
+              <a:lnRef idx="1">
+                <a:schemeClr val="accent1"/>
+              </a:lnRef>
+              <a:fillRef idx="0">
+                <a:schemeClr val="accent1"/>
+              </a:fillRef>
+              <a:effectRef idx="0">
+                <a:schemeClr val="accent1"/>
+              </a:effectRef>
+              <a:fontRef idx="minor">
+                <a:schemeClr val="tx1"/>
+              </a:fontRef>
+            </p:style>
+          </p:cxnSp>
+          <p:cxnSp>
+            <p:nvCxnSpPr>
+              <p:cNvPr id="21" name="Straight Arrow Connector 20"/>
+              <p:cNvCxnSpPr/>
+              <p:nvPr/>
+            </p:nvCxnSpPr>
+            <p:spPr>
+              <a:xfrm>
+                <a:off x="1100254" y="717395"/>
+                <a:ext cx="0" cy="702527"/>
+              </a:xfrm>
+              <a:prstGeom prst="straightConnector1">
+                <a:avLst/>
+              </a:prstGeom>
+              <a:ln w="38100">
+                <a:solidFill>
+                  <a:schemeClr val="tx1"/>
+                </a:solidFill>
+                <a:tailEnd type="triangle"/>
+              </a:ln>
+            </p:spPr>
+            <p:style>
+              <a:lnRef idx="1">
+                <a:schemeClr val="accent1"/>
+              </a:lnRef>
+              <a:fillRef idx="0">
+                <a:schemeClr val="accent1"/>
+              </a:fillRef>
+              <a:effectRef idx="0">
+                <a:schemeClr val="accent1"/>
+              </a:effectRef>
+              <a:fontRef idx="minor">
+                <a:schemeClr val="tx1"/>
+              </a:fontRef>
+            </p:style>
+          </p:cxnSp>
+          <mc:AlternateContent xmlns:mc="http://schemas.openxmlformats.org/markup-compatibility/2006">
+            <mc:Choice xmlns:a14="http://schemas.microsoft.com/office/drawing/2010/main" Requires="a14">
+              <p:sp>
+                <p:nvSpPr>
+                  <p:cNvPr id="22" name="TextBox 21"/>
+                  <p:cNvSpPr txBox="1"/>
+                  <p:nvPr/>
+                </p:nvSpPr>
+                <p:spPr>
+                  <a:xfrm>
+                    <a:off x="1198453" y="2533185"/>
+                    <a:ext cx="303865" cy="377219"/>
+                  </a:xfrm>
+                  <a:prstGeom prst="rect">
+                    <a:avLst/>
+                  </a:prstGeom>
+                  <a:noFill/>
+                </p:spPr>
+                <p:txBody>
+                  <a:bodyPr wrap="none" lIns="0" tIns="0" rIns="0" bIns="0" rtlCol="0">
+                    <a:spAutoFit/>
+                  </a:bodyPr>
+                  <a:lstStyle/>
+                  <a:p>
+                    <a14:m>
+                      <m:oMathPara xmlns:m="http://schemas.openxmlformats.org/officeDocument/2006/math">
+                        <m:oMathParaPr>
+                          <m:jc m:val="centerGroup"/>
+                        </m:oMathParaPr>
+                        <m:oMath xmlns:m="http://schemas.openxmlformats.org/officeDocument/2006/math">
+                          <m:sSub>
+                            <m:sSubPr>
+                              <m:ctrlPr>
+                                <a:rPr lang="en-US" sz="2000" b="0" i="1" smtClean="0">
+                                  <a:latin typeface="Cambria Math" panose="02040503050406030204" pitchFamily="18" charset="0"/>
+                                  <a:cs typeface="Arial" panose="020B0604020202020204" pitchFamily="34" charset="0"/>
+                                </a:rPr>
+                              </m:ctrlPr>
+                            </m:sSubPr>
+                            <m:e>
+                              <m:acc>
+                                <m:accPr>
+                                  <m:chr m:val="⃗"/>
+                                  <m:ctrlPr>
+                                    <a:rPr lang="en-US" sz="2000" b="0" i="1" smtClean="0">
+                                      <a:latin typeface="Cambria Math" panose="02040503050406030204" pitchFamily="18" charset="0"/>
+                                      <a:cs typeface="Arial" panose="020B0604020202020204" pitchFamily="34" charset="0"/>
+                                    </a:rPr>
+                                  </m:ctrlPr>
+                                </m:accPr>
+                                <m:e>
+                                  <m:r>
+                                    <a:rPr lang="en-US" sz="2000" b="0" i="1" smtClean="0">
+                                      <a:latin typeface="Cambria Math" panose="02040503050406030204" pitchFamily="18" charset="0"/>
+                                      <a:cs typeface="Arial" panose="020B0604020202020204" pitchFamily="34" charset="0"/>
+                                    </a:rPr>
+                                    <m:t>𝐹</m:t>
+                                  </m:r>
+                                </m:e>
+                              </m:acc>
+                            </m:e>
+                            <m:sub>
+                              <m:r>
+                                <a:rPr lang="en-US" sz="2000" b="0" i="1" smtClean="0">
+                                  <a:latin typeface="Cambria Math" panose="02040503050406030204" pitchFamily="18" charset="0"/>
+                                  <a:cs typeface="Arial" panose="020B0604020202020204" pitchFamily="34" charset="0"/>
+                                </a:rPr>
+                                <m:t>𝑔</m:t>
+                              </m:r>
+                            </m:sub>
+                          </m:sSub>
+                        </m:oMath>
+                      </m:oMathPara>
+                    </a14:m>
+                    <a:endParaRPr lang="en-US" sz="2000" dirty="0" smtClean="0">
+                      <a:latin typeface="Arial" panose="020B0604020202020204" pitchFamily="34" charset="0"/>
+                      <a:cs typeface="Arial" panose="020B0604020202020204" pitchFamily="34" charset="0"/>
+                    </a:endParaRPr>
+                  </a:p>
+                </p:txBody>
+              </p:sp>
+            </mc:Choice>
+            <mc:Fallback>
+              <p:sp>
+                <p:nvSpPr>
+                  <p:cNvPr id="22" name="TextBox 21"/>
+                  <p:cNvSpPr txBox="1">
+                    <a:spLocks noRot="1" noChangeAspect="1" noMove="1" noResize="1" noEditPoints="1" noAdjustHandles="1" noChangeArrowheads="1" noChangeShapeType="1" noTextEdit="1"/>
+                  </p:cNvSpPr>
+                  <p:nvPr/>
+                </p:nvSpPr>
+                <p:spPr>
+                  <a:xfrm>
+                    <a:off x="1198453" y="2533185"/>
+                    <a:ext cx="303865" cy="377219"/>
+                  </a:xfrm>
+                  <a:prstGeom prst="rect">
+                    <a:avLst/>
+                  </a:prstGeom>
+                  <a:blipFill>
+                    <a:blip r:embed="rId4"/>
+                    <a:stretch>
+                      <a:fillRect l="-18000" t="-30645" r="-70000" b="-17742"/>
+                    </a:stretch>
+                  </a:blipFill>
+                </p:spPr>
+                <p:txBody>
+                  <a:bodyPr/>
+                  <a:lstStyle/>
+                  <a:p>
+                    <a:r>
+                      <a:rPr lang="en-US">
+                        <a:noFill/>
+                      </a:rPr>
+                      <a:t> </a:t>
+                    </a:r>
+                  </a:p>
+                </p:txBody>
+              </p:sp>
+            </mc:Fallback>
+          </mc:AlternateContent>
+          <mc:AlternateContent xmlns:mc="http://schemas.openxmlformats.org/markup-compatibility/2006">
+            <mc:Choice xmlns:a14="http://schemas.microsoft.com/office/drawing/2010/main" Requires="a14">
+              <p:sp>
+                <p:nvSpPr>
+                  <p:cNvPr id="23" name="TextBox 22"/>
+                  <p:cNvSpPr txBox="1"/>
+                  <p:nvPr/>
+                </p:nvSpPr>
+                <p:spPr>
+                  <a:xfrm>
+                    <a:off x="1100254" y="965541"/>
+                    <a:ext cx="303865" cy="377219"/>
+                  </a:xfrm>
+                  <a:prstGeom prst="rect">
+                    <a:avLst/>
+                  </a:prstGeom>
+                  <a:noFill/>
+                </p:spPr>
+                <p:txBody>
+                  <a:bodyPr wrap="none" lIns="0" tIns="0" rIns="0" bIns="0" rtlCol="0">
+                    <a:spAutoFit/>
+                  </a:bodyPr>
+                  <a:lstStyle/>
+                  <a:p>
+                    <a14:m>
+                      <m:oMathPara xmlns:m="http://schemas.openxmlformats.org/officeDocument/2006/math">
+                        <m:oMathParaPr>
+                          <m:jc m:val="centerGroup"/>
+                        </m:oMathParaPr>
+                        <m:oMath xmlns:m="http://schemas.openxmlformats.org/officeDocument/2006/math">
+                          <m:sSub>
+                            <m:sSubPr>
+                              <m:ctrlPr>
+                                <a:rPr lang="en-US" sz="2000" b="0" i="1" smtClean="0">
+                                  <a:latin typeface="Cambria Math" panose="02040503050406030204" pitchFamily="18" charset="0"/>
+                                  <a:cs typeface="Arial" panose="020B0604020202020204" pitchFamily="34" charset="0"/>
+                                </a:rPr>
+                              </m:ctrlPr>
+                            </m:sSubPr>
+                            <m:e>
+                              <m:acc>
+                                <m:accPr>
+                                  <m:chr m:val="⃗"/>
+                                  <m:ctrlPr>
+                                    <a:rPr lang="en-US" sz="2000" b="0" i="1" smtClean="0">
+                                      <a:latin typeface="Cambria Math" panose="02040503050406030204" pitchFamily="18" charset="0"/>
+                                      <a:cs typeface="Arial" panose="020B0604020202020204" pitchFamily="34" charset="0"/>
+                                    </a:rPr>
+                                  </m:ctrlPr>
+                                </m:accPr>
+                                <m:e>
+                                  <m:r>
+                                    <a:rPr lang="en-US" sz="2000" b="0" i="1" smtClean="0">
+                                      <a:latin typeface="Cambria Math" panose="02040503050406030204" pitchFamily="18" charset="0"/>
+                                      <a:cs typeface="Arial" panose="020B0604020202020204" pitchFamily="34" charset="0"/>
+                                    </a:rPr>
+                                    <m:t>𝐹</m:t>
+                                  </m:r>
+                                </m:e>
+                              </m:acc>
+                            </m:e>
+                            <m:sub>
+                              <m:r>
+                                <a:rPr lang="en-US" sz="2000" b="0" i="1" smtClean="0">
+                                  <a:latin typeface="Cambria Math" panose="02040503050406030204" pitchFamily="18" charset="0"/>
+                                  <a:cs typeface="Arial" panose="020B0604020202020204" pitchFamily="34" charset="0"/>
+                                </a:rPr>
+                                <m:t>𝑔</m:t>
+                              </m:r>
+                            </m:sub>
+                          </m:sSub>
+                        </m:oMath>
+                      </m:oMathPara>
+                    </a14:m>
+                    <a:endParaRPr lang="en-US" sz="2000" dirty="0" smtClean="0">
+                      <a:latin typeface="Arial" panose="020B0604020202020204" pitchFamily="34" charset="0"/>
+                      <a:cs typeface="Arial" panose="020B0604020202020204" pitchFamily="34" charset="0"/>
+                    </a:endParaRPr>
+                  </a:p>
+                </p:txBody>
+              </p:sp>
+            </mc:Choice>
+            <mc:Fallback>
+              <p:sp>
+                <p:nvSpPr>
+                  <p:cNvPr id="23" name="TextBox 22"/>
+                  <p:cNvSpPr txBox="1">
+                    <a:spLocks noRot="1" noChangeAspect="1" noMove="1" noResize="1" noEditPoints="1" noAdjustHandles="1" noChangeArrowheads="1" noChangeShapeType="1" noTextEdit="1"/>
+                  </p:cNvSpPr>
+                  <p:nvPr/>
+                </p:nvSpPr>
+                <p:spPr>
+                  <a:xfrm>
+                    <a:off x="1100254" y="965541"/>
+                    <a:ext cx="303865" cy="377219"/>
+                  </a:xfrm>
+                  <a:prstGeom prst="rect">
+                    <a:avLst/>
+                  </a:prstGeom>
+                  <a:blipFill>
+                    <a:blip r:embed="rId5"/>
+                    <a:stretch>
+                      <a:fillRect l="-18000" t="-30645" r="-70000" b="-17742"/>
+                    </a:stretch>
+                  </a:blipFill>
+                </p:spPr>
+                <p:txBody>
+                  <a:bodyPr/>
+                  <a:lstStyle/>
+                  <a:p>
+                    <a:r>
+                      <a:rPr lang="en-US">
+                        <a:noFill/>
+                      </a:rPr>
+                      <a:t> </a:t>
+                    </a:r>
+                  </a:p>
+                </p:txBody>
+              </p:sp>
+            </mc:Fallback>
+          </mc:AlternateContent>
+        </p:grpSp>
+        <p:cxnSp>
+          <p:nvCxnSpPr>
+            <p:cNvPr id="26" name="Straight Arrow Connector 25"/>
+            <p:cNvCxnSpPr/>
+            <p:nvPr/>
+          </p:nvCxnSpPr>
+          <p:spPr>
+            <a:xfrm>
+              <a:off x="2074127" y="847493"/>
+              <a:ext cx="0" cy="1275975"/>
+            </a:xfrm>
+            <a:prstGeom prst="straightConnector1">
+              <a:avLst/>
+            </a:prstGeom>
+            <a:ln w="38100">
+              <a:solidFill>
+                <a:schemeClr val="tx1"/>
+              </a:solidFill>
+              <a:headEnd type="triangle" w="med" len="med"/>
+              <a:tailEnd type="triangle" w="med" len="med"/>
+            </a:ln>
+          </p:spPr>
+          <p:style>
+            <a:lnRef idx="1">
+              <a:schemeClr val="accent1"/>
+            </a:lnRef>
+            <a:fillRef idx="0">
+              <a:schemeClr val="accent1"/>
+            </a:fillRef>
+            <a:effectRef idx="0">
+              <a:schemeClr val="accent1"/>
+            </a:effectRef>
+            <a:fontRef idx="minor">
+              <a:schemeClr val="tx1"/>
+            </a:fontRef>
+          </p:style>
+        </p:cxnSp>
+        <mc:AlternateContent xmlns:mc="http://schemas.openxmlformats.org/markup-compatibility/2006">
+          <mc:Choice xmlns:a14="http://schemas.microsoft.com/office/drawing/2010/main" Requires="a14">
+            <p:sp>
+              <p:nvSpPr>
+                <p:cNvPr id="27" name="TextBox 26"/>
+                <p:cNvSpPr txBox="1"/>
+                <p:nvPr/>
+              </p:nvSpPr>
+              <p:spPr>
+                <a:xfrm>
+                  <a:off x="2234109" y="1314353"/>
+                  <a:ext cx="227755" cy="307777"/>
+                </a:xfrm>
+                <a:prstGeom prst="rect">
+                  <a:avLst/>
+                </a:prstGeom>
+                <a:noFill/>
+              </p:spPr>
+              <p:txBody>
+                <a:bodyPr wrap="none" lIns="0" tIns="0" rIns="0" bIns="0" rtlCol="0">
+                  <a:spAutoFit/>
+                </a:bodyPr>
+                <a:lstStyle/>
+                <a:p>
+                  <a14:m>
+                    <m:oMathPara xmlns:m="http://schemas.openxmlformats.org/officeDocument/2006/math">
+                      <m:oMathParaPr>
+                        <m:jc m:val="centerGroup"/>
+                      </m:oMathParaPr>
+                      <m:oMath xmlns:m="http://schemas.openxmlformats.org/officeDocument/2006/math">
+                        <m:r>
+                          <a:rPr lang="en-US" sz="2000" b="0" i="1" smtClean="0">
+                            <a:latin typeface="Cambria Math" panose="02040503050406030204" pitchFamily="18" charset="0"/>
+                            <a:cs typeface="Arial" panose="020B0604020202020204" pitchFamily="34" charset="0"/>
+                          </a:rPr>
+                          <m:t>𝑑</m:t>
+                        </m:r>
+                      </m:oMath>
+                    </m:oMathPara>
+                  </a14:m>
+                  <a:endParaRPr lang="en-US" sz="2000" dirty="0" smtClean="0">
+                    <a:latin typeface="Arial" panose="020B0604020202020204" pitchFamily="34" charset="0"/>
+                    <a:cs typeface="Arial" panose="020B0604020202020204" pitchFamily="34" charset="0"/>
+                  </a:endParaRPr>
+                </a:p>
+              </p:txBody>
+            </p:sp>
+          </mc:Choice>
+          <mc:Fallback>
+            <p:sp>
+              <p:nvSpPr>
+                <p:cNvPr id="27" name="TextBox 26"/>
+                <p:cNvSpPr txBox="1">
+                  <a:spLocks noRot="1" noChangeAspect="1" noMove="1" noResize="1" noEditPoints="1" noAdjustHandles="1" noChangeArrowheads="1" noChangeShapeType="1" noTextEdit="1"/>
+                </p:cNvSpPr>
+                <p:nvPr/>
+              </p:nvSpPr>
+              <p:spPr>
+                <a:xfrm>
+                  <a:off x="2234109" y="1314353"/>
+                  <a:ext cx="227755" cy="307777"/>
+                </a:xfrm>
+                <a:prstGeom prst="rect">
+                  <a:avLst/>
+                </a:prstGeom>
+                <a:blipFill>
+                  <a:blip r:embed="rId6"/>
+                  <a:stretch>
+                    <a:fillRect l="-24324" r="-21622" b="-12000"/>
+                  </a:stretch>
+                </a:blipFill>
+              </p:spPr>
+              <p:txBody>
+                <a:bodyPr/>
+                <a:lstStyle/>
+                <a:p>
+                  <a:r>
+                    <a:rPr lang="en-US">
+                      <a:noFill/>
+                    </a:rPr>
+                    <a:t> </a:t>
+                  </a:r>
+                </a:p>
+              </p:txBody>
+            </p:sp>
+          </mc:Fallback>
+        </mc:AlternateContent>
+      </p:grpSp>
+      <p:grpSp>
+        <p:nvGrpSpPr>
+          <p:cNvPr id="65" name="Group 64"/>
+          <p:cNvGrpSpPr/>
+          <p:nvPr/>
+        </p:nvGrpSpPr>
+        <p:grpSpPr>
+          <a:xfrm>
+            <a:off x="3569384" y="591367"/>
+            <a:ext cx="3706261" cy="2321930"/>
+            <a:chOff x="3569384" y="591367"/>
+            <a:chExt cx="3706261" cy="2321930"/>
+          </a:xfrm>
+        </p:grpSpPr>
+        <p:grpSp>
+          <p:nvGrpSpPr>
+            <p:cNvPr id="63" name="Group 62"/>
+            <p:cNvGrpSpPr/>
+            <p:nvPr/>
+          </p:nvGrpSpPr>
+          <p:grpSpPr>
+            <a:xfrm>
+              <a:off x="3569384" y="591367"/>
+              <a:ext cx="3706261" cy="2321930"/>
+              <a:chOff x="3569384" y="591367"/>
+              <a:chExt cx="3706261" cy="2321930"/>
+            </a:xfrm>
+          </p:grpSpPr>
+          <p:grpSp>
+            <p:nvGrpSpPr>
+              <p:cNvPr id="30" name="Group 29"/>
+              <p:cNvGrpSpPr/>
+              <p:nvPr/>
+            </p:nvGrpSpPr>
+            <p:grpSpPr>
+              <a:xfrm>
+                <a:off x="3569384" y="766981"/>
+                <a:ext cx="2224718" cy="2146316"/>
+                <a:chOff x="1129904" y="708040"/>
+                <a:chExt cx="2224718" cy="2146316"/>
+              </a:xfrm>
+            </p:grpSpPr>
+            <p:grpSp>
+              <p:nvGrpSpPr>
+                <p:cNvPr id="42" name="Group 41"/>
+                <p:cNvGrpSpPr/>
+                <p:nvPr/>
+              </p:nvGrpSpPr>
+              <p:grpSpPr>
+                <a:xfrm>
+                  <a:off x="1163211" y="708040"/>
+                  <a:ext cx="2191411" cy="2146316"/>
+                  <a:chOff x="1190506" y="680744"/>
+                  <a:chExt cx="2191411" cy="2146316"/>
+                </a:xfrm>
+              </p:grpSpPr>
+              <p:cxnSp>
+                <p:nvCxnSpPr>
+                  <p:cNvPr id="44" name="Straight Arrow Connector 43"/>
+                  <p:cNvCxnSpPr/>
+                  <p:nvPr/>
+                </p:nvCxnSpPr>
+                <p:spPr>
+                  <a:xfrm flipV="1">
+                    <a:off x="1516583" y="680744"/>
+                    <a:ext cx="7684" cy="1859536"/>
+                  </a:xfrm>
+                  <a:prstGeom prst="straightConnector1">
+                    <a:avLst/>
+                  </a:prstGeom>
+                  <a:ln w="38100">
+                    <a:solidFill>
+                      <a:schemeClr val="tx1"/>
+                    </a:solidFill>
+                    <a:tailEnd type="triangle"/>
+                  </a:ln>
+                </p:spPr>
+                <p:style>
+                  <a:lnRef idx="1">
+                    <a:schemeClr val="accent1"/>
+                  </a:lnRef>
+                  <a:fillRef idx="0">
+                    <a:schemeClr val="accent1"/>
+                  </a:fillRef>
+                  <a:effectRef idx="0">
+                    <a:schemeClr val="accent1"/>
+                  </a:effectRef>
+                  <a:fontRef idx="minor">
+                    <a:schemeClr val="tx1"/>
+                  </a:fontRef>
+                </p:style>
+              </p:cxnSp>
+              <p:cxnSp>
+                <p:nvCxnSpPr>
+                  <p:cNvPr id="45" name="Straight Arrow Connector 44"/>
+                  <p:cNvCxnSpPr/>
+                  <p:nvPr/>
+                </p:nvCxnSpPr>
+                <p:spPr>
+                  <a:xfrm flipV="1">
+                    <a:off x="1507013" y="2535259"/>
+                    <a:ext cx="1874904" cy="1"/>
+                  </a:xfrm>
+                  <a:prstGeom prst="straightConnector1">
+                    <a:avLst/>
+                  </a:prstGeom>
+                  <a:ln w="38100">
+                    <a:solidFill>
+                      <a:schemeClr val="tx1"/>
+                    </a:solidFill>
+                    <a:tailEnd type="triangle"/>
+                  </a:ln>
+                </p:spPr>
+                <p:style>
+                  <a:lnRef idx="1">
+                    <a:schemeClr val="accent1"/>
+                  </a:lnRef>
+                  <a:fillRef idx="0">
+                    <a:schemeClr val="accent1"/>
+                  </a:fillRef>
+                  <a:effectRef idx="0">
+                    <a:schemeClr val="accent1"/>
+                  </a:effectRef>
+                  <a:fontRef idx="minor">
+                    <a:schemeClr val="tx1"/>
+                  </a:fontRef>
+                </p:style>
+              </p:cxnSp>
+              <mc:AlternateContent xmlns:mc="http://schemas.openxmlformats.org/markup-compatibility/2006" xmlns:a14="http://schemas.microsoft.com/office/drawing/2010/main">
+                <mc:Choice Requires="a14">
+                  <p:sp>
+                    <p:nvSpPr>
+                      <p:cNvPr id="46" name="Rectangle 45"/>
+                      <p:cNvSpPr/>
+                      <p:nvPr/>
+                    </p:nvSpPr>
+                    <p:spPr>
+                      <a:xfrm>
+                        <a:off x="2897675" y="2457728"/>
+                        <a:ext cx="367985" cy="369332"/>
+                      </a:xfrm>
+                      <a:prstGeom prst="rect">
+                        <a:avLst/>
+                      </a:prstGeom>
+                    </p:spPr>
+                    <p:txBody>
+                      <a:bodyPr wrap="none">
+                        <a:spAutoFit/>
+                      </a:bodyPr>
+                      <a:lstStyle/>
+                      <a:p>
+                        <a:pPr/>
+                        <a14:m>
+                          <m:oMathPara xmlns:m="http://schemas.openxmlformats.org/officeDocument/2006/math">
+                            <m:oMathParaPr>
+                              <m:jc m:val="centerGroup"/>
+                            </m:oMathParaPr>
+                            <m:oMath xmlns:m="http://schemas.openxmlformats.org/officeDocument/2006/math">
+                              <m:r>
+                                <a:rPr lang="en-US" i="1">
+                                  <a:latin typeface="Cambria Math" panose="02040503050406030204" pitchFamily="18" charset="0"/>
+                                  <a:cs typeface="Arial" panose="020B0604020202020204" pitchFamily="34" charset="0"/>
+                                </a:rPr>
+                                <m:t>𝑥</m:t>
+                              </m:r>
+                            </m:oMath>
+                          </m:oMathPara>
+                        </a14:m>
+                        <a:endParaRPr lang="en-CA" dirty="0"/>
+                      </a:p>
+                    </p:txBody>
+                  </p:sp>
+                </mc:Choice>
+                <mc:Fallback xmlns="">
+                  <p:sp>
+                    <p:nvSpPr>
+                      <p:cNvPr id="12" name="Rectangle 11"/>
+                      <p:cNvSpPr>
+                        <a:spLocks noRot="1" noChangeAspect="1" noMove="1" noResize="1" noEditPoints="1" noAdjustHandles="1" noChangeArrowheads="1" noChangeShapeType="1" noTextEdit="1"/>
+                      </p:cNvSpPr>
+                      <p:nvPr/>
+                    </p:nvSpPr>
+                    <p:spPr>
+                      <a:xfrm>
+                        <a:off x="2897675" y="2457728"/>
+                        <a:ext cx="367985" cy="369332"/>
+                      </a:xfrm>
+                      <a:prstGeom prst="rect">
+                        <a:avLst/>
+                      </a:prstGeom>
+                      <a:blipFill rotWithShape="0">
+                        <a:blip r:embed="rId36"/>
+                        <a:stretch>
+                          <a:fillRect/>
+                        </a:stretch>
+                      </a:blipFill>
+                    </p:spPr>
+                    <p:txBody>
+                      <a:bodyPr/>
+                      <a:lstStyle/>
+                      <a:p>
+                        <a:r>
+                          <a:rPr lang="en-CA">
+                            <a:noFill/>
+                          </a:rPr>
+                          <a:t> </a:t>
+                        </a:r>
+                      </a:p>
+                    </p:txBody>
+                  </p:sp>
+                </mc:Fallback>
+              </mc:AlternateContent>
+              <mc:AlternateContent xmlns:mc="http://schemas.openxmlformats.org/markup-compatibility/2006" xmlns:a14="http://schemas.microsoft.com/office/drawing/2010/main">
+                <mc:Choice Requires="a14">
+                  <p:sp>
+                    <p:nvSpPr>
+                      <p:cNvPr id="47" name="Rectangle 46"/>
+                      <p:cNvSpPr/>
+                      <p:nvPr/>
+                    </p:nvSpPr>
+                    <p:spPr>
+                      <a:xfrm>
+                        <a:off x="1190506" y="790545"/>
+                        <a:ext cx="371384" cy="369332"/>
+                      </a:xfrm>
+                      <a:prstGeom prst="rect">
+                        <a:avLst/>
+                      </a:prstGeom>
+                    </p:spPr>
+                    <p:txBody>
+                      <a:bodyPr wrap="none">
+                        <a:spAutoFit/>
+                      </a:bodyPr>
+                      <a:lstStyle/>
+                      <a:p>
+                        <a:pPr/>
+                        <a14:m>
+                          <m:oMathPara xmlns:m="http://schemas.openxmlformats.org/officeDocument/2006/math">
+                            <m:oMathParaPr>
+                              <m:jc m:val="centerGroup"/>
+                            </m:oMathParaPr>
+                            <m:oMath xmlns:m="http://schemas.openxmlformats.org/officeDocument/2006/math">
+                              <m:r>
+                                <a:rPr lang="en-US" b="0" i="1" smtClean="0">
+                                  <a:latin typeface="Cambria Math" panose="02040503050406030204" pitchFamily="18" charset="0"/>
+                                </a:rPr>
+                                <m:t>𝑦</m:t>
+                              </m:r>
+                            </m:oMath>
+                          </m:oMathPara>
+                        </a14:m>
+                        <a:endParaRPr lang="en-CA" dirty="0"/>
+                      </a:p>
+                    </p:txBody>
+                  </p:sp>
+                </mc:Choice>
+                <mc:Fallback xmlns="">
+                  <p:sp>
+                    <p:nvSpPr>
+                      <p:cNvPr id="13" name="Rectangle 12"/>
+                      <p:cNvSpPr>
+                        <a:spLocks noRot="1" noChangeAspect="1" noMove="1" noResize="1" noEditPoints="1" noAdjustHandles="1" noChangeArrowheads="1" noChangeShapeType="1" noTextEdit="1"/>
+                      </p:cNvSpPr>
+                      <p:nvPr/>
+                    </p:nvSpPr>
+                    <p:spPr>
+                      <a:xfrm>
+                        <a:off x="1190506" y="790545"/>
+                        <a:ext cx="371384" cy="369332"/>
+                      </a:xfrm>
+                      <a:prstGeom prst="rect">
+                        <a:avLst/>
+                      </a:prstGeom>
+                      <a:blipFill rotWithShape="0">
+                        <a:blip r:embed="rId37"/>
+                        <a:stretch>
+                          <a:fillRect b="-6557"/>
+                        </a:stretch>
+                      </a:blipFill>
+                    </p:spPr>
+                    <p:txBody>
+                      <a:bodyPr/>
+                      <a:lstStyle/>
+                      <a:p>
+                        <a:r>
+                          <a:rPr lang="en-CA">
+                            <a:noFill/>
+                          </a:rPr>
+                          <a:t> </a:t>
+                        </a:r>
+                      </a:p>
+                    </p:txBody>
+                  </p:sp>
+                </mc:Fallback>
+              </mc:AlternateContent>
+              <mc:AlternateContent xmlns:mc="http://schemas.openxmlformats.org/markup-compatibility/2006" xmlns:a14="http://schemas.microsoft.com/office/drawing/2010/main">
+                <mc:Choice Requires="a14">
+                  <p:sp>
+                    <p:nvSpPr>
+                      <p:cNvPr id="48" name="Rectangle 47"/>
+                      <p:cNvSpPr/>
+                      <p:nvPr/>
+                    </p:nvSpPr>
+                    <p:spPr>
+                      <a:xfrm>
+                        <a:off x="1205483" y="2447020"/>
+                        <a:ext cx="367985" cy="369332"/>
+                      </a:xfrm>
+                      <a:prstGeom prst="rect">
+                        <a:avLst/>
+                      </a:prstGeom>
+                    </p:spPr>
+                    <p:txBody>
+                      <a:bodyPr wrap="none">
+                        <a:spAutoFit/>
+                      </a:bodyPr>
+                      <a:lstStyle/>
+                      <a:p>
+                        <a:pPr/>
+                        <a14:m>
+                          <m:oMathPara xmlns:m="http://schemas.openxmlformats.org/officeDocument/2006/math">
+                            <m:oMathParaPr>
+                              <m:jc m:val="centerGroup"/>
+                            </m:oMathParaPr>
+                            <m:oMath xmlns:m="http://schemas.openxmlformats.org/officeDocument/2006/math">
+                              <m:r>
+                                <a:rPr lang="en-US" b="0" i="1" smtClean="0">
+                                  <a:latin typeface="Cambria Math" panose="02040503050406030204" pitchFamily="18" charset="0"/>
+                                  <a:cs typeface="Arial" panose="020B0604020202020204" pitchFamily="34" charset="0"/>
+                                </a:rPr>
+                                <m:t>0</m:t>
+                              </m:r>
+                            </m:oMath>
+                          </m:oMathPara>
+                        </a14:m>
+                        <a:endParaRPr lang="en-CA" dirty="0"/>
+                      </a:p>
+                    </p:txBody>
+                  </p:sp>
+                </mc:Choice>
+                <mc:Fallback xmlns="">
+                  <p:sp>
+                    <p:nvSpPr>
+                      <p:cNvPr id="14" name="Rectangle 13"/>
+                      <p:cNvSpPr>
+                        <a:spLocks noRot="1" noChangeAspect="1" noMove="1" noResize="1" noEditPoints="1" noAdjustHandles="1" noChangeArrowheads="1" noChangeShapeType="1" noTextEdit="1"/>
+                      </p:cNvSpPr>
+                      <p:nvPr/>
+                    </p:nvSpPr>
+                    <p:spPr>
+                      <a:xfrm>
+                        <a:off x="1205483" y="2447020"/>
+                        <a:ext cx="367985" cy="369332"/>
+                      </a:xfrm>
+                      <a:prstGeom prst="rect">
+                        <a:avLst/>
+                      </a:prstGeom>
+                      <a:blipFill rotWithShape="0">
+                        <a:blip r:embed="rId38"/>
+                        <a:stretch>
+                          <a:fillRect/>
+                        </a:stretch>
+                      </a:blipFill>
+                    </p:spPr>
+                    <p:txBody>
+                      <a:bodyPr/>
+                      <a:lstStyle/>
+                      <a:p>
+                        <a:r>
+                          <a:rPr lang="en-CA">
+                            <a:noFill/>
+                          </a:rPr>
+                          <a:t> </a:t>
+                        </a:r>
+                      </a:p>
+                    </p:txBody>
+                  </p:sp>
+                </mc:Fallback>
+              </mc:AlternateContent>
+            </p:grpSp>
+            <p:sp>
+              <p:nvSpPr>
+                <p:cNvPr id="43" name="Rectangle 42"/>
+                <p:cNvSpPr/>
+                <p:nvPr/>
+              </p:nvSpPr>
+              <p:spPr>
+                <a:xfrm>
+                  <a:off x="1129904" y="1614682"/>
+                  <a:ext cx="184731" cy="369332"/>
+                </a:xfrm>
+                <a:prstGeom prst="rect">
+                  <a:avLst/>
+                </a:prstGeom>
+              </p:spPr>
+              <p:txBody>
+                <a:bodyPr wrap="none">
+                  <a:spAutoFit/>
+                </a:bodyPr>
+                <a:lstStyle/>
+                <a:p>
+                  <a:endParaRPr lang="en-CA" dirty="0"/>
+                </a:p>
+              </p:txBody>
+            </p:sp>
+          </p:grpSp>
+          <p:sp>
+            <p:nvSpPr>
+              <p:cNvPr id="31" name="Oval 30"/>
+              <p:cNvSpPr/>
+              <p:nvPr/>
+            </p:nvSpPr>
+            <p:spPr>
+              <a:xfrm>
+                <a:off x="4520551" y="1909380"/>
+                <a:ext cx="120943" cy="119766"/>
+              </a:xfrm>
+              <a:prstGeom prst="ellipse">
+                <a:avLst/>
+              </a:prstGeom>
+              <a:solidFill>
+                <a:schemeClr val="tx1"/>
+              </a:solidFill>
+              <a:ln w="38100">
+                <a:solidFill>
+                  <a:schemeClr val="tx1"/>
+                </a:solidFill>
+              </a:ln>
+            </p:spPr>
+            <p:style>
+              <a:lnRef idx="2">
+                <a:schemeClr val="accent1">
+                  <a:shade val="50000"/>
+                </a:schemeClr>
+              </a:lnRef>
+              <a:fillRef idx="1">
+                <a:schemeClr val="accent1"/>
+              </a:fillRef>
+              <a:effectRef idx="0">
+                <a:schemeClr val="accent1"/>
+              </a:effectRef>
+              <a:fontRef idx="minor">
+                <a:schemeClr val="lt1"/>
+              </a:fontRef>
+            </p:style>
+            <p:txBody>
+              <a:bodyPr rtlCol="0" anchor="ctr"/>
+              <a:lstStyle/>
+              <a:p>
+                <a:pPr algn="ctr"/>
+                <a:endParaRPr lang="en-US"/>
+              </a:p>
+            </p:txBody>
+          </p:sp>
+          <p:sp>
+            <p:nvSpPr>
+              <p:cNvPr id="32" name="Oval 31"/>
+              <p:cNvSpPr/>
+              <p:nvPr/>
+            </p:nvSpPr>
+            <p:spPr>
+              <a:xfrm>
+                <a:off x="6466516" y="1696749"/>
+                <a:ext cx="120943" cy="119766"/>
+              </a:xfrm>
+              <a:prstGeom prst="ellipse">
+                <a:avLst/>
+              </a:prstGeom>
+              <a:solidFill>
+                <a:schemeClr val="tx1"/>
+              </a:solidFill>
+              <a:ln w="38100">
+                <a:solidFill>
+                  <a:schemeClr val="tx1"/>
+                </a:solidFill>
+              </a:ln>
+            </p:spPr>
+            <p:style>
+              <a:lnRef idx="2">
+                <a:schemeClr val="accent1">
+                  <a:shade val="50000"/>
+                </a:schemeClr>
+              </a:lnRef>
+              <a:fillRef idx="1">
+                <a:schemeClr val="accent1"/>
+              </a:fillRef>
+              <a:effectRef idx="0">
+                <a:schemeClr val="accent1"/>
+              </a:effectRef>
+              <a:fontRef idx="minor">
+                <a:schemeClr val="lt1"/>
+              </a:fontRef>
+            </p:style>
+            <p:txBody>
+              <a:bodyPr rtlCol="0" anchor="ctr"/>
+              <a:lstStyle/>
+              <a:p>
+                <a:pPr algn="ctr"/>
+                <a:endParaRPr lang="en-US"/>
+              </a:p>
+            </p:txBody>
+          </p:sp>
+          <mc:AlternateContent xmlns:mc="http://schemas.openxmlformats.org/markup-compatibility/2006">
+            <mc:Choice xmlns:a14="http://schemas.microsoft.com/office/drawing/2010/main" Requires="a14">
+              <p:sp>
+                <p:nvSpPr>
+                  <p:cNvPr id="33" name="TextBox 32"/>
+                  <p:cNvSpPr txBox="1"/>
+                  <p:nvPr/>
+                </p:nvSpPr>
+                <p:spPr>
+                  <a:xfrm>
+                    <a:off x="4454095" y="1565918"/>
+                    <a:ext cx="234936" cy="307777"/>
+                  </a:xfrm>
+                  <a:prstGeom prst="rect">
+                    <a:avLst/>
+                  </a:prstGeom>
+                  <a:noFill/>
+                </p:spPr>
+                <p:txBody>
+                  <a:bodyPr wrap="none" lIns="0" tIns="0" rIns="0" bIns="0" rtlCol="0">
+                    <a:spAutoFit/>
+                  </a:bodyPr>
+                  <a:lstStyle/>
+                  <a:p>
+                    <a:pPr/>
+                    <a14:m>
+                      <m:oMathPara xmlns:m="http://schemas.openxmlformats.org/officeDocument/2006/math">
+                        <m:oMathParaPr>
+                          <m:jc m:val="centerGroup"/>
+                        </m:oMathParaPr>
+                        <m:oMath xmlns:m="http://schemas.openxmlformats.org/officeDocument/2006/math">
+                          <m:r>
+                            <a:rPr lang="en-US" sz="2000" b="0" i="1" smtClean="0">
+                              <a:latin typeface="Cambria Math" panose="02040503050406030204" pitchFamily="18" charset="0"/>
+                              <a:cs typeface="Arial" panose="020B0604020202020204" pitchFamily="34" charset="0"/>
+                            </a:rPr>
+                            <m:t>𝐴</m:t>
+                          </m:r>
+                        </m:oMath>
+                      </m:oMathPara>
+                    </a14:m>
+                    <a:endParaRPr lang="en-US" sz="2000" dirty="0" smtClean="0">
+                      <a:latin typeface="Arial" panose="020B0604020202020204" pitchFamily="34" charset="0"/>
+                      <a:cs typeface="Arial" panose="020B0604020202020204" pitchFamily="34" charset="0"/>
+                    </a:endParaRPr>
+                  </a:p>
+                </p:txBody>
+              </p:sp>
+            </mc:Choice>
+            <mc:Fallback>
+              <p:sp>
+                <p:nvSpPr>
+                  <p:cNvPr id="33" name="TextBox 32"/>
+                  <p:cNvSpPr txBox="1">
+                    <a:spLocks noRot="1" noChangeAspect="1" noMove="1" noResize="1" noEditPoints="1" noAdjustHandles="1" noChangeArrowheads="1" noChangeShapeType="1" noTextEdit="1"/>
+                  </p:cNvSpPr>
+                  <p:nvPr/>
+                </p:nvSpPr>
+                <p:spPr>
+                  <a:xfrm>
+                    <a:off x="4454095" y="1565918"/>
+                    <a:ext cx="234936" cy="307777"/>
+                  </a:xfrm>
+                  <a:prstGeom prst="rect">
+                    <a:avLst/>
+                  </a:prstGeom>
+                  <a:blipFill>
+                    <a:blip r:embed="rId39"/>
+                    <a:stretch>
+                      <a:fillRect l="-23684" r="-23684" b="-10000"/>
+                    </a:stretch>
+                  </a:blipFill>
+                </p:spPr>
+                <p:txBody>
+                  <a:bodyPr/>
+                  <a:lstStyle/>
+                  <a:p>
+                    <a:r>
+                      <a:rPr lang="en-US">
+                        <a:noFill/>
+                      </a:rPr>
+                      <a:t> </a:t>
+                    </a:r>
+                  </a:p>
+                </p:txBody>
+              </p:sp>
+            </mc:Fallback>
+          </mc:AlternateContent>
+          <mc:AlternateContent xmlns:mc="http://schemas.openxmlformats.org/markup-compatibility/2006">
+            <mc:Choice xmlns:a14="http://schemas.microsoft.com/office/drawing/2010/main" Requires="a14">
+              <p:sp>
+                <p:nvSpPr>
+                  <p:cNvPr id="34" name="TextBox 33"/>
+                  <p:cNvSpPr txBox="1"/>
+                  <p:nvPr/>
+                </p:nvSpPr>
+                <p:spPr>
+                  <a:xfrm>
+                    <a:off x="6638499" y="1432559"/>
+                    <a:ext cx="245708" cy="307777"/>
+                  </a:xfrm>
+                  <a:prstGeom prst="rect">
+                    <a:avLst/>
+                  </a:prstGeom>
+                  <a:noFill/>
+                </p:spPr>
+                <p:txBody>
+                  <a:bodyPr wrap="none" lIns="0" tIns="0" rIns="0" bIns="0" rtlCol="0">
+                    <a:spAutoFit/>
+                  </a:bodyPr>
+                  <a:lstStyle/>
+                  <a:p>
+                    <a:pPr/>
+                    <a14:m>
+                      <m:oMathPara xmlns:m="http://schemas.openxmlformats.org/officeDocument/2006/math">
+                        <m:oMathParaPr>
+                          <m:jc m:val="centerGroup"/>
+                        </m:oMathParaPr>
+                        <m:oMath xmlns:m="http://schemas.openxmlformats.org/officeDocument/2006/math">
+                          <m:r>
+                            <a:rPr lang="en-US" sz="2000" b="0" i="1" smtClean="0">
+                              <a:latin typeface="Cambria Math" panose="02040503050406030204" pitchFamily="18" charset="0"/>
+                              <a:cs typeface="Arial" panose="020B0604020202020204" pitchFamily="34" charset="0"/>
+                            </a:rPr>
+                            <m:t>𝐵</m:t>
+                          </m:r>
+                        </m:oMath>
+                      </m:oMathPara>
+                    </a14:m>
+                    <a:endParaRPr lang="en-US" sz="2000" dirty="0" smtClean="0">
+                      <a:latin typeface="Arial" panose="020B0604020202020204" pitchFamily="34" charset="0"/>
+                      <a:cs typeface="Arial" panose="020B0604020202020204" pitchFamily="34" charset="0"/>
+                    </a:endParaRPr>
+                  </a:p>
+                </p:txBody>
+              </p:sp>
+            </mc:Choice>
+            <mc:Fallback>
+              <p:sp>
+                <p:nvSpPr>
+                  <p:cNvPr id="34" name="TextBox 33"/>
+                  <p:cNvSpPr txBox="1">
+                    <a:spLocks noRot="1" noChangeAspect="1" noMove="1" noResize="1" noEditPoints="1" noAdjustHandles="1" noChangeArrowheads="1" noChangeShapeType="1" noTextEdit="1"/>
+                  </p:cNvSpPr>
+                  <p:nvPr/>
+                </p:nvSpPr>
+                <p:spPr>
+                  <a:xfrm>
+                    <a:off x="6638499" y="1432559"/>
+                    <a:ext cx="245708" cy="307777"/>
+                  </a:xfrm>
+                  <a:prstGeom prst="rect">
+                    <a:avLst/>
+                  </a:prstGeom>
+                  <a:blipFill>
+                    <a:blip r:embed="rId40"/>
+                    <a:stretch>
+                      <a:fillRect l="-22500" r="-20000" b="-10000"/>
+                    </a:stretch>
+                  </a:blipFill>
+                </p:spPr>
+                <p:txBody>
+                  <a:bodyPr/>
+                  <a:lstStyle/>
+                  <a:p>
+                    <a:r>
+                      <a:rPr lang="en-US">
+                        <a:noFill/>
+                      </a:rPr>
+                      <a:t> </a:t>
+                    </a:r>
+                  </a:p>
+                </p:txBody>
+              </p:sp>
+            </mc:Fallback>
+          </mc:AlternateContent>
+          <mc:AlternateContent xmlns:mc="http://schemas.openxmlformats.org/markup-compatibility/2006">
+            <mc:Choice xmlns:a14="http://schemas.microsoft.com/office/drawing/2010/main" Requires="a14">
+              <p:sp>
+                <p:nvSpPr>
+                  <p:cNvPr id="35" name="TextBox 34"/>
+                  <p:cNvSpPr txBox="1"/>
+                  <p:nvPr/>
+                </p:nvSpPr>
+                <p:spPr>
+                  <a:xfrm>
+                    <a:off x="4640708" y="591367"/>
+                    <a:ext cx="576696" cy="345159"/>
+                  </a:xfrm>
+                  <a:prstGeom prst="rect">
+                    <a:avLst/>
+                  </a:prstGeom>
+                  <a:noFill/>
+                </p:spPr>
+                <p:txBody>
+                  <a:bodyPr wrap="none" lIns="0" tIns="0" rIns="0" bIns="0" rtlCol="0">
+                    <a:spAutoFit/>
+                  </a:bodyPr>
+                  <a:lstStyle/>
+                  <a:p>
+                    <a:pPr/>
+                    <a14:m>
+                      <m:oMathPara xmlns:m="http://schemas.openxmlformats.org/officeDocument/2006/math">
+                        <m:oMathParaPr>
+                          <m:jc m:val="centerGroup"/>
+                        </m:oMathParaPr>
+                        <m:oMath xmlns:m="http://schemas.openxmlformats.org/officeDocument/2006/math">
+                          <m:acc>
+                            <m:accPr>
+                              <m:chr m:val="⃗"/>
+                              <m:ctrlPr>
+                                <a:rPr lang="en-US" sz="2000" b="0" i="1" smtClean="0">
+                                  <a:latin typeface="Cambria Math" panose="02040503050406030204" pitchFamily="18" charset="0"/>
+                                  <a:cs typeface="Arial" panose="020B0604020202020204" pitchFamily="34" charset="0"/>
+                                </a:rPr>
+                              </m:ctrlPr>
+                            </m:accPr>
+                            <m:e>
+                              <m:r>
+                                <a:rPr lang="en-US" sz="2000" b="0" i="1" smtClean="0">
+                                  <a:latin typeface="Cambria Math" panose="02040503050406030204" pitchFamily="18" charset="0"/>
+                                  <a:cs typeface="Arial" panose="020B0604020202020204" pitchFamily="34" charset="0"/>
+                                </a:rPr>
+                                <m:t>𝐹</m:t>
+                              </m:r>
+                            </m:e>
+                          </m:acc>
+                          <m:r>
+                            <a:rPr lang="en-US" sz="2000" b="0" i="1" smtClean="0">
+                              <a:latin typeface="Cambria Math" panose="02040503050406030204" pitchFamily="18" charset="0"/>
+                              <a:cs typeface="Arial" panose="020B0604020202020204" pitchFamily="34" charset="0"/>
+                            </a:rPr>
+                            <m:t>(</m:t>
+                          </m:r>
+                          <m:acc>
+                            <m:accPr>
+                              <m:chr m:val="⃗"/>
+                              <m:ctrlPr>
+                                <a:rPr lang="en-US" sz="2000" b="0" i="1" smtClean="0">
+                                  <a:latin typeface="Cambria Math" panose="02040503050406030204" pitchFamily="18" charset="0"/>
+                                  <a:cs typeface="Arial" panose="020B0604020202020204" pitchFamily="34" charset="0"/>
+                                </a:rPr>
+                              </m:ctrlPr>
+                            </m:accPr>
+                            <m:e>
+                              <m:r>
+                                <a:rPr lang="en-US" sz="2000" b="0" i="1" smtClean="0">
+                                  <a:latin typeface="Cambria Math" panose="02040503050406030204" pitchFamily="18" charset="0"/>
+                                  <a:cs typeface="Arial" panose="020B0604020202020204" pitchFamily="34" charset="0"/>
+                                </a:rPr>
+                                <m:t>𝑟</m:t>
+                              </m:r>
+                            </m:e>
+                          </m:acc>
+                          <m:r>
+                            <a:rPr lang="en-US" sz="2000" b="0" i="1" smtClean="0">
+                              <a:latin typeface="Cambria Math" panose="02040503050406030204" pitchFamily="18" charset="0"/>
+                              <a:cs typeface="Arial" panose="020B0604020202020204" pitchFamily="34" charset="0"/>
+                            </a:rPr>
+                            <m:t>)</m:t>
+                          </m:r>
+                        </m:oMath>
+                      </m:oMathPara>
+                    </a14:m>
+                    <a:endParaRPr lang="en-US" sz="2000" dirty="0" smtClean="0">
+                      <a:latin typeface="Arial" panose="020B0604020202020204" pitchFamily="34" charset="0"/>
+                      <a:cs typeface="Arial" panose="020B0604020202020204" pitchFamily="34" charset="0"/>
+                    </a:endParaRPr>
+                  </a:p>
+                </p:txBody>
+              </p:sp>
+            </mc:Choice>
+            <mc:Fallback>
+              <p:sp>
+                <p:nvSpPr>
+                  <p:cNvPr id="35" name="TextBox 34"/>
+                  <p:cNvSpPr txBox="1">
+                    <a:spLocks noRot="1" noChangeAspect="1" noMove="1" noResize="1" noEditPoints="1" noAdjustHandles="1" noChangeArrowheads="1" noChangeShapeType="1" noTextEdit="1"/>
+                  </p:cNvSpPr>
+                  <p:nvPr/>
+                </p:nvSpPr>
+                <p:spPr>
+                  <a:xfrm>
+                    <a:off x="4640708" y="591367"/>
+                    <a:ext cx="576696" cy="345159"/>
+                  </a:xfrm>
+                  <a:prstGeom prst="rect">
+                    <a:avLst/>
+                  </a:prstGeom>
+                  <a:blipFill>
+                    <a:blip r:embed="rId41"/>
+                    <a:stretch>
+                      <a:fillRect l="-8421" t="-33333" r="-48421" b="-33333"/>
+                    </a:stretch>
+                  </a:blipFill>
+                </p:spPr>
+                <p:txBody>
+                  <a:bodyPr/>
+                  <a:lstStyle/>
+                  <a:p>
+                    <a:r>
+                      <a:rPr lang="en-US">
+                        <a:noFill/>
+                      </a:rPr>
+                      <a:t> </a:t>
+                    </a:r>
+                  </a:p>
+                </p:txBody>
+              </p:sp>
+            </mc:Fallback>
+          </mc:AlternateContent>
+          <p:cxnSp>
+            <p:nvCxnSpPr>
+              <p:cNvPr id="37" name="Straight Arrow Connector 36"/>
+              <p:cNvCxnSpPr/>
+              <p:nvPr/>
+            </p:nvCxnSpPr>
+            <p:spPr>
+              <a:xfrm flipV="1">
+                <a:off x="5200092" y="602673"/>
+                <a:ext cx="262852" cy="418176"/>
+              </a:xfrm>
+              <a:prstGeom prst="straightConnector1">
+                <a:avLst/>
+              </a:prstGeom>
+              <a:ln w="38100">
+                <a:solidFill>
+                  <a:schemeClr val="tx1"/>
+                </a:solidFill>
+                <a:tailEnd type="triangle"/>
+              </a:ln>
+            </p:spPr>
+            <p:style>
+              <a:lnRef idx="1">
+                <a:schemeClr val="accent1"/>
+              </a:lnRef>
+              <a:fillRef idx="0">
+                <a:schemeClr val="accent1"/>
+              </a:fillRef>
+              <a:effectRef idx="0">
+                <a:schemeClr val="accent1"/>
+              </a:effectRef>
+              <a:fontRef idx="minor">
+                <a:schemeClr val="tx1"/>
+              </a:fontRef>
+            </p:style>
+          </p:cxnSp>
+          <mc:AlternateContent xmlns:mc="http://schemas.openxmlformats.org/markup-compatibility/2006">
+            <mc:Choice xmlns:a14="http://schemas.microsoft.com/office/drawing/2010/main" Requires="a14">
+              <p:sp>
+                <p:nvSpPr>
+                  <p:cNvPr id="41" name="TextBox 40"/>
+                  <p:cNvSpPr txBox="1"/>
+                  <p:nvPr/>
+                </p:nvSpPr>
+                <p:spPr>
+                  <a:xfrm>
+                    <a:off x="5635276" y="992278"/>
+                    <a:ext cx="317651" cy="353302"/>
+                  </a:xfrm>
+                  <a:prstGeom prst="rect">
+                    <a:avLst/>
+                  </a:prstGeom>
+                  <a:noFill/>
+                </p:spPr>
+                <p:txBody>
+                  <a:bodyPr wrap="none" lIns="0" tIns="0" rIns="0" bIns="0" rtlCol="0">
+                    <a:spAutoFit/>
+                  </a:bodyPr>
+                  <a:lstStyle/>
+                  <a:p>
+                    <a:pPr/>
+                    <a14:m>
+                      <m:oMathPara xmlns:m="http://schemas.openxmlformats.org/officeDocument/2006/math">
+                        <m:oMathParaPr>
+                          <m:jc m:val="centerGroup"/>
+                        </m:oMathParaPr>
+                        <m:oMath xmlns:m="http://schemas.openxmlformats.org/officeDocument/2006/math">
+                          <m:r>
+                            <a:rPr lang="en-US" sz="2000" b="0" i="1" smtClean="0">
+                              <a:solidFill>
+                                <a:srgbClr val="FF0000"/>
+                              </a:solidFill>
+                              <a:latin typeface="Cambria Math" panose="02040503050406030204" pitchFamily="18" charset="0"/>
+                              <a:cs typeface="Arial" panose="020B0604020202020204" pitchFamily="34" charset="0"/>
+                            </a:rPr>
+                            <m:t>𝑑</m:t>
+                          </m:r>
+                          <m:acc>
+                            <m:accPr>
+                              <m:chr m:val="⃗"/>
+                              <m:ctrlPr>
+                                <a:rPr lang="en-US" sz="2000" b="0" i="1" smtClean="0">
+                                  <a:solidFill>
+                                    <a:srgbClr val="FF0000"/>
+                                  </a:solidFill>
+                                  <a:latin typeface="Cambria Math" panose="02040503050406030204" pitchFamily="18" charset="0"/>
+                                  <a:cs typeface="Arial" panose="020B0604020202020204" pitchFamily="34" charset="0"/>
+                                </a:rPr>
+                              </m:ctrlPr>
+                            </m:accPr>
+                            <m:e>
+                              <m:r>
+                                <a:rPr lang="en-US" sz="2000" b="0" i="1" smtClean="0">
+                                  <a:solidFill>
+                                    <a:srgbClr val="FF0000"/>
+                                  </a:solidFill>
+                                  <a:latin typeface="Cambria Math" panose="02040503050406030204" pitchFamily="18" charset="0"/>
+                                  <a:cs typeface="Arial" panose="020B0604020202020204" pitchFamily="34" charset="0"/>
+                                </a:rPr>
+                                <m:t>𝑙</m:t>
+                              </m:r>
+                            </m:e>
+                          </m:acc>
+                        </m:oMath>
+                      </m:oMathPara>
+                    </a14:m>
+                    <a:endParaRPr lang="en-US" sz="2000" dirty="0" smtClean="0">
+                      <a:solidFill>
+                        <a:srgbClr val="FF0000"/>
+                      </a:solidFill>
+                      <a:latin typeface="Arial" panose="020B0604020202020204" pitchFamily="34" charset="0"/>
+                      <a:cs typeface="Arial" panose="020B0604020202020204" pitchFamily="34" charset="0"/>
+                    </a:endParaRPr>
+                  </a:p>
+                </p:txBody>
+              </p:sp>
+            </mc:Choice>
+            <mc:Fallback>
+              <p:sp>
+                <p:nvSpPr>
+                  <p:cNvPr id="41" name="TextBox 40"/>
+                  <p:cNvSpPr txBox="1">
+                    <a:spLocks noRot="1" noChangeAspect="1" noMove="1" noResize="1" noEditPoints="1" noAdjustHandles="1" noChangeArrowheads="1" noChangeShapeType="1" noTextEdit="1"/>
+                  </p:cNvSpPr>
+                  <p:nvPr/>
+                </p:nvSpPr>
+                <p:spPr>
+                  <a:xfrm>
+                    <a:off x="5635276" y="992278"/>
+                    <a:ext cx="317651" cy="353302"/>
+                  </a:xfrm>
+                  <a:prstGeom prst="rect">
+                    <a:avLst/>
+                  </a:prstGeom>
+                  <a:blipFill>
+                    <a:blip r:embed="rId42"/>
+                    <a:stretch>
+                      <a:fillRect l="-16981" t="-34483" r="-101887" b="-8621"/>
+                    </a:stretch>
+                  </a:blipFill>
+                </p:spPr>
+                <p:txBody>
+                  <a:bodyPr/>
+                  <a:lstStyle/>
+                  <a:p>
+                    <a:r>
+                      <a:rPr lang="en-US">
+                        <a:noFill/>
+                      </a:rPr>
+                      <a:t> </a:t>
+                    </a:r>
+                  </a:p>
+                </p:txBody>
+              </p:sp>
+            </mc:Fallback>
+          </mc:AlternateContent>
+          <p:cxnSp>
+            <p:nvCxnSpPr>
+              <p:cNvPr id="50" name="Straight Arrow Connector 49"/>
+              <p:cNvCxnSpPr>
+                <a:endCxn id="31" idx="3"/>
+              </p:cNvCxnSpPr>
+              <p:nvPr/>
+            </p:nvCxnSpPr>
+            <p:spPr>
+              <a:xfrm flipV="1">
+                <a:off x="3936452" y="2011607"/>
+                <a:ext cx="601811" cy="609889"/>
+              </a:xfrm>
+              <a:prstGeom prst="straightConnector1">
+                <a:avLst/>
+              </a:prstGeom>
+              <a:ln w="38100">
+                <a:solidFill>
+                  <a:schemeClr val="tx1"/>
+                </a:solidFill>
+                <a:prstDash val="sysDot"/>
+                <a:tailEnd type="triangle"/>
+              </a:ln>
+            </p:spPr>
+            <p:style>
+              <a:lnRef idx="1">
+                <a:schemeClr val="accent1"/>
+              </a:lnRef>
+              <a:fillRef idx="0">
+                <a:schemeClr val="accent1"/>
+              </a:fillRef>
+              <a:effectRef idx="0">
+                <a:schemeClr val="accent1"/>
+              </a:effectRef>
+              <a:fontRef idx="minor">
+                <a:schemeClr val="tx1"/>
+              </a:fontRef>
+            </p:style>
+          </p:cxnSp>
+          <p:cxnSp>
+            <p:nvCxnSpPr>
+              <p:cNvPr id="51" name="Straight Arrow Connector 50"/>
+              <p:cNvCxnSpPr>
+                <a:endCxn id="32" idx="3"/>
+              </p:cNvCxnSpPr>
+              <p:nvPr/>
+            </p:nvCxnSpPr>
+            <p:spPr>
+              <a:xfrm flipV="1">
+                <a:off x="3928768" y="1798976"/>
+                <a:ext cx="2555460" cy="822520"/>
+              </a:xfrm>
+              <a:prstGeom prst="straightConnector1">
+                <a:avLst/>
+              </a:prstGeom>
+              <a:ln w="38100">
+                <a:solidFill>
+                  <a:schemeClr val="tx1"/>
+                </a:solidFill>
+                <a:prstDash val="sysDot"/>
+                <a:tailEnd type="triangle"/>
+              </a:ln>
+            </p:spPr>
+            <p:style>
+              <a:lnRef idx="1">
+                <a:schemeClr val="accent1"/>
+              </a:lnRef>
+              <a:fillRef idx="0">
+                <a:schemeClr val="accent1"/>
+              </a:fillRef>
+              <a:effectRef idx="0">
+                <a:schemeClr val="accent1"/>
+              </a:effectRef>
+              <a:fontRef idx="minor">
+                <a:schemeClr val="tx1"/>
+              </a:fontRef>
+            </p:style>
+          </p:cxnSp>
+          <mc:AlternateContent xmlns:mc="http://schemas.openxmlformats.org/markup-compatibility/2006">
+            <mc:Choice xmlns:a14="http://schemas.microsoft.com/office/drawing/2010/main" Requires="a14">
+              <p:sp>
+                <p:nvSpPr>
+                  <p:cNvPr id="56" name="TextBox 55"/>
+                  <p:cNvSpPr txBox="1"/>
+                  <p:nvPr/>
+                </p:nvSpPr>
+                <p:spPr>
+                  <a:xfrm>
+                    <a:off x="3960230" y="1944104"/>
+                    <a:ext cx="287322" cy="307777"/>
+                  </a:xfrm>
+                  <a:prstGeom prst="rect">
+                    <a:avLst/>
+                  </a:prstGeom>
+                  <a:noFill/>
+                </p:spPr>
+                <p:txBody>
+                  <a:bodyPr wrap="none" lIns="0" tIns="0" rIns="0" bIns="0" rtlCol="0">
+                    <a:spAutoFit/>
+                  </a:bodyPr>
+                  <a:lstStyle/>
+                  <a:p>
+                    <a14:m>
+                      <m:oMathPara xmlns:m="http://schemas.openxmlformats.org/officeDocument/2006/math">
+                        <m:oMathParaPr>
+                          <m:jc m:val="centerGroup"/>
+                        </m:oMathParaPr>
+                        <m:oMath xmlns:m="http://schemas.openxmlformats.org/officeDocument/2006/math">
+                          <m:sSub>
+                            <m:sSubPr>
+                              <m:ctrlPr>
+                                <a:rPr lang="en-US" sz="2000" b="0" i="1" smtClean="0">
+                                  <a:latin typeface="Cambria Math" panose="02040503050406030204" pitchFamily="18" charset="0"/>
+                                  <a:cs typeface="Arial" panose="020B0604020202020204" pitchFamily="34" charset="0"/>
+                                </a:rPr>
+                              </m:ctrlPr>
+                            </m:sSubPr>
+                            <m:e>
+                              <m:acc>
+                                <m:accPr>
+                                  <m:chr m:val="⃗"/>
+                                  <m:ctrlPr>
+                                    <a:rPr lang="en-US" sz="2000" b="0" i="1" smtClean="0">
+                                      <a:latin typeface="Cambria Math" panose="02040503050406030204" pitchFamily="18" charset="0"/>
+                                      <a:cs typeface="Arial" panose="020B0604020202020204" pitchFamily="34" charset="0"/>
+                                    </a:rPr>
+                                  </m:ctrlPr>
+                                </m:accPr>
+                                <m:e>
+                                  <m:r>
+                                    <a:rPr lang="en-US" sz="2000" b="0" i="1" smtClean="0">
+                                      <a:latin typeface="Cambria Math" panose="02040503050406030204" pitchFamily="18" charset="0"/>
+                                      <a:cs typeface="Arial" panose="020B0604020202020204" pitchFamily="34" charset="0"/>
+                                    </a:rPr>
+                                    <m:t>𝑟</m:t>
+                                  </m:r>
+                                </m:e>
+                              </m:acc>
+                            </m:e>
+                            <m:sub>
+                              <m:r>
+                                <a:rPr lang="en-US" sz="2000" b="0" i="1" smtClean="0">
+                                  <a:latin typeface="Cambria Math" panose="02040503050406030204" pitchFamily="18" charset="0"/>
+                                  <a:cs typeface="Arial" panose="020B0604020202020204" pitchFamily="34" charset="0"/>
+                                </a:rPr>
+                                <m:t>𝐴</m:t>
+                              </m:r>
+                            </m:sub>
+                          </m:sSub>
+                        </m:oMath>
+                      </m:oMathPara>
+                    </a14:m>
+                    <a:endParaRPr lang="en-US" sz="2000" dirty="0" smtClean="0">
+                      <a:latin typeface="Arial" panose="020B0604020202020204" pitchFamily="34" charset="0"/>
+                      <a:cs typeface="Arial" panose="020B0604020202020204" pitchFamily="34" charset="0"/>
+                    </a:endParaRPr>
+                  </a:p>
+                </p:txBody>
+              </p:sp>
+            </mc:Choice>
+            <mc:Fallback>
+              <p:sp>
+                <p:nvSpPr>
+                  <p:cNvPr id="56" name="TextBox 55"/>
+                  <p:cNvSpPr txBox="1">
+                    <a:spLocks noRot="1" noChangeAspect="1" noMove="1" noResize="1" noEditPoints="1" noAdjustHandles="1" noChangeArrowheads="1" noChangeShapeType="1" noTextEdit="1"/>
+                  </p:cNvSpPr>
+                  <p:nvPr/>
+                </p:nvSpPr>
+                <p:spPr>
+                  <a:xfrm>
+                    <a:off x="3960230" y="1944104"/>
+                    <a:ext cx="287322" cy="307777"/>
+                  </a:xfrm>
+                  <a:prstGeom prst="rect">
+                    <a:avLst/>
+                  </a:prstGeom>
+                  <a:blipFill>
+                    <a:blip r:embed="rId43"/>
+                    <a:stretch>
+                      <a:fillRect l="-21277" t="-36000" r="-65957" b="-20000"/>
+                    </a:stretch>
+                  </a:blipFill>
+                </p:spPr>
+                <p:txBody>
+                  <a:bodyPr/>
+                  <a:lstStyle/>
+                  <a:p>
+                    <a:r>
+                      <a:rPr lang="en-US">
+                        <a:noFill/>
+                      </a:rPr>
+                      <a:t> </a:t>
+                    </a:r>
+                  </a:p>
+                </p:txBody>
+              </p:sp>
+            </mc:Fallback>
+          </mc:AlternateContent>
+          <mc:AlternateContent xmlns:mc="http://schemas.openxmlformats.org/markup-compatibility/2006">
+            <mc:Choice xmlns:a14="http://schemas.microsoft.com/office/drawing/2010/main" Requires="a14">
+              <p:sp>
+                <p:nvSpPr>
+                  <p:cNvPr id="57" name="TextBox 56"/>
+                  <p:cNvSpPr txBox="1"/>
+                  <p:nvPr/>
+                </p:nvSpPr>
+                <p:spPr>
+                  <a:xfrm>
+                    <a:off x="5850680" y="2029146"/>
+                    <a:ext cx="306494" cy="307777"/>
+                  </a:xfrm>
+                  <a:prstGeom prst="rect">
+                    <a:avLst/>
+                  </a:prstGeom>
+                  <a:noFill/>
+                </p:spPr>
+                <p:txBody>
+                  <a:bodyPr wrap="square" lIns="0" tIns="0" rIns="0" bIns="0" rtlCol="0">
+                    <a:spAutoFit/>
+                  </a:bodyPr>
+                  <a:lstStyle/>
+                  <a:p>
+                    <a14:m>
+                      <m:oMathPara xmlns:m="http://schemas.openxmlformats.org/officeDocument/2006/math">
+                        <m:oMathParaPr>
+                          <m:jc m:val="centerGroup"/>
+                        </m:oMathParaPr>
+                        <m:oMath xmlns:m="http://schemas.openxmlformats.org/officeDocument/2006/math">
+                          <m:sSub>
+                            <m:sSubPr>
+                              <m:ctrlPr>
+                                <a:rPr lang="en-US" sz="2000" b="0" i="1" smtClean="0">
+                                  <a:latin typeface="Cambria Math" panose="02040503050406030204" pitchFamily="18" charset="0"/>
+                                  <a:cs typeface="Arial" panose="020B0604020202020204" pitchFamily="34" charset="0"/>
+                                </a:rPr>
+                              </m:ctrlPr>
+                            </m:sSubPr>
+                            <m:e>
+                              <m:acc>
+                                <m:accPr>
+                                  <m:chr m:val="⃗"/>
+                                  <m:ctrlPr>
+                                    <a:rPr lang="en-US" sz="2000" b="0" i="1" smtClean="0">
+                                      <a:latin typeface="Cambria Math" panose="02040503050406030204" pitchFamily="18" charset="0"/>
+                                      <a:cs typeface="Arial" panose="020B0604020202020204" pitchFamily="34" charset="0"/>
+                                    </a:rPr>
+                                  </m:ctrlPr>
+                                </m:accPr>
+                                <m:e>
+                                  <m:r>
+                                    <a:rPr lang="en-US" sz="2000" b="0" i="1" smtClean="0">
+                                      <a:latin typeface="Cambria Math" panose="02040503050406030204" pitchFamily="18" charset="0"/>
+                                      <a:cs typeface="Arial" panose="020B0604020202020204" pitchFamily="34" charset="0"/>
+                                    </a:rPr>
+                                    <m:t>𝑟</m:t>
+                                  </m:r>
+                                </m:e>
+                              </m:acc>
+                            </m:e>
+                            <m:sub>
+                              <m:r>
+                                <a:rPr lang="en-US" sz="2000" b="0" i="1" smtClean="0">
+                                  <a:latin typeface="Cambria Math" panose="02040503050406030204" pitchFamily="18" charset="0"/>
+                                  <a:cs typeface="Arial" panose="020B0604020202020204" pitchFamily="34" charset="0"/>
+                                </a:rPr>
+                                <m:t>𝐵</m:t>
+                              </m:r>
+                            </m:sub>
+                          </m:sSub>
+                        </m:oMath>
+                      </m:oMathPara>
+                    </a14:m>
+                    <a:endParaRPr lang="en-US" sz="2000" dirty="0" smtClean="0">
+                      <a:latin typeface="Arial" panose="020B0604020202020204" pitchFamily="34" charset="0"/>
+                      <a:cs typeface="Arial" panose="020B0604020202020204" pitchFamily="34" charset="0"/>
+                    </a:endParaRPr>
+                  </a:p>
+                </p:txBody>
+              </p:sp>
+            </mc:Choice>
+            <mc:Fallback>
+              <p:sp>
+                <p:nvSpPr>
+                  <p:cNvPr id="57" name="TextBox 56"/>
+                  <p:cNvSpPr txBox="1">
+                    <a:spLocks noRot="1" noChangeAspect="1" noMove="1" noResize="1" noEditPoints="1" noAdjustHandles="1" noChangeArrowheads="1" noChangeShapeType="1" noTextEdit="1"/>
+                  </p:cNvSpPr>
+                  <p:nvPr/>
+                </p:nvSpPr>
+                <p:spPr>
+                  <a:xfrm>
+                    <a:off x="5850680" y="2029146"/>
+                    <a:ext cx="306494" cy="307777"/>
+                  </a:xfrm>
+                  <a:prstGeom prst="rect">
+                    <a:avLst/>
+                  </a:prstGeom>
+                  <a:blipFill>
+                    <a:blip r:embed="rId44"/>
+                    <a:stretch>
+                      <a:fillRect l="-20000" t="-36000" r="-62000" b="-20000"/>
+                    </a:stretch>
+                  </a:blipFill>
+                </p:spPr>
+                <p:txBody>
+                  <a:bodyPr/>
+                  <a:lstStyle/>
+                  <a:p>
+                    <a:r>
+                      <a:rPr lang="en-US">
+                        <a:noFill/>
+                      </a:rPr>
+                      <a:t> </a:t>
+                    </a:r>
+                  </a:p>
+                </p:txBody>
+              </p:sp>
+            </mc:Fallback>
+          </mc:AlternateContent>
+          <p:cxnSp>
+            <p:nvCxnSpPr>
+              <p:cNvPr id="38" name="Straight Arrow Connector 37"/>
+              <p:cNvCxnSpPr/>
+              <p:nvPr/>
+            </p:nvCxnSpPr>
+            <p:spPr>
+              <a:xfrm flipV="1">
+                <a:off x="5196686" y="1012234"/>
+                <a:ext cx="440121" cy="20450"/>
+              </a:xfrm>
+              <a:prstGeom prst="straightConnector1">
+                <a:avLst/>
+              </a:prstGeom>
+              <a:ln w="57150">
+                <a:solidFill>
+                  <a:srgbClr val="FF0000"/>
+                </a:solidFill>
+                <a:tailEnd type="triangle"/>
+              </a:ln>
+            </p:spPr>
+            <p:style>
+              <a:lnRef idx="1">
+                <a:schemeClr val="accent1"/>
+              </a:lnRef>
+              <a:fillRef idx="0">
+                <a:schemeClr val="accent1"/>
+              </a:fillRef>
+              <a:effectRef idx="0">
+                <a:schemeClr val="accent1"/>
+              </a:effectRef>
+              <a:fontRef idx="minor">
+                <a:schemeClr val="tx1"/>
+              </a:fontRef>
+            </p:style>
+          </p:cxnSp>
+          <mc:AlternateContent xmlns:mc="http://schemas.openxmlformats.org/markup-compatibility/2006">
+            <mc:Choice xmlns:a14="http://schemas.microsoft.com/office/drawing/2010/main" Requires="a14">
+              <p:sp>
+                <p:nvSpPr>
+                  <p:cNvPr id="61" name="TextBox 60"/>
+                  <p:cNvSpPr txBox="1"/>
+                  <p:nvPr/>
+                </p:nvSpPr>
+                <p:spPr>
+                  <a:xfrm>
+                    <a:off x="4787413" y="1780008"/>
+                    <a:ext cx="680250" cy="307777"/>
+                  </a:xfrm>
+                  <a:prstGeom prst="rect">
+                    <a:avLst/>
+                  </a:prstGeom>
+                  <a:noFill/>
+                </p:spPr>
+                <p:txBody>
+                  <a:bodyPr wrap="none" lIns="0" tIns="0" rIns="0" bIns="0" rtlCol="0">
+                    <a:spAutoFit/>
+                  </a:bodyPr>
+                  <a:lstStyle/>
+                  <a:p>
+                    <a14:m>
+                      <m:oMathPara xmlns:m="http://schemas.openxmlformats.org/officeDocument/2006/math">
+                        <m:oMathParaPr>
+                          <m:jc m:val="centerGroup"/>
+                        </m:oMathParaPr>
+                        <m:oMath xmlns:m="http://schemas.openxmlformats.org/officeDocument/2006/math">
+                          <m:r>
+                            <a:rPr lang="en-US" sz="2000" b="0" i="1" smtClean="0">
+                              <a:latin typeface="Cambria Math" panose="02040503050406030204" pitchFamily="18" charset="0"/>
+                              <a:cs typeface="Arial" panose="020B0604020202020204" pitchFamily="34" charset="0"/>
+                            </a:rPr>
+                            <m:t>𝑈</m:t>
+                          </m:r>
+                          <m:d>
+                            <m:dPr>
+                              <m:ctrlPr>
+                                <a:rPr lang="en-US" sz="2000" b="0" i="1" smtClean="0">
+                                  <a:latin typeface="Cambria Math" panose="02040503050406030204" pitchFamily="18" charset="0"/>
+                                  <a:cs typeface="Arial" panose="020B0604020202020204" pitchFamily="34" charset="0"/>
+                                </a:rPr>
+                              </m:ctrlPr>
+                            </m:dPr>
+                            <m:e>
+                              <m:sSub>
+                                <m:sSubPr>
+                                  <m:ctrlPr>
+                                    <a:rPr lang="en-US" sz="2000" b="0" i="1" smtClean="0">
+                                      <a:latin typeface="Cambria Math" panose="02040503050406030204" pitchFamily="18" charset="0"/>
+                                      <a:cs typeface="Arial" panose="020B0604020202020204" pitchFamily="34" charset="0"/>
+                                    </a:rPr>
+                                  </m:ctrlPr>
+                                </m:sSubPr>
+                                <m:e>
+                                  <m:acc>
+                                    <m:accPr>
+                                      <m:chr m:val="⃗"/>
+                                      <m:ctrlPr>
+                                        <a:rPr lang="en-US" sz="2000" b="0" i="1" smtClean="0">
+                                          <a:latin typeface="Cambria Math" panose="02040503050406030204" pitchFamily="18" charset="0"/>
+                                          <a:cs typeface="Arial" panose="020B0604020202020204" pitchFamily="34" charset="0"/>
+                                        </a:rPr>
+                                      </m:ctrlPr>
+                                    </m:accPr>
+                                    <m:e>
+                                      <m:r>
+                                        <a:rPr lang="en-US" sz="2000" b="0" i="1" smtClean="0">
+                                          <a:latin typeface="Cambria Math" panose="02040503050406030204" pitchFamily="18" charset="0"/>
+                                          <a:cs typeface="Arial" panose="020B0604020202020204" pitchFamily="34" charset="0"/>
+                                        </a:rPr>
+                                        <m:t>𝑟</m:t>
+                                      </m:r>
+                                    </m:e>
+                                  </m:acc>
+                                </m:e>
+                                <m:sub>
+                                  <m:r>
+                                    <a:rPr lang="en-US" sz="2000" b="0" i="1" smtClean="0">
+                                      <a:latin typeface="Cambria Math" panose="02040503050406030204" pitchFamily="18" charset="0"/>
+                                      <a:cs typeface="Arial" panose="020B0604020202020204" pitchFamily="34" charset="0"/>
+                                    </a:rPr>
+                                    <m:t>𝐴</m:t>
+                                  </m:r>
+                                </m:sub>
+                              </m:sSub>
+                            </m:e>
+                          </m:d>
+                        </m:oMath>
+                      </m:oMathPara>
+                    </a14:m>
+                    <a:endParaRPr lang="en-US" sz="2000" dirty="0" smtClean="0">
+                      <a:latin typeface="Arial" panose="020B0604020202020204" pitchFamily="34" charset="0"/>
+                      <a:cs typeface="Arial" panose="020B0604020202020204" pitchFamily="34" charset="0"/>
+                    </a:endParaRPr>
+                  </a:p>
+                </p:txBody>
+              </p:sp>
+            </mc:Choice>
+            <mc:Fallback>
+              <p:sp>
+                <p:nvSpPr>
+                  <p:cNvPr id="61" name="TextBox 60"/>
+                  <p:cNvSpPr txBox="1">
+                    <a:spLocks noRot="1" noChangeAspect="1" noMove="1" noResize="1" noEditPoints="1" noAdjustHandles="1" noChangeArrowheads="1" noChangeShapeType="1" noTextEdit="1"/>
+                  </p:cNvSpPr>
+                  <p:nvPr/>
+                </p:nvSpPr>
+                <p:spPr>
+                  <a:xfrm>
+                    <a:off x="4787413" y="1780008"/>
+                    <a:ext cx="680250" cy="307777"/>
+                  </a:xfrm>
+                  <a:prstGeom prst="rect">
+                    <a:avLst/>
+                  </a:prstGeom>
+                  <a:blipFill>
+                    <a:blip r:embed="rId45"/>
+                    <a:stretch>
+                      <a:fillRect l="-7143" t="-36000" r="-27679" b="-20000"/>
+                    </a:stretch>
+                  </a:blipFill>
+                </p:spPr>
+                <p:txBody>
+                  <a:bodyPr/>
+                  <a:lstStyle/>
+                  <a:p>
+                    <a:r>
+                      <a:rPr lang="en-US">
+                        <a:noFill/>
+                      </a:rPr>
+                      <a:t> </a:t>
+                    </a:r>
+                  </a:p>
+                </p:txBody>
+              </p:sp>
+            </mc:Fallback>
+          </mc:AlternateContent>
+          <mc:AlternateContent xmlns:mc="http://schemas.openxmlformats.org/markup-compatibility/2006">
+            <mc:Choice xmlns:a14="http://schemas.microsoft.com/office/drawing/2010/main" Requires="a14">
+              <p:sp>
+                <p:nvSpPr>
+                  <p:cNvPr id="62" name="TextBox 61"/>
+                  <p:cNvSpPr txBox="1"/>
+                  <p:nvPr/>
+                </p:nvSpPr>
+                <p:spPr>
+                  <a:xfrm>
+                    <a:off x="6574940" y="1835049"/>
+                    <a:ext cx="700705" cy="307777"/>
+                  </a:xfrm>
+                  <a:prstGeom prst="rect">
+                    <a:avLst/>
+                  </a:prstGeom>
+                  <a:noFill/>
+                </p:spPr>
+                <p:txBody>
+                  <a:bodyPr wrap="none" lIns="0" tIns="0" rIns="0" bIns="0" rtlCol="0">
+                    <a:spAutoFit/>
+                  </a:bodyPr>
+                  <a:lstStyle/>
+                  <a:p>
+                    <a14:m>
+                      <m:oMathPara xmlns:m="http://schemas.openxmlformats.org/officeDocument/2006/math">
+                        <m:oMathParaPr>
+                          <m:jc m:val="centerGroup"/>
+                        </m:oMathParaPr>
+                        <m:oMath xmlns:m="http://schemas.openxmlformats.org/officeDocument/2006/math">
+                          <m:r>
+                            <a:rPr lang="en-US" sz="2000" b="0" i="1" smtClean="0">
+                              <a:latin typeface="Cambria Math" panose="02040503050406030204" pitchFamily="18" charset="0"/>
+                              <a:cs typeface="Arial" panose="020B0604020202020204" pitchFamily="34" charset="0"/>
+                            </a:rPr>
+                            <m:t>𝑈</m:t>
+                          </m:r>
+                          <m:d>
+                            <m:dPr>
+                              <m:ctrlPr>
+                                <a:rPr lang="en-US" sz="2000" b="0" i="1" smtClean="0">
+                                  <a:latin typeface="Cambria Math" panose="02040503050406030204" pitchFamily="18" charset="0"/>
+                                  <a:cs typeface="Arial" panose="020B0604020202020204" pitchFamily="34" charset="0"/>
+                                </a:rPr>
+                              </m:ctrlPr>
+                            </m:dPr>
+                            <m:e>
+                              <m:sSub>
+                                <m:sSubPr>
+                                  <m:ctrlPr>
+                                    <a:rPr lang="en-US" sz="2000" b="0" i="1" smtClean="0">
+                                      <a:latin typeface="Cambria Math" panose="02040503050406030204" pitchFamily="18" charset="0"/>
+                                      <a:cs typeface="Arial" panose="020B0604020202020204" pitchFamily="34" charset="0"/>
+                                    </a:rPr>
+                                  </m:ctrlPr>
+                                </m:sSubPr>
+                                <m:e>
+                                  <m:acc>
+                                    <m:accPr>
+                                      <m:chr m:val="⃗"/>
+                                      <m:ctrlPr>
+                                        <a:rPr lang="en-US" sz="2000" b="0" i="1" smtClean="0">
+                                          <a:latin typeface="Cambria Math" panose="02040503050406030204" pitchFamily="18" charset="0"/>
+                                          <a:cs typeface="Arial" panose="020B0604020202020204" pitchFamily="34" charset="0"/>
+                                        </a:rPr>
+                                      </m:ctrlPr>
+                                    </m:accPr>
+                                    <m:e>
+                                      <m:r>
+                                        <a:rPr lang="en-US" sz="2000" b="0" i="1" smtClean="0">
+                                          <a:latin typeface="Cambria Math" panose="02040503050406030204" pitchFamily="18" charset="0"/>
+                                          <a:cs typeface="Arial" panose="020B0604020202020204" pitchFamily="34" charset="0"/>
+                                        </a:rPr>
+                                        <m:t>𝑟</m:t>
+                                      </m:r>
+                                    </m:e>
+                                  </m:acc>
+                                </m:e>
+                                <m:sub>
+                                  <m:r>
+                                    <a:rPr lang="en-US" sz="2000" b="0" i="1" smtClean="0">
+                                      <a:latin typeface="Cambria Math" panose="02040503050406030204" pitchFamily="18" charset="0"/>
+                                      <a:cs typeface="Arial" panose="020B0604020202020204" pitchFamily="34" charset="0"/>
+                                    </a:rPr>
+                                    <m:t>𝐵</m:t>
+                                  </m:r>
+                                </m:sub>
+                              </m:sSub>
+                            </m:e>
+                          </m:d>
+                        </m:oMath>
+                      </m:oMathPara>
+                    </a14:m>
+                    <a:endParaRPr lang="en-US" sz="2000" dirty="0" smtClean="0">
+                      <a:latin typeface="Arial" panose="020B0604020202020204" pitchFamily="34" charset="0"/>
+                      <a:cs typeface="Arial" panose="020B0604020202020204" pitchFamily="34" charset="0"/>
+                    </a:endParaRPr>
+                  </a:p>
+                </p:txBody>
+              </p:sp>
+            </mc:Choice>
+            <mc:Fallback>
+              <p:sp>
+                <p:nvSpPr>
+                  <p:cNvPr id="62" name="TextBox 61"/>
+                  <p:cNvSpPr txBox="1">
+                    <a:spLocks noRot="1" noChangeAspect="1" noMove="1" noResize="1" noEditPoints="1" noAdjustHandles="1" noChangeArrowheads="1" noChangeShapeType="1" noTextEdit="1"/>
+                  </p:cNvSpPr>
+                  <p:nvPr/>
+                </p:nvSpPr>
+                <p:spPr>
+                  <a:xfrm>
+                    <a:off x="6574940" y="1835049"/>
+                    <a:ext cx="700705" cy="307777"/>
+                  </a:xfrm>
+                  <a:prstGeom prst="rect">
+                    <a:avLst/>
+                  </a:prstGeom>
+                  <a:blipFill>
+                    <a:blip r:embed="rId46"/>
+                    <a:stretch>
+                      <a:fillRect l="-7826" t="-33333" r="-23478" b="-19608"/>
+                    </a:stretch>
+                  </a:blipFill>
+                </p:spPr>
+                <p:txBody>
+                  <a:bodyPr/>
+                  <a:lstStyle/>
+                  <a:p>
+                    <a:r>
+                      <a:rPr lang="en-US">
+                        <a:noFill/>
+                      </a:rPr>
+                      <a:t> </a:t>
+                    </a:r>
+                  </a:p>
+                </p:txBody>
+              </p:sp>
+            </mc:Fallback>
+          </mc:AlternateContent>
+        </p:grpSp>
+        <p:sp>
+          <p:nvSpPr>
+            <p:cNvPr id="64" name="Freeform 63"/>
+            <p:cNvSpPr/>
+            <p:nvPr/>
+          </p:nvSpPr>
+          <p:spPr>
+            <a:xfrm>
+              <a:off x="4605454" y="1036164"/>
+              <a:ext cx="1940312" cy="915299"/>
+            </a:xfrm>
+            <a:custGeom>
+              <a:avLst/>
+              <a:gdLst>
+                <a:gd name="connsiteX0" fmla="*/ 0 w 1940312"/>
+                <a:gd name="connsiteY0" fmla="*/ 915299 h 915299"/>
+                <a:gd name="connsiteX1" fmla="*/ 579863 w 1940312"/>
+                <a:gd name="connsiteY1" fmla="*/ 899 h 915299"/>
+                <a:gd name="connsiteX2" fmla="*/ 1204331 w 1940312"/>
+                <a:gd name="connsiteY2" fmla="*/ 736880 h 915299"/>
+                <a:gd name="connsiteX3" fmla="*/ 1616926 w 1940312"/>
+                <a:gd name="connsiteY3" fmla="*/ 290831 h 915299"/>
+                <a:gd name="connsiteX4" fmla="*/ 1940312 w 1940312"/>
+                <a:gd name="connsiteY4" fmla="*/ 736880 h 915299"/>
+              </a:gdLst>
+              <a:ahLst/>
+              <a:cxnLst>
+                <a:cxn ang="0">
+                  <a:pos x="connsiteX0" y="connsiteY0"/>
+                </a:cxn>
+                <a:cxn ang="0">
+                  <a:pos x="connsiteX1" y="connsiteY1"/>
+                </a:cxn>
+                <a:cxn ang="0">
+                  <a:pos x="connsiteX2" y="connsiteY2"/>
+                </a:cxn>
+                <a:cxn ang="0">
+                  <a:pos x="connsiteX3" y="connsiteY3"/>
+                </a:cxn>
+                <a:cxn ang="0">
+                  <a:pos x="connsiteX4" y="connsiteY4"/>
+                </a:cxn>
+              </a:cxnLst>
+              <a:rect l="l" t="t" r="r" b="b"/>
+              <a:pathLst>
+                <a:path w="1940312" h="915299">
+                  <a:moveTo>
+                    <a:pt x="0" y="915299"/>
+                  </a:moveTo>
+                  <a:cubicBezTo>
+                    <a:pt x="189570" y="472967"/>
+                    <a:pt x="379141" y="30635"/>
+                    <a:pt x="579863" y="899"/>
+                  </a:cubicBezTo>
+                  <a:cubicBezTo>
+                    <a:pt x="780585" y="-28837"/>
+                    <a:pt x="1031487" y="688558"/>
+                    <a:pt x="1204331" y="736880"/>
+                  </a:cubicBezTo>
+                  <a:cubicBezTo>
+                    <a:pt x="1377175" y="785202"/>
+                    <a:pt x="1494263" y="290831"/>
+                    <a:pt x="1616926" y="290831"/>
+                  </a:cubicBezTo>
+                  <a:cubicBezTo>
+                    <a:pt x="1739589" y="290831"/>
+                    <a:pt x="1839950" y="513855"/>
+                    <a:pt x="1940312" y="736880"/>
+                  </a:cubicBezTo>
+                </a:path>
+              </a:pathLst>
+            </a:custGeom>
+            <a:noFill/>
+            <a:ln w="38100">
+              <a:solidFill>
+                <a:schemeClr val="tx1"/>
+              </a:solidFill>
+            </a:ln>
+          </p:spPr>
+          <p:style>
+            <a:lnRef idx="2">
+              <a:schemeClr val="accent1">
+                <a:shade val="50000"/>
+              </a:schemeClr>
+            </a:lnRef>
+            <a:fillRef idx="1">
+              <a:schemeClr val="accent1"/>
+            </a:fillRef>
+            <a:effectRef idx="0">
+              <a:schemeClr val="accent1"/>
+            </a:effectRef>
+            <a:fontRef idx="minor">
+              <a:schemeClr val="lt1"/>
+            </a:fontRef>
+          </p:style>
+          <p:txBody>
+            <a:bodyPr rtlCol="0" anchor="ctr"/>
+            <a:lstStyle/>
+            <a:p>
+              <a:pPr algn="ctr"/>
+              <a:endParaRPr lang="en-US"/>
+            </a:p>
+          </p:txBody>
+        </p:sp>
+      </p:grpSp>
+    </p:spTree>
+    <p:extLst>
+      <p:ext uri="{BB962C8B-B14F-4D97-AF65-F5344CB8AC3E}">
+        <p14:creationId xmlns:p14="http://schemas.microsoft.com/office/powerpoint/2010/main" val="427799228"/>
+      </p:ext>
+    </p:extLst>
+  </p:cSld>
+  <p:clrMapOvr>
+    <a:masterClrMapping/>
+  </p:clrMapOvr>
+</p:sld>
+</file>
+
 <file path=ppt/theme/theme1.xml><?xml version="1.0" encoding="utf-8"?>
 <a:theme xmlns:a="http://schemas.openxmlformats.org/drawingml/2006/main" name="Office Theme">
   <a:themeElements>

--- a/tex/figures/PotentialECons/Figures.pptx
+++ b/tex/figures/PotentialECons/Figures.pptx
@@ -244,7 +244,7 @@
           <a:p>
             <a:fld id="{F7249F8D-641B-4CAF-BAE5-10524742F6F1}" type="datetimeFigureOut">
               <a:rPr lang="en-CA" smtClean="0"/>
-              <a:t>2018-06-07</a:t>
+              <a:t>2018-06-08</a:t>
             </a:fld>
             <a:endParaRPr lang="en-CA"/>
           </a:p>
@@ -414,7 +414,7 @@
           <a:p>
             <a:fld id="{F7249F8D-641B-4CAF-BAE5-10524742F6F1}" type="datetimeFigureOut">
               <a:rPr lang="en-CA" smtClean="0"/>
-              <a:t>2018-06-07</a:t>
+              <a:t>2018-06-08</a:t>
             </a:fld>
             <a:endParaRPr lang="en-CA"/>
           </a:p>
@@ -594,7 +594,7 @@
           <a:p>
             <a:fld id="{F7249F8D-641B-4CAF-BAE5-10524742F6F1}" type="datetimeFigureOut">
               <a:rPr lang="en-CA" smtClean="0"/>
-              <a:t>2018-06-07</a:t>
+              <a:t>2018-06-08</a:t>
             </a:fld>
             <a:endParaRPr lang="en-CA"/>
           </a:p>
@@ -764,7 +764,7 @@
           <a:p>
             <a:fld id="{F7249F8D-641B-4CAF-BAE5-10524742F6F1}" type="datetimeFigureOut">
               <a:rPr lang="en-CA" smtClean="0"/>
-              <a:t>2018-06-07</a:t>
+              <a:t>2018-06-08</a:t>
             </a:fld>
             <a:endParaRPr lang="en-CA"/>
           </a:p>
@@ -1010,7 +1010,7 @@
           <a:p>
             <a:fld id="{F7249F8D-641B-4CAF-BAE5-10524742F6F1}" type="datetimeFigureOut">
               <a:rPr lang="en-CA" smtClean="0"/>
-              <a:t>2018-06-07</a:t>
+              <a:t>2018-06-08</a:t>
             </a:fld>
             <a:endParaRPr lang="en-CA"/>
           </a:p>
@@ -1242,7 +1242,7 @@
           <a:p>
             <a:fld id="{F7249F8D-641B-4CAF-BAE5-10524742F6F1}" type="datetimeFigureOut">
               <a:rPr lang="en-CA" smtClean="0"/>
-              <a:t>2018-06-07</a:t>
+              <a:t>2018-06-08</a:t>
             </a:fld>
             <a:endParaRPr lang="en-CA"/>
           </a:p>
@@ -1609,7 +1609,7 @@
           <a:p>
             <a:fld id="{F7249F8D-641B-4CAF-BAE5-10524742F6F1}" type="datetimeFigureOut">
               <a:rPr lang="en-CA" smtClean="0"/>
-              <a:t>2018-06-07</a:t>
+              <a:t>2018-06-08</a:t>
             </a:fld>
             <a:endParaRPr lang="en-CA"/>
           </a:p>
@@ -1727,7 +1727,7 @@
           <a:p>
             <a:fld id="{F7249F8D-641B-4CAF-BAE5-10524742F6F1}" type="datetimeFigureOut">
               <a:rPr lang="en-CA" smtClean="0"/>
-              <a:t>2018-06-07</a:t>
+              <a:t>2018-06-08</a:t>
             </a:fld>
             <a:endParaRPr lang="en-CA"/>
           </a:p>
@@ -1822,7 +1822,7 @@
           <a:p>
             <a:fld id="{F7249F8D-641B-4CAF-BAE5-10524742F6F1}" type="datetimeFigureOut">
               <a:rPr lang="en-CA" smtClean="0"/>
-              <a:t>2018-06-07</a:t>
+              <a:t>2018-06-08</a:t>
             </a:fld>
             <a:endParaRPr lang="en-CA"/>
           </a:p>
@@ -2099,7 +2099,7 @@
           <a:p>
             <a:fld id="{F7249F8D-641B-4CAF-BAE5-10524742F6F1}" type="datetimeFigureOut">
               <a:rPr lang="en-CA" smtClean="0"/>
-              <a:t>2018-06-07</a:t>
+              <a:t>2018-06-08</a:t>
             </a:fld>
             <a:endParaRPr lang="en-CA"/>
           </a:p>
@@ -2352,7 +2352,7 @@
           <a:p>
             <a:fld id="{F7249F8D-641B-4CAF-BAE5-10524742F6F1}" type="datetimeFigureOut">
               <a:rPr lang="en-CA" smtClean="0"/>
-              <a:t>2018-06-07</a:t>
+              <a:t>2018-06-08</a:t>
             </a:fld>
             <a:endParaRPr lang="en-CA"/>
           </a:p>
@@ -2565,7 +2565,7 @@
           <a:p>
             <a:fld id="{F7249F8D-641B-4CAF-BAE5-10524742F6F1}" type="datetimeFigureOut">
               <a:rPr lang="en-CA" smtClean="0"/>
-              <a:t>2018-06-07</a:t>
+              <a:t>2018-06-08</a:t>
             </a:fld>
             <a:endParaRPr lang="en-CA"/>
           </a:p>
@@ -4619,8 +4619,8 @@
               </a:fontRef>
             </p:style>
           </p:cxnSp>
-          <mc:AlternateContent xmlns:mc="http://schemas.openxmlformats.org/markup-compatibility/2006">
-            <mc:Choice xmlns:a14="http://schemas.microsoft.com/office/drawing/2010/main" Requires="a14">
+          <mc:AlternateContent xmlns:mc="http://schemas.openxmlformats.org/markup-compatibility/2006" xmlns:a14="http://schemas.microsoft.com/office/drawing/2010/main">
+            <mc:Choice Requires="a14">
               <p:sp>
                 <p:nvSpPr>
                   <p:cNvPr id="12" name="TextBox 11"/>
@@ -4643,6 +4643,7 @@
                   </a:bodyPr>
                   <a:lstStyle/>
                   <a:p>
+                    <a:pPr/>
                     <a14:m>
                       <m:oMathPara xmlns:m="http://schemas.openxmlformats.org/officeDocument/2006/math">
                         <m:oMathParaPr>
@@ -4701,7 +4702,7 @@
                 </p:txBody>
               </p:sp>
             </mc:Choice>
-            <mc:Fallback>
+            <mc:Fallback xmlns="">
               <p:sp>
                 <p:nvSpPr>
                   <p:cNvPr id="12" name="TextBox 11"/>
@@ -4740,8 +4741,8 @@
               </p:sp>
             </mc:Fallback>
           </mc:AlternateContent>
-          <mc:AlternateContent xmlns:mc="http://schemas.openxmlformats.org/markup-compatibility/2006">
-            <mc:Choice xmlns:a14="http://schemas.microsoft.com/office/drawing/2010/main" Requires="a14">
+          <mc:AlternateContent xmlns:mc="http://schemas.openxmlformats.org/markup-compatibility/2006" xmlns:a14="http://schemas.microsoft.com/office/drawing/2010/main">
+            <mc:Choice Requires="a14">
               <p:sp>
                 <p:nvSpPr>
                   <p:cNvPr id="14" name="TextBox 13"/>
@@ -4764,6 +4765,7 @@
                   </a:bodyPr>
                   <a:lstStyle/>
                   <a:p>
+                    <a:pPr/>
                     <a14:m>
                       <m:oMathPara xmlns:m="http://schemas.openxmlformats.org/officeDocument/2006/math">
                         <m:oMathParaPr>
@@ -4822,7 +4824,7 @@
                 </p:txBody>
               </p:sp>
             </mc:Choice>
-            <mc:Fallback>
+            <mc:Fallback xmlns="">
               <p:sp>
                 <p:nvSpPr>
                   <p:cNvPr id="14" name="TextBox 13"/>
@@ -4933,8 +4935,8 @@
               </a:fontRef>
             </p:style>
           </p:cxnSp>
-          <mc:AlternateContent xmlns:mc="http://schemas.openxmlformats.org/markup-compatibility/2006">
-            <mc:Choice xmlns:a14="http://schemas.microsoft.com/office/drawing/2010/main" Requires="a14">
+          <mc:AlternateContent xmlns:mc="http://schemas.openxmlformats.org/markup-compatibility/2006" xmlns:a14="http://schemas.microsoft.com/office/drawing/2010/main">
+            <mc:Choice Requires="a14">
               <p:sp>
                 <p:nvSpPr>
                   <p:cNvPr id="22" name="TextBox 21"/>
@@ -4957,6 +4959,7 @@
                   </a:bodyPr>
                   <a:lstStyle/>
                   <a:p>
+                    <a:pPr/>
                     <a14:m>
                       <m:oMathPara xmlns:m="http://schemas.openxmlformats.org/officeDocument/2006/math">
                         <m:oMathParaPr>
@@ -5015,7 +5018,7 @@
                 </p:txBody>
               </p:sp>
             </mc:Choice>
-            <mc:Fallback>
+            <mc:Fallback xmlns="">
               <p:sp>
                 <p:nvSpPr>
                   <p:cNvPr id="22" name="TextBox 21"/>
@@ -5054,8 +5057,8 @@
               </p:sp>
             </mc:Fallback>
           </mc:AlternateContent>
-          <mc:AlternateContent xmlns:mc="http://schemas.openxmlformats.org/markup-compatibility/2006">
-            <mc:Choice xmlns:a14="http://schemas.microsoft.com/office/drawing/2010/main" Requires="a14">
+          <mc:AlternateContent xmlns:mc="http://schemas.openxmlformats.org/markup-compatibility/2006" xmlns:a14="http://schemas.microsoft.com/office/drawing/2010/main">
+            <mc:Choice Requires="a14">
               <p:sp>
                 <p:nvSpPr>
                   <p:cNvPr id="23" name="TextBox 22"/>
@@ -5078,6 +5081,7 @@
                   </a:bodyPr>
                   <a:lstStyle/>
                   <a:p>
+                    <a:pPr/>
                     <a14:m>
                       <m:oMathPara xmlns:m="http://schemas.openxmlformats.org/officeDocument/2006/math">
                         <m:oMathParaPr>
@@ -5136,7 +5140,7 @@
                 </p:txBody>
               </p:sp>
             </mc:Choice>
-            <mc:Fallback>
+            <mc:Fallback xmlns="">
               <p:sp>
                 <p:nvSpPr>
                   <p:cNvPr id="23" name="TextBox 22"/>
@@ -5213,8 +5217,8 @@
             </a:fontRef>
           </p:style>
         </p:cxnSp>
-        <mc:AlternateContent xmlns:mc="http://schemas.openxmlformats.org/markup-compatibility/2006">
-          <mc:Choice xmlns:a14="http://schemas.microsoft.com/office/drawing/2010/main" Requires="a14">
+        <mc:AlternateContent xmlns:mc="http://schemas.openxmlformats.org/markup-compatibility/2006" xmlns:a14="http://schemas.microsoft.com/office/drawing/2010/main">
+          <mc:Choice Requires="a14">
             <p:sp>
               <p:nvSpPr>
                 <p:cNvPr id="27" name="TextBox 26"/>
@@ -5237,6 +5241,7 @@
                 </a:bodyPr>
                 <a:lstStyle/>
                 <a:p>
+                  <a:pPr/>
                   <a14:m>
                     <m:oMathPara xmlns:m="http://schemas.openxmlformats.org/officeDocument/2006/math">
                       <m:oMathParaPr>
@@ -5261,7 +5266,7 @@
               </p:txBody>
             </p:sp>
           </mc:Choice>
-          <mc:Fallback>
+          <mc:Fallback xmlns="">
             <p:sp>
               <p:nvSpPr>
                 <p:cNvPr id="27" name="TextBox 26"/>
@@ -5803,8 +5808,8 @@
               </a:p>
             </p:txBody>
           </p:sp>
-          <mc:AlternateContent xmlns:mc="http://schemas.openxmlformats.org/markup-compatibility/2006">
-            <mc:Choice xmlns:a14="http://schemas.microsoft.com/office/drawing/2010/main" Requires="a14">
+          <mc:AlternateContent xmlns:mc="http://schemas.openxmlformats.org/markup-compatibility/2006" xmlns:a14="http://schemas.microsoft.com/office/drawing/2010/main">
+            <mc:Choice Requires="a14">
               <p:sp>
                 <p:nvSpPr>
                   <p:cNvPr id="33" name="TextBox 32"/>
@@ -5852,7 +5857,7 @@
                 </p:txBody>
               </p:sp>
             </mc:Choice>
-            <mc:Fallback>
+            <mc:Fallback xmlns="">
               <p:sp>
                 <p:nvSpPr>
                   <p:cNvPr id="33" name="TextBox 32"/>
@@ -5891,8 +5896,8 @@
               </p:sp>
             </mc:Fallback>
           </mc:AlternateContent>
-          <mc:AlternateContent xmlns:mc="http://schemas.openxmlformats.org/markup-compatibility/2006">
-            <mc:Choice xmlns:a14="http://schemas.microsoft.com/office/drawing/2010/main" Requires="a14">
+          <mc:AlternateContent xmlns:mc="http://schemas.openxmlformats.org/markup-compatibility/2006" xmlns:a14="http://schemas.microsoft.com/office/drawing/2010/main">
+            <mc:Choice Requires="a14">
               <p:sp>
                 <p:nvSpPr>
                   <p:cNvPr id="34" name="TextBox 33"/>
@@ -5940,7 +5945,7 @@
                 </p:txBody>
               </p:sp>
             </mc:Choice>
-            <mc:Fallback>
+            <mc:Fallback xmlns="">
               <p:sp>
                 <p:nvSpPr>
                   <p:cNvPr id="34" name="TextBox 33"/>
@@ -5979,8 +5984,8 @@
               </p:sp>
             </mc:Fallback>
           </mc:AlternateContent>
-          <mc:AlternateContent xmlns:mc="http://schemas.openxmlformats.org/markup-compatibility/2006">
-            <mc:Choice xmlns:a14="http://schemas.microsoft.com/office/drawing/2010/main" Requires="a14">
+          <mc:AlternateContent xmlns:mc="http://schemas.openxmlformats.org/markup-compatibility/2006" xmlns:a14="http://schemas.microsoft.com/office/drawing/2010/main">
+            <mc:Choice Requires="a14">
               <p:sp>
                 <p:nvSpPr>
                   <p:cNvPr id="35" name="TextBox 34"/>
@@ -6075,7 +6080,7 @@
                 </p:txBody>
               </p:sp>
             </mc:Choice>
-            <mc:Fallback>
+            <mc:Fallback xmlns="">
               <p:sp>
                 <p:nvSpPr>
                   <p:cNvPr id="35" name="TextBox 34"/>
@@ -6150,8 +6155,8 @@
               </a:fontRef>
             </p:style>
           </p:cxnSp>
-          <mc:AlternateContent xmlns:mc="http://schemas.openxmlformats.org/markup-compatibility/2006">
-            <mc:Choice xmlns:a14="http://schemas.microsoft.com/office/drawing/2010/main" Requires="a14">
+          <mc:AlternateContent xmlns:mc="http://schemas.openxmlformats.org/markup-compatibility/2006" xmlns:a14="http://schemas.microsoft.com/office/drawing/2010/main">
+            <mc:Choice Requires="a14">
               <p:sp>
                 <p:nvSpPr>
                   <p:cNvPr id="41" name="TextBox 40"/>
@@ -6231,7 +6236,7 @@
                 </p:txBody>
               </p:sp>
             </mc:Choice>
-            <mc:Fallback>
+            <mc:Fallback xmlns="">
               <p:sp>
                 <p:nvSpPr>
                   <p:cNvPr id="41" name="TextBox 40"/>
@@ -6348,8 +6353,8 @@
               </a:fontRef>
             </p:style>
           </p:cxnSp>
-          <mc:AlternateContent xmlns:mc="http://schemas.openxmlformats.org/markup-compatibility/2006">
-            <mc:Choice xmlns:a14="http://schemas.microsoft.com/office/drawing/2010/main" Requires="a14">
+          <mc:AlternateContent xmlns:mc="http://schemas.openxmlformats.org/markup-compatibility/2006" xmlns:a14="http://schemas.microsoft.com/office/drawing/2010/main">
+            <mc:Choice Requires="a14">
               <p:sp>
                 <p:nvSpPr>
                   <p:cNvPr id="56" name="TextBox 55"/>
@@ -6372,6 +6377,7 @@
                   </a:bodyPr>
                   <a:lstStyle/>
                   <a:p>
+                    <a:pPr/>
                     <a14:m>
                       <m:oMathPara xmlns:m="http://schemas.openxmlformats.org/officeDocument/2006/math">
                         <m:oMathParaPr>
@@ -6430,7 +6436,7 @@
                 </p:txBody>
               </p:sp>
             </mc:Choice>
-            <mc:Fallback>
+            <mc:Fallback xmlns="">
               <p:sp>
                 <p:nvSpPr>
                   <p:cNvPr id="56" name="TextBox 55"/>
@@ -6469,8 +6475,8 @@
               </p:sp>
             </mc:Fallback>
           </mc:AlternateContent>
-          <mc:AlternateContent xmlns:mc="http://schemas.openxmlformats.org/markup-compatibility/2006">
-            <mc:Choice xmlns:a14="http://schemas.microsoft.com/office/drawing/2010/main" Requires="a14">
+          <mc:AlternateContent xmlns:mc="http://schemas.openxmlformats.org/markup-compatibility/2006" xmlns:a14="http://schemas.microsoft.com/office/drawing/2010/main">
+            <mc:Choice Requires="a14">
               <p:sp>
                 <p:nvSpPr>
                   <p:cNvPr id="57" name="TextBox 56"/>
@@ -6493,6 +6499,7 @@
                   </a:bodyPr>
                   <a:lstStyle/>
                   <a:p>
+                    <a:pPr/>
                     <a14:m>
                       <m:oMathPara xmlns:m="http://schemas.openxmlformats.org/officeDocument/2006/math">
                         <m:oMathParaPr>
@@ -6551,7 +6558,7 @@
                 </p:txBody>
               </p:sp>
             </mc:Choice>
-            <mc:Fallback>
+            <mc:Fallback xmlns="">
               <p:sp>
                 <p:nvSpPr>
                   <p:cNvPr id="57" name="TextBox 56"/>
@@ -6626,8 +6633,8 @@
               </a:fontRef>
             </p:style>
           </p:cxnSp>
-          <mc:AlternateContent xmlns:mc="http://schemas.openxmlformats.org/markup-compatibility/2006">
-            <mc:Choice xmlns:a14="http://schemas.microsoft.com/office/drawing/2010/main" Requires="a14">
+          <mc:AlternateContent xmlns:mc="http://schemas.openxmlformats.org/markup-compatibility/2006" xmlns:a14="http://schemas.microsoft.com/office/drawing/2010/main">
+            <mc:Choice Requires="a14">
               <p:sp>
                 <p:nvSpPr>
                   <p:cNvPr id="61" name="TextBox 60"/>
@@ -6650,6 +6657,7 @@
                   </a:bodyPr>
                   <a:lstStyle/>
                   <a:p>
+                    <a:pPr/>
                     <a14:m>
                       <m:oMathPara xmlns:m="http://schemas.openxmlformats.org/officeDocument/2006/math">
                         <m:oMathParaPr>
@@ -6727,7 +6735,7 @@
                 </p:txBody>
               </p:sp>
             </mc:Choice>
-            <mc:Fallback>
+            <mc:Fallback xmlns="">
               <p:sp>
                 <p:nvSpPr>
                   <p:cNvPr id="61" name="TextBox 60"/>
@@ -6766,8 +6774,8 @@
               </p:sp>
             </mc:Fallback>
           </mc:AlternateContent>
-          <mc:AlternateContent xmlns:mc="http://schemas.openxmlformats.org/markup-compatibility/2006">
-            <mc:Choice xmlns:a14="http://schemas.microsoft.com/office/drawing/2010/main" Requires="a14">
+          <mc:AlternateContent xmlns:mc="http://schemas.openxmlformats.org/markup-compatibility/2006" xmlns:a14="http://schemas.microsoft.com/office/drawing/2010/main">
+            <mc:Choice Requires="a14">
               <p:sp>
                 <p:nvSpPr>
                   <p:cNvPr id="62" name="TextBox 61"/>
@@ -6790,6 +6798,7 @@
                   </a:bodyPr>
                   <a:lstStyle/>
                   <a:p>
+                    <a:pPr/>
                     <a14:m>
                       <m:oMathPara xmlns:m="http://schemas.openxmlformats.org/officeDocument/2006/math">
                         <m:oMathParaPr>
@@ -6867,7 +6876,7 @@
                 </p:txBody>
               </p:sp>
             </mc:Choice>
-            <mc:Fallback>
+            <mc:Fallback xmlns="">
               <p:sp>
                 <p:nvSpPr>
                   <p:cNvPr id="62" name="TextBox 61"/>
@@ -7011,6 +7020,1232 @@
             </a:p>
           </p:txBody>
         </p:sp>
+      </p:grpSp>
+      <p:grpSp>
+        <p:nvGrpSpPr>
+          <p:cNvPr id="60" name="Group 59"/>
+          <p:cNvGrpSpPr/>
+          <p:nvPr/>
+        </p:nvGrpSpPr>
+        <p:grpSpPr>
+          <a:xfrm>
+            <a:off x="403452" y="3337931"/>
+            <a:ext cx="2142815" cy="3127992"/>
+            <a:chOff x="536230" y="3538209"/>
+            <a:chExt cx="2142815" cy="3127992"/>
+          </a:xfrm>
+        </p:grpSpPr>
+        <p:cxnSp>
+          <p:nvCxnSpPr>
+            <p:cNvPr id="3" name="Straight Arrow Connector 2"/>
+            <p:cNvCxnSpPr/>
+            <p:nvPr/>
+          </p:nvCxnSpPr>
+          <p:spPr>
+            <a:xfrm flipV="1">
+              <a:off x="925846" y="3548917"/>
+              <a:ext cx="7025" cy="3086060"/>
+            </a:xfrm>
+            <a:prstGeom prst="straightConnector1">
+              <a:avLst/>
+            </a:prstGeom>
+            <a:ln w="38100">
+              <a:solidFill>
+                <a:schemeClr val="tx1"/>
+              </a:solidFill>
+              <a:tailEnd type="triangle"/>
+            </a:ln>
+          </p:spPr>
+          <p:style>
+            <a:lnRef idx="1">
+              <a:schemeClr val="accent1"/>
+            </a:lnRef>
+            <a:fillRef idx="0">
+              <a:schemeClr val="accent1"/>
+            </a:fillRef>
+            <a:effectRef idx="0">
+              <a:schemeClr val="accent1"/>
+            </a:effectRef>
+            <a:fontRef idx="minor">
+              <a:schemeClr val="tx1"/>
+            </a:fontRef>
+          </p:style>
+        </p:cxnSp>
+        <mc:AlternateContent xmlns:mc="http://schemas.openxmlformats.org/markup-compatibility/2006">
+          <mc:Choice xmlns:a14="http://schemas.microsoft.com/office/drawing/2010/main" Requires="a14">
+            <p:sp>
+              <p:nvSpPr>
+                <p:cNvPr id="5" name="TextBox 4"/>
+                <p:cNvSpPr txBox="1"/>
+                <p:nvPr/>
+              </p:nvSpPr>
+              <p:spPr>
+                <a:xfrm>
+                  <a:off x="611265" y="3538209"/>
+                  <a:ext cx="198324" cy="307777"/>
+                </a:xfrm>
+                <a:prstGeom prst="rect">
+                  <a:avLst/>
+                </a:prstGeom>
+                <a:noFill/>
+              </p:spPr>
+              <p:txBody>
+                <a:bodyPr wrap="none" lIns="0" tIns="0" rIns="0" bIns="0" rtlCol="0">
+                  <a:spAutoFit/>
+                </a:bodyPr>
+                <a:lstStyle/>
+                <a:p>
+                  <a14:m>
+                    <m:oMathPara xmlns:m="http://schemas.openxmlformats.org/officeDocument/2006/math">
+                      <m:oMathParaPr>
+                        <m:jc m:val="centerGroup"/>
+                      </m:oMathParaPr>
+                      <m:oMath xmlns:m="http://schemas.openxmlformats.org/officeDocument/2006/math">
+                        <m:r>
+                          <a:rPr lang="en-US" sz="2000" b="0" i="1" smtClean="0">
+                            <a:latin typeface="Cambria Math" panose="02040503050406030204" pitchFamily="18" charset="0"/>
+                            <a:cs typeface="Arial" panose="020B0604020202020204" pitchFamily="34" charset="0"/>
+                          </a:rPr>
+                          <m:t>𝑧</m:t>
+                        </m:r>
+                      </m:oMath>
+                    </m:oMathPara>
+                  </a14:m>
+                  <a:endParaRPr lang="en-US" sz="2000" dirty="0" smtClean="0">
+                    <a:latin typeface="Arial" panose="020B0604020202020204" pitchFamily="34" charset="0"/>
+                    <a:cs typeface="Arial" panose="020B0604020202020204" pitchFamily="34" charset="0"/>
+                  </a:endParaRPr>
+                </a:p>
+              </p:txBody>
+            </p:sp>
+          </mc:Choice>
+          <mc:Fallback>
+            <p:sp>
+              <p:nvSpPr>
+                <p:cNvPr id="5" name="TextBox 4"/>
+                <p:cNvSpPr txBox="1">
+                  <a:spLocks noRot="1" noChangeAspect="1" noMove="1" noResize="1" noEditPoints="1" noAdjustHandles="1" noChangeArrowheads="1" noChangeShapeType="1" noTextEdit="1"/>
+                </p:cNvSpPr>
+                <p:nvPr/>
+              </p:nvSpPr>
+              <p:spPr>
+                <a:xfrm>
+                  <a:off x="611265" y="3538209"/>
+                  <a:ext cx="198324" cy="307777"/>
+                </a:xfrm>
+                <a:prstGeom prst="rect">
+                  <a:avLst/>
+                </a:prstGeom>
+                <a:blipFill>
+                  <a:blip r:embed="rId47"/>
+                  <a:stretch>
+                    <a:fillRect l="-12121" r="-12121" b="-2000"/>
+                  </a:stretch>
+                </a:blipFill>
+              </p:spPr>
+              <p:txBody>
+                <a:bodyPr/>
+                <a:lstStyle/>
+                <a:p>
+                  <a:r>
+                    <a:rPr lang="en-US">
+                      <a:noFill/>
+                    </a:rPr>
+                    <a:t> </a:t>
+                  </a:r>
+                </a:p>
+              </p:txBody>
+            </p:sp>
+          </mc:Fallback>
+        </mc:AlternateContent>
+        <p:sp>
+          <p:nvSpPr>
+            <p:cNvPr id="49" name="Oval 48"/>
+            <p:cNvSpPr/>
+            <p:nvPr/>
+          </p:nvSpPr>
+          <p:spPr>
+            <a:xfrm>
+              <a:off x="1273002" y="5785737"/>
+              <a:ext cx="120943" cy="119766"/>
+            </a:xfrm>
+            <a:prstGeom prst="ellipse">
+              <a:avLst/>
+            </a:prstGeom>
+            <a:solidFill>
+              <a:schemeClr val="tx1"/>
+            </a:solidFill>
+            <a:ln w="38100">
+              <a:solidFill>
+                <a:schemeClr val="tx1"/>
+              </a:solidFill>
+            </a:ln>
+          </p:spPr>
+          <p:style>
+            <a:lnRef idx="2">
+              <a:schemeClr val="accent1">
+                <a:shade val="50000"/>
+              </a:schemeClr>
+            </a:lnRef>
+            <a:fillRef idx="1">
+              <a:schemeClr val="accent1"/>
+            </a:fillRef>
+            <a:effectRef idx="0">
+              <a:schemeClr val="accent1"/>
+            </a:effectRef>
+            <a:fontRef idx="minor">
+              <a:schemeClr val="lt1"/>
+            </a:fontRef>
+          </p:style>
+          <p:txBody>
+            <a:bodyPr rtlCol="0" anchor="ctr"/>
+            <a:lstStyle/>
+            <a:p>
+              <a:pPr algn="ctr"/>
+              <a:endParaRPr lang="en-US"/>
+            </a:p>
+          </p:txBody>
+        </p:sp>
+        <p:sp>
+          <p:nvSpPr>
+            <p:cNvPr id="52" name="Oval 51"/>
+            <p:cNvSpPr/>
+            <p:nvPr/>
+          </p:nvSpPr>
+          <p:spPr>
+            <a:xfrm>
+              <a:off x="1273003" y="4104991"/>
+              <a:ext cx="120943" cy="119766"/>
+            </a:xfrm>
+            <a:prstGeom prst="ellipse">
+              <a:avLst/>
+            </a:prstGeom>
+            <a:solidFill>
+              <a:schemeClr val="tx1"/>
+            </a:solidFill>
+            <a:ln w="38100">
+              <a:solidFill>
+                <a:schemeClr val="tx1"/>
+              </a:solidFill>
+            </a:ln>
+          </p:spPr>
+          <p:style>
+            <a:lnRef idx="2">
+              <a:schemeClr val="accent1">
+                <a:shade val="50000"/>
+              </a:schemeClr>
+            </a:lnRef>
+            <a:fillRef idx="1">
+              <a:schemeClr val="accent1"/>
+            </a:fillRef>
+            <a:effectRef idx="0">
+              <a:schemeClr val="accent1"/>
+            </a:effectRef>
+            <a:fontRef idx="minor">
+              <a:schemeClr val="lt1"/>
+            </a:fontRef>
+          </p:style>
+          <p:txBody>
+            <a:bodyPr rtlCol="0" anchor="ctr"/>
+            <a:lstStyle/>
+            <a:p>
+              <a:pPr algn="ctr"/>
+              <a:endParaRPr lang="en-US"/>
+            </a:p>
+          </p:txBody>
+        </p:sp>
+        <p:cxnSp>
+          <p:nvCxnSpPr>
+            <p:cNvPr id="10" name="Straight Connector 9"/>
+            <p:cNvCxnSpPr>
+              <a:stCxn id="49" idx="4"/>
+            </p:cNvCxnSpPr>
+            <p:nvPr/>
+          </p:nvCxnSpPr>
+          <p:spPr>
+            <a:xfrm flipH="1" flipV="1">
+              <a:off x="1328375" y="4173905"/>
+              <a:ext cx="5099" cy="1731598"/>
+            </a:xfrm>
+            <a:prstGeom prst="line">
+              <a:avLst/>
+            </a:prstGeom>
+            <a:ln w="38100">
+              <a:solidFill>
+                <a:schemeClr val="tx1"/>
+              </a:solidFill>
+              <a:prstDash val="sysDot"/>
+            </a:ln>
+          </p:spPr>
+          <p:style>
+            <a:lnRef idx="1">
+              <a:schemeClr val="accent1"/>
+            </a:lnRef>
+            <a:fillRef idx="0">
+              <a:schemeClr val="accent1"/>
+            </a:fillRef>
+            <a:effectRef idx="0">
+              <a:schemeClr val="accent1"/>
+            </a:effectRef>
+            <a:fontRef idx="minor">
+              <a:schemeClr val="tx1"/>
+            </a:fontRef>
+          </p:style>
+        </p:cxnSp>
+        <mc:AlternateContent xmlns:mc="http://schemas.openxmlformats.org/markup-compatibility/2006">
+          <mc:Choice xmlns:a14="http://schemas.microsoft.com/office/drawing/2010/main" Requires="a14">
+            <p:sp>
+              <p:nvSpPr>
+                <p:cNvPr id="15" name="TextBox 14"/>
+                <p:cNvSpPr txBox="1"/>
+                <p:nvPr/>
+              </p:nvSpPr>
+              <p:spPr>
+                <a:xfrm>
+                  <a:off x="1467834" y="5845620"/>
+                  <a:ext cx="234936" cy="307777"/>
+                </a:xfrm>
+                <a:prstGeom prst="rect">
+                  <a:avLst/>
+                </a:prstGeom>
+                <a:noFill/>
+              </p:spPr>
+              <p:txBody>
+                <a:bodyPr wrap="none" lIns="0" tIns="0" rIns="0" bIns="0" rtlCol="0">
+                  <a:spAutoFit/>
+                </a:bodyPr>
+                <a:lstStyle/>
+                <a:p>
+                  <a14:m>
+                    <m:oMathPara xmlns:m="http://schemas.openxmlformats.org/officeDocument/2006/math">
+                      <m:oMathParaPr>
+                        <m:jc m:val="centerGroup"/>
+                      </m:oMathParaPr>
+                      <m:oMath xmlns:m="http://schemas.openxmlformats.org/officeDocument/2006/math">
+                        <m:r>
+                          <a:rPr lang="en-US" sz="2000" b="0" i="1" smtClean="0">
+                            <a:latin typeface="Cambria Math" panose="02040503050406030204" pitchFamily="18" charset="0"/>
+                            <a:cs typeface="Arial" panose="020B0604020202020204" pitchFamily="34" charset="0"/>
+                          </a:rPr>
+                          <m:t>𝐴</m:t>
+                        </m:r>
+                      </m:oMath>
+                    </m:oMathPara>
+                  </a14:m>
+                  <a:endParaRPr lang="en-US" sz="2000" dirty="0" smtClean="0">
+                    <a:latin typeface="Arial" panose="020B0604020202020204" pitchFamily="34" charset="0"/>
+                    <a:cs typeface="Arial" panose="020B0604020202020204" pitchFamily="34" charset="0"/>
+                  </a:endParaRPr>
+                </a:p>
+              </p:txBody>
+            </p:sp>
+          </mc:Choice>
+          <mc:Fallback>
+            <p:sp>
+              <p:nvSpPr>
+                <p:cNvPr id="15" name="TextBox 14"/>
+                <p:cNvSpPr txBox="1">
+                  <a:spLocks noRot="1" noChangeAspect="1" noMove="1" noResize="1" noEditPoints="1" noAdjustHandles="1" noChangeArrowheads="1" noChangeShapeType="1" noTextEdit="1"/>
+                </p:cNvSpPr>
+                <p:nvPr/>
+              </p:nvSpPr>
+              <p:spPr>
+                <a:xfrm>
+                  <a:off x="1467834" y="5845620"/>
+                  <a:ext cx="234936" cy="307777"/>
+                </a:xfrm>
+                <a:prstGeom prst="rect">
+                  <a:avLst/>
+                </a:prstGeom>
+                <a:blipFill>
+                  <a:blip r:embed="rId48"/>
+                  <a:stretch>
+                    <a:fillRect l="-20513" r="-23077" b="-9804"/>
+                  </a:stretch>
+                </a:blipFill>
+              </p:spPr>
+              <p:txBody>
+                <a:bodyPr/>
+                <a:lstStyle/>
+                <a:p>
+                  <a:r>
+                    <a:rPr lang="en-US">
+                      <a:noFill/>
+                    </a:rPr>
+                    <a:t> </a:t>
+                  </a:r>
+                </a:p>
+              </p:txBody>
+            </p:sp>
+          </mc:Fallback>
+        </mc:AlternateContent>
+        <mc:AlternateContent xmlns:mc="http://schemas.openxmlformats.org/markup-compatibility/2006">
+          <mc:Choice xmlns:a14="http://schemas.microsoft.com/office/drawing/2010/main" Requires="a14">
+            <p:sp>
+              <p:nvSpPr>
+                <p:cNvPr id="53" name="TextBox 52"/>
+                <p:cNvSpPr txBox="1"/>
+                <p:nvPr/>
+              </p:nvSpPr>
+              <p:spPr>
+                <a:xfrm>
+                  <a:off x="1467834" y="3815947"/>
+                  <a:ext cx="245708" cy="307777"/>
+                </a:xfrm>
+                <a:prstGeom prst="rect">
+                  <a:avLst/>
+                </a:prstGeom>
+                <a:noFill/>
+              </p:spPr>
+              <p:txBody>
+                <a:bodyPr wrap="none" lIns="0" tIns="0" rIns="0" bIns="0" rtlCol="0">
+                  <a:spAutoFit/>
+                </a:bodyPr>
+                <a:lstStyle/>
+                <a:p>
+                  <a14:m>
+                    <m:oMathPara xmlns:m="http://schemas.openxmlformats.org/officeDocument/2006/math">
+                      <m:oMathParaPr>
+                        <m:jc m:val="centerGroup"/>
+                      </m:oMathParaPr>
+                      <m:oMath xmlns:m="http://schemas.openxmlformats.org/officeDocument/2006/math">
+                        <m:r>
+                          <a:rPr lang="en-US" sz="2000" b="0" i="1" smtClean="0">
+                            <a:latin typeface="Cambria Math" panose="02040503050406030204" pitchFamily="18" charset="0"/>
+                            <a:cs typeface="Arial" panose="020B0604020202020204" pitchFamily="34" charset="0"/>
+                          </a:rPr>
+                          <m:t>𝐵</m:t>
+                        </m:r>
+                      </m:oMath>
+                    </m:oMathPara>
+                  </a14:m>
+                  <a:endParaRPr lang="en-US" sz="2000" dirty="0" smtClean="0">
+                    <a:latin typeface="Arial" panose="020B0604020202020204" pitchFamily="34" charset="0"/>
+                    <a:cs typeface="Arial" panose="020B0604020202020204" pitchFamily="34" charset="0"/>
+                  </a:endParaRPr>
+                </a:p>
+              </p:txBody>
+            </p:sp>
+          </mc:Choice>
+          <mc:Fallback>
+            <p:sp>
+              <p:nvSpPr>
+                <p:cNvPr id="53" name="TextBox 52"/>
+                <p:cNvSpPr txBox="1">
+                  <a:spLocks noRot="1" noChangeAspect="1" noMove="1" noResize="1" noEditPoints="1" noAdjustHandles="1" noChangeArrowheads="1" noChangeShapeType="1" noTextEdit="1"/>
+                </p:cNvSpPr>
+                <p:nvPr/>
+              </p:nvSpPr>
+              <p:spPr>
+                <a:xfrm>
+                  <a:off x="1467834" y="3815947"/>
+                  <a:ext cx="245708" cy="307777"/>
+                </a:xfrm>
+                <a:prstGeom prst="rect">
+                  <a:avLst/>
+                </a:prstGeom>
+                <a:blipFill>
+                  <a:blip r:embed="rId49"/>
+                  <a:stretch>
+                    <a:fillRect l="-20000" r="-22500" b="-9804"/>
+                  </a:stretch>
+                </a:blipFill>
+              </p:spPr>
+              <p:txBody>
+                <a:bodyPr/>
+                <a:lstStyle/>
+                <a:p>
+                  <a:r>
+                    <a:rPr lang="en-US">
+                      <a:noFill/>
+                    </a:rPr>
+                    <a:t> </a:t>
+                  </a:r>
+                </a:p>
+              </p:txBody>
+            </p:sp>
+          </mc:Fallback>
+        </mc:AlternateContent>
+        <p:cxnSp>
+          <p:nvCxnSpPr>
+            <p:cNvPr id="17" name="Straight Connector 16"/>
+            <p:cNvCxnSpPr/>
+            <p:nvPr/>
+          </p:nvCxnSpPr>
+          <p:spPr>
+            <a:xfrm>
+              <a:off x="832103" y="6512313"/>
+              <a:ext cx="201537" cy="0"/>
+            </a:xfrm>
+            <a:prstGeom prst="line">
+              <a:avLst/>
+            </a:prstGeom>
+            <a:ln w="38100">
+              <a:solidFill>
+                <a:schemeClr val="tx1"/>
+              </a:solidFill>
+            </a:ln>
+          </p:spPr>
+          <p:style>
+            <a:lnRef idx="1">
+              <a:schemeClr val="accent1"/>
+            </a:lnRef>
+            <a:fillRef idx="0">
+              <a:schemeClr val="accent1"/>
+            </a:fillRef>
+            <a:effectRef idx="0">
+              <a:schemeClr val="accent1"/>
+            </a:effectRef>
+            <a:fontRef idx="minor">
+              <a:schemeClr val="tx1"/>
+            </a:fontRef>
+          </p:style>
+        </p:cxnSp>
+        <mc:AlternateContent xmlns:mc="http://schemas.openxmlformats.org/markup-compatibility/2006">
+          <mc:Choice xmlns:a14="http://schemas.microsoft.com/office/drawing/2010/main" Requires="a14">
+            <p:sp>
+              <p:nvSpPr>
+                <p:cNvPr id="18" name="TextBox 17"/>
+                <p:cNvSpPr txBox="1"/>
+                <p:nvPr/>
+              </p:nvSpPr>
+              <p:spPr>
+                <a:xfrm>
+                  <a:off x="599246" y="6358424"/>
+                  <a:ext cx="213200" cy="307777"/>
+                </a:xfrm>
+                <a:prstGeom prst="rect">
+                  <a:avLst/>
+                </a:prstGeom>
+                <a:noFill/>
+              </p:spPr>
+              <p:txBody>
+                <a:bodyPr wrap="none" lIns="0" tIns="0" rIns="0" bIns="0" rtlCol="0">
+                  <a:spAutoFit/>
+                </a:bodyPr>
+                <a:lstStyle/>
+                <a:p>
+                  <a14:m>
+                    <m:oMathPara xmlns:m="http://schemas.openxmlformats.org/officeDocument/2006/math">
+                      <m:oMathParaPr>
+                        <m:jc m:val="centerGroup"/>
+                      </m:oMathParaPr>
+                      <m:oMath xmlns:m="http://schemas.openxmlformats.org/officeDocument/2006/math">
+                        <m:r>
+                          <a:rPr lang="en-US" sz="2000" b="0" i="1" smtClean="0">
+                            <a:latin typeface="Cambria Math" panose="02040503050406030204" pitchFamily="18" charset="0"/>
+                            <a:cs typeface="Arial" panose="020B0604020202020204" pitchFamily="34" charset="0"/>
+                          </a:rPr>
+                          <m:t>0</m:t>
+                        </m:r>
+                      </m:oMath>
+                    </m:oMathPara>
+                  </a14:m>
+                  <a:endParaRPr lang="en-US" sz="2000" dirty="0" smtClean="0">
+                    <a:latin typeface="Arial" panose="020B0604020202020204" pitchFamily="34" charset="0"/>
+                    <a:cs typeface="Arial" panose="020B0604020202020204" pitchFamily="34" charset="0"/>
+                  </a:endParaRPr>
+                </a:p>
+              </p:txBody>
+            </p:sp>
+          </mc:Choice>
+          <mc:Fallback>
+            <p:sp>
+              <p:nvSpPr>
+                <p:cNvPr id="18" name="TextBox 17"/>
+                <p:cNvSpPr txBox="1">
+                  <a:spLocks noRot="1" noChangeAspect="1" noMove="1" noResize="1" noEditPoints="1" noAdjustHandles="1" noChangeArrowheads="1" noChangeShapeType="1" noTextEdit="1"/>
+                </p:cNvSpPr>
+                <p:nvPr/>
+              </p:nvSpPr>
+              <p:spPr>
+                <a:xfrm>
+                  <a:off x="599246" y="6358424"/>
+                  <a:ext cx="213200" cy="307777"/>
+                </a:xfrm>
+                <a:prstGeom prst="rect">
+                  <a:avLst/>
+                </a:prstGeom>
+                <a:blipFill>
+                  <a:blip r:embed="rId50"/>
+                  <a:stretch>
+                    <a:fillRect l="-26471" r="-26471" b="-9804"/>
+                  </a:stretch>
+                </a:blipFill>
+              </p:spPr>
+              <p:txBody>
+                <a:bodyPr/>
+                <a:lstStyle/>
+                <a:p>
+                  <a:r>
+                    <a:rPr lang="en-US">
+                      <a:noFill/>
+                    </a:rPr>
+                    <a:t> </a:t>
+                  </a:r>
+                </a:p>
+              </p:txBody>
+            </p:sp>
+          </mc:Fallback>
+        </mc:AlternateContent>
+        <p:cxnSp>
+          <p:nvCxnSpPr>
+            <p:cNvPr id="55" name="Straight Connector 54"/>
+            <p:cNvCxnSpPr/>
+            <p:nvPr/>
+          </p:nvCxnSpPr>
+          <p:spPr>
+            <a:xfrm flipV="1">
+              <a:off x="907492" y="5845620"/>
+              <a:ext cx="386747" cy="1"/>
+            </a:xfrm>
+            <a:prstGeom prst="line">
+              <a:avLst/>
+            </a:prstGeom>
+            <a:ln w="19050">
+              <a:solidFill>
+                <a:schemeClr val="tx1"/>
+              </a:solidFill>
+              <a:prstDash val="sysDot"/>
+            </a:ln>
+          </p:spPr>
+          <p:style>
+            <a:lnRef idx="1">
+              <a:schemeClr val="accent1"/>
+            </a:lnRef>
+            <a:fillRef idx="0">
+              <a:schemeClr val="accent1"/>
+            </a:fillRef>
+            <a:effectRef idx="0">
+              <a:schemeClr val="accent1"/>
+            </a:effectRef>
+            <a:fontRef idx="minor">
+              <a:schemeClr val="tx1"/>
+            </a:fontRef>
+          </p:style>
+        </p:cxnSp>
+        <p:cxnSp>
+          <p:nvCxnSpPr>
+            <p:cNvPr id="59" name="Straight Connector 58"/>
+            <p:cNvCxnSpPr/>
+            <p:nvPr/>
+          </p:nvCxnSpPr>
+          <p:spPr>
+            <a:xfrm flipV="1">
+              <a:off x="955495" y="4164874"/>
+              <a:ext cx="386747" cy="1"/>
+            </a:xfrm>
+            <a:prstGeom prst="line">
+              <a:avLst/>
+            </a:prstGeom>
+            <a:ln w="19050">
+              <a:solidFill>
+                <a:schemeClr val="tx1"/>
+              </a:solidFill>
+              <a:prstDash val="sysDot"/>
+            </a:ln>
+          </p:spPr>
+          <p:style>
+            <a:lnRef idx="1">
+              <a:schemeClr val="accent1"/>
+            </a:lnRef>
+            <a:fillRef idx="0">
+              <a:schemeClr val="accent1"/>
+            </a:fillRef>
+            <a:effectRef idx="0">
+              <a:schemeClr val="accent1"/>
+            </a:effectRef>
+            <a:fontRef idx="minor">
+              <a:schemeClr val="tx1"/>
+            </a:fontRef>
+          </p:style>
+        </p:cxnSp>
+        <mc:AlternateContent xmlns:mc="http://schemas.openxmlformats.org/markup-compatibility/2006">
+          <mc:Choice xmlns:a14="http://schemas.microsoft.com/office/drawing/2010/main" Requires="a14">
+            <p:sp>
+              <p:nvSpPr>
+                <p:cNvPr id="40" name="TextBox 39"/>
+                <p:cNvSpPr txBox="1"/>
+                <p:nvPr/>
+              </p:nvSpPr>
+              <p:spPr>
+                <a:xfrm>
+                  <a:off x="536230" y="5631848"/>
+                  <a:ext cx="310790" cy="307777"/>
+                </a:xfrm>
+                <a:prstGeom prst="rect">
+                  <a:avLst/>
+                </a:prstGeom>
+                <a:noFill/>
+              </p:spPr>
+              <p:txBody>
+                <a:bodyPr wrap="none" lIns="0" tIns="0" rIns="0" bIns="0" rtlCol="0">
+                  <a:spAutoFit/>
+                </a:bodyPr>
+                <a:lstStyle/>
+                <a:p>
+                  <a14:m>
+                    <m:oMathPara xmlns:m="http://schemas.openxmlformats.org/officeDocument/2006/math">
+                      <m:oMathParaPr>
+                        <m:jc m:val="centerGroup"/>
+                      </m:oMathParaPr>
+                      <m:oMath xmlns:m="http://schemas.openxmlformats.org/officeDocument/2006/math">
+                        <m:sSub>
+                          <m:sSubPr>
+                            <m:ctrlPr>
+                              <a:rPr lang="en-US" sz="2000" b="0" i="1" smtClean="0">
+                                <a:latin typeface="Cambria Math" panose="02040503050406030204" pitchFamily="18" charset="0"/>
+                                <a:cs typeface="Arial" panose="020B0604020202020204" pitchFamily="34" charset="0"/>
+                              </a:rPr>
+                            </m:ctrlPr>
+                          </m:sSubPr>
+                          <m:e>
+                            <m:r>
+                              <a:rPr lang="en-US" sz="2000" b="0" i="1" smtClean="0">
+                                <a:latin typeface="Cambria Math" panose="02040503050406030204" pitchFamily="18" charset="0"/>
+                                <a:cs typeface="Arial" panose="020B0604020202020204" pitchFamily="34" charset="0"/>
+                              </a:rPr>
+                              <m:t>𝑧</m:t>
+                            </m:r>
+                          </m:e>
+                          <m:sub>
+                            <m:r>
+                              <a:rPr lang="en-US" sz="2000" b="0" i="1" smtClean="0">
+                                <a:latin typeface="Cambria Math" panose="02040503050406030204" pitchFamily="18" charset="0"/>
+                                <a:cs typeface="Arial" panose="020B0604020202020204" pitchFamily="34" charset="0"/>
+                              </a:rPr>
+                              <m:t>𝐴</m:t>
+                            </m:r>
+                          </m:sub>
+                        </m:sSub>
+                      </m:oMath>
+                    </m:oMathPara>
+                  </a14:m>
+                  <a:endParaRPr lang="en-US" sz="2000" b="0" dirty="0" smtClean="0">
+                    <a:latin typeface="Arial" panose="020B0604020202020204" pitchFamily="34" charset="0"/>
+                    <a:cs typeface="Arial" panose="020B0604020202020204" pitchFamily="34" charset="0"/>
+                  </a:endParaRPr>
+                </a:p>
+              </p:txBody>
+            </p:sp>
+          </mc:Choice>
+          <mc:Fallback>
+            <p:sp>
+              <p:nvSpPr>
+                <p:cNvPr id="40" name="TextBox 39"/>
+                <p:cNvSpPr txBox="1">
+                  <a:spLocks noRot="1" noChangeAspect="1" noMove="1" noResize="1" noEditPoints="1" noAdjustHandles="1" noChangeArrowheads="1" noChangeShapeType="1" noTextEdit="1"/>
+                </p:cNvSpPr>
+                <p:nvPr/>
+              </p:nvSpPr>
+              <p:spPr>
+                <a:xfrm>
+                  <a:off x="536230" y="5631848"/>
+                  <a:ext cx="310790" cy="307777"/>
+                </a:xfrm>
+                <a:prstGeom prst="rect">
+                  <a:avLst/>
+                </a:prstGeom>
+                <a:blipFill>
+                  <a:blip r:embed="rId51"/>
+                  <a:stretch>
+                    <a:fillRect l="-7843" r="-7843" b="-22000"/>
+                  </a:stretch>
+                </a:blipFill>
+              </p:spPr>
+              <p:txBody>
+                <a:bodyPr/>
+                <a:lstStyle/>
+                <a:p>
+                  <a:r>
+                    <a:rPr lang="en-US">
+                      <a:noFill/>
+                    </a:rPr>
+                    <a:t> </a:t>
+                  </a:r>
+                </a:p>
+              </p:txBody>
+            </p:sp>
+          </mc:Fallback>
+        </mc:AlternateContent>
+        <mc:AlternateContent xmlns:mc="http://schemas.openxmlformats.org/markup-compatibility/2006">
+          <mc:Choice xmlns:a14="http://schemas.microsoft.com/office/drawing/2010/main" Requires="a14">
+            <p:sp>
+              <p:nvSpPr>
+                <p:cNvPr id="66" name="TextBox 65"/>
+                <p:cNvSpPr txBox="1"/>
+                <p:nvPr/>
+              </p:nvSpPr>
+              <p:spPr>
+                <a:xfrm>
+                  <a:off x="544180" y="3939323"/>
+                  <a:ext cx="329962" cy="307777"/>
+                </a:xfrm>
+                <a:prstGeom prst="rect">
+                  <a:avLst/>
+                </a:prstGeom>
+                <a:noFill/>
+              </p:spPr>
+              <p:txBody>
+                <a:bodyPr wrap="none" lIns="0" tIns="0" rIns="0" bIns="0" rtlCol="0">
+                  <a:spAutoFit/>
+                </a:bodyPr>
+                <a:lstStyle/>
+                <a:p>
+                  <a14:m>
+                    <m:oMathPara xmlns:m="http://schemas.openxmlformats.org/officeDocument/2006/math">
+                      <m:oMathParaPr>
+                        <m:jc m:val="centerGroup"/>
+                      </m:oMathParaPr>
+                      <m:oMath xmlns:m="http://schemas.openxmlformats.org/officeDocument/2006/math">
+                        <m:sSub>
+                          <m:sSubPr>
+                            <m:ctrlPr>
+                              <a:rPr lang="en-US" sz="2000" b="0" i="1" smtClean="0">
+                                <a:latin typeface="Cambria Math" panose="02040503050406030204" pitchFamily="18" charset="0"/>
+                                <a:cs typeface="Arial" panose="020B0604020202020204" pitchFamily="34" charset="0"/>
+                              </a:rPr>
+                            </m:ctrlPr>
+                          </m:sSubPr>
+                          <m:e>
+                            <m:r>
+                              <a:rPr lang="en-US" sz="2000" b="0" i="1" smtClean="0">
+                                <a:latin typeface="Cambria Math" panose="02040503050406030204" pitchFamily="18" charset="0"/>
+                                <a:cs typeface="Arial" panose="020B0604020202020204" pitchFamily="34" charset="0"/>
+                              </a:rPr>
+                              <m:t>𝑧</m:t>
+                            </m:r>
+                          </m:e>
+                          <m:sub>
+                            <m:r>
+                              <a:rPr lang="en-US" sz="2000" b="0" i="1" smtClean="0">
+                                <a:latin typeface="Cambria Math" panose="02040503050406030204" pitchFamily="18" charset="0"/>
+                                <a:cs typeface="Arial" panose="020B0604020202020204" pitchFamily="34" charset="0"/>
+                              </a:rPr>
+                              <m:t>𝐵</m:t>
+                            </m:r>
+                          </m:sub>
+                        </m:sSub>
+                      </m:oMath>
+                    </m:oMathPara>
+                  </a14:m>
+                  <a:endParaRPr lang="en-US" sz="2000" b="0" dirty="0" smtClean="0">
+                    <a:latin typeface="Arial" panose="020B0604020202020204" pitchFamily="34" charset="0"/>
+                    <a:cs typeface="Arial" panose="020B0604020202020204" pitchFamily="34" charset="0"/>
+                  </a:endParaRPr>
+                </a:p>
+              </p:txBody>
+            </p:sp>
+          </mc:Choice>
+          <mc:Fallback>
+            <p:sp>
+              <p:nvSpPr>
+                <p:cNvPr id="66" name="TextBox 65"/>
+                <p:cNvSpPr txBox="1">
+                  <a:spLocks noRot="1" noChangeAspect="1" noMove="1" noResize="1" noEditPoints="1" noAdjustHandles="1" noChangeArrowheads="1" noChangeShapeType="1" noTextEdit="1"/>
+                </p:cNvSpPr>
+                <p:nvPr/>
+              </p:nvSpPr>
+              <p:spPr>
+                <a:xfrm>
+                  <a:off x="544180" y="3939323"/>
+                  <a:ext cx="329962" cy="307777"/>
+                </a:xfrm>
+                <a:prstGeom prst="rect">
+                  <a:avLst/>
+                </a:prstGeom>
+                <a:blipFill>
+                  <a:blip r:embed="rId52"/>
+                  <a:stretch>
+                    <a:fillRect l="-7273" r="-3636" b="-19608"/>
+                  </a:stretch>
+                </a:blipFill>
+              </p:spPr>
+              <p:txBody>
+                <a:bodyPr/>
+                <a:lstStyle/>
+                <a:p>
+                  <a:r>
+                    <a:rPr lang="en-US">
+                      <a:noFill/>
+                    </a:rPr>
+                    <a:t> </a:t>
+                  </a:r>
+                </a:p>
+              </p:txBody>
+            </p:sp>
+          </mc:Fallback>
+        </mc:AlternateContent>
+        <p:cxnSp>
+          <p:nvCxnSpPr>
+            <p:cNvPr id="67" name="Straight Arrow Connector 66"/>
+            <p:cNvCxnSpPr/>
+            <p:nvPr/>
+          </p:nvCxnSpPr>
+          <p:spPr>
+            <a:xfrm>
+              <a:off x="1338401" y="5845295"/>
+              <a:ext cx="0" cy="702527"/>
+            </a:xfrm>
+            <a:prstGeom prst="straightConnector1">
+              <a:avLst/>
+            </a:prstGeom>
+            <a:ln w="38100">
+              <a:solidFill>
+                <a:schemeClr val="tx1"/>
+              </a:solidFill>
+              <a:tailEnd type="triangle"/>
+            </a:ln>
+          </p:spPr>
+          <p:style>
+            <a:lnRef idx="1">
+              <a:schemeClr val="accent1"/>
+            </a:lnRef>
+            <a:fillRef idx="0">
+              <a:schemeClr val="accent1"/>
+            </a:fillRef>
+            <a:effectRef idx="0">
+              <a:schemeClr val="accent1"/>
+            </a:effectRef>
+            <a:fontRef idx="minor">
+              <a:schemeClr val="tx1"/>
+            </a:fontRef>
+          </p:style>
+        </p:cxnSp>
+        <mc:AlternateContent xmlns:mc="http://schemas.openxmlformats.org/markup-compatibility/2006">
+          <mc:Choice xmlns:a14="http://schemas.microsoft.com/office/drawing/2010/main" Requires="a14">
+            <p:sp>
+              <p:nvSpPr>
+                <p:cNvPr id="68" name="TextBox 67"/>
+                <p:cNvSpPr txBox="1"/>
+                <p:nvPr/>
+              </p:nvSpPr>
+              <p:spPr>
+                <a:xfrm>
+                  <a:off x="1338401" y="6093441"/>
+                  <a:ext cx="303865" cy="377219"/>
+                </a:xfrm>
+                <a:prstGeom prst="rect">
+                  <a:avLst/>
+                </a:prstGeom>
+                <a:noFill/>
+              </p:spPr>
+              <p:txBody>
+                <a:bodyPr wrap="none" lIns="0" tIns="0" rIns="0" bIns="0" rtlCol="0">
+                  <a:spAutoFit/>
+                </a:bodyPr>
+                <a:lstStyle/>
+                <a:p>
+                  <a:pPr/>
+                  <a14:m>
+                    <m:oMathPara xmlns:m="http://schemas.openxmlformats.org/officeDocument/2006/math">
+                      <m:oMathParaPr>
+                        <m:jc m:val="centerGroup"/>
+                      </m:oMathParaPr>
+                      <m:oMath xmlns:m="http://schemas.openxmlformats.org/officeDocument/2006/math">
+                        <m:sSub>
+                          <m:sSubPr>
+                            <m:ctrlPr>
+                              <a:rPr lang="en-US" sz="2000" b="0" i="1" smtClean="0">
+                                <a:latin typeface="Cambria Math" panose="02040503050406030204" pitchFamily="18" charset="0"/>
+                                <a:cs typeface="Arial" panose="020B0604020202020204" pitchFamily="34" charset="0"/>
+                              </a:rPr>
+                            </m:ctrlPr>
+                          </m:sSubPr>
+                          <m:e>
+                            <m:acc>
+                              <m:accPr>
+                                <m:chr m:val="⃗"/>
+                                <m:ctrlPr>
+                                  <a:rPr lang="en-US" sz="2000" b="0" i="1" smtClean="0">
+                                    <a:latin typeface="Cambria Math" panose="02040503050406030204" pitchFamily="18" charset="0"/>
+                                    <a:cs typeface="Arial" panose="020B0604020202020204" pitchFamily="34" charset="0"/>
+                                  </a:rPr>
+                                </m:ctrlPr>
+                              </m:accPr>
+                              <m:e>
+                                <m:r>
+                                  <a:rPr lang="en-US" sz="2000" b="0" i="1" smtClean="0">
+                                    <a:latin typeface="Cambria Math" panose="02040503050406030204" pitchFamily="18" charset="0"/>
+                                    <a:cs typeface="Arial" panose="020B0604020202020204" pitchFamily="34" charset="0"/>
+                                  </a:rPr>
+                                  <m:t>𝐹</m:t>
+                                </m:r>
+                              </m:e>
+                            </m:acc>
+                          </m:e>
+                          <m:sub>
+                            <m:r>
+                              <a:rPr lang="en-US" sz="2000" b="0" i="1" smtClean="0">
+                                <a:latin typeface="Cambria Math" panose="02040503050406030204" pitchFamily="18" charset="0"/>
+                                <a:cs typeface="Arial" panose="020B0604020202020204" pitchFamily="34" charset="0"/>
+                              </a:rPr>
+                              <m:t>𝑔</m:t>
+                            </m:r>
+                          </m:sub>
+                        </m:sSub>
+                      </m:oMath>
+                    </m:oMathPara>
+                  </a14:m>
+                  <a:endParaRPr lang="en-US" sz="2000" dirty="0" smtClean="0">
+                    <a:latin typeface="Arial" panose="020B0604020202020204" pitchFamily="34" charset="0"/>
+                    <a:cs typeface="Arial" panose="020B0604020202020204" pitchFamily="34" charset="0"/>
+                  </a:endParaRPr>
+                </a:p>
+              </p:txBody>
+            </p:sp>
+          </mc:Choice>
+          <mc:Fallback>
+            <p:sp>
+              <p:nvSpPr>
+                <p:cNvPr id="68" name="TextBox 67"/>
+                <p:cNvSpPr txBox="1">
+                  <a:spLocks noRot="1" noChangeAspect="1" noMove="1" noResize="1" noEditPoints="1" noAdjustHandles="1" noChangeArrowheads="1" noChangeShapeType="1" noTextEdit="1"/>
+                </p:cNvSpPr>
+                <p:nvPr/>
+              </p:nvSpPr>
+              <p:spPr>
+                <a:xfrm>
+                  <a:off x="1338401" y="6093441"/>
+                  <a:ext cx="303865" cy="377219"/>
+                </a:xfrm>
+                <a:prstGeom prst="rect">
+                  <a:avLst/>
+                </a:prstGeom>
+                <a:blipFill>
+                  <a:blip r:embed="rId53"/>
+                  <a:stretch>
+                    <a:fillRect l="-18000" t="-32258" r="-70000" b="-17742"/>
+                  </a:stretch>
+                </a:blipFill>
+              </p:spPr>
+              <p:txBody>
+                <a:bodyPr/>
+                <a:lstStyle/>
+                <a:p>
+                  <a:r>
+                    <a:rPr lang="en-US">
+                      <a:noFill/>
+                    </a:rPr>
+                    <a:t> </a:t>
+                  </a:r>
+                </a:p>
+              </p:txBody>
+            </p:sp>
+          </mc:Fallback>
+        </mc:AlternateContent>
+        <mc:AlternateContent xmlns:mc="http://schemas.openxmlformats.org/markup-compatibility/2006">
+          <mc:Choice xmlns:a14="http://schemas.microsoft.com/office/drawing/2010/main" Requires="a14">
+            <p:sp>
+              <p:nvSpPr>
+                <p:cNvPr id="71" name="TextBox 70"/>
+                <p:cNvSpPr txBox="1"/>
+                <p:nvPr/>
+              </p:nvSpPr>
+              <p:spPr>
+                <a:xfrm>
+                  <a:off x="1570152" y="5039704"/>
+                  <a:ext cx="1108893" cy="354649"/>
+                </a:xfrm>
+                <a:prstGeom prst="rect">
+                  <a:avLst/>
+                </a:prstGeom>
+                <a:noFill/>
+              </p:spPr>
+              <p:txBody>
+                <a:bodyPr wrap="none" lIns="0" tIns="0" rIns="0" bIns="0" rtlCol="0">
+                  <a:spAutoFit/>
+                </a:bodyPr>
+                <a:lstStyle/>
+                <a:p>
+                  <a:pPr/>
+                  <a14:m>
+                    <m:oMathPara xmlns:m="http://schemas.openxmlformats.org/officeDocument/2006/math">
+                      <m:oMathParaPr>
+                        <m:jc m:val="centerGroup"/>
+                      </m:oMathParaPr>
+                      <m:oMath xmlns:m="http://schemas.openxmlformats.org/officeDocument/2006/math">
+                        <m:r>
+                          <a:rPr lang="en-US" sz="2000" b="0" i="1" smtClean="0">
+                            <a:solidFill>
+                              <a:srgbClr val="FF0000"/>
+                            </a:solidFill>
+                            <a:latin typeface="Cambria Math" panose="02040503050406030204" pitchFamily="18" charset="0"/>
+                            <a:cs typeface="Arial" panose="020B0604020202020204" pitchFamily="34" charset="0"/>
+                          </a:rPr>
+                          <m:t>𝑑</m:t>
+                        </m:r>
+                        <m:acc>
+                          <m:accPr>
+                            <m:chr m:val="⃗"/>
+                            <m:ctrlPr>
+                              <a:rPr lang="en-US" sz="2000" b="0" i="1" smtClean="0">
+                                <a:solidFill>
+                                  <a:srgbClr val="FF0000"/>
+                                </a:solidFill>
+                                <a:latin typeface="Cambria Math" panose="02040503050406030204" pitchFamily="18" charset="0"/>
+                                <a:cs typeface="Arial" panose="020B0604020202020204" pitchFamily="34" charset="0"/>
+                              </a:rPr>
+                            </m:ctrlPr>
+                          </m:accPr>
+                          <m:e>
+                            <m:r>
+                              <a:rPr lang="en-US" sz="2000" b="0" i="1" smtClean="0">
+                                <a:solidFill>
+                                  <a:srgbClr val="FF0000"/>
+                                </a:solidFill>
+                                <a:latin typeface="Cambria Math" panose="02040503050406030204" pitchFamily="18" charset="0"/>
+                                <a:cs typeface="Arial" panose="020B0604020202020204" pitchFamily="34" charset="0"/>
+                              </a:rPr>
+                              <m:t>𝑙</m:t>
+                            </m:r>
+                          </m:e>
+                        </m:acc>
+                        <m:r>
+                          <a:rPr lang="en-US" sz="2000" b="0" i="1" smtClean="0">
+                            <a:solidFill>
+                              <a:srgbClr val="FF0000"/>
+                            </a:solidFill>
+                            <a:latin typeface="Cambria Math" panose="02040503050406030204" pitchFamily="18" charset="0"/>
+                            <a:cs typeface="Arial" panose="020B0604020202020204" pitchFamily="34" charset="0"/>
+                          </a:rPr>
+                          <m:t>=</m:t>
+                        </m:r>
+                        <m:r>
+                          <a:rPr lang="en-US" sz="2000" b="0" i="1" smtClean="0">
+                            <a:solidFill>
+                              <a:srgbClr val="FF0000"/>
+                            </a:solidFill>
+                            <a:latin typeface="Cambria Math" panose="02040503050406030204" pitchFamily="18" charset="0"/>
+                            <a:cs typeface="Arial" panose="020B0604020202020204" pitchFamily="34" charset="0"/>
+                          </a:rPr>
+                          <m:t>𝑑𝑧</m:t>
+                        </m:r>
+                        <m:r>
+                          <a:rPr lang="en-US" sz="2000" b="0" i="1" smtClean="0">
+                            <a:solidFill>
+                              <a:srgbClr val="FF0000"/>
+                            </a:solidFill>
+                            <a:latin typeface="Cambria Math" panose="02040503050406030204" pitchFamily="18" charset="0"/>
+                            <a:cs typeface="Arial" panose="020B0604020202020204" pitchFamily="34" charset="0"/>
+                          </a:rPr>
+                          <m:t> </m:t>
+                        </m:r>
+                        <m:acc>
+                          <m:accPr>
+                            <m:chr m:val="̂"/>
+                            <m:ctrlPr>
+                              <a:rPr lang="en-US" sz="2000" b="0" i="1" smtClean="0">
+                                <a:solidFill>
+                                  <a:srgbClr val="FF0000"/>
+                                </a:solidFill>
+                                <a:latin typeface="Cambria Math" panose="02040503050406030204" pitchFamily="18" charset="0"/>
+                                <a:cs typeface="Arial" panose="020B0604020202020204" pitchFamily="34" charset="0"/>
+                              </a:rPr>
+                            </m:ctrlPr>
+                          </m:accPr>
+                          <m:e>
+                            <m:r>
+                              <a:rPr lang="en-US" sz="2000" b="0" i="1" smtClean="0">
+                                <a:solidFill>
+                                  <a:srgbClr val="FF0000"/>
+                                </a:solidFill>
+                                <a:latin typeface="Cambria Math" panose="02040503050406030204" pitchFamily="18" charset="0"/>
+                                <a:cs typeface="Arial" panose="020B0604020202020204" pitchFamily="34" charset="0"/>
+                              </a:rPr>
+                              <m:t>𝑧</m:t>
+                            </m:r>
+                          </m:e>
+                        </m:acc>
+                      </m:oMath>
+                    </m:oMathPara>
+                  </a14:m>
+                  <a:endParaRPr lang="en-US" sz="2000" dirty="0" smtClean="0">
+                    <a:solidFill>
+                      <a:srgbClr val="FF0000"/>
+                    </a:solidFill>
+                    <a:latin typeface="Arial" panose="020B0604020202020204" pitchFamily="34" charset="0"/>
+                    <a:cs typeface="Arial" panose="020B0604020202020204" pitchFamily="34" charset="0"/>
+                  </a:endParaRPr>
+                </a:p>
+              </p:txBody>
+            </p:sp>
+          </mc:Choice>
+          <mc:Fallback>
+            <p:sp>
+              <p:nvSpPr>
+                <p:cNvPr id="71" name="TextBox 70"/>
+                <p:cNvSpPr txBox="1">
+                  <a:spLocks noRot="1" noChangeAspect="1" noMove="1" noResize="1" noEditPoints="1" noAdjustHandles="1" noChangeArrowheads="1" noChangeShapeType="1" noTextEdit="1"/>
+                </p:cNvSpPr>
+                <p:nvPr/>
+              </p:nvSpPr>
+              <p:spPr>
+                <a:xfrm>
+                  <a:off x="1570152" y="5039704"/>
+                  <a:ext cx="1108893" cy="354649"/>
+                </a:xfrm>
+                <a:prstGeom prst="rect">
+                  <a:avLst/>
+                </a:prstGeom>
+                <a:blipFill>
+                  <a:blip r:embed="rId54"/>
+                  <a:stretch>
+                    <a:fillRect l="-4396" t="-34483" r="-30220" b="-41379"/>
+                  </a:stretch>
+                </a:blipFill>
+              </p:spPr>
+              <p:txBody>
+                <a:bodyPr/>
+                <a:lstStyle/>
+                <a:p>
+                  <a:r>
+                    <a:rPr lang="en-US">
+                      <a:noFill/>
+                    </a:rPr>
+                    <a:t> </a:t>
+                  </a:r>
+                </a:p>
+              </p:txBody>
+            </p:sp>
+          </mc:Fallback>
+        </mc:AlternateContent>
+        <p:cxnSp>
+          <p:nvCxnSpPr>
+            <p:cNvPr id="72" name="Straight Arrow Connector 71"/>
+            <p:cNvCxnSpPr/>
+            <p:nvPr/>
+          </p:nvCxnSpPr>
+          <p:spPr>
+            <a:xfrm flipV="1">
+              <a:off x="1321492" y="5100128"/>
+              <a:ext cx="0" cy="316252"/>
+            </a:xfrm>
+            <a:prstGeom prst="straightConnector1">
+              <a:avLst/>
+            </a:prstGeom>
+            <a:ln w="57150">
+              <a:solidFill>
+                <a:srgbClr val="FF0000"/>
+              </a:solidFill>
+              <a:tailEnd type="triangle"/>
+            </a:ln>
+          </p:spPr>
+          <p:style>
+            <a:lnRef idx="1">
+              <a:schemeClr val="accent1"/>
+            </a:lnRef>
+            <a:fillRef idx="0">
+              <a:schemeClr val="accent1"/>
+            </a:fillRef>
+            <a:effectRef idx="0">
+              <a:schemeClr val="accent1"/>
+            </a:effectRef>
+            <a:fontRef idx="minor">
+              <a:schemeClr val="tx1"/>
+            </a:fontRef>
+          </p:style>
+        </p:cxnSp>
       </p:grpSp>
     </p:spTree>
     <p:extLst>

--- a/tex/figures/PotentialECons/Figures.pptx
+++ b/tex/figures/PotentialECons/Figures.pptx
@@ -7071,8 +7071,8 @@
             </a:fontRef>
           </p:style>
         </p:cxnSp>
-        <mc:AlternateContent xmlns:mc="http://schemas.openxmlformats.org/markup-compatibility/2006">
-          <mc:Choice xmlns:a14="http://schemas.microsoft.com/office/drawing/2010/main" Requires="a14">
+        <mc:AlternateContent xmlns:mc="http://schemas.openxmlformats.org/markup-compatibility/2006" xmlns:a14="http://schemas.microsoft.com/office/drawing/2010/main">
+          <mc:Choice Requires="a14">
             <p:sp>
               <p:nvSpPr>
                 <p:cNvPr id="5" name="TextBox 4"/>
@@ -7095,6 +7095,7 @@
                 </a:bodyPr>
                 <a:lstStyle/>
                 <a:p>
+                  <a:pPr/>
                   <a14:m>
                     <m:oMathPara xmlns:m="http://schemas.openxmlformats.org/officeDocument/2006/math">
                       <m:oMathParaPr>
@@ -7119,7 +7120,7 @@
               </p:txBody>
             </p:sp>
           </mc:Choice>
-          <mc:Fallback>
+          <mc:Fallback xmlns="">
             <p:sp>
               <p:nvSpPr>
                 <p:cNvPr id="5" name="TextBox 4"/>
@@ -7292,8 +7293,8 @@
             </a:fontRef>
           </p:style>
         </p:cxnSp>
-        <mc:AlternateContent xmlns:mc="http://schemas.openxmlformats.org/markup-compatibility/2006">
-          <mc:Choice xmlns:a14="http://schemas.microsoft.com/office/drawing/2010/main" Requires="a14">
+        <mc:AlternateContent xmlns:mc="http://schemas.openxmlformats.org/markup-compatibility/2006" xmlns:a14="http://schemas.microsoft.com/office/drawing/2010/main">
+          <mc:Choice Requires="a14">
             <p:sp>
               <p:nvSpPr>
                 <p:cNvPr id="15" name="TextBox 14"/>
@@ -7316,6 +7317,7 @@
                 </a:bodyPr>
                 <a:lstStyle/>
                 <a:p>
+                  <a:pPr/>
                   <a14:m>
                     <m:oMathPara xmlns:m="http://schemas.openxmlformats.org/officeDocument/2006/math">
                       <m:oMathParaPr>
@@ -7340,7 +7342,7 @@
               </p:txBody>
             </p:sp>
           </mc:Choice>
-          <mc:Fallback>
+          <mc:Fallback xmlns="">
             <p:sp>
               <p:nvSpPr>
                 <p:cNvPr id="15" name="TextBox 14"/>
@@ -7379,8 +7381,8 @@
             </p:sp>
           </mc:Fallback>
         </mc:AlternateContent>
-        <mc:AlternateContent xmlns:mc="http://schemas.openxmlformats.org/markup-compatibility/2006">
-          <mc:Choice xmlns:a14="http://schemas.microsoft.com/office/drawing/2010/main" Requires="a14">
+        <mc:AlternateContent xmlns:mc="http://schemas.openxmlformats.org/markup-compatibility/2006" xmlns:a14="http://schemas.microsoft.com/office/drawing/2010/main">
+          <mc:Choice Requires="a14">
             <p:sp>
               <p:nvSpPr>
                 <p:cNvPr id="53" name="TextBox 52"/>
@@ -7403,6 +7405,7 @@
                 </a:bodyPr>
                 <a:lstStyle/>
                 <a:p>
+                  <a:pPr/>
                   <a14:m>
                     <m:oMathPara xmlns:m="http://schemas.openxmlformats.org/officeDocument/2006/math">
                       <m:oMathParaPr>
@@ -7427,7 +7430,7 @@
               </p:txBody>
             </p:sp>
           </mc:Choice>
-          <mc:Fallback>
+          <mc:Fallback xmlns="">
             <p:sp>
               <p:nvSpPr>
                 <p:cNvPr id="53" name="TextBox 52"/>
@@ -7501,8 +7504,8 @@
             </a:fontRef>
           </p:style>
         </p:cxnSp>
-        <mc:AlternateContent xmlns:mc="http://schemas.openxmlformats.org/markup-compatibility/2006">
-          <mc:Choice xmlns:a14="http://schemas.microsoft.com/office/drawing/2010/main" Requires="a14">
+        <mc:AlternateContent xmlns:mc="http://schemas.openxmlformats.org/markup-compatibility/2006" xmlns:a14="http://schemas.microsoft.com/office/drawing/2010/main">
+          <mc:Choice Requires="a14">
             <p:sp>
               <p:nvSpPr>
                 <p:cNvPr id="18" name="TextBox 17"/>
@@ -7525,6 +7528,7 @@
                 </a:bodyPr>
                 <a:lstStyle/>
                 <a:p>
+                  <a:pPr/>
                   <a14:m>
                     <m:oMathPara xmlns:m="http://schemas.openxmlformats.org/officeDocument/2006/math">
                       <m:oMathParaPr>
@@ -7549,7 +7553,7 @@
               </p:txBody>
             </p:sp>
           </mc:Choice>
-          <mc:Fallback>
+          <mc:Fallback xmlns="">
             <p:sp>
               <p:nvSpPr>
                 <p:cNvPr id="18" name="TextBox 17"/>
@@ -7660,8 +7664,8 @@
             </a:fontRef>
           </p:style>
         </p:cxnSp>
-        <mc:AlternateContent xmlns:mc="http://schemas.openxmlformats.org/markup-compatibility/2006">
-          <mc:Choice xmlns:a14="http://schemas.microsoft.com/office/drawing/2010/main" Requires="a14">
+        <mc:AlternateContent xmlns:mc="http://schemas.openxmlformats.org/markup-compatibility/2006" xmlns:a14="http://schemas.microsoft.com/office/drawing/2010/main">
+          <mc:Choice Requires="a14">
             <p:sp>
               <p:nvSpPr>
                 <p:cNvPr id="40" name="TextBox 39"/>
@@ -7684,6 +7688,7 @@
                 </a:bodyPr>
                 <a:lstStyle/>
                 <a:p>
+                  <a:pPr/>
                   <a14:m>
                     <m:oMathPara xmlns:m="http://schemas.openxmlformats.org/officeDocument/2006/math">
                       <m:oMathParaPr>
@@ -7729,7 +7734,7 @@
               </p:txBody>
             </p:sp>
           </mc:Choice>
-          <mc:Fallback>
+          <mc:Fallback xmlns="">
             <p:sp>
               <p:nvSpPr>
                 <p:cNvPr id="40" name="TextBox 39"/>
@@ -7768,8 +7773,8 @@
             </p:sp>
           </mc:Fallback>
         </mc:AlternateContent>
-        <mc:AlternateContent xmlns:mc="http://schemas.openxmlformats.org/markup-compatibility/2006">
-          <mc:Choice xmlns:a14="http://schemas.microsoft.com/office/drawing/2010/main" Requires="a14">
+        <mc:AlternateContent xmlns:mc="http://schemas.openxmlformats.org/markup-compatibility/2006" xmlns:a14="http://schemas.microsoft.com/office/drawing/2010/main">
+          <mc:Choice Requires="a14">
             <p:sp>
               <p:nvSpPr>
                 <p:cNvPr id="66" name="TextBox 65"/>
@@ -7792,6 +7797,7 @@
                 </a:bodyPr>
                 <a:lstStyle/>
                 <a:p>
+                  <a:pPr/>
                   <a14:m>
                     <m:oMathPara xmlns:m="http://schemas.openxmlformats.org/officeDocument/2006/math">
                       <m:oMathParaPr>
@@ -7837,7 +7843,7 @@
               </p:txBody>
             </p:sp>
           </mc:Choice>
-          <mc:Fallback>
+          <mc:Fallback xmlns="">
             <p:sp>
               <p:nvSpPr>
                 <p:cNvPr id="66" name="TextBox 65"/>
@@ -7912,8 +7918,8 @@
             </a:fontRef>
           </p:style>
         </p:cxnSp>
-        <mc:AlternateContent xmlns:mc="http://schemas.openxmlformats.org/markup-compatibility/2006">
-          <mc:Choice xmlns:a14="http://schemas.microsoft.com/office/drawing/2010/main" Requires="a14">
+        <mc:AlternateContent xmlns:mc="http://schemas.openxmlformats.org/markup-compatibility/2006" xmlns:a14="http://schemas.microsoft.com/office/drawing/2010/main">
+          <mc:Choice Requires="a14">
             <p:sp>
               <p:nvSpPr>
                 <p:cNvPr id="68" name="TextBox 67"/>
@@ -7995,7 +8001,7 @@
               </p:txBody>
             </p:sp>
           </mc:Choice>
-          <mc:Fallback>
+          <mc:Fallback xmlns="">
             <p:sp>
               <p:nvSpPr>
                 <p:cNvPr id="68" name="TextBox 67"/>
@@ -8034,8 +8040,8 @@
             </p:sp>
           </mc:Fallback>
         </mc:AlternateContent>
-        <mc:AlternateContent xmlns:mc="http://schemas.openxmlformats.org/markup-compatibility/2006">
-          <mc:Choice xmlns:a14="http://schemas.microsoft.com/office/drawing/2010/main" Requires="a14">
+        <mc:AlternateContent xmlns:mc="http://schemas.openxmlformats.org/markup-compatibility/2006" xmlns:a14="http://schemas.microsoft.com/office/drawing/2010/main">
+          <mc:Choice Requires="a14">
             <p:sp>
               <p:nvSpPr>
                 <p:cNvPr id="71" name="TextBox 70"/>
@@ -8171,7 +8177,7 @@
               </p:txBody>
             </p:sp>
           </mc:Choice>
-          <mc:Fallback>
+          <mc:Fallback xmlns="">
             <p:sp>
               <p:nvSpPr>
                 <p:cNvPr id="71" name="TextBox 70"/>
@@ -8246,6 +8252,2084 @@
             </a:fontRef>
           </p:style>
         </p:cxnSp>
+      </p:grpSp>
+      <p:grpSp>
+        <p:nvGrpSpPr>
+          <p:cNvPr id="2" name="Group 1"/>
+          <p:cNvGrpSpPr/>
+          <p:nvPr/>
+        </p:nvGrpSpPr>
+        <p:grpSpPr>
+          <a:xfrm>
+            <a:off x="4212023" y="3617184"/>
+            <a:ext cx="5798109" cy="2951357"/>
+            <a:chOff x="4212023" y="3617184"/>
+            <a:chExt cx="5798109" cy="2951357"/>
+          </a:xfrm>
+        </p:grpSpPr>
+        <p:sp>
+          <p:nvSpPr>
+            <p:cNvPr id="70" name="Rectangle 69"/>
+            <p:cNvSpPr/>
+            <p:nvPr/>
+          </p:nvSpPr>
+          <p:spPr>
+            <a:xfrm>
+              <a:off x="7255781" y="3617184"/>
+              <a:ext cx="490654" cy="379143"/>
+            </a:xfrm>
+            <a:prstGeom prst="rect">
+              <a:avLst/>
+            </a:prstGeom>
+            <a:solidFill>
+              <a:schemeClr val="bg2">
+                <a:lumMod val="90000"/>
+              </a:schemeClr>
+            </a:solidFill>
+            <a:ln w="38100">
+              <a:solidFill>
+                <a:schemeClr val="tx1"/>
+              </a:solidFill>
+              <a:prstDash val="sysDot"/>
+            </a:ln>
+          </p:spPr>
+          <p:style>
+            <a:lnRef idx="2">
+              <a:schemeClr val="accent1">
+                <a:shade val="50000"/>
+              </a:schemeClr>
+            </a:lnRef>
+            <a:fillRef idx="1">
+              <a:schemeClr val="accent1"/>
+            </a:fillRef>
+            <a:effectRef idx="0">
+              <a:schemeClr val="accent1"/>
+            </a:effectRef>
+            <a:fontRef idx="minor">
+              <a:schemeClr val="lt1"/>
+            </a:fontRef>
+          </p:style>
+          <p:txBody>
+            <a:bodyPr rtlCol="0" anchor="ctr"/>
+            <a:lstStyle>
+              <a:defPPr>
+                <a:defRPr lang="en-US"/>
+              </a:defPPr>
+              <a:lvl1pPr marL="0" algn="l" defTabSz="914400" rtl="0" eaLnBrk="1" latinLnBrk="0" hangingPunct="1">
+                <a:defRPr sz="1800" kern="1200">
+                  <a:solidFill>
+                    <a:schemeClr val="lt1"/>
+                  </a:solidFill>
+                  <a:latin typeface="+mn-lt"/>
+                  <a:ea typeface="+mn-ea"/>
+                  <a:cs typeface="+mn-cs"/>
+                </a:defRPr>
+              </a:lvl1pPr>
+              <a:lvl2pPr marL="457200" algn="l" defTabSz="914400" rtl="0" eaLnBrk="1" latinLnBrk="0" hangingPunct="1">
+                <a:defRPr sz="1800" kern="1200">
+                  <a:solidFill>
+                    <a:schemeClr val="lt1"/>
+                  </a:solidFill>
+                  <a:latin typeface="+mn-lt"/>
+                  <a:ea typeface="+mn-ea"/>
+                  <a:cs typeface="+mn-cs"/>
+                </a:defRPr>
+              </a:lvl2pPr>
+              <a:lvl3pPr marL="914400" algn="l" defTabSz="914400" rtl="0" eaLnBrk="1" latinLnBrk="0" hangingPunct="1">
+                <a:defRPr sz="1800" kern="1200">
+                  <a:solidFill>
+                    <a:schemeClr val="lt1"/>
+                  </a:solidFill>
+                  <a:latin typeface="+mn-lt"/>
+                  <a:ea typeface="+mn-ea"/>
+                  <a:cs typeface="+mn-cs"/>
+                </a:defRPr>
+              </a:lvl3pPr>
+              <a:lvl4pPr marL="1371600" algn="l" defTabSz="914400" rtl="0" eaLnBrk="1" latinLnBrk="0" hangingPunct="1">
+                <a:defRPr sz="1800" kern="1200">
+                  <a:solidFill>
+                    <a:schemeClr val="lt1"/>
+                  </a:solidFill>
+                  <a:latin typeface="+mn-lt"/>
+                  <a:ea typeface="+mn-ea"/>
+                  <a:cs typeface="+mn-cs"/>
+                </a:defRPr>
+              </a:lvl4pPr>
+              <a:lvl5pPr marL="1828800" algn="l" defTabSz="914400" rtl="0" eaLnBrk="1" latinLnBrk="0" hangingPunct="1">
+                <a:defRPr sz="1800" kern="1200">
+                  <a:solidFill>
+                    <a:schemeClr val="lt1"/>
+                  </a:solidFill>
+                  <a:latin typeface="+mn-lt"/>
+                  <a:ea typeface="+mn-ea"/>
+                  <a:cs typeface="+mn-cs"/>
+                </a:defRPr>
+              </a:lvl5pPr>
+              <a:lvl6pPr marL="2286000" algn="l" defTabSz="914400" rtl="0" eaLnBrk="1" latinLnBrk="0" hangingPunct="1">
+                <a:defRPr sz="1800" kern="1200">
+                  <a:solidFill>
+                    <a:schemeClr val="lt1"/>
+                  </a:solidFill>
+                  <a:latin typeface="+mn-lt"/>
+                  <a:ea typeface="+mn-ea"/>
+                  <a:cs typeface="+mn-cs"/>
+                </a:defRPr>
+              </a:lvl6pPr>
+              <a:lvl7pPr marL="2743200" algn="l" defTabSz="914400" rtl="0" eaLnBrk="1" latinLnBrk="0" hangingPunct="1">
+                <a:defRPr sz="1800" kern="1200">
+                  <a:solidFill>
+                    <a:schemeClr val="lt1"/>
+                  </a:solidFill>
+                  <a:latin typeface="+mn-lt"/>
+                  <a:ea typeface="+mn-ea"/>
+                  <a:cs typeface="+mn-cs"/>
+                </a:defRPr>
+              </a:lvl7pPr>
+              <a:lvl8pPr marL="3200400" algn="l" defTabSz="914400" rtl="0" eaLnBrk="1" latinLnBrk="0" hangingPunct="1">
+                <a:defRPr sz="1800" kern="1200">
+                  <a:solidFill>
+                    <a:schemeClr val="lt1"/>
+                  </a:solidFill>
+                  <a:latin typeface="+mn-lt"/>
+                  <a:ea typeface="+mn-ea"/>
+                  <a:cs typeface="+mn-cs"/>
+                </a:defRPr>
+              </a:lvl8pPr>
+              <a:lvl9pPr marL="3657600" algn="l" defTabSz="914400" rtl="0" eaLnBrk="1" latinLnBrk="0" hangingPunct="1">
+                <a:defRPr sz="1800" kern="1200">
+                  <a:solidFill>
+                    <a:schemeClr val="lt1"/>
+                  </a:solidFill>
+                  <a:latin typeface="+mn-lt"/>
+                  <a:ea typeface="+mn-ea"/>
+                  <a:cs typeface="+mn-cs"/>
+                </a:defRPr>
+              </a:lvl9pPr>
+            </a:lstStyle>
+            <a:p>
+              <a:pPr algn="ctr"/>
+              <a:endParaRPr lang="en-US"/>
+            </a:p>
+          </p:txBody>
+        </p:sp>
+        <p:sp>
+          <p:nvSpPr>
+            <p:cNvPr id="73" name="Rectangle 72"/>
+            <p:cNvSpPr/>
+            <p:nvPr/>
+          </p:nvSpPr>
+          <p:spPr>
+            <a:xfrm>
+              <a:off x="7255781" y="4018631"/>
+              <a:ext cx="2609385" cy="234175"/>
+            </a:xfrm>
+            <a:prstGeom prst="rect">
+              <a:avLst/>
+            </a:prstGeom>
+            <a:solidFill>
+              <a:schemeClr val="accent4">
+                <a:lumMod val="75000"/>
+              </a:schemeClr>
+            </a:solidFill>
+            <a:ln w="38100">
+              <a:solidFill>
+                <a:schemeClr val="accent4">
+                  <a:lumMod val="75000"/>
+                </a:schemeClr>
+              </a:solidFill>
+            </a:ln>
+          </p:spPr>
+          <p:style>
+            <a:lnRef idx="2">
+              <a:schemeClr val="accent1">
+                <a:shade val="50000"/>
+              </a:schemeClr>
+            </a:lnRef>
+            <a:fillRef idx="1">
+              <a:schemeClr val="accent1"/>
+            </a:fillRef>
+            <a:effectRef idx="0">
+              <a:schemeClr val="accent1"/>
+            </a:effectRef>
+            <a:fontRef idx="minor">
+              <a:schemeClr val="lt1"/>
+            </a:fontRef>
+          </p:style>
+          <p:txBody>
+            <a:bodyPr rtlCol="0" anchor="ctr"/>
+            <a:lstStyle>
+              <a:defPPr>
+                <a:defRPr lang="en-US"/>
+              </a:defPPr>
+              <a:lvl1pPr marL="0" algn="l" defTabSz="914400" rtl="0" eaLnBrk="1" latinLnBrk="0" hangingPunct="1">
+                <a:defRPr sz="1800" kern="1200">
+                  <a:solidFill>
+                    <a:schemeClr val="lt1"/>
+                  </a:solidFill>
+                  <a:latin typeface="+mn-lt"/>
+                  <a:ea typeface="+mn-ea"/>
+                  <a:cs typeface="+mn-cs"/>
+                </a:defRPr>
+              </a:lvl1pPr>
+              <a:lvl2pPr marL="457200" algn="l" defTabSz="914400" rtl="0" eaLnBrk="1" latinLnBrk="0" hangingPunct="1">
+                <a:defRPr sz="1800" kern="1200">
+                  <a:solidFill>
+                    <a:schemeClr val="lt1"/>
+                  </a:solidFill>
+                  <a:latin typeface="+mn-lt"/>
+                  <a:ea typeface="+mn-ea"/>
+                  <a:cs typeface="+mn-cs"/>
+                </a:defRPr>
+              </a:lvl2pPr>
+              <a:lvl3pPr marL="914400" algn="l" defTabSz="914400" rtl="0" eaLnBrk="1" latinLnBrk="0" hangingPunct="1">
+                <a:defRPr sz="1800" kern="1200">
+                  <a:solidFill>
+                    <a:schemeClr val="lt1"/>
+                  </a:solidFill>
+                  <a:latin typeface="+mn-lt"/>
+                  <a:ea typeface="+mn-ea"/>
+                  <a:cs typeface="+mn-cs"/>
+                </a:defRPr>
+              </a:lvl3pPr>
+              <a:lvl4pPr marL="1371600" algn="l" defTabSz="914400" rtl="0" eaLnBrk="1" latinLnBrk="0" hangingPunct="1">
+                <a:defRPr sz="1800" kern="1200">
+                  <a:solidFill>
+                    <a:schemeClr val="lt1"/>
+                  </a:solidFill>
+                  <a:latin typeface="+mn-lt"/>
+                  <a:ea typeface="+mn-ea"/>
+                  <a:cs typeface="+mn-cs"/>
+                </a:defRPr>
+              </a:lvl4pPr>
+              <a:lvl5pPr marL="1828800" algn="l" defTabSz="914400" rtl="0" eaLnBrk="1" latinLnBrk="0" hangingPunct="1">
+                <a:defRPr sz="1800" kern="1200">
+                  <a:solidFill>
+                    <a:schemeClr val="lt1"/>
+                  </a:solidFill>
+                  <a:latin typeface="+mn-lt"/>
+                  <a:ea typeface="+mn-ea"/>
+                  <a:cs typeface="+mn-cs"/>
+                </a:defRPr>
+              </a:lvl5pPr>
+              <a:lvl6pPr marL="2286000" algn="l" defTabSz="914400" rtl="0" eaLnBrk="1" latinLnBrk="0" hangingPunct="1">
+                <a:defRPr sz="1800" kern="1200">
+                  <a:solidFill>
+                    <a:schemeClr val="lt1"/>
+                  </a:solidFill>
+                  <a:latin typeface="+mn-lt"/>
+                  <a:ea typeface="+mn-ea"/>
+                  <a:cs typeface="+mn-cs"/>
+                </a:defRPr>
+              </a:lvl6pPr>
+              <a:lvl7pPr marL="2743200" algn="l" defTabSz="914400" rtl="0" eaLnBrk="1" latinLnBrk="0" hangingPunct="1">
+                <a:defRPr sz="1800" kern="1200">
+                  <a:solidFill>
+                    <a:schemeClr val="lt1"/>
+                  </a:solidFill>
+                  <a:latin typeface="+mn-lt"/>
+                  <a:ea typeface="+mn-ea"/>
+                  <a:cs typeface="+mn-cs"/>
+                </a:defRPr>
+              </a:lvl7pPr>
+              <a:lvl8pPr marL="3200400" algn="l" defTabSz="914400" rtl="0" eaLnBrk="1" latinLnBrk="0" hangingPunct="1">
+                <a:defRPr sz="1800" kern="1200">
+                  <a:solidFill>
+                    <a:schemeClr val="lt1"/>
+                  </a:solidFill>
+                  <a:latin typeface="+mn-lt"/>
+                  <a:ea typeface="+mn-ea"/>
+                  <a:cs typeface="+mn-cs"/>
+                </a:defRPr>
+              </a:lvl8pPr>
+              <a:lvl9pPr marL="3657600" algn="l" defTabSz="914400" rtl="0" eaLnBrk="1" latinLnBrk="0" hangingPunct="1">
+                <a:defRPr sz="1800" kern="1200">
+                  <a:solidFill>
+                    <a:schemeClr val="lt1"/>
+                  </a:solidFill>
+                  <a:latin typeface="+mn-lt"/>
+                  <a:ea typeface="+mn-ea"/>
+                  <a:cs typeface="+mn-cs"/>
+                </a:defRPr>
+              </a:lvl9pPr>
+            </a:lstStyle>
+            <a:p>
+              <a:pPr algn="ctr"/>
+              <a:endParaRPr lang="en-US"/>
+            </a:p>
+          </p:txBody>
+        </p:sp>
+        <p:sp>
+          <p:nvSpPr>
+            <p:cNvPr id="74" name="Rectangle 73"/>
+            <p:cNvSpPr/>
+            <p:nvPr/>
+          </p:nvSpPr>
+          <p:spPr>
+            <a:xfrm rot="16200000">
+              <a:off x="6816237" y="5015735"/>
+              <a:ext cx="1661532" cy="135673"/>
+            </a:xfrm>
+            <a:prstGeom prst="rect">
+              <a:avLst/>
+            </a:prstGeom>
+            <a:solidFill>
+              <a:schemeClr val="accent4">
+                <a:lumMod val="75000"/>
+              </a:schemeClr>
+            </a:solidFill>
+            <a:ln w="38100">
+              <a:solidFill>
+                <a:schemeClr val="accent4">
+                  <a:lumMod val="75000"/>
+                </a:schemeClr>
+              </a:solidFill>
+            </a:ln>
+          </p:spPr>
+          <p:style>
+            <a:lnRef idx="2">
+              <a:schemeClr val="accent1">
+                <a:shade val="50000"/>
+              </a:schemeClr>
+            </a:lnRef>
+            <a:fillRef idx="1">
+              <a:schemeClr val="accent1"/>
+            </a:fillRef>
+            <a:effectRef idx="0">
+              <a:schemeClr val="accent1"/>
+            </a:effectRef>
+            <a:fontRef idx="minor">
+              <a:schemeClr val="lt1"/>
+            </a:fontRef>
+          </p:style>
+          <p:txBody>
+            <a:bodyPr rtlCol="0" anchor="ctr"/>
+            <a:lstStyle>
+              <a:defPPr>
+                <a:defRPr lang="en-US"/>
+              </a:defPPr>
+              <a:lvl1pPr marL="0" algn="l" defTabSz="914400" rtl="0" eaLnBrk="1" latinLnBrk="0" hangingPunct="1">
+                <a:defRPr sz="1800" kern="1200">
+                  <a:solidFill>
+                    <a:schemeClr val="lt1"/>
+                  </a:solidFill>
+                  <a:latin typeface="+mn-lt"/>
+                  <a:ea typeface="+mn-ea"/>
+                  <a:cs typeface="+mn-cs"/>
+                </a:defRPr>
+              </a:lvl1pPr>
+              <a:lvl2pPr marL="457200" algn="l" defTabSz="914400" rtl="0" eaLnBrk="1" latinLnBrk="0" hangingPunct="1">
+                <a:defRPr sz="1800" kern="1200">
+                  <a:solidFill>
+                    <a:schemeClr val="lt1"/>
+                  </a:solidFill>
+                  <a:latin typeface="+mn-lt"/>
+                  <a:ea typeface="+mn-ea"/>
+                  <a:cs typeface="+mn-cs"/>
+                </a:defRPr>
+              </a:lvl2pPr>
+              <a:lvl3pPr marL="914400" algn="l" defTabSz="914400" rtl="0" eaLnBrk="1" latinLnBrk="0" hangingPunct="1">
+                <a:defRPr sz="1800" kern="1200">
+                  <a:solidFill>
+                    <a:schemeClr val="lt1"/>
+                  </a:solidFill>
+                  <a:latin typeface="+mn-lt"/>
+                  <a:ea typeface="+mn-ea"/>
+                  <a:cs typeface="+mn-cs"/>
+                </a:defRPr>
+              </a:lvl3pPr>
+              <a:lvl4pPr marL="1371600" algn="l" defTabSz="914400" rtl="0" eaLnBrk="1" latinLnBrk="0" hangingPunct="1">
+                <a:defRPr sz="1800" kern="1200">
+                  <a:solidFill>
+                    <a:schemeClr val="lt1"/>
+                  </a:solidFill>
+                  <a:latin typeface="+mn-lt"/>
+                  <a:ea typeface="+mn-ea"/>
+                  <a:cs typeface="+mn-cs"/>
+                </a:defRPr>
+              </a:lvl4pPr>
+              <a:lvl5pPr marL="1828800" algn="l" defTabSz="914400" rtl="0" eaLnBrk="1" latinLnBrk="0" hangingPunct="1">
+                <a:defRPr sz="1800" kern="1200">
+                  <a:solidFill>
+                    <a:schemeClr val="lt1"/>
+                  </a:solidFill>
+                  <a:latin typeface="+mn-lt"/>
+                  <a:ea typeface="+mn-ea"/>
+                  <a:cs typeface="+mn-cs"/>
+                </a:defRPr>
+              </a:lvl5pPr>
+              <a:lvl6pPr marL="2286000" algn="l" defTabSz="914400" rtl="0" eaLnBrk="1" latinLnBrk="0" hangingPunct="1">
+                <a:defRPr sz="1800" kern="1200">
+                  <a:solidFill>
+                    <a:schemeClr val="lt1"/>
+                  </a:solidFill>
+                  <a:latin typeface="+mn-lt"/>
+                  <a:ea typeface="+mn-ea"/>
+                  <a:cs typeface="+mn-cs"/>
+                </a:defRPr>
+              </a:lvl6pPr>
+              <a:lvl7pPr marL="2743200" algn="l" defTabSz="914400" rtl="0" eaLnBrk="1" latinLnBrk="0" hangingPunct="1">
+                <a:defRPr sz="1800" kern="1200">
+                  <a:solidFill>
+                    <a:schemeClr val="lt1"/>
+                  </a:solidFill>
+                  <a:latin typeface="+mn-lt"/>
+                  <a:ea typeface="+mn-ea"/>
+                  <a:cs typeface="+mn-cs"/>
+                </a:defRPr>
+              </a:lvl7pPr>
+              <a:lvl8pPr marL="3200400" algn="l" defTabSz="914400" rtl="0" eaLnBrk="1" latinLnBrk="0" hangingPunct="1">
+                <a:defRPr sz="1800" kern="1200">
+                  <a:solidFill>
+                    <a:schemeClr val="lt1"/>
+                  </a:solidFill>
+                  <a:latin typeface="+mn-lt"/>
+                  <a:ea typeface="+mn-ea"/>
+                  <a:cs typeface="+mn-cs"/>
+                </a:defRPr>
+              </a:lvl8pPr>
+              <a:lvl9pPr marL="3657600" algn="l" defTabSz="914400" rtl="0" eaLnBrk="1" latinLnBrk="0" hangingPunct="1">
+                <a:defRPr sz="1800" kern="1200">
+                  <a:solidFill>
+                    <a:schemeClr val="lt1"/>
+                  </a:solidFill>
+                  <a:latin typeface="+mn-lt"/>
+                  <a:ea typeface="+mn-ea"/>
+                  <a:cs typeface="+mn-cs"/>
+                </a:defRPr>
+              </a:lvl9pPr>
+            </a:lstStyle>
+            <a:p>
+              <a:pPr algn="ctr"/>
+              <a:endParaRPr lang="en-US"/>
+            </a:p>
+          </p:txBody>
+        </p:sp>
+        <p:sp>
+          <p:nvSpPr>
+            <p:cNvPr id="75" name="Rectangle 74"/>
+            <p:cNvSpPr/>
+            <p:nvPr/>
+          </p:nvSpPr>
+          <p:spPr>
+            <a:xfrm rot="16200000">
+              <a:off x="8641321" y="5015736"/>
+              <a:ext cx="1661532" cy="135673"/>
+            </a:xfrm>
+            <a:prstGeom prst="rect">
+              <a:avLst/>
+            </a:prstGeom>
+            <a:solidFill>
+              <a:schemeClr val="accent4">
+                <a:lumMod val="75000"/>
+              </a:schemeClr>
+            </a:solidFill>
+            <a:ln w="38100">
+              <a:solidFill>
+                <a:schemeClr val="accent4">
+                  <a:lumMod val="75000"/>
+                </a:schemeClr>
+              </a:solidFill>
+            </a:ln>
+          </p:spPr>
+          <p:style>
+            <a:lnRef idx="2">
+              <a:schemeClr val="accent1">
+                <a:shade val="50000"/>
+              </a:schemeClr>
+            </a:lnRef>
+            <a:fillRef idx="1">
+              <a:schemeClr val="accent1"/>
+            </a:fillRef>
+            <a:effectRef idx="0">
+              <a:schemeClr val="accent1"/>
+            </a:effectRef>
+            <a:fontRef idx="minor">
+              <a:schemeClr val="lt1"/>
+            </a:fontRef>
+          </p:style>
+          <p:txBody>
+            <a:bodyPr rtlCol="0" anchor="ctr"/>
+            <a:lstStyle>
+              <a:defPPr>
+                <a:defRPr lang="en-US"/>
+              </a:defPPr>
+              <a:lvl1pPr marL="0" algn="l" defTabSz="914400" rtl="0" eaLnBrk="1" latinLnBrk="0" hangingPunct="1">
+                <a:defRPr sz="1800" kern="1200">
+                  <a:solidFill>
+                    <a:schemeClr val="lt1"/>
+                  </a:solidFill>
+                  <a:latin typeface="+mn-lt"/>
+                  <a:ea typeface="+mn-ea"/>
+                  <a:cs typeface="+mn-cs"/>
+                </a:defRPr>
+              </a:lvl1pPr>
+              <a:lvl2pPr marL="457200" algn="l" defTabSz="914400" rtl="0" eaLnBrk="1" latinLnBrk="0" hangingPunct="1">
+                <a:defRPr sz="1800" kern="1200">
+                  <a:solidFill>
+                    <a:schemeClr val="lt1"/>
+                  </a:solidFill>
+                  <a:latin typeface="+mn-lt"/>
+                  <a:ea typeface="+mn-ea"/>
+                  <a:cs typeface="+mn-cs"/>
+                </a:defRPr>
+              </a:lvl2pPr>
+              <a:lvl3pPr marL="914400" algn="l" defTabSz="914400" rtl="0" eaLnBrk="1" latinLnBrk="0" hangingPunct="1">
+                <a:defRPr sz="1800" kern="1200">
+                  <a:solidFill>
+                    <a:schemeClr val="lt1"/>
+                  </a:solidFill>
+                  <a:latin typeface="+mn-lt"/>
+                  <a:ea typeface="+mn-ea"/>
+                  <a:cs typeface="+mn-cs"/>
+                </a:defRPr>
+              </a:lvl3pPr>
+              <a:lvl4pPr marL="1371600" algn="l" defTabSz="914400" rtl="0" eaLnBrk="1" latinLnBrk="0" hangingPunct="1">
+                <a:defRPr sz="1800" kern="1200">
+                  <a:solidFill>
+                    <a:schemeClr val="lt1"/>
+                  </a:solidFill>
+                  <a:latin typeface="+mn-lt"/>
+                  <a:ea typeface="+mn-ea"/>
+                  <a:cs typeface="+mn-cs"/>
+                </a:defRPr>
+              </a:lvl4pPr>
+              <a:lvl5pPr marL="1828800" algn="l" defTabSz="914400" rtl="0" eaLnBrk="1" latinLnBrk="0" hangingPunct="1">
+                <a:defRPr sz="1800" kern="1200">
+                  <a:solidFill>
+                    <a:schemeClr val="lt1"/>
+                  </a:solidFill>
+                  <a:latin typeface="+mn-lt"/>
+                  <a:ea typeface="+mn-ea"/>
+                  <a:cs typeface="+mn-cs"/>
+                </a:defRPr>
+              </a:lvl5pPr>
+              <a:lvl6pPr marL="2286000" algn="l" defTabSz="914400" rtl="0" eaLnBrk="1" latinLnBrk="0" hangingPunct="1">
+                <a:defRPr sz="1800" kern="1200">
+                  <a:solidFill>
+                    <a:schemeClr val="lt1"/>
+                  </a:solidFill>
+                  <a:latin typeface="+mn-lt"/>
+                  <a:ea typeface="+mn-ea"/>
+                  <a:cs typeface="+mn-cs"/>
+                </a:defRPr>
+              </a:lvl6pPr>
+              <a:lvl7pPr marL="2743200" algn="l" defTabSz="914400" rtl="0" eaLnBrk="1" latinLnBrk="0" hangingPunct="1">
+                <a:defRPr sz="1800" kern="1200">
+                  <a:solidFill>
+                    <a:schemeClr val="lt1"/>
+                  </a:solidFill>
+                  <a:latin typeface="+mn-lt"/>
+                  <a:ea typeface="+mn-ea"/>
+                  <a:cs typeface="+mn-cs"/>
+                </a:defRPr>
+              </a:lvl7pPr>
+              <a:lvl8pPr marL="3200400" algn="l" defTabSz="914400" rtl="0" eaLnBrk="1" latinLnBrk="0" hangingPunct="1">
+                <a:defRPr sz="1800" kern="1200">
+                  <a:solidFill>
+                    <a:schemeClr val="lt1"/>
+                  </a:solidFill>
+                  <a:latin typeface="+mn-lt"/>
+                  <a:ea typeface="+mn-ea"/>
+                  <a:cs typeface="+mn-cs"/>
+                </a:defRPr>
+              </a:lvl8pPr>
+              <a:lvl9pPr marL="3657600" algn="l" defTabSz="914400" rtl="0" eaLnBrk="1" latinLnBrk="0" hangingPunct="1">
+                <a:defRPr sz="1800" kern="1200">
+                  <a:solidFill>
+                    <a:schemeClr val="lt1"/>
+                  </a:solidFill>
+                  <a:latin typeface="+mn-lt"/>
+                  <a:ea typeface="+mn-ea"/>
+                  <a:cs typeface="+mn-cs"/>
+                </a:defRPr>
+              </a:lvl9pPr>
+            </a:lstStyle>
+            <a:p>
+              <a:pPr algn="ctr"/>
+              <a:endParaRPr lang="en-US"/>
+            </a:p>
+          </p:txBody>
+        </p:sp>
+        <p:sp>
+          <p:nvSpPr>
+            <p:cNvPr id="76" name="Rectangle 75"/>
+            <p:cNvSpPr/>
+            <p:nvPr/>
+          </p:nvSpPr>
+          <p:spPr>
+            <a:xfrm>
+              <a:off x="4969781" y="5914338"/>
+              <a:ext cx="5040351" cy="111512"/>
+            </a:xfrm>
+            <a:prstGeom prst="rect">
+              <a:avLst/>
+            </a:prstGeom>
+            <a:solidFill>
+              <a:schemeClr val="bg2">
+                <a:lumMod val="75000"/>
+              </a:schemeClr>
+            </a:solidFill>
+            <a:ln w="38100">
+              <a:solidFill>
+                <a:schemeClr val="tx1"/>
+              </a:solidFill>
+            </a:ln>
+          </p:spPr>
+          <p:style>
+            <a:lnRef idx="2">
+              <a:schemeClr val="accent1">
+                <a:shade val="50000"/>
+              </a:schemeClr>
+            </a:lnRef>
+            <a:fillRef idx="1">
+              <a:schemeClr val="accent1"/>
+            </a:fillRef>
+            <a:effectRef idx="0">
+              <a:schemeClr val="accent1"/>
+            </a:effectRef>
+            <a:fontRef idx="minor">
+              <a:schemeClr val="lt1"/>
+            </a:fontRef>
+          </p:style>
+          <p:txBody>
+            <a:bodyPr rtlCol="0" anchor="ctr"/>
+            <a:lstStyle>
+              <a:defPPr>
+                <a:defRPr lang="en-US"/>
+              </a:defPPr>
+              <a:lvl1pPr marL="0" algn="l" defTabSz="914400" rtl="0" eaLnBrk="1" latinLnBrk="0" hangingPunct="1">
+                <a:defRPr sz="1800" kern="1200">
+                  <a:solidFill>
+                    <a:schemeClr val="lt1"/>
+                  </a:solidFill>
+                  <a:latin typeface="+mn-lt"/>
+                  <a:ea typeface="+mn-ea"/>
+                  <a:cs typeface="+mn-cs"/>
+                </a:defRPr>
+              </a:lvl1pPr>
+              <a:lvl2pPr marL="457200" algn="l" defTabSz="914400" rtl="0" eaLnBrk="1" latinLnBrk="0" hangingPunct="1">
+                <a:defRPr sz="1800" kern="1200">
+                  <a:solidFill>
+                    <a:schemeClr val="lt1"/>
+                  </a:solidFill>
+                  <a:latin typeface="+mn-lt"/>
+                  <a:ea typeface="+mn-ea"/>
+                  <a:cs typeface="+mn-cs"/>
+                </a:defRPr>
+              </a:lvl2pPr>
+              <a:lvl3pPr marL="914400" algn="l" defTabSz="914400" rtl="0" eaLnBrk="1" latinLnBrk="0" hangingPunct="1">
+                <a:defRPr sz="1800" kern="1200">
+                  <a:solidFill>
+                    <a:schemeClr val="lt1"/>
+                  </a:solidFill>
+                  <a:latin typeface="+mn-lt"/>
+                  <a:ea typeface="+mn-ea"/>
+                  <a:cs typeface="+mn-cs"/>
+                </a:defRPr>
+              </a:lvl3pPr>
+              <a:lvl4pPr marL="1371600" algn="l" defTabSz="914400" rtl="0" eaLnBrk="1" latinLnBrk="0" hangingPunct="1">
+                <a:defRPr sz="1800" kern="1200">
+                  <a:solidFill>
+                    <a:schemeClr val="lt1"/>
+                  </a:solidFill>
+                  <a:latin typeface="+mn-lt"/>
+                  <a:ea typeface="+mn-ea"/>
+                  <a:cs typeface="+mn-cs"/>
+                </a:defRPr>
+              </a:lvl4pPr>
+              <a:lvl5pPr marL="1828800" algn="l" defTabSz="914400" rtl="0" eaLnBrk="1" latinLnBrk="0" hangingPunct="1">
+                <a:defRPr sz="1800" kern="1200">
+                  <a:solidFill>
+                    <a:schemeClr val="lt1"/>
+                  </a:solidFill>
+                  <a:latin typeface="+mn-lt"/>
+                  <a:ea typeface="+mn-ea"/>
+                  <a:cs typeface="+mn-cs"/>
+                </a:defRPr>
+              </a:lvl5pPr>
+              <a:lvl6pPr marL="2286000" algn="l" defTabSz="914400" rtl="0" eaLnBrk="1" latinLnBrk="0" hangingPunct="1">
+                <a:defRPr sz="1800" kern="1200">
+                  <a:solidFill>
+                    <a:schemeClr val="lt1"/>
+                  </a:solidFill>
+                  <a:latin typeface="+mn-lt"/>
+                  <a:ea typeface="+mn-ea"/>
+                  <a:cs typeface="+mn-cs"/>
+                </a:defRPr>
+              </a:lvl6pPr>
+              <a:lvl7pPr marL="2743200" algn="l" defTabSz="914400" rtl="0" eaLnBrk="1" latinLnBrk="0" hangingPunct="1">
+                <a:defRPr sz="1800" kern="1200">
+                  <a:solidFill>
+                    <a:schemeClr val="lt1"/>
+                  </a:solidFill>
+                  <a:latin typeface="+mn-lt"/>
+                  <a:ea typeface="+mn-ea"/>
+                  <a:cs typeface="+mn-cs"/>
+                </a:defRPr>
+              </a:lvl7pPr>
+              <a:lvl8pPr marL="3200400" algn="l" defTabSz="914400" rtl="0" eaLnBrk="1" latinLnBrk="0" hangingPunct="1">
+                <a:defRPr sz="1800" kern="1200">
+                  <a:solidFill>
+                    <a:schemeClr val="lt1"/>
+                  </a:solidFill>
+                  <a:latin typeface="+mn-lt"/>
+                  <a:ea typeface="+mn-ea"/>
+                  <a:cs typeface="+mn-cs"/>
+                </a:defRPr>
+              </a:lvl8pPr>
+              <a:lvl9pPr marL="3657600" algn="l" defTabSz="914400" rtl="0" eaLnBrk="1" latinLnBrk="0" hangingPunct="1">
+                <a:defRPr sz="1800" kern="1200">
+                  <a:solidFill>
+                    <a:schemeClr val="lt1"/>
+                  </a:solidFill>
+                  <a:latin typeface="+mn-lt"/>
+                  <a:ea typeface="+mn-ea"/>
+                  <a:cs typeface="+mn-cs"/>
+                </a:defRPr>
+              </a:lvl9pPr>
+            </a:lstStyle>
+            <a:p>
+              <a:pPr algn="ctr"/>
+              <a:endParaRPr lang="en-US"/>
+            </a:p>
+          </p:txBody>
+        </p:sp>
+        <p:sp>
+          <p:nvSpPr>
+            <p:cNvPr id="77" name="Rectangle 76"/>
+            <p:cNvSpPr/>
+            <p:nvPr/>
+          </p:nvSpPr>
+          <p:spPr>
+            <a:xfrm>
+              <a:off x="5103595" y="5535195"/>
+              <a:ext cx="490654" cy="379143"/>
+            </a:xfrm>
+            <a:prstGeom prst="rect">
+              <a:avLst/>
+            </a:prstGeom>
+            <a:solidFill>
+              <a:schemeClr val="bg2">
+                <a:lumMod val="90000"/>
+              </a:schemeClr>
+            </a:solidFill>
+            <a:ln w="38100">
+              <a:solidFill>
+                <a:schemeClr val="tx1"/>
+              </a:solidFill>
+            </a:ln>
+          </p:spPr>
+          <p:style>
+            <a:lnRef idx="2">
+              <a:schemeClr val="accent1">
+                <a:shade val="50000"/>
+              </a:schemeClr>
+            </a:lnRef>
+            <a:fillRef idx="1">
+              <a:schemeClr val="accent1"/>
+            </a:fillRef>
+            <a:effectRef idx="0">
+              <a:schemeClr val="accent1"/>
+            </a:effectRef>
+            <a:fontRef idx="minor">
+              <a:schemeClr val="lt1"/>
+            </a:fontRef>
+          </p:style>
+          <p:txBody>
+            <a:bodyPr rtlCol="0" anchor="ctr"/>
+            <a:lstStyle>
+              <a:defPPr>
+                <a:defRPr lang="en-US"/>
+              </a:defPPr>
+              <a:lvl1pPr marL="0" algn="l" defTabSz="914400" rtl="0" eaLnBrk="1" latinLnBrk="0" hangingPunct="1">
+                <a:defRPr sz="1800" kern="1200">
+                  <a:solidFill>
+                    <a:schemeClr val="lt1"/>
+                  </a:solidFill>
+                  <a:latin typeface="+mn-lt"/>
+                  <a:ea typeface="+mn-ea"/>
+                  <a:cs typeface="+mn-cs"/>
+                </a:defRPr>
+              </a:lvl1pPr>
+              <a:lvl2pPr marL="457200" algn="l" defTabSz="914400" rtl="0" eaLnBrk="1" latinLnBrk="0" hangingPunct="1">
+                <a:defRPr sz="1800" kern="1200">
+                  <a:solidFill>
+                    <a:schemeClr val="lt1"/>
+                  </a:solidFill>
+                  <a:latin typeface="+mn-lt"/>
+                  <a:ea typeface="+mn-ea"/>
+                  <a:cs typeface="+mn-cs"/>
+                </a:defRPr>
+              </a:lvl2pPr>
+              <a:lvl3pPr marL="914400" algn="l" defTabSz="914400" rtl="0" eaLnBrk="1" latinLnBrk="0" hangingPunct="1">
+                <a:defRPr sz="1800" kern="1200">
+                  <a:solidFill>
+                    <a:schemeClr val="lt1"/>
+                  </a:solidFill>
+                  <a:latin typeface="+mn-lt"/>
+                  <a:ea typeface="+mn-ea"/>
+                  <a:cs typeface="+mn-cs"/>
+                </a:defRPr>
+              </a:lvl3pPr>
+              <a:lvl4pPr marL="1371600" algn="l" defTabSz="914400" rtl="0" eaLnBrk="1" latinLnBrk="0" hangingPunct="1">
+                <a:defRPr sz="1800" kern="1200">
+                  <a:solidFill>
+                    <a:schemeClr val="lt1"/>
+                  </a:solidFill>
+                  <a:latin typeface="+mn-lt"/>
+                  <a:ea typeface="+mn-ea"/>
+                  <a:cs typeface="+mn-cs"/>
+                </a:defRPr>
+              </a:lvl4pPr>
+              <a:lvl5pPr marL="1828800" algn="l" defTabSz="914400" rtl="0" eaLnBrk="1" latinLnBrk="0" hangingPunct="1">
+                <a:defRPr sz="1800" kern="1200">
+                  <a:solidFill>
+                    <a:schemeClr val="lt1"/>
+                  </a:solidFill>
+                  <a:latin typeface="+mn-lt"/>
+                  <a:ea typeface="+mn-ea"/>
+                  <a:cs typeface="+mn-cs"/>
+                </a:defRPr>
+              </a:lvl5pPr>
+              <a:lvl6pPr marL="2286000" algn="l" defTabSz="914400" rtl="0" eaLnBrk="1" latinLnBrk="0" hangingPunct="1">
+                <a:defRPr sz="1800" kern="1200">
+                  <a:solidFill>
+                    <a:schemeClr val="lt1"/>
+                  </a:solidFill>
+                  <a:latin typeface="+mn-lt"/>
+                  <a:ea typeface="+mn-ea"/>
+                  <a:cs typeface="+mn-cs"/>
+                </a:defRPr>
+              </a:lvl6pPr>
+              <a:lvl7pPr marL="2743200" algn="l" defTabSz="914400" rtl="0" eaLnBrk="1" latinLnBrk="0" hangingPunct="1">
+                <a:defRPr sz="1800" kern="1200">
+                  <a:solidFill>
+                    <a:schemeClr val="lt1"/>
+                  </a:solidFill>
+                  <a:latin typeface="+mn-lt"/>
+                  <a:ea typeface="+mn-ea"/>
+                  <a:cs typeface="+mn-cs"/>
+                </a:defRPr>
+              </a:lvl7pPr>
+              <a:lvl8pPr marL="3200400" algn="l" defTabSz="914400" rtl="0" eaLnBrk="1" latinLnBrk="0" hangingPunct="1">
+                <a:defRPr sz="1800" kern="1200">
+                  <a:solidFill>
+                    <a:schemeClr val="lt1"/>
+                  </a:solidFill>
+                  <a:latin typeface="+mn-lt"/>
+                  <a:ea typeface="+mn-ea"/>
+                  <a:cs typeface="+mn-cs"/>
+                </a:defRPr>
+              </a:lvl8pPr>
+              <a:lvl9pPr marL="3657600" algn="l" defTabSz="914400" rtl="0" eaLnBrk="1" latinLnBrk="0" hangingPunct="1">
+                <a:defRPr sz="1800" kern="1200">
+                  <a:solidFill>
+                    <a:schemeClr val="lt1"/>
+                  </a:solidFill>
+                  <a:latin typeface="+mn-lt"/>
+                  <a:ea typeface="+mn-ea"/>
+                  <a:cs typeface="+mn-cs"/>
+                </a:defRPr>
+              </a:lvl9pPr>
+            </a:lstStyle>
+            <a:p>
+              <a:pPr algn="ctr"/>
+              <a:endParaRPr lang="en-US"/>
+            </a:p>
+          </p:txBody>
+        </p:sp>
+        <p:cxnSp>
+          <p:nvCxnSpPr>
+            <p:cNvPr id="83" name="Straight Arrow Connector 82"/>
+            <p:cNvCxnSpPr/>
+            <p:nvPr/>
+          </p:nvCxnSpPr>
+          <p:spPr>
+            <a:xfrm flipV="1">
+              <a:off x="5337770" y="6204270"/>
+              <a:ext cx="2152186" cy="11151"/>
+            </a:xfrm>
+            <a:prstGeom prst="straightConnector1">
+              <a:avLst/>
+            </a:prstGeom>
+            <a:ln w="38100">
+              <a:solidFill>
+                <a:schemeClr val="tx1"/>
+              </a:solidFill>
+              <a:headEnd type="triangle"/>
+              <a:tailEnd type="triangle"/>
+            </a:ln>
+          </p:spPr>
+          <p:style>
+            <a:lnRef idx="1">
+              <a:schemeClr val="accent1"/>
+            </a:lnRef>
+            <a:fillRef idx="0">
+              <a:schemeClr val="accent1"/>
+            </a:fillRef>
+            <a:effectRef idx="0">
+              <a:schemeClr val="accent1"/>
+            </a:effectRef>
+            <a:fontRef idx="minor">
+              <a:schemeClr val="tx1"/>
+            </a:fontRef>
+          </p:style>
+        </p:cxnSp>
+        <p:cxnSp>
+          <p:nvCxnSpPr>
+            <p:cNvPr id="84" name="Straight Arrow Connector 83"/>
+            <p:cNvCxnSpPr/>
+            <p:nvPr/>
+          </p:nvCxnSpPr>
+          <p:spPr>
+            <a:xfrm flipH="1">
+              <a:off x="7872814" y="3996327"/>
+              <a:ext cx="13010" cy="1918011"/>
+            </a:xfrm>
+            <a:prstGeom prst="straightConnector1">
+              <a:avLst/>
+            </a:prstGeom>
+            <a:ln w="38100">
+              <a:solidFill>
+                <a:schemeClr val="tx1"/>
+              </a:solidFill>
+              <a:headEnd type="triangle"/>
+              <a:tailEnd type="triangle"/>
+            </a:ln>
+          </p:spPr>
+          <p:style>
+            <a:lnRef idx="1">
+              <a:schemeClr val="accent1"/>
+            </a:lnRef>
+            <a:fillRef idx="0">
+              <a:schemeClr val="accent1"/>
+            </a:fillRef>
+            <a:effectRef idx="0">
+              <a:schemeClr val="accent1"/>
+            </a:effectRef>
+            <a:fontRef idx="minor">
+              <a:schemeClr val="tx1"/>
+            </a:fontRef>
+          </p:style>
+        </p:cxnSp>
+        <mc:AlternateContent xmlns:mc="http://schemas.openxmlformats.org/markup-compatibility/2006">
+          <mc:Choice xmlns:a14="http://schemas.microsoft.com/office/drawing/2010/main" Requires="a14">
+            <p:sp>
+              <p:nvSpPr>
+                <p:cNvPr id="85" name="TextBox 45"/>
+                <p:cNvSpPr txBox="1"/>
+                <p:nvPr/>
+              </p:nvSpPr>
+              <p:spPr>
+                <a:xfrm>
+                  <a:off x="7942555" y="4834898"/>
+                  <a:ext cx="263983" cy="307777"/>
+                </a:xfrm>
+                <a:prstGeom prst="rect">
+                  <a:avLst/>
+                </a:prstGeom>
+                <a:noFill/>
+              </p:spPr>
+              <p:txBody>
+                <a:bodyPr wrap="none" lIns="0" tIns="0" rIns="0" bIns="0" rtlCol="0">
+                  <a:spAutoFit/>
+                </a:bodyPr>
+                <a:lstStyle>
+                  <a:defPPr>
+                    <a:defRPr lang="en-US"/>
+                  </a:defPPr>
+                  <a:lvl1pPr marL="0" algn="l" defTabSz="914400" rtl="0" eaLnBrk="1" latinLnBrk="0" hangingPunct="1">
+                    <a:defRPr sz="1800" kern="1200">
+                      <a:solidFill>
+                        <a:schemeClr val="tx1"/>
+                      </a:solidFill>
+                      <a:latin typeface="+mn-lt"/>
+                      <a:ea typeface="+mn-ea"/>
+                      <a:cs typeface="+mn-cs"/>
+                    </a:defRPr>
+                  </a:lvl1pPr>
+                  <a:lvl2pPr marL="457200" algn="l" defTabSz="914400" rtl="0" eaLnBrk="1" latinLnBrk="0" hangingPunct="1">
+                    <a:defRPr sz="1800" kern="1200">
+                      <a:solidFill>
+                        <a:schemeClr val="tx1"/>
+                      </a:solidFill>
+                      <a:latin typeface="+mn-lt"/>
+                      <a:ea typeface="+mn-ea"/>
+                      <a:cs typeface="+mn-cs"/>
+                    </a:defRPr>
+                  </a:lvl2pPr>
+                  <a:lvl3pPr marL="914400" algn="l" defTabSz="914400" rtl="0" eaLnBrk="1" latinLnBrk="0" hangingPunct="1">
+                    <a:defRPr sz="1800" kern="1200">
+                      <a:solidFill>
+                        <a:schemeClr val="tx1"/>
+                      </a:solidFill>
+                      <a:latin typeface="+mn-lt"/>
+                      <a:ea typeface="+mn-ea"/>
+                      <a:cs typeface="+mn-cs"/>
+                    </a:defRPr>
+                  </a:lvl3pPr>
+                  <a:lvl4pPr marL="1371600" algn="l" defTabSz="914400" rtl="0" eaLnBrk="1" latinLnBrk="0" hangingPunct="1">
+                    <a:defRPr sz="1800" kern="1200">
+                      <a:solidFill>
+                        <a:schemeClr val="tx1"/>
+                      </a:solidFill>
+                      <a:latin typeface="+mn-lt"/>
+                      <a:ea typeface="+mn-ea"/>
+                      <a:cs typeface="+mn-cs"/>
+                    </a:defRPr>
+                  </a:lvl4pPr>
+                  <a:lvl5pPr marL="1828800" algn="l" defTabSz="914400" rtl="0" eaLnBrk="1" latinLnBrk="0" hangingPunct="1">
+                    <a:defRPr sz="1800" kern="1200">
+                      <a:solidFill>
+                        <a:schemeClr val="tx1"/>
+                      </a:solidFill>
+                      <a:latin typeface="+mn-lt"/>
+                      <a:ea typeface="+mn-ea"/>
+                      <a:cs typeface="+mn-cs"/>
+                    </a:defRPr>
+                  </a:lvl5pPr>
+                  <a:lvl6pPr marL="2286000" algn="l" defTabSz="914400" rtl="0" eaLnBrk="1" latinLnBrk="0" hangingPunct="1">
+                    <a:defRPr sz="1800" kern="1200">
+                      <a:solidFill>
+                        <a:schemeClr val="tx1"/>
+                      </a:solidFill>
+                      <a:latin typeface="+mn-lt"/>
+                      <a:ea typeface="+mn-ea"/>
+                      <a:cs typeface="+mn-cs"/>
+                    </a:defRPr>
+                  </a:lvl6pPr>
+                  <a:lvl7pPr marL="2743200" algn="l" defTabSz="914400" rtl="0" eaLnBrk="1" latinLnBrk="0" hangingPunct="1">
+                    <a:defRPr sz="1800" kern="1200">
+                      <a:solidFill>
+                        <a:schemeClr val="tx1"/>
+                      </a:solidFill>
+                      <a:latin typeface="+mn-lt"/>
+                      <a:ea typeface="+mn-ea"/>
+                      <a:cs typeface="+mn-cs"/>
+                    </a:defRPr>
+                  </a:lvl7pPr>
+                  <a:lvl8pPr marL="3200400" algn="l" defTabSz="914400" rtl="0" eaLnBrk="1" latinLnBrk="0" hangingPunct="1">
+                    <a:defRPr sz="1800" kern="1200">
+                      <a:solidFill>
+                        <a:schemeClr val="tx1"/>
+                      </a:solidFill>
+                      <a:latin typeface="+mn-lt"/>
+                      <a:ea typeface="+mn-ea"/>
+                      <a:cs typeface="+mn-cs"/>
+                    </a:defRPr>
+                  </a:lvl8pPr>
+                  <a:lvl9pPr marL="3657600" algn="l" defTabSz="914400" rtl="0" eaLnBrk="1" latinLnBrk="0" hangingPunct="1">
+                    <a:defRPr sz="1800" kern="1200">
+                      <a:solidFill>
+                        <a:schemeClr val="tx1"/>
+                      </a:solidFill>
+                      <a:latin typeface="+mn-lt"/>
+                      <a:ea typeface="+mn-ea"/>
+                      <a:cs typeface="+mn-cs"/>
+                    </a:defRPr>
+                  </a:lvl9pPr>
+                </a:lstStyle>
+                <a:p>
+                  <a:pPr/>
+                  <a14:m>
+                    <m:oMathPara xmlns:m="http://schemas.openxmlformats.org/officeDocument/2006/math">
+                      <m:oMathParaPr>
+                        <m:jc m:val="centerGroup"/>
+                      </m:oMathParaPr>
+                      <m:oMath xmlns:m="http://schemas.openxmlformats.org/officeDocument/2006/math">
+                        <m:r>
+                          <a:rPr lang="en-US" sz="2000" b="0" i="1" smtClean="0">
+                            <a:latin typeface="Cambria Math" panose="02040503050406030204" pitchFamily="18" charset="0"/>
+                            <a:cs typeface="Arial" panose="020B0604020202020204" pitchFamily="34" charset="0"/>
+                          </a:rPr>
+                          <m:t>𝐻</m:t>
+                        </m:r>
+                      </m:oMath>
+                    </m:oMathPara>
+                  </a14:m>
+                  <a:endParaRPr lang="en-US" sz="2000" dirty="0" smtClean="0">
+                    <a:latin typeface="Arial" panose="020B0604020202020204" pitchFamily="34" charset="0"/>
+                    <a:cs typeface="Arial" panose="020B0604020202020204" pitchFamily="34" charset="0"/>
+                  </a:endParaRPr>
+                </a:p>
+              </p:txBody>
+            </p:sp>
+          </mc:Choice>
+          <mc:Fallback>
+            <p:sp>
+              <p:nvSpPr>
+                <p:cNvPr id="85" name="TextBox 45"/>
+                <p:cNvSpPr txBox="1">
+                  <a:spLocks noRot="1" noChangeAspect="1" noMove="1" noResize="1" noEditPoints="1" noAdjustHandles="1" noChangeArrowheads="1" noChangeShapeType="1" noTextEdit="1"/>
+                </p:cNvSpPr>
+                <p:nvPr/>
+              </p:nvSpPr>
+              <p:spPr>
+                <a:xfrm>
+                  <a:off x="7942555" y="4834898"/>
+                  <a:ext cx="263983" cy="307777"/>
+                </a:xfrm>
+                <a:prstGeom prst="rect">
+                  <a:avLst/>
+                </a:prstGeom>
+                <a:blipFill>
+                  <a:blip r:embed="rId55"/>
+                  <a:stretch>
+                    <a:fillRect l="-20930" r="-18605" b="-9804"/>
+                  </a:stretch>
+                </a:blipFill>
+              </p:spPr>
+              <p:txBody>
+                <a:bodyPr/>
+                <a:lstStyle/>
+                <a:p>
+                  <a:r>
+                    <a:rPr lang="en-US">
+                      <a:noFill/>
+                    </a:rPr>
+                    <a:t> </a:t>
+                  </a:r>
+                </a:p>
+              </p:txBody>
+            </p:sp>
+          </mc:Fallback>
+        </mc:AlternateContent>
+        <mc:AlternateContent xmlns:mc="http://schemas.openxmlformats.org/markup-compatibility/2006">
+          <mc:Choice xmlns:a14="http://schemas.microsoft.com/office/drawing/2010/main" Requires="a14">
+            <p:sp>
+              <p:nvSpPr>
+                <p:cNvPr id="86" name="TextBox 46"/>
+                <p:cNvSpPr txBox="1"/>
+                <p:nvPr/>
+              </p:nvSpPr>
+              <p:spPr>
+                <a:xfrm>
+                  <a:off x="6307840" y="6260764"/>
+                  <a:ext cx="212045" cy="307777"/>
+                </a:xfrm>
+                <a:prstGeom prst="rect">
+                  <a:avLst/>
+                </a:prstGeom>
+                <a:noFill/>
+              </p:spPr>
+              <p:txBody>
+                <a:bodyPr wrap="none" lIns="0" tIns="0" rIns="0" bIns="0" rtlCol="0">
+                  <a:spAutoFit/>
+                </a:bodyPr>
+                <a:lstStyle>
+                  <a:defPPr>
+                    <a:defRPr lang="en-US"/>
+                  </a:defPPr>
+                  <a:lvl1pPr marL="0" algn="l" defTabSz="914400" rtl="0" eaLnBrk="1" latinLnBrk="0" hangingPunct="1">
+                    <a:defRPr sz="1800" kern="1200">
+                      <a:solidFill>
+                        <a:schemeClr val="tx1"/>
+                      </a:solidFill>
+                      <a:latin typeface="+mn-lt"/>
+                      <a:ea typeface="+mn-ea"/>
+                      <a:cs typeface="+mn-cs"/>
+                    </a:defRPr>
+                  </a:lvl1pPr>
+                  <a:lvl2pPr marL="457200" algn="l" defTabSz="914400" rtl="0" eaLnBrk="1" latinLnBrk="0" hangingPunct="1">
+                    <a:defRPr sz="1800" kern="1200">
+                      <a:solidFill>
+                        <a:schemeClr val="tx1"/>
+                      </a:solidFill>
+                      <a:latin typeface="+mn-lt"/>
+                      <a:ea typeface="+mn-ea"/>
+                      <a:cs typeface="+mn-cs"/>
+                    </a:defRPr>
+                  </a:lvl2pPr>
+                  <a:lvl3pPr marL="914400" algn="l" defTabSz="914400" rtl="0" eaLnBrk="1" latinLnBrk="0" hangingPunct="1">
+                    <a:defRPr sz="1800" kern="1200">
+                      <a:solidFill>
+                        <a:schemeClr val="tx1"/>
+                      </a:solidFill>
+                      <a:latin typeface="+mn-lt"/>
+                      <a:ea typeface="+mn-ea"/>
+                      <a:cs typeface="+mn-cs"/>
+                    </a:defRPr>
+                  </a:lvl3pPr>
+                  <a:lvl4pPr marL="1371600" algn="l" defTabSz="914400" rtl="0" eaLnBrk="1" latinLnBrk="0" hangingPunct="1">
+                    <a:defRPr sz="1800" kern="1200">
+                      <a:solidFill>
+                        <a:schemeClr val="tx1"/>
+                      </a:solidFill>
+                      <a:latin typeface="+mn-lt"/>
+                      <a:ea typeface="+mn-ea"/>
+                      <a:cs typeface="+mn-cs"/>
+                    </a:defRPr>
+                  </a:lvl4pPr>
+                  <a:lvl5pPr marL="1828800" algn="l" defTabSz="914400" rtl="0" eaLnBrk="1" latinLnBrk="0" hangingPunct="1">
+                    <a:defRPr sz="1800" kern="1200">
+                      <a:solidFill>
+                        <a:schemeClr val="tx1"/>
+                      </a:solidFill>
+                      <a:latin typeface="+mn-lt"/>
+                      <a:ea typeface="+mn-ea"/>
+                      <a:cs typeface="+mn-cs"/>
+                    </a:defRPr>
+                  </a:lvl5pPr>
+                  <a:lvl6pPr marL="2286000" algn="l" defTabSz="914400" rtl="0" eaLnBrk="1" latinLnBrk="0" hangingPunct="1">
+                    <a:defRPr sz="1800" kern="1200">
+                      <a:solidFill>
+                        <a:schemeClr val="tx1"/>
+                      </a:solidFill>
+                      <a:latin typeface="+mn-lt"/>
+                      <a:ea typeface="+mn-ea"/>
+                      <a:cs typeface="+mn-cs"/>
+                    </a:defRPr>
+                  </a:lvl6pPr>
+                  <a:lvl7pPr marL="2743200" algn="l" defTabSz="914400" rtl="0" eaLnBrk="1" latinLnBrk="0" hangingPunct="1">
+                    <a:defRPr sz="1800" kern="1200">
+                      <a:solidFill>
+                        <a:schemeClr val="tx1"/>
+                      </a:solidFill>
+                      <a:latin typeface="+mn-lt"/>
+                      <a:ea typeface="+mn-ea"/>
+                      <a:cs typeface="+mn-cs"/>
+                    </a:defRPr>
+                  </a:lvl7pPr>
+                  <a:lvl8pPr marL="3200400" algn="l" defTabSz="914400" rtl="0" eaLnBrk="1" latinLnBrk="0" hangingPunct="1">
+                    <a:defRPr sz="1800" kern="1200">
+                      <a:solidFill>
+                        <a:schemeClr val="tx1"/>
+                      </a:solidFill>
+                      <a:latin typeface="+mn-lt"/>
+                      <a:ea typeface="+mn-ea"/>
+                      <a:cs typeface="+mn-cs"/>
+                    </a:defRPr>
+                  </a:lvl8pPr>
+                  <a:lvl9pPr marL="3657600" algn="l" defTabSz="914400" rtl="0" eaLnBrk="1" latinLnBrk="0" hangingPunct="1">
+                    <a:defRPr sz="1800" kern="1200">
+                      <a:solidFill>
+                        <a:schemeClr val="tx1"/>
+                      </a:solidFill>
+                      <a:latin typeface="+mn-lt"/>
+                      <a:ea typeface="+mn-ea"/>
+                      <a:cs typeface="+mn-cs"/>
+                    </a:defRPr>
+                  </a:lvl9pPr>
+                </a:lstStyle>
+                <a:p>
+                  <a:pPr/>
+                  <a14:m>
+                    <m:oMathPara xmlns:m="http://schemas.openxmlformats.org/officeDocument/2006/math">
+                      <m:oMathParaPr>
+                        <m:jc m:val="centerGroup"/>
+                      </m:oMathParaPr>
+                      <m:oMath xmlns:m="http://schemas.openxmlformats.org/officeDocument/2006/math">
+                        <m:r>
+                          <a:rPr lang="en-US" sz="2000" b="0" i="1" smtClean="0">
+                            <a:latin typeface="Cambria Math" panose="02040503050406030204" pitchFamily="18" charset="0"/>
+                            <a:cs typeface="Arial" panose="020B0604020202020204" pitchFamily="34" charset="0"/>
+                          </a:rPr>
+                          <m:t>𝐿</m:t>
+                        </m:r>
+                      </m:oMath>
+                    </m:oMathPara>
+                  </a14:m>
+                  <a:endParaRPr lang="en-US" sz="2000" dirty="0" smtClean="0">
+                    <a:latin typeface="Arial" panose="020B0604020202020204" pitchFamily="34" charset="0"/>
+                    <a:cs typeface="Arial" panose="020B0604020202020204" pitchFamily="34" charset="0"/>
+                  </a:endParaRPr>
+                </a:p>
+              </p:txBody>
+            </p:sp>
+          </mc:Choice>
+          <mc:Fallback>
+            <p:sp>
+              <p:nvSpPr>
+                <p:cNvPr id="86" name="TextBox 46"/>
+                <p:cNvSpPr txBox="1">
+                  <a:spLocks noRot="1" noChangeAspect="1" noMove="1" noResize="1" noEditPoints="1" noAdjustHandles="1" noChangeArrowheads="1" noChangeShapeType="1" noTextEdit="1"/>
+                </p:cNvSpPr>
+                <p:nvPr/>
+              </p:nvSpPr>
+              <p:spPr>
+                <a:xfrm>
+                  <a:off x="6307840" y="6260764"/>
+                  <a:ext cx="212045" cy="307777"/>
+                </a:xfrm>
+                <a:prstGeom prst="rect">
+                  <a:avLst/>
+                </a:prstGeom>
+                <a:blipFill>
+                  <a:blip r:embed="rId56"/>
+                  <a:stretch>
+                    <a:fillRect l="-25714" r="-20000" b="-9804"/>
+                  </a:stretch>
+                </a:blipFill>
+              </p:spPr>
+              <p:txBody>
+                <a:bodyPr/>
+                <a:lstStyle/>
+                <a:p>
+                  <a:r>
+                    <a:rPr lang="en-US">
+                      <a:noFill/>
+                    </a:rPr>
+                    <a:t> </a:t>
+                  </a:r>
+                </a:p>
+              </p:txBody>
+            </p:sp>
+          </mc:Fallback>
+        </mc:AlternateContent>
+        <p:grpSp>
+          <p:nvGrpSpPr>
+            <p:cNvPr id="87" name="Group 86"/>
+            <p:cNvGrpSpPr/>
+            <p:nvPr/>
+          </p:nvGrpSpPr>
+          <p:grpSpPr>
+            <a:xfrm>
+              <a:off x="4212023" y="5535195"/>
+              <a:ext cx="934317" cy="709995"/>
+              <a:chOff x="655896" y="708040"/>
+              <a:chExt cx="2698726" cy="2135605"/>
+            </a:xfrm>
+          </p:grpSpPr>
+          <p:grpSp>
+            <p:nvGrpSpPr>
+              <p:cNvPr id="88" name="Group 87"/>
+              <p:cNvGrpSpPr/>
+              <p:nvPr/>
+            </p:nvGrpSpPr>
+            <p:grpSpPr>
+              <a:xfrm>
+                <a:off x="655896" y="708040"/>
+                <a:ext cx="2698726" cy="2135605"/>
+                <a:chOff x="683191" y="680744"/>
+                <a:chExt cx="2698726" cy="2135605"/>
+              </a:xfrm>
+            </p:grpSpPr>
+            <p:cxnSp>
+              <p:nvCxnSpPr>
+                <p:cNvPr id="90" name="Straight Arrow Connector 89"/>
+                <p:cNvCxnSpPr/>
+                <p:nvPr/>
+              </p:nvCxnSpPr>
+              <p:spPr>
+                <a:xfrm flipV="1">
+                  <a:off x="1516583" y="680744"/>
+                  <a:ext cx="7683" cy="1859535"/>
+                </a:xfrm>
+                <a:prstGeom prst="straightConnector1">
+                  <a:avLst/>
+                </a:prstGeom>
+                <a:ln w="38100">
+                  <a:solidFill>
+                    <a:schemeClr val="tx1"/>
+                  </a:solidFill>
+                  <a:tailEnd type="triangle"/>
+                </a:ln>
+              </p:spPr>
+              <p:style>
+                <a:lnRef idx="1">
+                  <a:schemeClr val="accent1"/>
+                </a:lnRef>
+                <a:fillRef idx="0">
+                  <a:schemeClr val="accent1"/>
+                </a:fillRef>
+                <a:effectRef idx="0">
+                  <a:schemeClr val="accent1"/>
+                </a:effectRef>
+                <a:fontRef idx="minor">
+                  <a:schemeClr val="tx1"/>
+                </a:fontRef>
+              </p:style>
+            </p:cxnSp>
+            <p:cxnSp>
+              <p:nvCxnSpPr>
+                <p:cNvPr id="91" name="Straight Arrow Connector 90"/>
+                <p:cNvCxnSpPr/>
+                <p:nvPr/>
+              </p:nvCxnSpPr>
+              <p:spPr>
+                <a:xfrm flipV="1">
+                  <a:off x="1507013" y="2535259"/>
+                  <a:ext cx="1874904" cy="1"/>
+                </a:xfrm>
+                <a:prstGeom prst="straightConnector1">
+                  <a:avLst/>
+                </a:prstGeom>
+                <a:ln w="38100">
+                  <a:solidFill>
+                    <a:schemeClr val="tx1"/>
+                  </a:solidFill>
+                  <a:tailEnd type="triangle"/>
+                </a:ln>
+              </p:spPr>
+              <p:style>
+                <a:lnRef idx="1">
+                  <a:schemeClr val="accent1"/>
+                </a:lnRef>
+                <a:fillRef idx="0">
+                  <a:schemeClr val="accent1"/>
+                </a:fillRef>
+                <a:effectRef idx="0">
+                  <a:schemeClr val="accent1"/>
+                </a:effectRef>
+                <a:fontRef idx="minor">
+                  <a:schemeClr val="tx1"/>
+                </a:fontRef>
+              </p:style>
+            </p:cxnSp>
+            <mc:AlternateContent xmlns:mc="http://schemas.openxmlformats.org/markup-compatibility/2006">
+              <mc:Choice xmlns:a14="http://schemas.microsoft.com/office/drawing/2010/main" Requires="a14">
+                <p:sp>
+                  <p:nvSpPr>
+                    <p:cNvPr id="92" name="Rectangle 91"/>
+                    <p:cNvSpPr/>
+                    <p:nvPr/>
+                  </p:nvSpPr>
+                  <p:spPr>
+                    <a:xfrm>
+                      <a:off x="2697555" y="2447016"/>
+                      <a:ext cx="367985" cy="369333"/>
+                    </a:xfrm>
+                    <a:prstGeom prst="rect">
+                      <a:avLst/>
+                    </a:prstGeom>
+                  </p:spPr>
+                  <p:txBody>
+                    <a:bodyPr wrap="none">
+                      <a:spAutoFit/>
+                    </a:bodyPr>
+                    <a:lstStyle>
+                      <a:defPPr>
+                        <a:defRPr lang="en-US"/>
+                      </a:defPPr>
+                      <a:lvl1pPr marL="0" algn="l" defTabSz="914400" rtl="0" eaLnBrk="1" latinLnBrk="0" hangingPunct="1">
+                        <a:defRPr sz="1800" kern="1200">
+                          <a:solidFill>
+                            <a:schemeClr val="tx1"/>
+                          </a:solidFill>
+                          <a:latin typeface="+mn-lt"/>
+                          <a:ea typeface="+mn-ea"/>
+                          <a:cs typeface="+mn-cs"/>
+                        </a:defRPr>
+                      </a:lvl1pPr>
+                      <a:lvl2pPr marL="457200" algn="l" defTabSz="914400" rtl="0" eaLnBrk="1" latinLnBrk="0" hangingPunct="1">
+                        <a:defRPr sz="1800" kern="1200">
+                          <a:solidFill>
+                            <a:schemeClr val="tx1"/>
+                          </a:solidFill>
+                          <a:latin typeface="+mn-lt"/>
+                          <a:ea typeface="+mn-ea"/>
+                          <a:cs typeface="+mn-cs"/>
+                        </a:defRPr>
+                      </a:lvl2pPr>
+                      <a:lvl3pPr marL="914400" algn="l" defTabSz="914400" rtl="0" eaLnBrk="1" latinLnBrk="0" hangingPunct="1">
+                        <a:defRPr sz="1800" kern="1200">
+                          <a:solidFill>
+                            <a:schemeClr val="tx1"/>
+                          </a:solidFill>
+                          <a:latin typeface="+mn-lt"/>
+                          <a:ea typeface="+mn-ea"/>
+                          <a:cs typeface="+mn-cs"/>
+                        </a:defRPr>
+                      </a:lvl3pPr>
+                      <a:lvl4pPr marL="1371600" algn="l" defTabSz="914400" rtl="0" eaLnBrk="1" latinLnBrk="0" hangingPunct="1">
+                        <a:defRPr sz="1800" kern="1200">
+                          <a:solidFill>
+                            <a:schemeClr val="tx1"/>
+                          </a:solidFill>
+                          <a:latin typeface="+mn-lt"/>
+                          <a:ea typeface="+mn-ea"/>
+                          <a:cs typeface="+mn-cs"/>
+                        </a:defRPr>
+                      </a:lvl4pPr>
+                      <a:lvl5pPr marL="1828800" algn="l" defTabSz="914400" rtl="0" eaLnBrk="1" latinLnBrk="0" hangingPunct="1">
+                        <a:defRPr sz="1800" kern="1200">
+                          <a:solidFill>
+                            <a:schemeClr val="tx1"/>
+                          </a:solidFill>
+                          <a:latin typeface="+mn-lt"/>
+                          <a:ea typeface="+mn-ea"/>
+                          <a:cs typeface="+mn-cs"/>
+                        </a:defRPr>
+                      </a:lvl5pPr>
+                      <a:lvl6pPr marL="2286000" algn="l" defTabSz="914400" rtl="0" eaLnBrk="1" latinLnBrk="0" hangingPunct="1">
+                        <a:defRPr sz="1800" kern="1200">
+                          <a:solidFill>
+                            <a:schemeClr val="tx1"/>
+                          </a:solidFill>
+                          <a:latin typeface="+mn-lt"/>
+                          <a:ea typeface="+mn-ea"/>
+                          <a:cs typeface="+mn-cs"/>
+                        </a:defRPr>
+                      </a:lvl6pPr>
+                      <a:lvl7pPr marL="2743200" algn="l" defTabSz="914400" rtl="0" eaLnBrk="1" latinLnBrk="0" hangingPunct="1">
+                        <a:defRPr sz="1800" kern="1200">
+                          <a:solidFill>
+                            <a:schemeClr val="tx1"/>
+                          </a:solidFill>
+                          <a:latin typeface="+mn-lt"/>
+                          <a:ea typeface="+mn-ea"/>
+                          <a:cs typeface="+mn-cs"/>
+                        </a:defRPr>
+                      </a:lvl7pPr>
+                      <a:lvl8pPr marL="3200400" algn="l" defTabSz="914400" rtl="0" eaLnBrk="1" latinLnBrk="0" hangingPunct="1">
+                        <a:defRPr sz="1800" kern="1200">
+                          <a:solidFill>
+                            <a:schemeClr val="tx1"/>
+                          </a:solidFill>
+                          <a:latin typeface="+mn-lt"/>
+                          <a:ea typeface="+mn-ea"/>
+                          <a:cs typeface="+mn-cs"/>
+                        </a:defRPr>
+                      </a:lvl8pPr>
+                      <a:lvl9pPr marL="3657600" algn="l" defTabSz="914400" rtl="0" eaLnBrk="1" latinLnBrk="0" hangingPunct="1">
+                        <a:defRPr sz="1800" kern="1200">
+                          <a:solidFill>
+                            <a:schemeClr val="tx1"/>
+                          </a:solidFill>
+                          <a:latin typeface="+mn-lt"/>
+                          <a:ea typeface="+mn-ea"/>
+                          <a:cs typeface="+mn-cs"/>
+                        </a:defRPr>
+                      </a:lvl9pPr>
+                    </a:lstStyle>
+                    <a:p>
+                      <a:pPr/>
+                      <a14:m>
+                        <m:oMathPara xmlns:m="http://schemas.openxmlformats.org/officeDocument/2006/math">
+                          <m:oMathParaPr>
+                            <m:jc m:val="centerGroup"/>
+                          </m:oMathParaPr>
+                          <m:oMath xmlns:m="http://schemas.openxmlformats.org/officeDocument/2006/math">
+                            <m:r>
+                              <a:rPr lang="en-US" i="1">
+                                <a:latin typeface="Cambria Math" panose="02040503050406030204" pitchFamily="18" charset="0"/>
+                                <a:cs typeface="Arial" panose="020B0604020202020204" pitchFamily="34" charset="0"/>
+                              </a:rPr>
+                              <m:t>𝑥</m:t>
+                            </m:r>
+                          </m:oMath>
+                        </m:oMathPara>
+                      </a14:m>
+                      <a:endParaRPr lang="en-CA" dirty="0"/>
+                    </a:p>
+                  </p:txBody>
+                </p:sp>
+              </mc:Choice>
+              <mc:Fallback>
+                <p:sp>
+                  <p:nvSpPr>
+                    <p:cNvPr id="92" name="Rectangle 91"/>
+                    <p:cNvSpPr>
+                      <a:spLocks noRot="1" noChangeAspect="1" noMove="1" noResize="1" noEditPoints="1" noAdjustHandles="1" noChangeArrowheads="1" noChangeShapeType="1" noTextEdit="1"/>
+                    </p:cNvSpPr>
+                    <p:nvPr/>
+                  </p:nvSpPr>
+                  <p:spPr>
+                    <a:xfrm>
+                      <a:off x="2697555" y="2447016"/>
+                      <a:ext cx="367985" cy="369333"/>
+                    </a:xfrm>
+                    <a:prstGeom prst="rect">
+                      <a:avLst/>
+                    </a:prstGeom>
+                    <a:blipFill>
+                      <a:blip r:embed="rId57"/>
+                      <a:stretch>
+                        <a:fillRect r="-95238" b="-165000"/>
+                      </a:stretch>
+                    </a:blipFill>
+                  </p:spPr>
+                  <p:txBody>
+                    <a:bodyPr/>
+                    <a:lstStyle/>
+                    <a:p>
+                      <a:r>
+                        <a:rPr lang="en-US">
+                          <a:noFill/>
+                        </a:rPr>
+                        <a:t> </a:t>
+                      </a:r>
+                    </a:p>
+                  </p:txBody>
+                </p:sp>
+              </mc:Fallback>
+            </mc:AlternateContent>
+            <mc:AlternateContent xmlns:mc="http://schemas.openxmlformats.org/markup-compatibility/2006">
+              <mc:Choice xmlns:a14="http://schemas.microsoft.com/office/drawing/2010/main" Requires="a14">
+                <p:sp>
+                  <p:nvSpPr>
+                    <p:cNvPr id="93" name="Rectangle 92"/>
+                    <p:cNvSpPr/>
+                    <p:nvPr/>
+                  </p:nvSpPr>
+                  <p:spPr>
+                    <a:xfrm>
+                      <a:off x="683191" y="868026"/>
+                      <a:ext cx="788543" cy="1110919"/>
+                    </a:xfrm>
+                    <a:prstGeom prst="rect">
+                      <a:avLst/>
+                    </a:prstGeom>
+                  </p:spPr>
+                  <p:txBody>
+                    <a:bodyPr wrap="square">
+                      <a:spAutoFit/>
+                    </a:bodyPr>
+                    <a:lstStyle>
+                      <a:defPPr>
+                        <a:defRPr lang="en-US"/>
+                      </a:defPPr>
+                      <a:lvl1pPr marL="0" algn="l" defTabSz="914400" rtl="0" eaLnBrk="1" latinLnBrk="0" hangingPunct="1">
+                        <a:defRPr sz="1800" kern="1200">
+                          <a:solidFill>
+                            <a:schemeClr val="tx1"/>
+                          </a:solidFill>
+                          <a:latin typeface="+mn-lt"/>
+                          <a:ea typeface="+mn-ea"/>
+                          <a:cs typeface="+mn-cs"/>
+                        </a:defRPr>
+                      </a:lvl1pPr>
+                      <a:lvl2pPr marL="457200" algn="l" defTabSz="914400" rtl="0" eaLnBrk="1" latinLnBrk="0" hangingPunct="1">
+                        <a:defRPr sz="1800" kern="1200">
+                          <a:solidFill>
+                            <a:schemeClr val="tx1"/>
+                          </a:solidFill>
+                          <a:latin typeface="+mn-lt"/>
+                          <a:ea typeface="+mn-ea"/>
+                          <a:cs typeface="+mn-cs"/>
+                        </a:defRPr>
+                      </a:lvl2pPr>
+                      <a:lvl3pPr marL="914400" algn="l" defTabSz="914400" rtl="0" eaLnBrk="1" latinLnBrk="0" hangingPunct="1">
+                        <a:defRPr sz="1800" kern="1200">
+                          <a:solidFill>
+                            <a:schemeClr val="tx1"/>
+                          </a:solidFill>
+                          <a:latin typeface="+mn-lt"/>
+                          <a:ea typeface="+mn-ea"/>
+                          <a:cs typeface="+mn-cs"/>
+                        </a:defRPr>
+                      </a:lvl3pPr>
+                      <a:lvl4pPr marL="1371600" algn="l" defTabSz="914400" rtl="0" eaLnBrk="1" latinLnBrk="0" hangingPunct="1">
+                        <a:defRPr sz="1800" kern="1200">
+                          <a:solidFill>
+                            <a:schemeClr val="tx1"/>
+                          </a:solidFill>
+                          <a:latin typeface="+mn-lt"/>
+                          <a:ea typeface="+mn-ea"/>
+                          <a:cs typeface="+mn-cs"/>
+                        </a:defRPr>
+                      </a:lvl4pPr>
+                      <a:lvl5pPr marL="1828800" algn="l" defTabSz="914400" rtl="0" eaLnBrk="1" latinLnBrk="0" hangingPunct="1">
+                        <a:defRPr sz="1800" kern="1200">
+                          <a:solidFill>
+                            <a:schemeClr val="tx1"/>
+                          </a:solidFill>
+                          <a:latin typeface="+mn-lt"/>
+                          <a:ea typeface="+mn-ea"/>
+                          <a:cs typeface="+mn-cs"/>
+                        </a:defRPr>
+                      </a:lvl5pPr>
+                      <a:lvl6pPr marL="2286000" algn="l" defTabSz="914400" rtl="0" eaLnBrk="1" latinLnBrk="0" hangingPunct="1">
+                        <a:defRPr sz="1800" kern="1200">
+                          <a:solidFill>
+                            <a:schemeClr val="tx1"/>
+                          </a:solidFill>
+                          <a:latin typeface="+mn-lt"/>
+                          <a:ea typeface="+mn-ea"/>
+                          <a:cs typeface="+mn-cs"/>
+                        </a:defRPr>
+                      </a:lvl6pPr>
+                      <a:lvl7pPr marL="2743200" algn="l" defTabSz="914400" rtl="0" eaLnBrk="1" latinLnBrk="0" hangingPunct="1">
+                        <a:defRPr sz="1800" kern="1200">
+                          <a:solidFill>
+                            <a:schemeClr val="tx1"/>
+                          </a:solidFill>
+                          <a:latin typeface="+mn-lt"/>
+                          <a:ea typeface="+mn-ea"/>
+                          <a:cs typeface="+mn-cs"/>
+                        </a:defRPr>
+                      </a:lvl7pPr>
+                      <a:lvl8pPr marL="3200400" algn="l" defTabSz="914400" rtl="0" eaLnBrk="1" latinLnBrk="0" hangingPunct="1">
+                        <a:defRPr sz="1800" kern="1200">
+                          <a:solidFill>
+                            <a:schemeClr val="tx1"/>
+                          </a:solidFill>
+                          <a:latin typeface="+mn-lt"/>
+                          <a:ea typeface="+mn-ea"/>
+                          <a:cs typeface="+mn-cs"/>
+                        </a:defRPr>
+                      </a:lvl8pPr>
+                      <a:lvl9pPr marL="3657600" algn="l" defTabSz="914400" rtl="0" eaLnBrk="1" latinLnBrk="0" hangingPunct="1">
+                        <a:defRPr sz="1800" kern="1200">
+                          <a:solidFill>
+                            <a:schemeClr val="tx1"/>
+                          </a:solidFill>
+                          <a:latin typeface="+mn-lt"/>
+                          <a:ea typeface="+mn-ea"/>
+                          <a:cs typeface="+mn-cs"/>
+                        </a:defRPr>
+                      </a:lvl9pPr>
+                    </a:lstStyle>
+                    <a:p>
+                      <a:pPr/>
+                      <a14:m>
+                        <m:oMathPara xmlns:m="http://schemas.openxmlformats.org/officeDocument/2006/math">
+                          <m:oMathParaPr>
+                            <m:jc m:val="centerGroup"/>
+                          </m:oMathParaPr>
+                          <m:oMath xmlns:m="http://schemas.openxmlformats.org/officeDocument/2006/math">
+                            <m:r>
+                              <a:rPr lang="en-US" b="0" i="1" smtClean="0">
+                                <a:latin typeface="Cambria Math" panose="02040503050406030204" pitchFamily="18" charset="0"/>
+                              </a:rPr>
+                              <m:t>𝑧</m:t>
+                            </m:r>
+                          </m:oMath>
+                        </m:oMathPara>
+                      </a14:m>
+                      <a:endParaRPr lang="en-CA" dirty="0"/>
+                    </a:p>
+                  </p:txBody>
+                </p:sp>
+              </mc:Choice>
+              <mc:Fallback>
+                <p:sp>
+                  <p:nvSpPr>
+                    <p:cNvPr id="93" name="Rectangle 92"/>
+                    <p:cNvSpPr>
+                      <a:spLocks noRot="1" noChangeAspect="1" noMove="1" noResize="1" noEditPoints="1" noAdjustHandles="1" noChangeArrowheads="1" noChangeShapeType="1" noTextEdit="1"/>
+                    </p:cNvSpPr>
+                    <p:nvPr/>
+                  </p:nvSpPr>
+                  <p:spPr>
+                    <a:xfrm>
+                      <a:off x="683191" y="868026"/>
+                      <a:ext cx="788543" cy="1110919"/>
+                    </a:xfrm>
+                    <a:prstGeom prst="rect">
+                      <a:avLst/>
+                    </a:prstGeom>
+                    <a:blipFill>
+                      <a:blip r:embed="rId58"/>
+                      <a:stretch>
+                        <a:fillRect/>
+                      </a:stretch>
+                    </a:blipFill>
+                  </p:spPr>
+                  <p:txBody>
+                    <a:bodyPr/>
+                    <a:lstStyle/>
+                    <a:p>
+                      <a:r>
+                        <a:rPr lang="en-US">
+                          <a:noFill/>
+                        </a:rPr>
+                        <a:t> </a:t>
+                      </a:r>
+                    </a:p>
+                  </p:txBody>
+                </p:sp>
+              </mc:Fallback>
+            </mc:AlternateContent>
+            <mc:AlternateContent xmlns:mc="http://schemas.openxmlformats.org/markup-compatibility/2006">
+              <mc:Choice xmlns:a14="http://schemas.microsoft.com/office/drawing/2010/main" Requires="a14">
+                <p:sp>
+                  <p:nvSpPr>
+                    <p:cNvPr id="94" name="Rectangle 93"/>
+                    <p:cNvSpPr/>
+                    <p:nvPr/>
+                  </p:nvSpPr>
+                  <p:spPr>
+                    <a:xfrm>
+                      <a:off x="1006642" y="2350591"/>
+                      <a:ext cx="367985" cy="369333"/>
+                    </a:xfrm>
+                    <a:prstGeom prst="rect">
+                      <a:avLst/>
+                    </a:prstGeom>
+                  </p:spPr>
+                  <p:txBody>
+                    <a:bodyPr wrap="none">
+                      <a:spAutoFit/>
+                    </a:bodyPr>
+                    <a:lstStyle>
+                      <a:defPPr>
+                        <a:defRPr lang="en-US"/>
+                      </a:defPPr>
+                      <a:lvl1pPr marL="0" algn="l" defTabSz="914400" rtl="0" eaLnBrk="1" latinLnBrk="0" hangingPunct="1">
+                        <a:defRPr sz="1800" kern="1200">
+                          <a:solidFill>
+                            <a:schemeClr val="tx1"/>
+                          </a:solidFill>
+                          <a:latin typeface="+mn-lt"/>
+                          <a:ea typeface="+mn-ea"/>
+                          <a:cs typeface="+mn-cs"/>
+                        </a:defRPr>
+                      </a:lvl1pPr>
+                      <a:lvl2pPr marL="457200" algn="l" defTabSz="914400" rtl="0" eaLnBrk="1" latinLnBrk="0" hangingPunct="1">
+                        <a:defRPr sz="1800" kern="1200">
+                          <a:solidFill>
+                            <a:schemeClr val="tx1"/>
+                          </a:solidFill>
+                          <a:latin typeface="+mn-lt"/>
+                          <a:ea typeface="+mn-ea"/>
+                          <a:cs typeface="+mn-cs"/>
+                        </a:defRPr>
+                      </a:lvl2pPr>
+                      <a:lvl3pPr marL="914400" algn="l" defTabSz="914400" rtl="0" eaLnBrk="1" latinLnBrk="0" hangingPunct="1">
+                        <a:defRPr sz="1800" kern="1200">
+                          <a:solidFill>
+                            <a:schemeClr val="tx1"/>
+                          </a:solidFill>
+                          <a:latin typeface="+mn-lt"/>
+                          <a:ea typeface="+mn-ea"/>
+                          <a:cs typeface="+mn-cs"/>
+                        </a:defRPr>
+                      </a:lvl3pPr>
+                      <a:lvl4pPr marL="1371600" algn="l" defTabSz="914400" rtl="0" eaLnBrk="1" latinLnBrk="0" hangingPunct="1">
+                        <a:defRPr sz="1800" kern="1200">
+                          <a:solidFill>
+                            <a:schemeClr val="tx1"/>
+                          </a:solidFill>
+                          <a:latin typeface="+mn-lt"/>
+                          <a:ea typeface="+mn-ea"/>
+                          <a:cs typeface="+mn-cs"/>
+                        </a:defRPr>
+                      </a:lvl4pPr>
+                      <a:lvl5pPr marL="1828800" algn="l" defTabSz="914400" rtl="0" eaLnBrk="1" latinLnBrk="0" hangingPunct="1">
+                        <a:defRPr sz="1800" kern="1200">
+                          <a:solidFill>
+                            <a:schemeClr val="tx1"/>
+                          </a:solidFill>
+                          <a:latin typeface="+mn-lt"/>
+                          <a:ea typeface="+mn-ea"/>
+                          <a:cs typeface="+mn-cs"/>
+                        </a:defRPr>
+                      </a:lvl5pPr>
+                      <a:lvl6pPr marL="2286000" algn="l" defTabSz="914400" rtl="0" eaLnBrk="1" latinLnBrk="0" hangingPunct="1">
+                        <a:defRPr sz="1800" kern="1200">
+                          <a:solidFill>
+                            <a:schemeClr val="tx1"/>
+                          </a:solidFill>
+                          <a:latin typeface="+mn-lt"/>
+                          <a:ea typeface="+mn-ea"/>
+                          <a:cs typeface="+mn-cs"/>
+                        </a:defRPr>
+                      </a:lvl6pPr>
+                      <a:lvl7pPr marL="2743200" algn="l" defTabSz="914400" rtl="0" eaLnBrk="1" latinLnBrk="0" hangingPunct="1">
+                        <a:defRPr sz="1800" kern="1200">
+                          <a:solidFill>
+                            <a:schemeClr val="tx1"/>
+                          </a:solidFill>
+                          <a:latin typeface="+mn-lt"/>
+                          <a:ea typeface="+mn-ea"/>
+                          <a:cs typeface="+mn-cs"/>
+                        </a:defRPr>
+                      </a:lvl7pPr>
+                      <a:lvl8pPr marL="3200400" algn="l" defTabSz="914400" rtl="0" eaLnBrk="1" latinLnBrk="0" hangingPunct="1">
+                        <a:defRPr sz="1800" kern="1200">
+                          <a:solidFill>
+                            <a:schemeClr val="tx1"/>
+                          </a:solidFill>
+                          <a:latin typeface="+mn-lt"/>
+                          <a:ea typeface="+mn-ea"/>
+                          <a:cs typeface="+mn-cs"/>
+                        </a:defRPr>
+                      </a:lvl8pPr>
+                      <a:lvl9pPr marL="3657600" algn="l" defTabSz="914400" rtl="0" eaLnBrk="1" latinLnBrk="0" hangingPunct="1">
+                        <a:defRPr sz="1800" kern="1200">
+                          <a:solidFill>
+                            <a:schemeClr val="tx1"/>
+                          </a:solidFill>
+                          <a:latin typeface="+mn-lt"/>
+                          <a:ea typeface="+mn-ea"/>
+                          <a:cs typeface="+mn-cs"/>
+                        </a:defRPr>
+                      </a:lvl9pPr>
+                    </a:lstStyle>
+                    <a:p>
+                      <a:pPr/>
+                      <a14:m>
+                        <m:oMathPara xmlns:m="http://schemas.openxmlformats.org/officeDocument/2006/math">
+                          <m:oMathParaPr>
+                            <m:jc m:val="centerGroup"/>
+                          </m:oMathParaPr>
+                          <m:oMath xmlns:m="http://schemas.openxmlformats.org/officeDocument/2006/math">
+                            <m:r>
+                              <a:rPr lang="en-US" b="0" i="1" smtClean="0">
+                                <a:latin typeface="Cambria Math" panose="02040503050406030204" pitchFamily="18" charset="0"/>
+                                <a:cs typeface="Arial" panose="020B0604020202020204" pitchFamily="34" charset="0"/>
+                              </a:rPr>
+                              <m:t>0</m:t>
+                            </m:r>
+                          </m:oMath>
+                        </m:oMathPara>
+                      </a14:m>
+                      <a:endParaRPr lang="en-CA" dirty="0"/>
+                    </a:p>
+                  </p:txBody>
+                </p:sp>
+              </mc:Choice>
+              <mc:Fallback>
+                <p:sp>
+                  <p:nvSpPr>
+                    <p:cNvPr id="94" name="Rectangle 93"/>
+                    <p:cNvSpPr>
+                      <a:spLocks noRot="1" noChangeAspect="1" noMove="1" noResize="1" noEditPoints="1" noAdjustHandles="1" noChangeArrowheads="1" noChangeShapeType="1" noTextEdit="1"/>
+                    </p:cNvSpPr>
+                    <p:nvPr/>
+                  </p:nvSpPr>
+                  <p:spPr>
+                    <a:xfrm>
+                      <a:off x="1006642" y="2350591"/>
+                      <a:ext cx="367985" cy="369333"/>
+                    </a:xfrm>
+                    <a:prstGeom prst="rect">
+                      <a:avLst/>
+                    </a:prstGeom>
+                    <a:blipFill>
+                      <a:blip r:embed="rId59"/>
+                      <a:stretch>
+                        <a:fillRect l="-14286" r="-114286" b="-180000"/>
+                      </a:stretch>
+                    </a:blipFill>
+                  </p:spPr>
+                  <p:txBody>
+                    <a:bodyPr/>
+                    <a:lstStyle/>
+                    <a:p>
+                      <a:r>
+                        <a:rPr lang="en-US">
+                          <a:noFill/>
+                        </a:rPr>
+                        <a:t> </a:t>
+                      </a:r>
+                    </a:p>
+                  </p:txBody>
+                </p:sp>
+              </mc:Fallback>
+            </mc:AlternateContent>
+          </p:grpSp>
+          <p:sp>
+            <p:nvSpPr>
+              <p:cNvPr id="89" name="Rectangle 88"/>
+              <p:cNvSpPr/>
+              <p:nvPr/>
+            </p:nvSpPr>
+            <p:spPr>
+              <a:xfrm>
+                <a:off x="1129904" y="1614682"/>
+                <a:ext cx="184731" cy="369332"/>
+              </a:xfrm>
+              <a:prstGeom prst="rect">
+                <a:avLst/>
+              </a:prstGeom>
+            </p:spPr>
+            <p:txBody>
+              <a:bodyPr wrap="none">
+                <a:spAutoFit/>
+              </a:bodyPr>
+              <a:lstStyle>
+                <a:defPPr>
+                  <a:defRPr lang="en-US"/>
+                </a:defPPr>
+                <a:lvl1pPr marL="0" algn="l" defTabSz="914400" rtl="0" eaLnBrk="1" latinLnBrk="0" hangingPunct="1">
+                  <a:defRPr sz="1800" kern="1200">
+                    <a:solidFill>
+                      <a:schemeClr val="tx1"/>
+                    </a:solidFill>
+                    <a:latin typeface="+mn-lt"/>
+                    <a:ea typeface="+mn-ea"/>
+                    <a:cs typeface="+mn-cs"/>
+                  </a:defRPr>
+                </a:lvl1pPr>
+                <a:lvl2pPr marL="457200" algn="l" defTabSz="914400" rtl="0" eaLnBrk="1" latinLnBrk="0" hangingPunct="1">
+                  <a:defRPr sz="1800" kern="1200">
+                    <a:solidFill>
+                      <a:schemeClr val="tx1"/>
+                    </a:solidFill>
+                    <a:latin typeface="+mn-lt"/>
+                    <a:ea typeface="+mn-ea"/>
+                    <a:cs typeface="+mn-cs"/>
+                  </a:defRPr>
+                </a:lvl2pPr>
+                <a:lvl3pPr marL="914400" algn="l" defTabSz="914400" rtl="0" eaLnBrk="1" latinLnBrk="0" hangingPunct="1">
+                  <a:defRPr sz="1800" kern="1200">
+                    <a:solidFill>
+                      <a:schemeClr val="tx1"/>
+                    </a:solidFill>
+                    <a:latin typeface="+mn-lt"/>
+                    <a:ea typeface="+mn-ea"/>
+                    <a:cs typeface="+mn-cs"/>
+                  </a:defRPr>
+                </a:lvl3pPr>
+                <a:lvl4pPr marL="1371600" algn="l" defTabSz="914400" rtl="0" eaLnBrk="1" latinLnBrk="0" hangingPunct="1">
+                  <a:defRPr sz="1800" kern="1200">
+                    <a:solidFill>
+                      <a:schemeClr val="tx1"/>
+                    </a:solidFill>
+                    <a:latin typeface="+mn-lt"/>
+                    <a:ea typeface="+mn-ea"/>
+                    <a:cs typeface="+mn-cs"/>
+                  </a:defRPr>
+                </a:lvl4pPr>
+                <a:lvl5pPr marL="1828800" algn="l" defTabSz="914400" rtl="0" eaLnBrk="1" latinLnBrk="0" hangingPunct="1">
+                  <a:defRPr sz="1800" kern="1200">
+                    <a:solidFill>
+                      <a:schemeClr val="tx1"/>
+                    </a:solidFill>
+                    <a:latin typeface="+mn-lt"/>
+                    <a:ea typeface="+mn-ea"/>
+                    <a:cs typeface="+mn-cs"/>
+                  </a:defRPr>
+                </a:lvl5pPr>
+                <a:lvl6pPr marL="2286000" algn="l" defTabSz="914400" rtl="0" eaLnBrk="1" latinLnBrk="0" hangingPunct="1">
+                  <a:defRPr sz="1800" kern="1200">
+                    <a:solidFill>
+                      <a:schemeClr val="tx1"/>
+                    </a:solidFill>
+                    <a:latin typeface="+mn-lt"/>
+                    <a:ea typeface="+mn-ea"/>
+                    <a:cs typeface="+mn-cs"/>
+                  </a:defRPr>
+                </a:lvl6pPr>
+                <a:lvl7pPr marL="2743200" algn="l" defTabSz="914400" rtl="0" eaLnBrk="1" latinLnBrk="0" hangingPunct="1">
+                  <a:defRPr sz="1800" kern="1200">
+                    <a:solidFill>
+                      <a:schemeClr val="tx1"/>
+                    </a:solidFill>
+                    <a:latin typeface="+mn-lt"/>
+                    <a:ea typeface="+mn-ea"/>
+                    <a:cs typeface="+mn-cs"/>
+                  </a:defRPr>
+                </a:lvl7pPr>
+                <a:lvl8pPr marL="3200400" algn="l" defTabSz="914400" rtl="0" eaLnBrk="1" latinLnBrk="0" hangingPunct="1">
+                  <a:defRPr sz="1800" kern="1200">
+                    <a:solidFill>
+                      <a:schemeClr val="tx1"/>
+                    </a:solidFill>
+                    <a:latin typeface="+mn-lt"/>
+                    <a:ea typeface="+mn-ea"/>
+                    <a:cs typeface="+mn-cs"/>
+                  </a:defRPr>
+                </a:lvl8pPr>
+                <a:lvl9pPr marL="3657600" algn="l" defTabSz="914400" rtl="0" eaLnBrk="1" latinLnBrk="0" hangingPunct="1">
+                  <a:defRPr sz="1800" kern="1200">
+                    <a:solidFill>
+                      <a:schemeClr val="tx1"/>
+                    </a:solidFill>
+                    <a:latin typeface="+mn-lt"/>
+                    <a:ea typeface="+mn-ea"/>
+                    <a:cs typeface="+mn-cs"/>
+                  </a:defRPr>
+                </a:lvl9pPr>
+              </a:lstStyle>
+              <a:p>
+                <a:endParaRPr lang="en-CA" dirty="0"/>
+              </a:p>
+            </p:txBody>
+          </p:sp>
+        </p:grpSp>
       </p:grpSp>
     </p:spTree>
     <p:extLst>

--- a/tex/figures/PotentialECons/Figures.pptx
+++ b/tex/figures/PotentialECons/Figures.pptx
@@ -7,6 +7,7 @@
   <p:sldIdLst>
     <p:sldId id="271" r:id="rId2"/>
     <p:sldId id="272" r:id="rId3"/>
+    <p:sldId id="273" r:id="rId4"/>
   </p:sldIdLst>
   <p:sldSz cx="12192000" cy="6858000"/>
   <p:notesSz cx="6858000" cy="9144000"/>
@@ -244,7 +245,7 @@
           <a:p>
             <a:fld id="{F7249F8D-641B-4CAF-BAE5-10524742F6F1}" type="datetimeFigureOut">
               <a:rPr lang="en-CA" smtClean="0"/>
-              <a:t>2018-06-08</a:t>
+              <a:t>2018-06-10</a:t>
             </a:fld>
             <a:endParaRPr lang="en-CA"/>
           </a:p>
@@ -414,7 +415,7 @@
           <a:p>
             <a:fld id="{F7249F8D-641B-4CAF-BAE5-10524742F6F1}" type="datetimeFigureOut">
               <a:rPr lang="en-CA" smtClean="0"/>
-              <a:t>2018-06-08</a:t>
+              <a:t>2018-06-10</a:t>
             </a:fld>
             <a:endParaRPr lang="en-CA"/>
           </a:p>
@@ -594,7 +595,7 @@
           <a:p>
             <a:fld id="{F7249F8D-641B-4CAF-BAE5-10524742F6F1}" type="datetimeFigureOut">
               <a:rPr lang="en-CA" smtClean="0"/>
-              <a:t>2018-06-08</a:t>
+              <a:t>2018-06-10</a:t>
             </a:fld>
             <a:endParaRPr lang="en-CA"/>
           </a:p>
@@ -764,7 +765,7 @@
           <a:p>
             <a:fld id="{F7249F8D-641B-4CAF-BAE5-10524742F6F1}" type="datetimeFigureOut">
               <a:rPr lang="en-CA" smtClean="0"/>
-              <a:t>2018-06-08</a:t>
+              <a:t>2018-06-10</a:t>
             </a:fld>
             <a:endParaRPr lang="en-CA"/>
           </a:p>
@@ -1010,7 +1011,7 @@
           <a:p>
             <a:fld id="{F7249F8D-641B-4CAF-BAE5-10524742F6F1}" type="datetimeFigureOut">
               <a:rPr lang="en-CA" smtClean="0"/>
-              <a:t>2018-06-08</a:t>
+              <a:t>2018-06-10</a:t>
             </a:fld>
             <a:endParaRPr lang="en-CA"/>
           </a:p>
@@ -1242,7 +1243,7 @@
           <a:p>
             <a:fld id="{F7249F8D-641B-4CAF-BAE5-10524742F6F1}" type="datetimeFigureOut">
               <a:rPr lang="en-CA" smtClean="0"/>
-              <a:t>2018-06-08</a:t>
+              <a:t>2018-06-10</a:t>
             </a:fld>
             <a:endParaRPr lang="en-CA"/>
           </a:p>
@@ -1609,7 +1610,7 @@
           <a:p>
             <a:fld id="{F7249F8D-641B-4CAF-BAE5-10524742F6F1}" type="datetimeFigureOut">
               <a:rPr lang="en-CA" smtClean="0"/>
-              <a:t>2018-06-08</a:t>
+              <a:t>2018-06-10</a:t>
             </a:fld>
             <a:endParaRPr lang="en-CA"/>
           </a:p>
@@ -1727,7 +1728,7 @@
           <a:p>
             <a:fld id="{F7249F8D-641B-4CAF-BAE5-10524742F6F1}" type="datetimeFigureOut">
               <a:rPr lang="en-CA" smtClean="0"/>
-              <a:t>2018-06-08</a:t>
+              <a:t>2018-06-10</a:t>
             </a:fld>
             <a:endParaRPr lang="en-CA"/>
           </a:p>
@@ -1822,7 +1823,7 @@
           <a:p>
             <a:fld id="{F7249F8D-641B-4CAF-BAE5-10524742F6F1}" type="datetimeFigureOut">
               <a:rPr lang="en-CA" smtClean="0"/>
-              <a:t>2018-06-08</a:t>
+              <a:t>2018-06-10</a:t>
             </a:fld>
             <a:endParaRPr lang="en-CA"/>
           </a:p>
@@ -2099,7 +2100,7 @@
           <a:p>
             <a:fld id="{F7249F8D-641B-4CAF-BAE5-10524742F6F1}" type="datetimeFigureOut">
               <a:rPr lang="en-CA" smtClean="0"/>
-              <a:t>2018-06-08</a:t>
+              <a:t>2018-06-10</a:t>
             </a:fld>
             <a:endParaRPr lang="en-CA"/>
           </a:p>
@@ -2352,7 +2353,7 @@
           <a:p>
             <a:fld id="{F7249F8D-641B-4CAF-BAE5-10524742F6F1}" type="datetimeFigureOut">
               <a:rPr lang="en-CA" smtClean="0"/>
-              <a:t>2018-06-08</a:t>
+              <a:t>2018-06-10</a:t>
             </a:fld>
             <a:endParaRPr lang="en-CA"/>
           </a:p>
@@ -2565,7 +2566,7 @@
           <a:p>
             <a:fld id="{F7249F8D-641B-4CAF-BAE5-10524742F6F1}" type="datetimeFigureOut">
               <a:rPr lang="en-CA" smtClean="0"/>
-              <a:t>2018-06-08</a:t>
+              <a:t>2018-06-10</a:t>
             </a:fld>
             <a:endParaRPr lang="en-CA"/>
           </a:p>
@@ -9212,8 +9213,8 @@
             </a:fontRef>
           </p:style>
         </p:cxnSp>
-        <mc:AlternateContent xmlns:mc="http://schemas.openxmlformats.org/markup-compatibility/2006">
-          <mc:Choice xmlns:a14="http://schemas.microsoft.com/office/drawing/2010/main" Requires="a14">
+        <mc:AlternateContent xmlns:mc="http://schemas.openxmlformats.org/markup-compatibility/2006" xmlns:a14="http://schemas.microsoft.com/office/drawing/2010/main">
+          <mc:Choice Requires="a14">
             <p:sp>
               <p:nvSpPr>
                 <p:cNvPr id="85" name="TextBox 45"/>
@@ -9355,7 +9356,7 @@
               </p:txBody>
             </p:sp>
           </mc:Choice>
-          <mc:Fallback>
+          <mc:Fallback xmlns="">
             <p:sp>
               <p:nvSpPr>
                 <p:cNvPr id="85" name="TextBox 45"/>
@@ -9394,8 +9395,8 @@
             </p:sp>
           </mc:Fallback>
         </mc:AlternateContent>
-        <mc:AlternateContent xmlns:mc="http://schemas.openxmlformats.org/markup-compatibility/2006">
-          <mc:Choice xmlns:a14="http://schemas.microsoft.com/office/drawing/2010/main" Requires="a14">
+        <mc:AlternateContent xmlns:mc="http://schemas.openxmlformats.org/markup-compatibility/2006" xmlns:a14="http://schemas.microsoft.com/office/drawing/2010/main">
+          <mc:Choice Requires="a14">
             <p:sp>
               <p:nvSpPr>
                 <p:cNvPr id="86" name="TextBox 46"/>
@@ -9537,7 +9538,7 @@
               </p:txBody>
             </p:sp>
           </mc:Choice>
-          <mc:Fallback>
+          <mc:Fallback xmlns="">
             <p:sp>
               <p:nvSpPr>
                 <p:cNvPr id="86" name="TextBox 46"/>
@@ -9676,8 +9677,8 @@
                 </a:fontRef>
               </p:style>
             </p:cxnSp>
-            <mc:AlternateContent xmlns:mc="http://schemas.openxmlformats.org/markup-compatibility/2006">
-              <mc:Choice xmlns:a14="http://schemas.microsoft.com/office/drawing/2010/main" Requires="a14">
+            <mc:AlternateContent xmlns:mc="http://schemas.openxmlformats.org/markup-compatibility/2006" xmlns:a14="http://schemas.microsoft.com/office/drawing/2010/main">
+              <mc:Choice Requires="a14">
                 <p:sp>
                   <p:nvSpPr>
                     <p:cNvPr id="92" name="Rectangle 91"/>
@@ -9815,7 +9816,7 @@
                   </p:txBody>
                 </p:sp>
               </mc:Choice>
-              <mc:Fallback>
+              <mc:Fallback xmlns="">
                 <p:sp>
                   <p:nvSpPr>
                     <p:cNvPr id="92" name="Rectangle 91"/>
@@ -9854,8 +9855,8 @@
                 </p:sp>
               </mc:Fallback>
             </mc:AlternateContent>
-            <mc:AlternateContent xmlns:mc="http://schemas.openxmlformats.org/markup-compatibility/2006">
-              <mc:Choice xmlns:a14="http://schemas.microsoft.com/office/drawing/2010/main" Requires="a14">
+            <mc:AlternateContent xmlns:mc="http://schemas.openxmlformats.org/markup-compatibility/2006" xmlns:a14="http://schemas.microsoft.com/office/drawing/2010/main">
+              <mc:Choice Requires="a14">
                 <p:sp>
                   <p:nvSpPr>
                     <p:cNvPr id="93" name="Rectangle 92"/>
@@ -9992,7 +9993,7 @@
                   </p:txBody>
                 </p:sp>
               </mc:Choice>
-              <mc:Fallback>
+              <mc:Fallback xmlns="">
                 <p:sp>
                   <p:nvSpPr>
                     <p:cNvPr id="93" name="Rectangle 92"/>
@@ -10031,8 +10032,8 @@
                 </p:sp>
               </mc:Fallback>
             </mc:AlternateContent>
-            <mc:AlternateContent xmlns:mc="http://schemas.openxmlformats.org/markup-compatibility/2006">
-              <mc:Choice xmlns:a14="http://schemas.microsoft.com/office/drawing/2010/main" Requires="a14">
+            <mc:AlternateContent xmlns:mc="http://schemas.openxmlformats.org/markup-compatibility/2006" xmlns:a14="http://schemas.microsoft.com/office/drawing/2010/main">
+              <mc:Choice Requires="a14">
                 <p:sp>
                   <p:nvSpPr>
                     <p:cNvPr id="94" name="Rectangle 93"/>
@@ -10170,7 +10171,7 @@
                   </p:txBody>
                 </p:sp>
               </mc:Choice>
-              <mc:Fallback>
+              <mc:Fallback xmlns="">
                 <p:sp>
                   <p:nvSpPr>
                     <p:cNvPr id="94" name="Rectangle 93"/>
@@ -10335,6 +10336,1705 @@
     <p:extLst>
       <p:ext uri="{BB962C8B-B14F-4D97-AF65-F5344CB8AC3E}">
         <p14:creationId xmlns:p14="http://schemas.microsoft.com/office/powerpoint/2010/main" val="427799228"/>
+      </p:ext>
+    </p:extLst>
+  </p:cSld>
+  <p:clrMapOvr>
+    <a:masterClrMapping/>
+  </p:clrMapOvr>
+</p:sld>
+</file>
+
+<file path=ppt/slides/slide3.xml><?xml version="1.0" encoding="utf-8"?>
+<p:sld xmlns:a="http://schemas.openxmlformats.org/drawingml/2006/main" xmlns:r="http://schemas.openxmlformats.org/officeDocument/2006/relationships" xmlns:p="http://schemas.openxmlformats.org/presentationml/2006/main">
+  <p:cSld>
+    <p:spTree>
+      <p:nvGrpSpPr>
+        <p:cNvPr id="1" name=""/>
+        <p:cNvGrpSpPr/>
+        <p:nvPr/>
+      </p:nvGrpSpPr>
+      <p:grpSpPr>
+        <a:xfrm>
+          <a:off x="0" y="0"/>
+          <a:ext cx="0" cy="0"/>
+          <a:chOff x="0" y="0"/>
+          <a:chExt cx="0" cy="0"/>
+        </a:xfrm>
+      </p:grpSpPr>
+      <p:grpSp>
+        <p:nvGrpSpPr>
+          <p:cNvPr id="4" name="Group 3"/>
+          <p:cNvGrpSpPr/>
+          <p:nvPr/>
+        </p:nvGrpSpPr>
+        <p:grpSpPr>
+          <a:xfrm>
+            <a:off x="718242" y="1143612"/>
+            <a:ext cx="4820330" cy="1496599"/>
+            <a:chOff x="750898" y="3142870"/>
+            <a:chExt cx="4820330" cy="1496599"/>
+          </a:xfrm>
+        </p:grpSpPr>
+        <p:grpSp>
+          <p:nvGrpSpPr>
+            <p:cNvPr id="5" name="Group 4"/>
+            <p:cNvGrpSpPr/>
+            <p:nvPr/>
+          </p:nvGrpSpPr>
+          <p:grpSpPr>
+            <a:xfrm>
+              <a:off x="750898" y="3142870"/>
+              <a:ext cx="4820330" cy="1496599"/>
+              <a:chOff x="983570" y="3488958"/>
+              <a:chExt cx="4820330" cy="1496599"/>
+            </a:xfrm>
+          </p:grpSpPr>
+          <p:sp>
+            <p:nvSpPr>
+              <p:cNvPr id="10" name="Rectangle 9"/>
+              <p:cNvSpPr/>
+              <p:nvPr/>
+            </p:nvSpPr>
+            <p:spPr>
+              <a:xfrm rot="1669539">
+                <a:off x="1721773" y="3488958"/>
+                <a:ext cx="569343" cy="629728"/>
+              </a:xfrm>
+              <a:prstGeom prst="rect">
+                <a:avLst/>
+              </a:prstGeom>
+              <a:solidFill>
+                <a:schemeClr val="bg2">
+                  <a:lumMod val="90000"/>
+                </a:schemeClr>
+              </a:solidFill>
+              <a:ln w="38100">
+                <a:solidFill>
+                  <a:schemeClr val="tx1"/>
+                </a:solidFill>
+              </a:ln>
+            </p:spPr>
+            <p:style>
+              <a:lnRef idx="2">
+                <a:schemeClr val="accent1">
+                  <a:shade val="50000"/>
+                </a:schemeClr>
+              </a:lnRef>
+              <a:fillRef idx="1">
+                <a:schemeClr val="accent1"/>
+              </a:fillRef>
+              <a:effectRef idx="0">
+                <a:schemeClr val="accent1"/>
+              </a:effectRef>
+              <a:fontRef idx="minor">
+                <a:schemeClr val="lt1"/>
+              </a:fontRef>
+            </p:style>
+            <p:txBody>
+              <a:bodyPr rtlCol="0" anchor="ctr"/>
+              <a:lstStyle>
+                <a:defPPr>
+                  <a:defRPr lang="en-US"/>
+                </a:defPPr>
+                <a:lvl1pPr marL="0" algn="l" defTabSz="914400" rtl="0" eaLnBrk="1" latinLnBrk="0" hangingPunct="1">
+                  <a:defRPr sz="1800" kern="1200">
+                    <a:solidFill>
+                      <a:schemeClr val="lt1"/>
+                    </a:solidFill>
+                    <a:latin typeface="+mn-lt"/>
+                    <a:ea typeface="+mn-ea"/>
+                    <a:cs typeface="+mn-cs"/>
+                  </a:defRPr>
+                </a:lvl1pPr>
+                <a:lvl2pPr marL="457200" algn="l" defTabSz="914400" rtl="0" eaLnBrk="1" latinLnBrk="0" hangingPunct="1">
+                  <a:defRPr sz="1800" kern="1200">
+                    <a:solidFill>
+                      <a:schemeClr val="lt1"/>
+                    </a:solidFill>
+                    <a:latin typeface="+mn-lt"/>
+                    <a:ea typeface="+mn-ea"/>
+                    <a:cs typeface="+mn-cs"/>
+                  </a:defRPr>
+                </a:lvl2pPr>
+                <a:lvl3pPr marL="914400" algn="l" defTabSz="914400" rtl="0" eaLnBrk="1" latinLnBrk="0" hangingPunct="1">
+                  <a:defRPr sz="1800" kern="1200">
+                    <a:solidFill>
+                      <a:schemeClr val="lt1"/>
+                    </a:solidFill>
+                    <a:latin typeface="+mn-lt"/>
+                    <a:ea typeface="+mn-ea"/>
+                    <a:cs typeface="+mn-cs"/>
+                  </a:defRPr>
+                </a:lvl3pPr>
+                <a:lvl4pPr marL="1371600" algn="l" defTabSz="914400" rtl="0" eaLnBrk="1" latinLnBrk="0" hangingPunct="1">
+                  <a:defRPr sz="1800" kern="1200">
+                    <a:solidFill>
+                      <a:schemeClr val="lt1"/>
+                    </a:solidFill>
+                    <a:latin typeface="+mn-lt"/>
+                    <a:ea typeface="+mn-ea"/>
+                    <a:cs typeface="+mn-cs"/>
+                  </a:defRPr>
+                </a:lvl4pPr>
+                <a:lvl5pPr marL="1828800" algn="l" defTabSz="914400" rtl="0" eaLnBrk="1" latinLnBrk="0" hangingPunct="1">
+                  <a:defRPr sz="1800" kern="1200">
+                    <a:solidFill>
+                      <a:schemeClr val="lt1"/>
+                    </a:solidFill>
+                    <a:latin typeface="+mn-lt"/>
+                    <a:ea typeface="+mn-ea"/>
+                    <a:cs typeface="+mn-cs"/>
+                  </a:defRPr>
+                </a:lvl5pPr>
+                <a:lvl6pPr marL="2286000" algn="l" defTabSz="914400" rtl="0" eaLnBrk="1" latinLnBrk="0" hangingPunct="1">
+                  <a:defRPr sz="1800" kern="1200">
+                    <a:solidFill>
+                      <a:schemeClr val="lt1"/>
+                    </a:solidFill>
+                    <a:latin typeface="+mn-lt"/>
+                    <a:ea typeface="+mn-ea"/>
+                    <a:cs typeface="+mn-cs"/>
+                  </a:defRPr>
+                </a:lvl6pPr>
+                <a:lvl7pPr marL="2743200" algn="l" defTabSz="914400" rtl="0" eaLnBrk="1" latinLnBrk="0" hangingPunct="1">
+                  <a:defRPr sz="1800" kern="1200">
+                    <a:solidFill>
+                      <a:schemeClr val="lt1"/>
+                    </a:solidFill>
+                    <a:latin typeface="+mn-lt"/>
+                    <a:ea typeface="+mn-ea"/>
+                    <a:cs typeface="+mn-cs"/>
+                  </a:defRPr>
+                </a:lvl7pPr>
+                <a:lvl8pPr marL="3200400" algn="l" defTabSz="914400" rtl="0" eaLnBrk="1" latinLnBrk="0" hangingPunct="1">
+                  <a:defRPr sz="1800" kern="1200">
+                    <a:solidFill>
+                      <a:schemeClr val="lt1"/>
+                    </a:solidFill>
+                    <a:latin typeface="+mn-lt"/>
+                    <a:ea typeface="+mn-ea"/>
+                    <a:cs typeface="+mn-cs"/>
+                  </a:defRPr>
+                </a:lvl8pPr>
+                <a:lvl9pPr marL="3657600" algn="l" defTabSz="914400" rtl="0" eaLnBrk="1" latinLnBrk="0" hangingPunct="1">
+                  <a:defRPr sz="1800" kern="1200">
+                    <a:solidFill>
+                      <a:schemeClr val="lt1"/>
+                    </a:solidFill>
+                    <a:latin typeface="+mn-lt"/>
+                    <a:ea typeface="+mn-ea"/>
+                    <a:cs typeface="+mn-cs"/>
+                  </a:defRPr>
+                </a:lvl9pPr>
+              </a:lstStyle>
+              <a:p>
+                <a:pPr algn="ctr"/>
+                <a:endParaRPr lang="en-US"/>
+              </a:p>
+            </p:txBody>
+          </p:sp>
+          <p:sp>
+            <p:nvSpPr>
+              <p:cNvPr id="11" name="Right Triangle 10"/>
+              <p:cNvSpPr/>
+              <p:nvPr/>
+            </p:nvSpPr>
+            <p:spPr>
+              <a:xfrm>
+                <a:off x="983570" y="3642775"/>
+                <a:ext cx="2182483" cy="1121841"/>
+              </a:xfrm>
+              <a:prstGeom prst="rtTriangle">
+                <a:avLst/>
+              </a:prstGeom>
+              <a:solidFill>
+                <a:schemeClr val="bg2">
+                  <a:lumMod val="75000"/>
+                </a:schemeClr>
+              </a:solidFill>
+              <a:ln w="38100">
+                <a:noFill/>
+              </a:ln>
+            </p:spPr>
+            <p:style>
+              <a:lnRef idx="2">
+                <a:schemeClr val="accent1">
+                  <a:shade val="50000"/>
+                </a:schemeClr>
+              </a:lnRef>
+              <a:fillRef idx="1">
+                <a:schemeClr val="accent1"/>
+              </a:fillRef>
+              <a:effectRef idx="0">
+                <a:schemeClr val="accent1"/>
+              </a:effectRef>
+              <a:fontRef idx="minor">
+                <a:schemeClr val="lt1"/>
+              </a:fontRef>
+            </p:style>
+            <p:txBody>
+              <a:bodyPr rtlCol="0" anchor="ctr"/>
+              <a:lstStyle>
+                <a:defPPr>
+                  <a:defRPr lang="en-US"/>
+                </a:defPPr>
+                <a:lvl1pPr marL="0" algn="l" defTabSz="914400" rtl="0" eaLnBrk="1" latinLnBrk="0" hangingPunct="1">
+                  <a:defRPr sz="1800" kern="1200">
+                    <a:solidFill>
+                      <a:schemeClr val="lt1"/>
+                    </a:solidFill>
+                    <a:latin typeface="+mn-lt"/>
+                    <a:ea typeface="+mn-ea"/>
+                    <a:cs typeface="+mn-cs"/>
+                  </a:defRPr>
+                </a:lvl1pPr>
+                <a:lvl2pPr marL="457200" algn="l" defTabSz="914400" rtl="0" eaLnBrk="1" latinLnBrk="0" hangingPunct="1">
+                  <a:defRPr sz="1800" kern="1200">
+                    <a:solidFill>
+                      <a:schemeClr val="lt1"/>
+                    </a:solidFill>
+                    <a:latin typeface="+mn-lt"/>
+                    <a:ea typeface="+mn-ea"/>
+                    <a:cs typeface="+mn-cs"/>
+                  </a:defRPr>
+                </a:lvl2pPr>
+                <a:lvl3pPr marL="914400" algn="l" defTabSz="914400" rtl="0" eaLnBrk="1" latinLnBrk="0" hangingPunct="1">
+                  <a:defRPr sz="1800" kern="1200">
+                    <a:solidFill>
+                      <a:schemeClr val="lt1"/>
+                    </a:solidFill>
+                    <a:latin typeface="+mn-lt"/>
+                    <a:ea typeface="+mn-ea"/>
+                    <a:cs typeface="+mn-cs"/>
+                  </a:defRPr>
+                </a:lvl3pPr>
+                <a:lvl4pPr marL="1371600" algn="l" defTabSz="914400" rtl="0" eaLnBrk="1" latinLnBrk="0" hangingPunct="1">
+                  <a:defRPr sz="1800" kern="1200">
+                    <a:solidFill>
+                      <a:schemeClr val="lt1"/>
+                    </a:solidFill>
+                    <a:latin typeface="+mn-lt"/>
+                    <a:ea typeface="+mn-ea"/>
+                    <a:cs typeface="+mn-cs"/>
+                  </a:defRPr>
+                </a:lvl4pPr>
+                <a:lvl5pPr marL="1828800" algn="l" defTabSz="914400" rtl="0" eaLnBrk="1" latinLnBrk="0" hangingPunct="1">
+                  <a:defRPr sz="1800" kern="1200">
+                    <a:solidFill>
+                      <a:schemeClr val="lt1"/>
+                    </a:solidFill>
+                    <a:latin typeface="+mn-lt"/>
+                    <a:ea typeface="+mn-ea"/>
+                    <a:cs typeface="+mn-cs"/>
+                  </a:defRPr>
+                </a:lvl5pPr>
+                <a:lvl6pPr marL="2286000" algn="l" defTabSz="914400" rtl="0" eaLnBrk="1" latinLnBrk="0" hangingPunct="1">
+                  <a:defRPr sz="1800" kern="1200">
+                    <a:solidFill>
+                      <a:schemeClr val="lt1"/>
+                    </a:solidFill>
+                    <a:latin typeface="+mn-lt"/>
+                    <a:ea typeface="+mn-ea"/>
+                    <a:cs typeface="+mn-cs"/>
+                  </a:defRPr>
+                </a:lvl6pPr>
+                <a:lvl7pPr marL="2743200" algn="l" defTabSz="914400" rtl="0" eaLnBrk="1" latinLnBrk="0" hangingPunct="1">
+                  <a:defRPr sz="1800" kern="1200">
+                    <a:solidFill>
+                      <a:schemeClr val="lt1"/>
+                    </a:solidFill>
+                    <a:latin typeface="+mn-lt"/>
+                    <a:ea typeface="+mn-ea"/>
+                    <a:cs typeface="+mn-cs"/>
+                  </a:defRPr>
+                </a:lvl7pPr>
+                <a:lvl8pPr marL="3200400" algn="l" defTabSz="914400" rtl="0" eaLnBrk="1" latinLnBrk="0" hangingPunct="1">
+                  <a:defRPr sz="1800" kern="1200">
+                    <a:solidFill>
+                      <a:schemeClr val="lt1"/>
+                    </a:solidFill>
+                    <a:latin typeface="+mn-lt"/>
+                    <a:ea typeface="+mn-ea"/>
+                    <a:cs typeface="+mn-cs"/>
+                  </a:defRPr>
+                </a:lvl8pPr>
+                <a:lvl9pPr marL="3657600" algn="l" defTabSz="914400" rtl="0" eaLnBrk="1" latinLnBrk="0" hangingPunct="1">
+                  <a:defRPr sz="1800" kern="1200">
+                    <a:solidFill>
+                      <a:schemeClr val="lt1"/>
+                    </a:solidFill>
+                    <a:latin typeface="+mn-lt"/>
+                    <a:ea typeface="+mn-ea"/>
+                    <a:cs typeface="+mn-cs"/>
+                  </a:defRPr>
+                </a:lvl9pPr>
+              </a:lstStyle>
+              <a:p>
+                <a:pPr algn="ctr"/>
+                <a:endParaRPr lang="en-US"/>
+              </a:p>
+            </p:txBody>
+          </p:sp>
+          <p:sp>
+            <p:nvSpPr>
+              <p:cNvPr id="12" name="Rectangle 11"/>
+              <p:cNvSpPr/>
+              <p:nvPr/>
+            </p:nvSpPr>
+            <p:spPr>
+              <a:xfrm>
+                <a:off x="983570" y="4764616"/>
+                <a:ext cx="4820330" cy="220941"/>
+              </a:xfrm>
+              <a:prstGeom prst="rect">
+                <a:avLst/>
+              </a:prstGeom>
+              <a:solidFill>
+                <a:schemeClr val="bg2">
+                  <a:lumMod val="75000"/>
+                </a:schemeClr>
+              </a:solidFill>
+              <a:ln w="38100">
+                <a:noFill/>
+              </a:ln>
+            </p:spPr>
+            <p:style>
+              <a:lnRef idx="2">
+                <a:schemeClr val="accent1">
+                  <a:shade val="50000"/>
+                </a:schemeClr>
+              </a:lnRef>
+              <a:fillRef idx="1">
+                <a:schemeClr val="accent1"/>
+              </a:fillRef>
+              <a:effectRef idx="0">
+                <a:schemeClr val="accent1"/>
+              </a:effectRef>
+              <a:fontRef idx="minor">
+                <a:schemeClr val="lt1"/>
+              </a:fontRef>
+            </p:style>
+            <p:txBody>
+              <a:bodyPr rtlCol="0" anchor="ctr"/>
+              <a:lstStyle>
+                <a:defPPr>
+                  <a:defRPr lang="en-US"/>
+                </a:defPPr>
+                <a:lvl1pPr marL="0" algn="l" defTabSz="914400" rtl="0" eaLnBrk="1" latinLnBrk="0" hangingPunct="1">
+                  <a:defRPr sz="1800" kern="1200">
+                    <a:solidFill>
+                      <a:schemeClr val="lt1"/>
+                    </a:solidFill>
+                    <a:latin typeface="+mn-lt"/>
+                    <a:ea typeface="+mn-ea"/>
+                    <a:cs typeface="+mn-cs"/>
+                  </a:defRPr>
+                </a:lvl1pPr>
+                <a:lvl2pPr marL="457200" algn="l" defTabSz="914400" rtl="0" eaLnBrk="1" latinLnBrk="0" hangingPunct="1">
+                  <a:defRPr sz="1800" kern="1200">
+                    <a:solidFill>
+                      <a:schemeClr val="lt1"/>
+                    </a:solidFill>
+                    <a:latin typeface="+mn-lt"/>
+                    <a:ea typeface="+mn-ea"/>
+                    <a:cs typeface="+mn-cs"/>
+                  </a:defRPr>
+                </a:lvl2pPr>
+                <a:lvl3pPr marL="914400" algn="l" defTabSz="914400" rtl="0" eaLnBrk="1" latinLnBrk="0" hangingPunct="1">
+                  <a:defRPr sz="1800" kern="1200">
+                    <a:solidFill>
+                      <a:schemeClr val="lt1"/>
+                    </a:solidFill>
+                    <a:latin typeface="+mn-lt"/>
+                    <a:ea typeface="+mn-ea"/>
+                    <a:cs typeface="+mn-cs"/>
+                  </a:defRPr>
+                </a:lvl3pPr>
+                <a:lvl4pPr marL="1371600" algn="l" defTabSz="914400" rtl="0" eaLnBrk="1" latinLnBrk="0" hangingPunct="1">
+                  <a:defRPr sz="1800" kern="1200">
+                    <a:solidFill>
+                      <a:schemeClr val="lt1"/>
+                    </a:solidFill>
+                    <a:latin typeface="+mn-lt"/>
+                    <a:ea typeface="+mn-ea"/>
+                    <a:cs typeface="+mn-cs"/>
+                  </a:defRPr>
+                </a:lvl4pPr>
+                <a:lvl5pPr marL="1828800" algn="l" defTabSz="914400" rtl="0" eaLnBrk="1" latinLnBrk="0" hangingPunct="1">
+                  <a:defRPr sz="1800" kern="1200">
+                    <a:solidFill>
+                      <a:schemeClr val="lt1"/>
+                    </a:solidFill>
+                    <a:latin typeface="+mn-lt"/>
+                    <a:ea typeface="+mn-ea"/>
+                    <a:cs typeface="+mn-cs"/>
+                  </a:defRPr>
+                </a:lvl5pPr>
+                <a:lvl6pPr marL="2286000" algn="l" defTabSz="914400" rtl="0" eaLnBrk="1" latinLnBrk="0" hangingPunct="1">
+                  <a:defRPr sz="1800" kern="1200">
+                    <a:solidFill>
+                      <a:schemeClr val="lt1"/>
+                    </a:solidFill>
+                    <a:latin typeface="+mn-lt"/>
+                    <a:ea typeface="+mn-ea"/>
+                    <a:cs typeface="+mn-cs"/>
+                  </a:defRPr>
+                </a:lvl6pPr>
+                <a:lvl7pPr marL="2743200" algn="l" defTabSz="914400" rtl="0" eaLnBrk="1" latinLnBrk="0" hangingPunct="1">
+                  <a:defRPr sz="1800" kern="1200">
+                    <a:solidFill>
+                      <a:schemeClr val="lt1"/>
+                    </a:solidFill>
+                    <a:latin typeface="+mn-lt"/>
+                    <a:ea typeface="+mn-ea"/>
+                    <a:cs typeface="+mn-cs"/>
+                  </a:defRPr>
+                </a:lvl7pPr>
+                <a:lvl8pPr marL="3200400" algn="l" defTabSz="914400" rtl="0" eaLnBrk="1" latinLnBrk="0" hangingPunct="1">
+                  <a:defRPr sz="1800" kern="1200">
+                    <a:solidFill>
+                      <a:schemeClr val="lt1"/>
+                    </a:solidFill>
+                    <a:latin typeface="+mn-lt"/>
+                    <a:ea typeface="+mn-ea"/>
+                    <a:cs typeface="+mn-cs"/>
+                  </a:defRPr>
+                </a:lvl8pPr>
+                <a:lvl9pPr marL="3657600" algn="l" defTabSz="914400" rtl="0" eaLnBrk="1" latinLnBrk="0" hangingPunct="1">
+                  <a:defRPr sz="1800" kern="1200">
+                    <a:solidFill>
+                      <a:schemeClr val="lt1"/>
+                    </a:solidFill>
+                    <a:latin typeface="+mn-lt"/>
+                    <a:ea typeface="+mn-ea"/>
+                    <a:cs typeface="+mn-cs"/>
+                  </a:defRPr>
+                </a:lvl9pPr>
+              </a:lstStyle>
+              <a:p>
+                <a:pPr algn="ctr"/>
+                <a:endParaRPr lang="en-US"/>
+              </a:p>
+            </p:txBody>
+          </p:sp>
+          <p:cxnSp>
+            <p:nvCxnSpPr>
+              <p:cNvPr id="13" name="Straight Connector 12"/>
+              <p:cNvCxnSpPr>
+                <a:endCxn id="11" idx="2"/>
+              </p:cNvCxnSpPr>
+              <p:nvPr/>
+            </p:nvCxnSpPr>
+            <p:spPr>
+              <a:xfrm flipH="1" flipV="1">
+                <a:off x="983570" y="4764616"/>
+                <a:ext cx="2182483" cy="1"/>
+              </a:xfrm>
+              <a:prstGeom prst="line">
+                <a:avLst/>
+              </a:prstGeom>
+              <a:ln w="19050">
+                <a:solidFill>
+                  <a:schemeClr val="tx1"/>
+                </a:solidFill>
+                <a:prstDash val="sysDot"/>
+              </a:ln>
+            </p:spPr>
+            <p:style>
+              <a:lnRef idx="1">
+                <a:schemeClr val="accent1"/>
+              </a:lnRef>
+              <a:fillRef idx="0">
+                <a:schemeClr val="accent1"/>
+              </a:fillRef>
+              <a:effectRef idx="0">
+                <a:schemeClr val="accent1"/>
+              </a:effectRef>
+              <a:fontRef idx="minor">
+                <a:schemeClr val="tx1"/>
+              </a:fontRef>
+            </p:style>
+          </p:cxnSp>
+          <mc:AlternateContent xmlns:mc="http://schemas.openxmlformats.org/markup-compatibility/2006">
+            <mc:Choice xmlns:a14="http://schemas.microsoft.com/office/drawing/2010/main" Requires="a14">
+              <p:sp>
+                <p:nvSpPr>
+                  <p:cNvPr id="14" name="TextBox 13"/>
+                  <p:cNvSpPr txBox="1"/>
+                  <p:nvPr/>
+                </p:nvSpPr>
+                <p:spPr>
+                  <a:xfrm>
+                    <a:off x="2405174" y="4456838"/>
+                    <a:ext cx="222304" cy="307777"/>
+                  </a:xfrm>
+                  <a:prstGeom prst="rect">
+                    <a:avLst/>
+                  </a:prstGeom>
+                  <a:noFill/>
+                </p:spPr>
+                <p:txBody>
+                  <a:bodyPr wrap="none" lIns="0" tIns="0" rIns="0" bIns="0" rtlCol="0">
+                    <a:spAutoFit/>
+                  </a:bodyPr>
+                  <a:lstStyle>
+                    <a:defPPr>
+                      <a:defRPr lang="en-US"/>
+                    </a:defPPr>
+                    <a:lvl1pPr marL="0" algn="l" defTabSz="914400" rtl="0" eaLnBrk="1" latinLnBrk="0" hangingPunct="1">
+                      <a:defRPr sz="1800" kern="1200">
+                        <a:solidFill>
+                          <a:schemeClr val="tx1"/>
+                        </a:solidFill>
+                        <a:latin typeface="+mn-lt"/>
+                        <a:ea typeface="+mn-ea"/>
+                        <a:cs typeface="+mn-cs"/>
+                      </a:defRPr>
+                    </a:lvl1pPr>
+                    <a:lvl2pPr marL="457200" algn="l" defTabSz="914400" rtl="0" eaLnBrk="1" latinLnBrk="0" hangingPunct="1">
+                      <a:defRPr sz="1800" kern="1200">
+                        <a:solidFill>
+                          <a:schemeClr val="tx1"/>
+                        </a:solidFill>
+                        <a:latin typeface="+mn-lt"/>
+                        <a:ea typeface="+mn-ea"/>
+                        <a:cs typeface="+mn-cs"/>
+                      </a:defRPr>
+                    </a:lvl2pPr>
+                    <a:lvl3pPr marL="914400" algn="l" defTabSz="914400" rtl="0" eaLnBrk="1" latinLnBrk="0" hangingPunct="1">
+                      <a:defRPr sz="1800" kern="1200">
+                        <a:solidFill>
+                          <a:schemeClr val="tx1"/>
+                        </a:solidFill>
+                        <a:latin typeface="+mn-lt"/>
+                        <a:ea typeface="+mn-ea"/>
+                        <a:cs typeface="+mn-cs"/>
+                      </a:defRPr>
+                    </a:lvl3pPr>
+                    <a:lvl4pPr marL="1371600" algn="l" defTabSz="914400" rtl="0" eaLnBrk="1" latinLnBrk="0" hangingPunct="1">
+                      <a:defRPr sz="1800" kern="1200">
+                        <a:solidFill>
+                          <a:schemeClr val="tx1"/>
+                        </a:solidFill>
+                        <a:latin typeface="+mn-lt"/>
+                        <a:ea typeface="+mn-ea"/>
+                        <a:cs typeface="+mn-cs"/>
+                      </a:defRPr>
+                    </a:lvl4pPr>
+                    <a:lvl5pPr marL="1828800" algn="l" defTabSz="914400" rtl="0" eaLnBrk="1" latinLnBrk="0" hangingPunct="1">
+                      <a:defRPr sz="1800" kern="1200">
+                        <a:solidFill>
+                          <a:schemeClr val="tx1"/>
+                        </a:solidFill>
+                        <a:latin typeface="+mn-lt"/>
+                        <a:ea typeface="+mn-ea"/>
+                        <a:cs typeface="+mn-cs"/>
+                      </a:defRPr>
+                    </a:lvl5pPr>
+                    <a:lvl6pPr marL="2286000" algn="l" defTabSz="914400" rtl="0" eaLnBrk="1" latinLnBrk="0" hangingPunct="1">
+                      <a:defRPr sz="1800" kern="1200">
+                        <a:solidFill>
+                          <a:schemeClr val="tx1"/>
+                        </a:solidFill>
+                        <a:latin typeface="+mn-lt"/>
+                        <a:ea typeface="+mn-ea"/>
+                        <a:cs typeface="+mn-cs"/>
+                      </a:defRPr>
+                    </a:lvl6pPr>
+                    <a:lvl7pPr marL="2743200" algn="l" defTabSz="914400" rtl="0" eaLnBrk="1" latinLnBrk="0" hangingPunct="1">
+                      <a:defRPr sz="1800" kern="1200">
+                        <a:solidFill>
+                          <a:schemeClr val="tx1"/>
+                        </a:solidFill>
+                        <a:latin typeface="+mn-lt"/>
+                        <a:ea typeface="+mn-ea"/>
+                        <a:cs typeface="+mn-cs"/>
+                      </a:defRPr>
+                    </a:lvl7pPr>
+                    <a:lvl8pPr marL="3200400" algn="l" defTabSz="914400" rtl="0" eaLnBrk="1" latinLnBrk="0" hangingPunct="1">
+                      <a:defRPr sz="1800" kern="1200">
+                        <a:solidFill>
+                          <a:schemeClr val="tx1"/>
+                        </a:solidFill>
+                        <a:latin typeface="+mn-lt"/>
+                        <a:ea typeface="+mn-ea"/>
+                        <a:cs typeface="+mn-cs"/>
+                      </a:defRPr>
+                    </a:lvl8pPr>
+                    <a:lvl9pPr marL="3657600" algn="l" defTabSz="914400" rtl="0" eaLnBrk="1" latinLnBrk="0" hangingPunct="1">
+                      <a:defRPr sz="1800" kern="1200">
+                        <a:solidFill>
+                          <a:schemeClr val="tx1"/>
+                        </a:solidFill>
+                        <a:latin typeface="+mn-lt"/>
+                        <a:ea typeface="+mn-ea"/>
+                        <a:cs typeface="+mn-cs"/>
+                      </a:defRPr>
+                    </a:lvl9pPr>
+                  </a:lstStyle>
+                  <a:p>
+                    <a:pPr/>
+                    <a14:m>
+                      <m:oMathPara xmlns:m="http://schemas.openxmlformats.org/officeDocument/2006/math">
+                        <m:oMathParaPr>
+                          <m:jc m:val="centerGroup"/>
+                        </m:oMathParaPr>
+                        <m:oMath xmlns:m="http://schemas.openxmlformats.org/officeDocument/2006/math">
+                          <m:r>
+                            <a:rPr lang="en-US" sz="2000" b="0" i="1" smtClean="0">
+                              <a:latin typeface="Cambria Math" panose="02040503050406030204" pitchFamily="18" charset="0"/>
+                              <a:cs typeface="Arial" panose="020B0604020202020204" pitchFamily="34" charset="0"/>
+                            </a:rPr>
+                            <m:t>𝜃</m:t>
+                          </m:r>
+                        </m:oMath>
+                      </m:oMathPara>
+                    </a14:m>
+                    <a:endParaRPr lang="en-US" sz="2000" dirty="0" smtClean="0">
+                      <a:latin typeface="Arial" panose="020B0604020202020204" pitchFamily="34" charset="0"/>
+                      <a:cs typeface="Arial" panose="020B0604020202020204" pitchFamily="34" charset="0"/>
+                    </a:endParaRPr>
+                  </a:p>
+                </p:txBody>
+              </p:sp>
+            </mc:Choice>
+            <mc:Fallback>
+              <p:sp>
+                <p:nvSpPr>
+                  <p:cNvPr id="14" name="TextBox 13"/>
+                  <p:cNvSpPr txBox="1">
+                    <a:spLocks noRot="1" noChangeAspect="1" noMove="1" noResize="1" noEditPoints="1" noAdjustHandles="1" noChangeArrowheads="1" noChangeShapeType="1" noTextEdit="1"/>
+                  </p:cNvSpPr>
+                  <p:nvPr/>
+                </p:nvSpPr>
+                <p:spPr>
+                  <a:xfrm>
+                    <a:off x="2405174" y="4456838"/>
+                    <a:ext cx="222304" cy="307777"/>
+                  </a:xfrm>
+                  <a:prstGeom prst="rect">
+                    <a:avLst/>
+                  </a:prstGeom>
+                  <a:blipFill>
+                    <a:blip r:embed="rId2"/>
+                    <a:stretch>
+                      <a:fillRect l="-25000" r="-25000" b="-9804"/>
+                    </a:stretch>
+                  </a:blipFill>
+                </p:spPr>
+                <p:txBody>
+                  <a:bodyPr/>
+                  <a:lstStyle/>
+                  <a:p>
+                    <a:r>
+                      <a:rPr lang="en-US">
+                        <a:noFill/>
+                      </a:rPr>
+                      <a:t> </a:t>
+                    </a:r>
+                  </a:p>
+                </p:txBody>
+              </p:sp>
+            </mc:Fallback>
+          </mc:AlternateContent>
+          <mc:AlternateContent xmlns:mc="http://schemas.openxmlformats.org/markup-compatibility/2006">
+            <mc:Choice xmlns:a14="http://schemas.microsoft.com/office/drawing/2010/main" Requires="a14">
+              <p:sp>
+                <p:nvSpPr>
+                  <p:cNvPr id="15" name="TextBox 14"/>
+                  <p:cNvSpPr txBox="1"/>
+                  <p:nvPr/>
+                </p:nvSpPr>
+                <p:spPr>
+                  <a:xfrm>
+                    <a:off x="1861596" y="3642774"/>
+                    <a:ext cx="289695" cy="307777"/>
+                  </a:xfrm>
+                  <a:prstGeom prst="rect">
+                    <a:avLst/>
+                  </a:prstGeom>
+                  <a:noFill/>
+                </p:spPr>
+                <p:txBody>
+                  <a:bodyPr wrap="none" lIns="0" tIns="0" rIns="0" bIns="0" rtlCol="0">
+                    <a:spAutoFit/>
+                  </a:bodyPr>
+                  <a:lstStyle>
+                    <a:defPPr>
+                      <a:defRPr lang="en-US"/>
+                    </a:defPPr>
+                    <a:lvl1pPr marL="0" algn="l" defTabSz="914400" rtl="0" eaLnBrk="1" latinLnBrk="0" hangingPunct="1">
+                      <a:defRPr sz="1800" kern="1200">
+                        <a:solidFill>
+                          <a:schemeClr val="tx1"/>
+                        </a:solidFill>
+                        <a:latin typeface="+mn-lt"/>
+                        <a:ea typeface="+mn-ea"/>
+                        <a:cs typeface="+mn-cs"/>
+                      </a:defRPr>
+                    </a:lvl1pPr>
+                    <a:lvl2pPr marL="457200" algn="l" defTabSz="914400" rtl="0" eaLnBrk="1" latinLnBrk="0" hangingPunct="1">
+                      <a:defRPr sz="1800" kern="1200">
+                        <a:solidFill>
+                          <a:schemeClr val="tx1"/>
+                        </a:solidFill>
+                        <a:latin typeface="+mn-lt"/>
+                        <a:ea typeface="+mn-ea"/>
+                        <a:cs typeface="+mn-cs"/>
+                      </a:defRPr>
+                    </a:lvl2pPr>
+                    <a:lvl3pPr marL="914400" algn="l" defTabSz="914400" rtl="0" eaLnBrk="1" latinLnBrk="0" hangingPunct="1">
+                      <a:defRPr sz="1800" kern="1200">
+                        <a:solidFill>
+                          <a:schemeClr val="tx1"/>
+                        </a:solidFill>
+                        <a:latin typeface="+mn-lt"/>
+                        <a:ea typeface="+mn-ea"/>
+                        <a:cs typeface="+mn-cs"/>
+                      </a:defRPr>
+                    </a:lvl3pPr>
+                    <a:lvl4pPr marL="1371600" algn="l" defTabSz="914400" rtl="0" eaLnBrk="1" latinLnBrk="0" hangingPunct="1">
+                      <a:defRPr sz="1800" kern="1200">
+                        <a:solidFill>
+                          <a:schemeClr val="tx1"/>
+                        </a:solidFill>
+                        <a:latin typeface="+mn-lt"/>
+                        <a:ea typeface="+mn-ea"/>
+                        <a:cs typeface="+mn-cs"/>
+                      </a:defRPr>
+                    </a:lvl4pPr>
+                    <a:lvl5pPr marL="1828800" algn="l" defTabSz="914400" rtl="0" eaLnBrk="1" latinLnBrk="0" hangingPunct="1">
+                      <a:defRPr sz="1800" kern="1200">
+                        <a:solidFill>
+                          <a:schemeClr val="tx1"/>
+                        </a:solidFill>
+                        <a:latin typeface="+mn-lt"/>
+                        <a:ea typeface="+mn-ea"/>
+                        <a:cs typeface="+mn-cs"/>
+                      </a:defRPr>
+                    </a:lvl5pPr>
+                    <a:lvl6pPr marL="2286000" algn="l" defTabSz="914400" rtl="0" eaLnBrk="1" latinLnBrk="0" hangingPunct="1">
+                      <a:defRPr sz="1800" kern="1200">
+                        <a:solidFill>
+                          <a:schemeClr val="tx1"/>
+                        </a:solidFill>
+                        <a:latin typeface="+mn-lt"/>
+                        <a:ea typeface="+mn-ea"/>
+                        <a:cs typeface="+mn-cs"/>
+                      </a:defRPr>
+                    </a:lvl6pPr>
+                    <a:lvl7pPr marL="2743200" algn="l" defTabSz="914400" rtl="0" eaLnBrk="1" latinLnBrk="0" hangingPunct="1">
+                      <a:defRPr sz="1800" kern="1200">
+                        <a:solidFill>
+                          <a:schemeClr val="tx1"/>
+                        </a:solidFill>
+                        <a:latin typeface="+mn-lt"/>
+                        <a:ea typeface="+mn-ea"/>
+                        <a:cs typeface="+mn-cs"/>
+                      </a:defRPr>
+                    </a:lvl7pPr>
+                    <a:lvl8pPr marL="3200400" algn="l" defTabSz="914400" rtl="0" eaLnBrk="1" latinLnBrk="0" hangingPunct="1">
+                      <a:defRPr sz="1800" kern="1200">
+                        <a:solidFill>
+                          <a:schemeClr val="tx1"/>
+                        </a:solidFill>
+                        <a:latin typeface="+mn-lt"/>
+                        <a:ea typeface="+mn-ea"/>
+                        <a:cs typeface="+mn-cs"/>
+                      </a:defRPr>
+                    </a:lvl8pPr>
+                    <a:lvl9pPr marL="3657600" algn="l" defTabSz="914400" rtl="0" eaLnBrk="1" latinLnBrk="0" hangingPunct="1">
+                      <a:defRPr sz="1800" kern="1200">
+                        <a:solidFill>
+                          <a:schemeClr val="tx1"/>
+                        </a:solidFill>
+                        <a:latin typeface="+mn-lt"/>
+                        <a:ea typeface="+mn-ea"/>
+                        <a:cs typeface="+mn-cs"/>
+                      </a:defRPr>
+                    </a:lvl9pPr>
+                  </a:lstStyle>
+                  <a:p>
+                    <a:pPr/>
+                    <a14:m>
+                      <m:oMathPara xmlns:m="http://schemas.openxmlformats.org/officeDocument/2006/math">
+                        <m:oMathParaPr>
+                          <m:jc m:val="centerGroup"/>
+                        </m:oMathParaPr>
+                        <m:oMath xmlns:m="http://schemas.openxmlformats.org/officeDocument/2006/math">
+                          <m:r>
+                            <a:rPr lang="en-US" sz="2000" b="0" i="1" smtClean="0">
+                              <a:latin typeface="Cambria Math" panose="02040503050406030204" pitchFamily="18" charset="0"/>
+                              <a:cs typeface="Arial" panose="020B0604020202020204" pitchFamily="34" charset="0"/>
+                            </a:rPr>
+                            <m:t>𝑚</m:t>
+                          </m:r>
+                        </m:oMath>
+                      </m:oMathPara>
+                    </a14:m>
+                    <a:endParaRPr lang="en-US" sz="2000" dirty="0" smtClean="0">
+                      <a:latin typeface="Arial" panose="020B0604020202020204" pitchFamily="34" charset="0"/>
+                      <a:cs typeface="Arial" panose="020B0604020202020204" pitchFamily="34" charset="0"/>
+                    </a:endParaRPr>
+                  </a:p>
+                </p:txBody>
+              </p:sp>
+            </mc:Choice>
+            <mc:Fallback>
+              <p:sp>
+                <p:nvSpPr>
+                  <p:cNvPr id="15" name="TextBox 14"/>
+                  <p:cNvSpPr txBox="1">
+                    <a:spLocks noRot="1" noChangeAspect="1" noMove="1" noResize="1" noEditPoints="1" noAdjustHandles="1" noChangeArrowheads="1" noChangeShapeType="1" noTextEdit="1"/>
+                  </p:cNvSpPr>
+                  <p:nvPr/>
+                </p:nvSpPr>
+                <p:spPr>
+                  <a:xfrm>
+                    <a:off x="1861596" y="3642774"/>
+                    <a:ext cx="289695" cy="307777"/>
+                  </a:xfrm>
+                  <a:prstGeom prst="rect">
+                    <a:avLst/>
+                  </a:prstGeom>
+                  <a:blipFill>
+                    <a:blip r:embed="rId3"/>
+                    <a:stretch>
+                      <a:fillRect l="-10638" r="-8511" b="-2000"/>
+                    </a:stretch>
+                  </a:blipFill>
+                </p:spPr>
+                <p:txBody>
+                  <a:bodyPr/>
+                  <a:lstStyle/>
+                  <a:p>
+                    <a:r>
+                      <a:rPr lang="en-US">
+                        <a:noFill/>
+                      </a:rPr>
+                      <a:t> </a:t>
+                    </a:r>
+                  </a:p>
+                </p:txBody>
+              </p:sp>
+            </mc:Fallback>
+          </mc:AlternateContent>
+        </p:grpSp>
+        <p:sp>
+          <p:nvSpPr>
+            <p:cNvPr id="6" name="Rectangle 5"/>
+            <p:cNvSpPr/>
+            <p:nvPr/>
+          </p:nvSpPr>
+          <p:spPr>
+            <a:xfrm>
+              <a:off x="4015181" y="3772155"/>
+              <a:ext cx="569343" cy="629728"/>
+            </a:xfrm>
+            <a:prstGeom prst="rect">
+              <a:avLst/>
+            </a:prstGeom>
+            <a:solidFill>
+              <a:schemeClr val="bg2">
+                <a:lumMod val="90000"/>
+              </a:schemeClr>
+            </a:solidFill>
+            <a:ln w="38100">
+              <a:solidFill>
+                <a:schemeClr val="tx1"/>
+              </a:solidFill>
+              <a:prstDash val="sysDash"/>
+            </a:ln>
+          </p:spPr>
+          <p:style>
+            <a:lnRef idx="2">
+              <a:schemeClr val="accent1">
+                <a:shade val="50000"/>
+              </a:schemeClr>
+            </a:lnRef>
+            <a:fillRef idx="1">
+              <a:schemeClr val="accent1"/>
+            </a:fillRef>
+            <a:effectRef idx="0">
+              <a:schemeClr val="accent1"/>
+            </a:effectRef>
+            <a:fontRef idx="minor">
+              <a:schemeClr val="lt1"/>
+            </a:fontRef>
+          </p:style>
+          <p:txBody>
+            <a:bodyPr rtlCol="0" anchor="ctr"/>
+            <a:lstStyle>
+              <a:defPPr>
+                <a:defRPr lang="en-US"/>
+              </a:defPPr>
+              <a:lvl1pPr marL="0" algn="l" defTabSz="914400" rtl="0" eaLnBrk="1" latinLnBrk="0" hangingPunct="1">
+                <a:defRPr sz="1800" kern="1200">
+                  <a:solidFill>
+                    <a:schemeClr val="lt1"/>
+                  </a:solidFill>
+                  <a:latin typeface="+mn-lt"/>
+                  <a:ea typeface="+mn-ea"/>
+                  <a:cs typeface="+mn-cs"/>
+                </a:defRPr>
+              </a:lvl1pPr>
+              <a:lvl2pPr marL="457200" algn="l" defTabSz="914400" rtl="0" eaLnBrk="1" latinLnBrk="0" hangingPunct="1">
+                <a:defRPr sz="1800" kern="1200">
+                  <a:solidFill>
+                    <a:schemeClr val="lt1"/>
+                  </a:solidFill>
+                  <a:latin typeface="+mn-lt"/>
+                  <a:ea typeface="+mn-ea"/>
+                  <a:cs typeface="+mn-cs"/>
+                </a:defRPr>
+              </a:lvl2pPr>
+              <a:lvl3pPr marL="914400" algn="l" defTabSz="914400" rtl="0" eaLnBrk="1" latinLnBrk="0" hangingPunct="1">
+                <a:defRPr sz="1800" kern="1200">
+                  <a:solidFill>
+                    <a:schemeClr val="lt1"/>
+                  </a:solidFill>
+                  <a:latin typeface="+mn-lt"/>
+                  <a:ea typeface="+mn-ea"/>
+                  <a:cs typeface="+mn-cs"/>
+                </a:defRPr>
+              </a:lvl3pPr>
+              <a:lvl4pPr marL="1371600" algn="l" defTabSz="914400" rtl="0" eaLnBrk="1" latinLnBrk="0" hangingPunct="1">
+                <a:defRPr sz="1800" kern="1200">
+                  <a:solidFill>
+                    <a:schemeClr val="lt1"/>
+                  </a:solidFill>
+                  <a:latin typeface="+mn-lt"/>
+                  <a:ea typeface="+mn-ea"/>
+                  <a:cs typeface="+mn-cs"/>
+                </a:defRPr>
+              </a:lvl4pPr>
+              <a:lvl5pPr marL="1828800" algn="l" defTabSz="914400" rtl="0" eaLnBrk="1" latinLnBrk="0" hangingPunct="1">
+                <a:defRPr sz="1800" kern="1200">
+                  <a:solidFill>
+                    <a:schemeClr val="lt1"/>
+                  </a:solidFill>
+                  <a:latin typeface="+mn-lt"/>
+                  <a:ea typeface="+mn-ea"/>
+                  <a:cs typeface="+mn-cs"/>
+                </a:defRPr>
+              </a:lvl5pPr>
+              <a:lvl6pPr marL="2286000" algn="l" defTabSz="914400" rtl="0" eaLnBrk="1" latinLnBrk="0" hangingPunct="1">
+                <a:defRPr sz="1800" kern="1200">
+                  <a:solidFill>
+                    <a:schemeClr val="lt1"/>
+                  </a:solidFill>
+                  <a:latin typeface="+mn-lt"/>
+                  <a:ea typeface="+mn-ea"/>
+                  <a:cs typeface="+mn-cs"/>
+                </a:defRPr>
+              </a:lvl6pPr>
+              <a:lvl7pPr marL="2743200" algn="l" defTabSz="914400" rtl="0" eaLnBrk="1" latinLnBrk="0" hangingPunct="1">
+                <a:defRPr sz="1800" kern="1200">
+                  <a:solidFill>
+                    <a:schemeClr val="lt1"/>
+                  </a:solidFill>
+                  <a:latin typeface="+mn-lt"/>
+                  <a:ea typeface="+mn-ea"/>
+                  <a:cs typeface="+mn-cs"/>
+                </a:defRPr>
+              </a:lvl7pPr>
+              <a:lvl8pPr marL="3200400" algn="l" defTabSz="914400" rtl="0" eaLnBrk="1" latinLnBrk="0" hangingPunct="1">
+                <a:defRPr sz="1800" kern="1200">
+                  <a:solidFill>
+                    <a:schemeClr val="lt1"/>
+                  </a:solidFill>
+                  <a:latin typeface="+mn-lt"/>
+                  <a:ea typeface="+mn-ea"/>
+                  <a:cs typeface="+mn-cs"/>
+                </a:defRPr>
+              </a:lvl8pPr>
+              <a:lvl9pPr marL="3657600" algn="l" defTabSz="914400" rtl="0" eaLnBrk="1" latinLnBrk="0" hangingPunct="1">
+                <a:defRPr sz="1800" kern="1200">
+                  <a:solidFill>
+                    <a:schemeClr val="lt1"/>
+                  </a:solidFill>
+                  <a:latin typeface="+mn-lt"/>
+                  <a:ea typeface="+mn-ea"/>
+                  <a:cs typeface="+mn-cs"/>
+                </a:defRPr>
+              </a:lvl9pPr>
+            </a:lstStyle>
+            <a:p>
+              <a:pPr algn="ctr"/>
+              <a:endParaRPr lang="en-US"/>
+            </a:p>
+          </p:txBody>
+        </p:sp>
+        <mc:AlternateContent xmlns:mc="http://schemas.openxmlformats.org/markup-compatibility/2006">
+          <mc:Choice xmlns:a14="http://schemas.microsoft.com/office/drawing/2010/main" Requires="a14">
+            <p:sp>
+              <p:nvSpPr>
+                <p:cNvPr id="7" name="TextBox 67"/>
+                <p:cNvSpPr txBox="1"/>
+                <p:nvPr/>
+              </p:nvSpPr>
+              <p:spPr>
+                <a:xfrm>
+                  <a:off x="4155006" y="3891302"/>
+                  <a:ext cx="289695" cy="307777"/>
+                </a:xfrm>
+                <a:prstGeom prst="rect">
+                  <a:avLst/>
+                </a:prstGeom>
+                <a:noFill/>
+              </p:spPr>
+              <p:txBody>
+                <a:bodyPr wrap="none" lIns="0" tIns="0" rIns="0" bIns="0" rtlCol="0">
+                  <a:spAutoFit/>
+                </a:bodyPr>
+                <a:lstStyle>
+                  <a:defPPr>
+                    <a:defRPr lang="en-US"/>
+                  </a:defPPr>
+                  <a:lvl1pPr marL="0" algn="l" defTabSz="914400" rtl="0" eaLnBrk="1" latinLnBrk="0" hangingPunct="1">
+                    <a:defRPr sz="1800" kern="1200">
+                      <a:solidFill>
+                        <a:schemeClr val="tx1"/>
+                      </a:solidFill>
+                      <a:latin typeface="+mn-lt"/>
+                      <a:ea typeface="+mn-ea"/>
+                      <a:cs typeface="+mn-cs"/>
+                    </a:defRPr>
+                  </a:lvl1pPr>
+                  <a:lvl2pPr marL="457200" algn="l" defTabSz="914400" rtl="0" eaLnBrk="1" latinLnBrk="0" hangingPunct="1">
+                    <a:defRPr sz="1800" kern="1200">
+                      <a:solidFill>
+                        <a:schemeClr val="tx1"/>
+                      </a:solidFill>
+                      <a:latin typeface="+mn-lt"/>
+                      <a:ea typeface="+mn-ea"/>
+                      <a:cs typeface="+mn-cs"/>
+                    </a:defRPr>
+                  </a:lvl2pPr>
+                  <a:lvl3pPr marL="914400" algn="l" defTabSz="914400" rtl="0" eaLnBrk="1" latinLnBrk="0" hangingPunct="1">
+                    <a:defRPr sz="1800" kern="1200">
+                      <a:solidFill>
+                        <a:schemeClr val="tx1"/>
+                      </a:solidFill>
+                      <a:latin typeface="+mn-lt"/>
+                      <a:ea typeface="+mn-ea"/>
+                      <a:cs typeface="+mn-cs"/>
+                    </a:defRPr>
+                  </a:lvl3pPr>
+                  <a:lvl4pPr marL="1371600" algn="l" defTabSz="914400" rtl="0" eaLnBrk="1" latinLnBrk="0" hangingPunct="1">
+                    <a:defRPr sz="1800" kern="1200">
+                      <a:solidFill>
+                        <a:schemeClr val="tx1"/>
+                      </a:solidFill>
+                      <a:latin typeface="+mn-lt"/>
+                      <a:ea typeface="+mn-ea"/>
+                      <a:cs typeface="+mn-cs"/>
+                    </a:defRPr>
+                  </a:lvl4pPr>
+                  <a:lvl5pPr marL="1828800" algn="l" defTabSz="914400" rtl="0" eaLnBrk="1" latinLnBrk="0" hangingPunct="1">
+                    <a:defRPr sz="1800" kern="1200">
+                      <a:solidFill>
+                        <a:schemeClr val="tx1"/>
+                      </a:solidFill>
+                      <a:latin typeface="+mn-lt"/>
+                      <a:ea typeface="+mn-ea"/>
+                      <a:cs typeface="+mn-cs"/>
+                    </a:defRPr>
+                  </a:lvl5pPr>
+                  <a:lvl6pPr marL="2286000" algn="l" defTabSz="914400" rtl="0" eaLnBrk="1" latinLnBrk="0" hangingPunct="1">
+                    <a:defRPr sz="1800" kern="1200">
+                      <a:solidFill>
+                        <a:schemeClr val="tx1"/>
+                      </a:solidFill>
+                      <a:latin typeface="+mn-lt"/>
+                      <a:ea typeface="+mn-ea"/>
+                      <a:cs typeface="+mn-cs"/>
+                    </a:defRPr>
+                  </a:lvl6pPr>
+                  <a:lvl7pPr marL="2743200" algn="l" defTabSz="914400" rtl="0" eaLnBrk="1" latinLnBrk="0" hangingPunct="1">
+                    <a:defRPr sz="1800" kern="1200">
+                      <a:solidFill>
+                        <a:schemeClr val="tx1"/>
+                      </a:solidFill>
+                      <a:latin typeface="+mn-lt"/>
+                      <a:ea typeface="+mn-ea"/>
+                      <a:cs typeface="+mn-cs"/>
+                    </a:defRPr>
+                  </a:lvl7pPr>
+                  <a:lvl8pPr marL="3200400" algn="l" defTabSz="914400" rtl="0" eaLnBrk="1" latinLnBrk="0" hangingPunct="1">
+                    <a:defRPr sz="1800" kern="1200">
+                      <a:solidFill>
+                        <a:schemeClr val="tx1"/>
+                      </a:solidFill>
+                      <a:latin typeface="+mn-lt"/>
+                      <a:ea typeface="+mn-ea"/>
+                      <a:cs typeface="+mn-cs"/>
+                    </a:defRPr>
+                  </a:lvl8pPr>
+                  <a:lvl9pPr marL="3657600" algn="l" defTabSz="914400" rtl="0" eaLnBrk="1" latinLnBrk="0" hangingPunct="1">
+                    <a:defRPr sz="1800" kern="1200">
+                      <a:solidFill>
+                        <a:schemeClr val="tx1"/>
+                      </a:solidFill>
+                      <a:latin typeface="+mn-lt"/>
+                      <a:ea typeface="+mn-ea"/>
+                      <a:cs typeface="+mn-cs"/>
+                    </a:defRPr>
+                  </a:lvl9pPr>
+                </a:lstStyle>
+                <a:p>
+                  <a:pPr/>
+                  <a14:m>
+                    <m:oMathPara xmlns:m="http://schemas.openxmlformats.org/officeDocument/2006/math">
+                      <m:oMathParaPr>
+                        <m:jc m:val="centerGroup"/>
+                      </m:oMathParaPr>
+                      <m:oMath xmlns:m="http://schemas.openxmlformats.org/officeDocument/2006/math">
+                        <m:r>
+                          <a:rPr lang="en-US" sz="2000" b="0" i="1" smtClean="0">
+                            <a:latin typeface="Cambria Math" panose="02040503050406030204" pitchFamily="18" charset="0"/>
+                            <a:cs typeface="Arial" panose="020B0604020202020204" pitchFamily="34" charset="0"/>
+                          </a:rPr>
+                          <m:t>𝑚</m:t>
+                        </m:r>
+                      </m:oMath>
+                    </m:oMathPara>
+                  </a14:m>
+                  <a:endParaRPr lang="en-US" sz="2000" dirty="0" smtClean="0">
+                    <a:latin typeface="Arial" panose="020B0604020202020204" pitchFamily="34" charset="0"/>
+                    <a:cs typeface="Arial" panose="020B0604020202020204" pitchFamily="34" charset="0"/>
+                  </a:endParaRPr>
+                </a:p>
+              </p:txBody>
+            </p:sp>
+          </mc:Choice>
+          <mc:Fallback>
+            <p:sp>
+              <p:nvSpPr>
+                <p:cNvPr id="7" name="TextBox 67"/>
+                <p:cNvSpPr txBox="1">
+                  <a:spLocks noRot="1" noChangeAspect="1" noMove="1" noResize="1" noEditPoints="1" noAdjustHandles="1" noChangeArrowheads="1" noChangeShapeType="1" noTextEdit="1"/>
+                </p:cNvSpPr>
+                <p:nvPr/>
+              </p:nvSpPr>
+              <p:spPr>
+                <a:xfrm>
+                  <a:off x="4155006" y="3891302"/>
+                  <a:ext cx="289695" cy="307777"/>
+                </a:xfrm>
+                <a:prstGeom prst="rect">
+                  <a:avLst/>
+                </a:prstGeom>
+                <a:blipFill>
+                  <a:blip r:embed="rId4"/>
+                  <a:stretch>
+                    <a:fillRect l="-8333" r="-8333" b="-1961"/>
+                  </a:stretch>
+                </a:blipFill>
+              </p:spPr>
+              <p:txBody>
+                <a:bodyPr/>
+                <a:lstStyle/>
+                <a:p>
+                  <a:r>
+                    <a:rPr lang="en-US">
+                      <a:noFill/>
+                    </a:rPr>
+                    <a:t> </a:t>
+                  </a:r>
+                </a:p>
+              </p:txBody>
+            </p:sp>
+          </mc:Fallback>
+        </mc:AlternateContent>
+        <p:cxnSp>
+          <p:nvCxnSpPr>
+            <p:cNvPr id="8" name="Straight Arrow Connector 7"/>
+            <p:cNvCxnSpPr>
+              <a:stCxn id="10" idx="3"/>
+            </p:cNvCxnSpPr>
+            <p:nvPr/>
+          </p:nvCxnSpPr>
+          <p:spPr>
+            <a:xfrm>
+              <a:off x="2025528" y="3590614"/>
+              <a:ext cx="1005864" cy="520136"/>
+            </a:xfrm>
+            <a:prstGeom prst="straightConnector1">
+              <a:avLst/>
+            </a:prstGeom>
+            <a:ln w="38100">
+              <a:solidFill>
+                <a:schemeClr val="tx1"/>
+              </a:solidFill>
+              <a:headEnd type="triangle"/>
+              <a:tailEnd type="triangle"/>
+            </a:ln>
+          </p:spPr>
+          <p:style>
+            <a:lnRef idx="1">
+              <a:schemeClr val="accent1"/>
+            </a:lnRef>
+            <a:fillRef idx="0">
+              <a:schemeClr val="accent1"/>
+            </a:fillRef>
+            <a:effectRef idx="0">
+              <a:schemeClr val="accent1"/>
+            </a:effectRef>
+            <a:fontRef idx="minor">
+              <a:schemeClr val="tx1"/>
+            </a:fontRef>
+          </p:style>
+        </p:cxnSp>
+        <mc:AlternateContent xmlns:mc="http://schemas.openxmlformats.org/markup-compatibility/2006">
+          <mc:Choice xmlns:a14="http://schemas.microsoft.com/office/drawing/2010/main" Requires="a14">
+            <p:sp>
+              <p:nvSpPr>
+                <p:cNvPr id="9" name="TextBox 72"/>
+                <p:cNvSpPr txBox="1"/>
+                <p:nvPr/>
+              </p:nvSpPr>
+              <p:spPr>
+                <a:xfrm>
+                  <a:off x="2548192" y="3457734"/>
+                  <a:ext cx="212045" cy="307777"/>
+                </a:xfrm>
+                <a:prstGeom prst="rect">
+                  <a:avLst/>
+                </a:prstGeom>
+                <a:noFill/>
+              </p:spPr>
+              <p:txBody>
+                <a:bodyPr wrap="none" lIns="0" tIns="0" rIns="0" bIns="0" rtlCol="0">
+                  <a:spAutoFit/>
+                </a:bodyPr>
+                <a:lstStyle>
+                  <a:defPPr>
+                    <a:defRPr lang="en-US"/>
+                  </a:defPPr>
+                  <a:lvl1pPr marL="0" algn="l" defTabSz="914400" rtl="0" eaLnBrk="1" latinLnBrk="0" hangingPunct="1">
+                    <a:defRPr sz="1800" kern="1200">
+                      <a:solidFill>
+                        <a:schemeClr val="tx1"/>
+                      </a:solidFill>
+                      <a:latin typeface="+mn-lt"/>
+                      <a:ea typeface="+mn-ea"/>
+                      <a:cs typeface="+mn-cs"/>
+                    </a:defRPr>
+                  </a:lvl1pPr>
+                  <a:lvl2pPr marL="457200" algn="l" defTabSz="914400" rtl="0" eaLnBrk="1" latinLnBrk="0" hangingPunct="1">
+                    <a:defRPr sz="1800" kern="1200">
+                      <a:solidFill>
+                        <a:schemeClr val="tx1"/>
+                      </a:solidFill>
+                      <a:latin typeface="+mn-lt"/>
+                      <a:ea typeface="+mn-ea"/>
+                      <a:cs typeface="+mn-cs"/>
+                    </a:defRPr>
+                  </a:lvl2pPr>
+                  <a:lvl3pPr marL="914400" algn="l" defTabSz="914400" rtl="0" eaLnBrk="1" latinLnBrk="0" hangingPunct="1">
+                    <a:defRPr sz="1800" kern="1200">
+                      <a:solidFill>
+                        <a:schemeClr val="tx1"/>
+                      </a:solidFill>
+                      <a:latin typeface="+mn-lt"/>
+                      <a:ea typeface="+mn-ea"/>
+                      <a:cs typeface="+mn-cs"/>
+                    </a:defRPr>
+                  </a:lvl3pPr>
+                  <a:lvl4pPr marL="1371600" algn="l" defTabSz="914400" rtl="0" eaLnBrk="1" latinLnBrk="0" hangingPunct="1">
+                    <a:defRPr sz="1800" kern="1200">
+                      <a:solidFill>
+                        <a:schemeClr val="tx1"/>
+                      </a:solidFill>
+                      <a:latin typeface="+mn-lt"/>
+                      <a:ea typeface="+mn-ea"/>
+                      <a:cs typeface="+mn-cs"/>
+                    </a:defRPr>
+                  </a:lvl4pPr>
+                  <a:lvl5pPr marL="1828800" algn="l" defTabSz="914400" rtl="0" eaLnBrk="1" latinLnBrk="0" hangingPunct="1">
+                    <a:defRPr sz="1800" kern="1200">
+                      <a:solidFill>
+                        <a:schemeClr val="tx1"/>
+                      </a:solidFill>
+                      <a:latin typeface="+mn-lt"/>
+                      <a:ea typeface="+mn-ea"/>
+                      <a:cs typeface="+mn-cs"/>
+                    </a:defRPr>
+                  </a:lvl5pPr>
+                  <a:lvl6pPr marL="2286000" algn="l" defTabSz="914400" rtl="0" eaLnBrk="1" latinLnBrk="0" hangingPunct="1">
+                    <a:defRPr sz="1800" kern="1200">
+                      <a:solidFill>
+                        <a:schemeClr val="tx1"/>
+                      </a:solidFill>
+                      <a:latin typeface="+mn-lt"/>
+                      <a:ea typeface="+mn-ea"/>
+                      <a:cs typeface="+mn-cs"/>
+                    </a:defRPr>
+                  </a:lvl6pPr>
+                  <a:lvl7pPr marL="2743200" algn="l" defTabSz="914400" rtl="0" eaLnBrk="1" latinLnBrk="0" hangingPunct="1">
+                    <a:defRPr sz="1800" kern="1200">
+                      <a:solidFill>
+                        <a:schemeClr val="tx1"/>
+                      </a:solidFill>
+                      <a:latin typeface="+mn-lt"/>
+                      <a:ea typeface="+mn-ea"/>
+                      <a:cs typeface="+mn-cs"/>
+                    </a:defRPr>
+                  </a:lvl7pPr>
+                  <a:lvl8pPr marL="3200400" algn="l" defTabSz="914400" rtl="0" eaLnBrk="1" latinLnBrk="0" hangingPunct="1">
+                    <a:defRPr sz="1800" kern="1200">
+                      <a:solidFill>
+                        <a:schemeClr val="tx1"/>
+                      </a:solidFill>
+                      <a:latin typeface="+mn-lt"/>
+                      <a:ea typeface="+mn-ea"/>
+                      <a:cs typeface="+mn-cs"/>
+                    </a:defRPr>
+                  </a:lvl8pPr>
+                  <a:lvl9pPr marL="3657600" algn="l" defTabSz="914400" rtl="0" eaLnBrk="1" latinLnBrk="0" hangingPunct="1">
+                    <a:defRPr sz="1800" kern="1200">
+                      <a:solidFill>
+                        <a:schemeClr val="tx1"/>
+                      </a:solidFill>
+                      <a:latin typeface="+mn-lt"/>
+                      <a:ea typeface="+mn-ea"/>
+                      <a:cs typeface="+mn-cs"/>
+                    </a:defRPr>
+                  </a:lvl9pPr>
+                </a:lstStyle>
+                <a:p>
+                  <a:pPr/>
+                  <a14:m>
+                    <m:oMathPara xmlns:m="http://schemas.openxmlformats.org/officeDocument/2006/math">
+                      <m:oMathParaPr>
+                        <m:jc m:val="centerGroup"/>
+                      </m:oMathParaPr>
+                      <m:oMath xmlns:m="http://schemas.openxmlformats.org/officeDocument/2006/math">
+                        <m:r>
+                          <a:rPr lang="en-US" sz="2000" b="0" i="1" smtClean="0">
+                            <a:latin typeface="Cambria Math" panose="02040503050406030204" pitchFamily="18" charset="0"/>
+                            <a:cs typeface="Arial" panose="020B0604020202020204" pitchFamily="34" charset="0"/>
+                          </a:rPr>
+                          <m:t>𝐿</m:t>
+                        </m:r>
+                      </m:oMath>
+                    </m:oMathPara>
+                  </a14:m>
+                  <a:endParaRPr lang="en-US" sz="2000" dirty="0" smtClean="0">
+                    <a:latin typeface="Arial" panose="020B0604020202020204" pitchFamily="34" charset="0"/>
+                    <a:cs typeface="Arial" panose="020B0604020202020204" pitchFamily="34" charset="0"/>
+                  </a:endParaRPr>
+                </a:p>
+              </p:txBody>
+            </p:sp>
+          </mc:Choice>
+          <mc:Fallback>
+            <p:sp>
+              <p:nvSpPr>
+                <p:cNvPr id="9" name="TextBox 72"/>
+                <p:cNvSpPr txBox="1">
+                  <a:spLocks noRot="1" noChangeAspect="1" noMove="1" noResize="1" noEditPoints="1" noAdjustHandles="1" noChangeArrowheads="1" noChangeShapeType="1" noTextEdit="1"/>
+                </p:cNvSpPr>
+                <p:nvPr/>
+              </p:nvSpPr>
+              <p:spPr>
+                <a:xfrm>
+                  <a:off x="2548192" y="3457734"/>
+                  <a:ext cx="212045" cy="307777"/>
+                </a:xfrm>
+                <a:prstGeom prst="rect">
+                  <a:avLst/>
+                </a:prstGeom>
+                <a:blipFill>
+                  <a:blip r:embed="rId5"/>
+                  <a:stretch>
+                    <a:fillRect l="-26471" r="-23529" b="-9804"/>
+                  </a:stretch>
+                </a:blipFill>
+              </p:spPr>
+              <p:txBody>
+                <a:bodyPr/>
+                <a:lstStyle/>
+                <a:p>
+                  <a:r>
+                    <a:rPr lang="en-US">
+                      <a:noFill/>
+                    </a:rPr>
+                    <a:t> </a:t>
+                  </a:r>
+                </a:p>
+              </p:txBody>
+            </p:sp>
+          </mc:Fallback>
+        </mc:AlternateContent>
+      </p:grpSp>
+      <mc:AlternateContent xmlns:mc="http://schemas.openxmlformats.org/markup-compatibility/2006">
+        <mc:Choice xmlns:a14="http://schemas.microsoft.com/office/drawing/2010/main" Requires="a14">
+          <p:sp>
+            <p:nvSpPr>
+              <p:cNvPr id="16" name="TextBox 15"/>
+              <p:cNvSpPr txBox="1"/>
+              <p:nvPr/>
+            </p:nvSpPr>
+            <p:spPr>
+              <a:xfrm>
+                <a:off x="1408064" y="2646279"/>
+                <a:ext cx="234936" cy="307777"/>
+              </a:xfrm>
+              <a:prstGeom prst="rect">
+                <a:avLst/>
+              </a:prstGeom>
+              <a:noFill/>
+            </p:spPr>
+            <p:txBody>
+              <a:bodyPr wrap="none" lIns="0" tIns="0" rIns="0" bIns="0" rtlCol="0">
+                <a:spAutoFit/>
+              </a:bodyPr>
+              <a:lstStyle/>
+              <a:p>
+                <a14:m>
+                  <m:oMathPara xmlns:m="http://schemas.openxmlformats.org/officeDocument/2006/math">
+                    <m:oMathParaPr>
+                      <m:jc m:val="centerGroup"/>
+                    </m:oMathParaPr>
+                    <m:oMath xmlns:m="http://schemas.openxmlformats.org/officeDocument/2006/math">
+                      <m:r>
+                        <a:rPr lang="en-US" sz="2000" b="0" i="1" smtClean="0">
+                          <a:latin typeface="Cambria Math" panose="02040503050406030204" pitchFamily="18" charset="0"/>
+                          <a:cs typeface="Arial" panose="020B0604020202020204" pitchFamily="34" charset="0"/>
+                        </a:rPr>
+                        <m:t>𝐴</m:t>
+                      </m:r>
+                    </m:oMath>
+                  </m:oMathPara>
+                </a14:m>
+                <a:endParaRPr lang="en-US" sz="2000" dirty="0" smtClean="0">
+                  <a:latin typeface="Arial" panose="020B0604020202020204" pitchFamily="34" charset="0"/>
+                  <a:cs typeface="Arial" panose="020B0604020202020204" pitchFamily="34" charset="0"/>
+                </a:endParaRPr>
+              </a:p>
+            </p:txBody>
+          </p:sp>
+        </mc:Choice>
+        <mc:Fallback>
+          <p:sp>
+            <p:nvSpPr>
+              <p:cNvPr id="16" name="TextBox 15"/>
+              <p:cNvSpPr txBox="1">
+                <a:spLocks noRot="1" noChangeAspect="1" noMove="1" noResize="1" noEditPoints="1" noAdjustHandles="1" noChangeArrowheads="1" noChangeShapeType="1" noTextEdit="1"/>
+              </p:cNvSpPr>
+              <p:nvPr/>
+            </p:nvSpPr>
+            <p:spPr>
+              <a:xfrm>
+                <a:off x="1408064" y="2646279"/>
+                <a:ext cx="234936" cy="307777"/>
+              </a:xfrm>
+              <a:prstGeom prst="rect">
+                <a:avLst/>
+              </a:prstGeom>
+              <a:blipFill>
+                <a:blip r:embed="rId6"/>
+                <a:stretch>
+                  <a:fillRect l="-23077" r="-20513" b="-9804"/>
+                </a:stretch>
+              </a:blipFill>
+            </p:spPr>
+            <p:txBody>
+              <a:bodyPr/>
+              <a:lstStyle/>
+              <a:p>
+                <a:r>
+                  <a:rPr lang="en-US">
+                    <a:noFill/>
+                  </a:rPr>
+                  <a:t> </a:t>
+                </a:r>
+              </a:p>
+            </p:txBody>
+          </p:sp>
+        </mc:Fallback>
+      </mc:AlternateContent>
+      <mc:AlternateContent xmlns:mc="http://schemas.openxmlformats.org/markup-compatibility/2006">
+        <mc:Choice xmlns:a14="http://schemas.microsoft.com/office/drawing/2010/main" Requires="a14">
+          <p:sp>
+            <p:nvSpPr>
+              <p:cNvPr id="17" name="TextBox 16"/>
+              <p:cNvSpPr txBox="1"/>
+              <p:nvPr/>
+            </p:nvSpPr>
+            <p:spPr>
+              <a:xfrm>
+                <a:off x="2783257" y="2646278"/>
+                <a:ext cx="245708" cy="307777"/>
+              </a:xfrm>
+              <a:prstGeom prst="rect">
+                <a:avLst/>
+              </a:prstGeom>
+              <a:noFill/>
+            </p:spPr>
+            <p:txBody>
+              <a:bodyPr wrap="none" lIns="0" tIns="0" rIns="0" bIns="0" rtlCol="0">
+                <a:spAutoFit/>
+              </a:bodyPr>
+              <a:lstStyle/>
+              <a:p>
+                <a14:m>
+                  <m:oMathPara xmlns:m="http://schemas.openxmlformats.org/officeDocument/2006/math">
+                    <m:oMathParaPr>
+                      <m:jc m:val="centerGroup"/>
+                    </m:oMathParaPr>
+                    <m:oMath xmlns:m="http://schemas.openxmlformats.org/officeDocument/2006/math">
+                      <m:r>
+                        <a:rPr lang="en-US" sz="2000" b="0" i="1" smtClean="0">
+                          <a:latin typeface="Cambria Math" panose="02040503050406030204" pitchFamily="18" charset="0"/>
+                          <a:cs typeface="Arial" panose="020B0604020202020204" pitchFamily="34" charset="0"/>
+                        </a:rPr>
+                        <m:t>𝐵</m:t>
+                      </m:r>
+                    </m:oMath>
+                  </m:oMathPara>
+                </a14:m>
+                <a:endParaRPr lang="en-US" sz="2000" dirty="0" smtClean="0">
+                  <a:latin typeface="Arial" panose="020B0604020202020204" pitchFamily="34" charset="0"/>
+                  <a:cs typeface="Arial" panose="020B0604020202020204" pitchFamily="34" charset="0"/>
+                </a:endParaRPr>
+              </a:p>
+            </p:txBody>
+          </p:sp>
+        </mc:Choice>
+        <mc:Fallback>
+          <p:sp>
+            <p:nvSpPr>
+              <p:cNvPr id="17" name="TextBox 16"/>
+              <p:cNvSpPr txBox="1">
+                <a:spLocks noRot="1" noChangeAspect="1" noMove="1" noResize="1" noEditPoints="1" noAdjustHandles="1" noChangeArrowheads="1" noChangeShapeType="1" noTextEdit="1"/>
+              </p:cNvSpPr>
+              <p:nvPr/>
+            </p:nvSpPr>
+            <p:spPr>
+              <a:xfrm>
+                <a:off x="2783257" y="2646278"/>
+                <a:ext cx="245708" cy="307777"/>
+              </a:xfrm>
+              <a:prstGeom prst="rect">
+                <a:avLst/>
+              </a:prstGeom>
+              <a:blipFill>
+                <a:blip r:embed="rId7"/>
+                <a:stretch>
+                  <a:fillRect l="-22500" r="-20000" b="-9804"/>
+                </a:stretch>
+              </a:blipFill>
+            </p:spPr>
+            <p:txBody>
+              <a:bodyPr/>
+              <a:lstStyle/>
+              <a:p>
+                <a:r>
+                  <a:rPr lang="en-US">
+                    <a:noFill/>
+                  </a:rPr>
+                  <a:t> </a:t>
+                </a:r>
+              </a:p>
+            </p:txBody>
+          </p:sp>
+        </mc:Fallback>
+      </mc:AlternateContent>
+      <mc:AlternateContent xmlns:mc="http://schemas.openxmlformats.org/markup-compatibility/2006">
+        <mc:Choice xmlns:a14="http://schemas.microsoft.com/office/drawing/2010/main" Requires="a14">
+          <p:sp>
+            <p:nvSpPr>
+              <p:cNvPr id="18" name="TextBox 17"/>
+              <p:cNvSpPr txBox="1"/>
+              <p:nvPr/>
+            </p:nvSpPr>
+            <p:spPr>
+              <a:xfrm>
+                <a:off x="4169222" y="2646278"/>
+                <a:ext cx="234102" cy="307777"/>
+              </a:xfrm>
+              <a:prstGeom prst="rect">
+                <a:avLst/>
+              </a:prstGeom>
+              <a:noFill/>
+            </p:spPr>
+            <p:txBody>
+              <a:bodyPr wrap="none" lIns="0" tIns="0" rIns="0" bIns="0" rtlCol="0">
+                <a:spAutoFit/>
+              </a:bodyPr>
+              <a:lstStyle/>
+              <a:p>
+                <a14:m>
+                  <m:oMathPara xmlns:m="http://schemas.openxmlformats.org/officeDocument/2006/math">
+                    <m:oMathParaPr>
+                      <m:jc m:val="centerGroup"/>
+                    </m:oMathParaPr>
+                    <m:oMath xmlns:m="http://schemas.openxmlformats.org/officeDocument/2006/math">
+                      <m:r>
+                        <a:rPr lang="en-US" sz="2000" b="0" i="1" smtClean="0">
+                          <a:latin typeface="Cambria Math" panose="02040503050406030204" pitchFamily="18" charset="0"/>
+                          <a:cs typeface="Arial" panose="020B0604020202020204" pitchFamily="34" charset="0"/>
+                        </a:rPr>
+                        <m:t>𝐶</m:t>
+                      </m:r>
+                    </m:oMath>
+                  </m:oMathPara>
+                </a14:m>
+                <a:endParaRPr lang="en-US" sz="2000" dirty="0" smtClean="0">
+                  <a:latin typeface="Arial" panose="020B0604020202020204" pitchFamily="34" charset="0"/>
+                  <a:cs typeface="Arial" panose="020B0604020202020204" pitchFamily="34" charset="0"/>
+                </a:endParaRPr>
+              </a:p>
+            </p:txBody>
+          </p:sp>
+        </mc:Choice>
+        <mc:Fallback>
+          <p:sp>
+            <p:nvSpPr>
+              <p:cNvPr id="18" name="TextBox 17"/>
+              <p:cNvSpPr txBox="1">
+                <a:spLocks noRot="1" noChangeAspect="1" noMove="1" noResize="1" noEditPoints="1" noAdjustHandles="1" noChangeArrowheads="1" noChangeShapeType="1" noTextEdit="1"/>
+              </p:cNvSpPr>
+              <p:nvPr/>
+            </p:nvSpPr>
+            <p:spPr>
+              <a:xfrm>
+                <a:off x="4169222" y="2646278"/>
+                <a:ext cx="234102" cy="307777"/>
+              </a:xfrm>
+              <a:prstGeom prst="rect">
+                <a:avLst/>
+              </a:prstGeom>
+              <a:blipFill>
+                <a:blip r:embed="rId8"/>
+                <a:stretch>
+                  <a:fillRect l="-23684" r="-18421" b="-9804"/>
+                </a:stretch>
+              </a:blipFill>
+            </p:spPr>
+            <p:txBody>
+              <a:bodyPr/>
+              <a:lstStyle/>
+              <a:p>
+                <a:r>
+                  <a:rPr lang="en-US">
+                    <a:noFill/>
+                  </a:rPr>
+                  <a:t> </a:t>
+                </a:r>
+              </a:p>
+            </p:txBody>
+          </p:sp>
+        </mc:Fallback>
+      </mc:AlternateContent>
+    </p:spTree>
+    <p:extLst>
+      <p:ext uri="{BB962C8B-B14F-4D97-AF65-F5344CB8AC3E}">
+        <p14:creationId xmlns:p14="http://schemas.microsoft.com/office/powerpoint/2010/main" val="729009165"/>
       </p:ext>
     </p:extLst>
   </p:cSld>

--- a/tex/figures/PotentialECons/Figures.pptx
+++ b/tex/figures/PotentialECons/Figures.pptx
@@ -8,6 +8,7 @@
     <p:sldId id="271" r:id="rId2"/>
     <p:sldId id="272" r:id="rId3"/>
     <p:sldId id="273" r:id="rId4"/>
+    <p:sldId id="274" r:id="rId5"/>
   </p:sldIdLst>
   <p:sldSz cx="12192000" cy="6858000"/>
   <p:notesSz cx="6858000" cy="9144000"/>
@@ -245,7 +246,7 @@
           <a:p>
             <a:fld id="{F7249F8D-641B-4CAF-BAE5-10524742F6F1}" type="datetimeFigureOut">
               <a:rPr lang="en-CA" smtClean="0"/>
-              <a:t>2018-06-10</a:t>
+              <a:t>2018-06-13</a:t>
             </a:fld>
             <a:endParaRPr lang="en-CA"/>
           </a:p>
@@ -415,7 +416,7 @@
           <a:p>
             <a:fld id="{F7249F8D-641B-4CAF-BAE5-10524742F6F1}" type="datetimeFigureOut">
               <a:rPr lang="en-CA" smtClean="0"/>
-              <a:t>2018-06-10</a:t>
+              <a:t>2018-06-13</a:t>
             </a:fld>
             <a:endParaRPr lang="en-CA"/>
           </a:p>
@@ -595,7 +596,7 @@
           <a:p>
             <a:fld id="{F7249F8D-641B-4CAF-BAE5-10524742F6F1}" type="datetimeFigureOut">
               <a:rPr lang="en-CA" smtClean="0"/>
-              <a:t>2018-06-10</a:t>
+              <a:t>2018-06-13</a:t>
             </a:fld>
             <a:endParaRPr lang="en-CA"/>
           </a:p>
@@ -765,7 +766,7 @@
           <a:p>
             <a:fld id="{F7249F8D-641B-4CAF-BAE5-10524742F6F1}" type="datetimeFigureOut">
               <a:rPr lang="en-CA" smtClean="0"/>
-              <a:t>2018-06-10</a:t>
+              <a:t>2018-06-13</a:t>
             </a:fld>
             <a:endParaRPr lang="en-CA"/>
           </a:p>
@@ -1011,7 +1012,7 @@
           <a:p>
             <a:fld id="{F7249F8D-641B-4CAF-BAE5-10524742F6F1}" type="datetimeFigureOut">
               <a:rPr lang="en-CA" smtClean="0"/>
-              <a:t>2018-06-10</a:t>
+              <a:t>2018-06-13</a:t>
             </a:fld>
             <a:endParaRPr lang="en-CA"/>
           </a:p>
@@ -1243,7 +1244,7 @@
           <a:p>
             <a:fld id="{F7249F8D-641B-4CAF-BAE5-10524742F6F1}" type="datetimeFigureOut">
               <a:rPr lang="en-CA" smtClean="0"/>
-              <a:t>2018-06-10</a:t>
+              <a:t>2018-06-13</a:t>
             </a:fld>
             <a:endParaRPr lang="en-CA"/>
           </a:p>
@@ -1610,7 +1611,7 @@
           <a:p>
             <a:fld id="{F7249F8D-641B-4CAF-BAE5-10524742F6F1}" type="datetimeFigureOut">
               <a:rPr lang="en-CA" smtClean="0"/>
-              <a:t>2018-06-10</a:t>
+              <a:t>2018-06-13</a:t>
             </a:fld>
             <a:endParaRPr lang="en-CA"/>
           </a:p>
@@ -1728,7 +1729,7 @@
           <a:p>
             <a:fld id="{F7249F8D-641B-4CAF-BAE5-10524742F6F1}" type="datetimeFigureOut">
               <a:rPr lang="en-CA" smtClean="0"/>
-              <a:t>2018-06-10</a:t>
+              <a:t>2018-06-13</a:t>
             </a:fld>
             <a:endParaRPr lang="en-CA"/>
           </a:p>
@@ -1823,7 +1824,7 @@
           <a:p>
             <a:fld id="{F7249F8D-641B-4CAF-BAE5-10524742F6F1}" type="datetimeFigureOut">
               <a:rPr lang="en-CA" smtClean="0"/>
-              <a:t>2018-06-10</a:t>
+              <a:t>2018-06-13</a:t>
             </a:fld>
             <a:endParaRPr lang="en-CA"/>
           </a:p>
@@ -2100,7 +2101,7 @@
           <a:p>
             <a:fld id="{F7249F8D-641B-4CAF-BAE5-10524742F6F1}" type="datetimeFigureOut">
               <a:rPr lang="en-CA" smtClean="0"/>
-              <a:t>2018-06-10</a:t>
+              <a:t>2018-06-13</a:t>
             </a:fld>
             <a:endParaRPr lang="en-CA"/>
           </a:p>
@@ -2353,7 +2354,7 @@
           <a:p>
             <a:fld id="{F7249F8D-641B-4CAF-BAE5-10524742F6F1}" type="datetimeFigureOut">
               <a:rPr lang="en-CA" smtClean="0"/>
-              <a:t>2018-06-10</a:t>
+              <a:t>2018-06-13</a:t>
             </a:fld>
             <a:endParaRPr lang="en-CA"/>
           </a:p>
@@ -2566,7 +2567,7 @@
           <a:p>
             <a:fld id="{F7249F8D-641B-4CAF-BAE5-10524742F6F1}" type="datetimeFigureOut">
               <a:rPr lang="en-CA" smtClean="0"/>
-              <a:t>2018-06-10</a:t>
+              <a:t>2018-06-13</a:t>
             </a:fld>
             <a:endParaRPr lang="en-CA"/>
           </a:p>
@@ -10856,8 +10857,8 @@
               </a:fontRef>
             </p:style>
           </p:cxnSp>
-          <mc:AlternateContent xmlns:mc="http://schemas.openxmlformats.org/markup-compatibility/2006">
-            <mc:Choice xmlns:a14="http://schemas.microsoft.com/office/drawing/2010/main" Requires="a14">
+          <mc:AlternateContent xmlns:mc="http://schemas.openxmlformats.org/markup-compatibility/2006" xmlns:a14="http://schemas.microsoft.com/office/drawing/2010/main">
+            <mc:Choice Requires="a14">
               <p:sp>
                 <p:nvSpPr>
                   <p:cNvPr id="14" name="TextBox 13"/>
@@ -10999,7 +11000,7 @@
                 </p:txBody>
               </p:sp>
             </mc:Choice>
-            <mc:Fallback>
+            <mc:Fallback xmlns="">
               <p:sp>
                 <p:nvSpPr>
                   <p:cNvPr id="14" name="TextBox 13"/>
@@ -11038,8 +11039,8 @@
               </p:sp>
             </mc:Fallback>
           </mc:AlternateContent>
-          <mc:AlternateContent xmlns:mc="http://schemas.openxmlformats.org/markup-compatibility/2006">
-            <mc:Choice xmlns:a14="http://schemas.microsoft.com/office/drawing/2010/main" Requires="a14">
+          <mc:AlternateContent xmlns:mc="http://schemas.openxmlformats.org/markup-compatibility/2006" xmlns:a14="http://schemas.microsoft.com/office/drawing/2010/main">
+            <mc:Choice Requires="a14">
               <p:sp>
                 <p:nvSpPr>
                   <p:cNvPr id="15" name="TextBox 14"/>
@@ -11181,7 +11182,7 @@
                 </p:txBody>
               </p:sp>
             </mc:Choice>
-            <mc:Fallback>
+            <mc:Fallback xmlns="">
               <p:sp>
                 <p:nvSpPr>
                   <p:cNvPr id="15" name="TextBox 14"/>
@@ -11366,8 +11367,8 @@
             </a:p>
           </p:txBody>
         </p:sp>
-        <mc:AlternateContent xmlns:mc="http://schemas.openxmlformats.org/markup-compatibility/2006">
-          <mc:Choice xmlns:a14="http://schemas.microsoft.com/office/drawing/2010/main" Requires="a14">
+        <mc:AlternateContent xmlns:mc="http://schemas.openxmlformats.org/markup-compatibility/2006" xmlns:a14="http://schemas.microsoft.com/office/drawing/2010/main">
+          <mc:Choice Requires="a14">
             <p:sp>
               <p:nvSpPr>
                 <p:cNvPr id="7" name="TextBox 67"/>
@@ -11509,7 +11510,7 @@
               </p:txBody>
             </p:sp>
           </mc:Choice>
-          <mc:Fallback>
+          <mc:Fallback xmlns="">
             <p:sp>
               <p:nvSpPr>
                 <p:cNvPr id="7" name="TextBox 67"/>
@@ -11587,8 +11588,8 @@
             </a:fontRef>
           </p:style>
         </p:cxnSp>
-        <mc:AlternateContent xmlns:mc="http://schemas.openxmlformats.org/markup-compatibility/2006">
-          <mc:Choice xmlns:a14="http://schemas.microsoft.com/office/drawing/2010/main" Requires="a14">
+        <mc:AlternateContent xmlns:mc="http://schemas.openxmlformats.org/markup-compatibility/2006" xmlns:a14="http://schemas.microsoft.com/office/drawing/2010/main">
+          <mc:Choice Requires="a14">
             <p:sp>
               <p:nvSpPr>
                 <p:cNvPr id="9" name="TextBox 72"/>
@@ -11730,7 +11731,7 @@
               </p:txBody>
             </p:sp>
           </mc:Choice>
-          <mc:Fallback>
+          <mc:Fallback xmlns="">
             <p:sp>
               <p:nvSpPr>
                 <p:cNvPr id="9" name="TextBox 72"/>
@@ -11770,8 +11771,8 @@
           </mc:Fallback>
         </mc:AlternateContent>
       </p:grpSp>
-      <mc:AlternateContent xmlns:mc="http://schemas.openxmlformats.org/markup-compatibility/2006">
-        <mc:Choice xmlns:a14="http://schemas.microsoft.com/office/drawing/2010/main" Requires="a14">
+      <mc:AlternateContent xmlns:mc="http://schemas.openxmlformats.org/markup-compatibility/2006" xmlns:a14="http://schemas.microsoft.com/office/drawing/2010/main">
+        <mc:Choice Requires="a14">
           <p:sp>
             <p:nvSpPr>
               <p:cNvPr id="16" name="TextBox 15"/>
@@ -11794,6 +11795,7 @@
               </a:bodyPr>
               <a:lstStyle/>
               <a:p>
+                <a:pPr/>
                 <a14:m>
                   <m:oMathPara xmlns:m="http://schemas.openxmlformats.org/officeDocument/2006/math">
                     <m:oMathParaPr>
@@ -11818,7 +11820,7 @@
             </p:txBody>
           </p:sp>
         </mc:Choice>
-        <mc:Fallback>
+        <mc:Fallback xmlns="">
           <p:sp>
             <p:nvSpPr>
               <p:cNvPr id="16" name="TextBox 15"/>
@@ -11857,8 +11859,8 @@
           </p:sp>
         </mc:Fallback>
       </mc:AlternateContent>
-      <mc:AlternateContent xmlns:mc="http://schemas.openxmlformats.org/markup-compatibility/2006">
-        <mc:Choice xmlns:a14="http://schemas.microsoft.com/office/drawing/2010/main" Requires="a14">
+      <mc:AlternateContent xmlns:mc="http://schemas.openxmlformats.org/markup-compatibility/2006" xmlns:a14="http://schemas.microsoft.com/office/drawing/2010/main">
+        <mc:Choice Requires="a14">
           <p:sp>
             <p:nvSpPr>
               <p:cNvPr id="17" name="TextBox 16"/>
@@ -11881,6 +11883,7 @@
               </a:bodyPr>
               <a:lstStyle/>
               <a:p>
+                <a:pPr/>
                 <a14:m>
                   <m:oMathPara xmlns:m="http://schemas.openxmlformats.org/officeDocument/2006/math">
                     <m:oMathParaPr>
@@ -11905,7 +11908,7 @@
             </p:txBody>
           </p:sp>
         </mc:Choice>
-        <mc:Fallback>
+        <mc:Fallback xmlns="">
           <p:sp>
             <p:nvSpPr>
               <p:cNvPr id="17" name="TextBox 16"/>
@@ -11944,8 +11947,8 @@
           </p:sp>
         </mc:Fallback>
       </mc:AlternateContent>
-      <mc:AlternateContent xmlns:mc="http://schemas.openxmlformats.org/markup-compatibility/2006">
-        <mc:Choice xmlns:a14="http://schemas.microsoft.com/office/drawing/2010/main" Requires="a14">
+      <mc:AlternateContent xmlns:mc="http://schemas.openxmlformats.org/markup-compatibility/2006" xmlns:a14="http://schemas.microsoft.com/office/drawing/2010/main">
+        <mc:Choice Requires="a14">
           <p:sp>
             <p:nvSpPr>
               <p:cNvPr id="18" name="TextBox 17"/>
@@ -11968,6 +11971,7 @@
               </a:bodyPr>
               <a:lstStyle/>
               <a:p>
+                <a:pPr/>
                 <a14:m>
                   <m:oMathPara xmlns:m="http://schemas.openxmlformats.org/officeDocument/2006/math">
                     <m:oMathParaPr>
@@ -11992,7 +11996,7 @@
             </p:txBody>
           </p:sp>
         </mc:Choice>
-        <mc:Fallback>
+        <mc:Fallback xmlns="">
           <p:sp>
             <p:nvSpPr>
               <p:cNvPr id="18" name="TextBox 17"/>
@@ -12031,10 +12035,4903 @@
           </p:sp>
         </mc:Fallback>
       </mc:AlternateContent>
+      <p:grpSp>
+        <p:nvGrpSpPr>
+          <p:cNvPr id="42" name="Group 41"/>
+          <p:cNvGrpSpPr/>
+          <p:nvPr/>
+        </p:nvGrpSpPr>
+        <p:grpSpPr>
+          <a:xfrm>
+            <a:off x="822588" y="3351138"/>
+            <a:ext cx="3159937" cy="3002566"/>
+            <a:chOff x="822588" y="3351138"/>
+            <a:chExt cx="3159937" cy="3002566"/>
+          </a:xfrm>
+        </p:grpSpPr>
+        <p:grpSp>
+          <p:nvGrpSpPr>
+            <p:cNvPr id="19" name="Group 18"/>
+            <p:cNvGrpSpPr/>
+            <p:nvPr/>
+          </p:nvGrpSpPr>
+          <p:grpSpPr>
+            <a:xfrm>
+              <a:off x="822588" y="3351138"/>
+              <a:ext cx="3159937" cy="2478188"/>
+              <a:chOff x="957865" y="3767038"/>
+              <a:chExt cx="3159937" cy="2478188"/>
+            </a:xfrm>
+          </p:grpSpPr>
+          <p:grpSp>
+            <p:nvGrpSpPr>
+              <p:cNvPr id="20" name="Group 19"/>
+              <p:cNvGrpSpPr/>
+              <p:nvPr/>
+            </p:nvGrpSpPr>
+            <p:grpSpPr>
+              <a:xfrm>
+                <a:off x="957865" y="3767038"/>
+                <a:ext cx="3159937" cy="2478188"/>
+                <a:chOff x="957865" y="3767038"/>
+                <a:chExt cx="3159937" cy="2478188"/>
+              </a:xfrm>
+            </p:grpSpPr>
+            <p:grpSp>
+              <p:nvGrpSpPr>
+                <p:cNvPr id="22" name="Group 21"/>
+                <p:cNvGrpSpPr/>
+                <p:nvPr/>
+              </p:nvGrpSpPr>
+              <p:grpSpPr>
+                <a:xfrm>
+                  <a:off x="957865" y="3767038"/>
+                  <a:ext cx="3159937" cy="2361444"/>
+                  <a:chOff x="4347417" y="3636364"/>
+                  <a:chExt cx="3159937" cy="2361444"/>
+                </a:xfrm>
+              </p:grpSpPr>
+              <p:grpSp>
+                <p:nvGrpSpPr>
+                  <p:cNvPr id="25" name="Group 24"/>
+                  <p:cNvGrpSpPr/>
+                  <p:nvPr/>
+                </p:nvGrpSpPr>
+                <p:grpSpPr>
+                  <a:xfrm>
+                    <a:off x="4350893" y="3636364"/>
+                    <a:ext cx="1707460" cy="841883"/>
+                    <a:chOff x="2317785" y="1008668"/>
+                    <a:chExt cx="1707460" cy="841883"/>
+                  </a:xfrm>
+                </p:grpSpPr>
+                <p:sp>
+                  <p:nvSpPr>
+                    <p:cNvPr id="36" name="Freeform 35"/>
+                    <p:cNvSpPr/>
+                    <p:nvPr/>
+                  </p:nvSpPr>
+                  <p:spPr>
+                    <a:xfrm>
+                      <a:off x="2441542" y="1252980"/>
+                      <a:ext cx="1583703" cy="537328"/>
+                    </a:xfrm>
+                    <a:custGeom>
+                      <a:avLst/>
+                      <a:gdLst>
+                        <a:gd name="connsiteX0" fmla="*/ 0 w 10086681"/>
+                        <a:gd name="connsiteY0" fmla="*/ 931129 h 1873809"/>
+                        <a:gd name="connsiteX1" fmla="*/ 923827 w 10086681"/>
+                        <a:gd name="connsiteY1" fmla="*/ 26156 h 1873809"/>
+                        <a:gd name="connsiteX2" fmla="*/ 1838227 w 10086681"/>
+                        <a:gd name="connsiteY2" fmla="*/ 1836102 h 1873809"/>
+                        <a:gd name="connsiteX3" fmla="*/ 2771481 w 10086681"/>
+                        <a:gd name="connsiteY3" fmla="*/ 26156 h 1873809"/>
+                        <a:gd name="connsiteX4" fmla="*/ 3667027 w 10086681"/>
+                        <a:gd name="connsiteY4" fmla="*/ 1873809 h 1873809"/>
+                        <a:gd name="connsiteX5" fmla="*/ 4600281 w 10086681"/>
+                        <a:gd name="connsiteY5" fmla="*/ 26156 h 1873809"/>
+                        <a:gd name="connsiteX6" fmla="*/ 5486400 w 10086681"/>
+                        <a:gd name="connsiteY6" fmla="*/ 1854956 h 1873809"/>
+                        <a:gd name="connsiteX7" fmla="*/ 6400800 w 10086681"/>
+                        <a:gd name="connsiteY7" fmla="*/ 26156 h 1873809"/>
+                        <a:gd name="connsiteX8" fmla="*/ 7324627 w 10086681"/>
+                        <a:gd name="connsiteY8" fmla="*/ 1854956 h 1873809"/>
+                        <a:gd name="connsiteX9" fmla="*/ 8229600 w 10086681"/>
+                        <a:gd name="connsiteY9" fmla="*/ 26156 h 1873809"/>
+                        <a:gd name="connsiteX10" fmla="*/ 9134574 w 10086681"/>
+                        <a:gd name="connsiteY10" fmla="*/ 1854956 h 1873809"/>
+                        <a:gd name="connsiteX11" fmla="*/ 10086681 w 10086681"/>
+                        <a:gd name="connsiteY11" fmla="*/ 931129 h 1873809"/>
+                        <a:gd name="connsiteX12" fmla="*/ 10086681 w 10086681"/>
+                        <a:gd name="connsiteY12" fmla="*/ 931129 h 1873809"/>
+                      </a:gdLst>
+                      <a:ahLst/>
+                      <a:cxnLst>
+                        <a:cxn ang="0">
+                          <a:pos x="connsiteX0" y="connsiteY0"/>
+                        </a:cxn>
+                        <a:cxn ang="0">
+                          <a:pos x="connsiteX1" y="connsiteY1"/>
+                        </a:cxn>
+                        <a:cxn ang="0">
+                          <a:pos x="connsiteX2" y="connsiteY2"/>
+                        </a:cxn>
+                        <a:cxn ang="0">
+                          <a:pos x="connsiteX3" y="connsiteY3"/>
+                        </a:cxn>
+                        <a:cxn ang="0">
+                          <a:pos x="connsiteX4" y="connsiteY4"/>
+                        </a:cxn>
+                        <a:cxn ang="0">
+                          <a:pos x="connsiteX5" y="connsiteY5"/>
+                        </a:cxn>
+                        <a:cxn ang="0">
+                          <a:pos x="connsiteX6" y="connsiteY6"/>
+                        </a:cxn>
+                        <a:cxn ang="0">
+                          <a:pos x="connsiteX7" y="connsiteY7"/>
+                        </a:cxn>
+                        <a:cxn ang="0">
+                          <a:pos x="connsiteX8" y="connsiteY8"/>
+                        </a:cxn>
+                        <a:cxn ang="0">
+                          <a:pos x="connsiteX9" y="connsiteY9"/>
+                        </a:cxn>
+                        <a:cxn ang="0">
+                          <a:pos x="connsiteX10" y="connsiteY10"/>
+                        </a:cxn>
+                        <a:cxn ang="0">
+                          <a:pos x="connsiteX11" y="connsiteY11"/>
+                        </a:cxn>
+                        <a:cxn ang="0">
+                          <a:pos x="connsiteX12" y="connsiteY12"/>
+                        </a:cxn>
+                      </a:cxnLst>
+                      <a:rect l="l" t="t" r="r" b="b"/>
+                      <a:pathLst>
+                        <a:path w="10086681" h="1873809">
+                          <a:moveTo>
+                            <a:pt x="0" y="931129"/>
+                          </a:moveTo>
+                          <a:cubicBezTo>
+                            <a:pt x="308728" y="403228"/>
+                            <a:pt x="617456" y="-124673"/>
+                            <a:pt x="923827" y="26156"/>
+                          </a:cubicBezTo>
+                          <a:cubicBezTo>
+                            <a:pt x="1230198" y="176985"/>
+                            <a:pt x="1530285" y="1836102"/>
+                            <a:pt x="1838227" y="1836102"/>
+                          </a:cubicBezTo>
+                          <a:cubicBezTo>
+                            <a:pt x="2146169" y="1836102"/>
+                            <a:pt x="2466681" y="19871"/>
+                            <a:pt x="2771481" y="26156"/>
+                          </a:cubicBezTo>
+                          <a:cubicBezTo>
+                            <a:pt x="3076281" y="32440"/>
+                            <a:pt x="3362227" y="1873809"/>
+                            <a:pt x="3667027" y="1873809"/>
+                          </a:cubicBezTo>
+                          <a:cubicBezTo>
+                            <a:pt x="3971827" y="1873809"/>
+                            <a:pt x="4297052" y="29298"/>
+                            <a:pt x="4600281" y="26156"/>
+                          </a:cubicBezTo>
+                          <a:cubicBezTo>
+                            <a:pt x="4903510" y="23014"/>
+                            <a:pt x="5186314" y="1854956"/>
+                            <a:pt x="5486400" y="1854956"/>
+                          </a:cubicBezTo>
+                          <a:cubicBezTo>
+                            <a:pt x="5786486" y="1854956"/>
+                            <a:pt x="6094429" y="26156"/>
+                            <a:pt x="6400800" y="26156"/>
+                          </a:cubicBezTo>
+                          <a:cubicBezTo>
+                            <a:pt x="6707171" y="26156"/>
+                            <a:pt x="7019827" y="1854956"/>
+                            <a:pt x="7324627" y="1854956"/>
+                          </a:cubicBezTo>
+                          <a:cubicBezTo>
+                            <a:pt x="7629427" y="1854956"/>
+                            <a:pt x="7927942" y="26156"/>
+                            <a:pt x="8229600" y="26156"/>
+                          </a:cubicBezTo>
+                          <a:cubicBezTo>
+                            <a:pt x="8531258" y="26156"/>
+                            <a:pt x="8825061" y="1704127"/>
+                            <a:pt x="9134574" y="1854956"/>
+                          </a:cubicBezTo>
+                          <a:cubicBezTo>
+                            <a:pt x="9444087" y="2005785"/>
+                            <a:pt x="10086681" y="931129"/>
+                            <a:pt x="10086681" y="931129"/>
+                          </a:cubicBezTo>
+                          <a:lnTo>
+                            <a:pt x="10086681" y="931129"/>
+                          </a:lnTo>
+                        </a:path>
+                      </a:pathLst>
+                    </a:custGeom>
+                    <a:noFill/>
+                    <a:ln w="38100">
+                      <a:solidFill>
+                        <a:schemeClr val="tx1"/>
+                      </a:solidFill>
+                    </a:ln>
+                  </p:spPr>
+                  <p:style>
+                    <a:lnRef idx="2">
+                      <a:schemeClr val="accent1">
+                        <a:shade val="50000"/>
+                      </a:schemeClr>
+                    </a:lnRef>
+                    <a:fillRef idx="1">
+                      <a:schemeClr val="accent1"/>
+                    </a:fillRef>
+                    <a:effectRef idx="0">
+                      <a:schemeClr val="accent1"/>
+                    </a:effectRef>
+                    <a:fontRef idx="minor">
+                      <a:schemeClr val="lt1"/>
+                    </a:fontRef>
+                  </p:style>
+                  <p:txBody>
+                    <a:bodyPr rtlCol="0" anchor="ctr"/>
+                    <a:lstStyle>
+                      <a:defPPr>
+                        <a:defRPr lang="en-US"/>
+                      </a:defPPr>
+                      <a:lvl1pPr marL="0" algn="l" defTabSz="914400" rtl="0" eaLnBrk="1" latinLnBrk="0" hangingPunct="1">
+                        <a:defRPr sz="1800" kern="1200">
+                          <a:solidFill>
+                            <a:schemeClr val="lt1"/>
+                          </a:solidFill>
+                          <a:latin typeface="+mn-lt"/>
+                          <a:ea typeface="+mn-ea"/>
+                          <a:cs typeface="+mn-cs"/>
+                        </a:defRPr>
+                      </a:lvl1pPr>
+                      <a:lvl2pPr marL="457200" algn="l" defTabSz="914400" rtl="0" eaLnBrk="1" latinLnBrk="0" hangingPunct="1">
+                        <a:defRPr sz="1800" kern="1200">
+                          <a:solidFill>
+                            <a:schemeClr val="lt1"/>
+                          </a:solidFill>
+                          <a:latin typeface="+mn-lt"/>
+                          <a:ea typeface="+mn-ea"/>
+                          <a:cs typeface="+mn-cs"/>
+                        </a:defRPr>
+                      </a:lvl2pPr>
+                      <a:lvl3pPr marL="914400" algn="l" defTabSz="914400" rtl="0" eaLnBrk="1" latinLnBrk="0" hangingPunct="1">
+                        <a:defRPr sz="1800" kern="1200">
+                          <a:solidFill>
+                            <a:schemeClr val="lt1"/>
+                          </a:solidFill>
+                          <a:latin typeface="+mn-lt"/>
+                          <a:ea typeface="+mn-ea"/>
+                          <a:cs typeface="+mn-cs"/>
+                        </a:defRPr>
+                      </a:lvl3pPr>
+                      <a:lvl4pPr marL="1371600" algn="l" defTabSz="914400" rtl="0" eaLnBrk="1" latinLnBrk="0" hangingPunct="1">
+                        <a:defRPr sz="1800" kern="1200">
+                          <a:solidFill>
+                            <a:schemeClr val="lt1"/>
+                          </a:solidFill>
+                          <a:latin typeface="+mn-lt"/>
+                          <a:ea typeface="+mn-ea"/>
+                          <a:cs typeface="+mn-cs"/>
+                        </a:defRPr>
+                      </a:lvl4pPr>
+                      <a:lvl5pPr marL="1828800" algn="l" defTabSz="914400" rtl="0" eaLnBrk="1" latinLnBrk="0" hangingPunct="1">
+                        <a:defRPr sz="1800" kern="1200">
+                          <a:solidFill>
+                            <a:schemeClr val="lt1"/>
+                          </a:solidFill>
+                          <a:latin typeface="+mn-lt"/>
+                          <a:ea typeface="+mn-ea"/>
+                          <a:cs typeface="+mn-cs"/>
+                        </a:defRPr>
+                      </a:lvl5pPr>
+                      <a:lvl6pPr marL="2286000" algn="l" defTabSz="914400" rtl="0" eaLnBrk="1" latinLnBrk="0" hangingPunct="1">
+                        <a:defRPr sz="1800" kern="1200">
+                          <a:solidFill>
+                            <a:schemeClr val="lt1"/>
+                          </a:solidFill>
+                          <a:latin typeface="+mn-lt"/>
+                          <a:ea typeface="+mn-ea"/>
+                          <a:cs typeface="+mn-cs"/>
+                        </a:defRPr>
+                      </a:lvl6pPr>
+                      <a:lvl7pPr marL="2743200" algn="l" defTabSz="914400" rtl="0" eaLnBrk="1" latinLnBrk="0" hangingPunct="1">
+                        <a:defRPr sz="1800" kern="1200">
+                          <a:solidFill>
+                            <a:schemeClr val="lt1"/>
+                          </a:solidFill>
+                          <a:latin typeface="+mn-lt"/>
+                          <a:ea typeface="+mn-ea"/>
+                          <a:cs typeface="+mn-cs"/>
+                        </a:defRPr>
+                      </a:lvl7pPr>
+                      <a:lvl8pPr marL="3200400" algn="l" defTabSz="914400" rtl="0" eaLnBrk="1" latinLnBrk="0" hangingPunct="1">
+                        <a:defRPr sz="1800" kern="1200">
+                          <a:solidFill>
+                            <a:schemeClr val="lt1"/>
+                          </a:solidFill>
+                          <a:latin typeface="+mn-lt"/>
+                          <a:ea typeface="+mn-ea"/>
+                          <a:cs typeface="+mn-cs"/>
+                        </a:defRPr>
+                      </a:lvl8pPr>
+                      <a:lvl9pPr marL="3657600" algn="l" defTabSz="914400" rtl="0" eaLnBrk="1" latinLnBrk="0" hangingPunct="1">
+                        <a:defRPr sz="1800" kern="1200">
+                          <a:solidFill>
+                            <a:schemeClr val="lt1"/>
+                          </a:solidFill>
+                          <a:latin typeface="+mn-lt"/>
+                          <a:ea typeface="+mn-ea"/>
+                          <a:cs typeface="+mn-cs"/>
+                        </a:defRPr>
+                      </a:lvl9pPr>
+                    </a:lstStyle>
+                    <a:p>
+                      <a:pPr algn="ctr"/>
+                      <a:endParaRPr lang="en-US"/>
+                    </a:p>
+                  </p:txBody>
+                </p:sp>
+                <p:sp>
+                  <p:nvSpPr>
+                    <p:cNvPr id="37" name="Rectangle 36"/>
+                    <p:cNvSpPr/>
+                    <p:nvPr/>
+                  </p:nvSpPr>
+                  <p:spPr>
+                    <a:xfrm>
+                      <a:off x="2317785" y="1008668"/>
+                      <a:ext cx="123757" cy="841883"/>
+                    </a:xfrm>
+                    <a:prstGeom prst="rect">
+                      <a:avLst/>
+                    </a:prstGeom>
+                    <a:solidFill>
+                      <a:schemeClr val="tx1"/>
+                    </a:solidFill>
+                    <a:ln w="38100">
+                      <a:solidFill>
+                        <a:schemeClr val="tx1"/>
+                      </a:solidFill>
+                    </a:ln>
+                  </p:spPr>
+                  <p:style>
+                    <a:lnRef idx="2">
+                      <a:schemeClr val="accent1">
+                        <a:shade val="50000"/>
+                      </a:schemeClr>
+                    </a:lnRef>
+                    <a:fillRef idx="1">
+                      <a:schemeClr val="accent1"/>
+                    </a:fillRef>
+                    <a:effectRef idx="0">
+                      <a:schemeClr val="accent1"/>
+                    </a:effectRef>
+                    <a:fontRef idx="minor">
+                      <a:schemeClr val="lt1"/>
+                    </a:fontRef>
+                  </p:style>
+                  <p:txBody>
+                    <a:bodyPr rtlCol="0" anchor="ctr"/>
+                    <a:lstStyle>
+                      <a:defPPr>
+                        <a:defRPr lang="en-US"/>
+                      </a:defPPr>
+                      <a:lvl1pPr marL="0" algn="l" defTabSz="914400" rtl="0" eaLnBrk="1" latinLnBrk="0" hangingPunct="1">
+                        <a:defRPr sz="1800" kern="1200">
+                          <a:solidFill>
+                            <a:schemeClr val="lt1"/>
+                          </a:solidFill>
+                          <a:latin typeface="+mn-lt"/>
+                          <a:ea typeface="+mn-ea"/>
+                          <a:cs typeface="+mn-cs"/>
+                        </a:defRPr>
+                      </a:lvl1pPr>
+                      <a:lvl2pPr marL="457200" algn="l" defTabSz="914400" rtl="0" eaLnBrk="1" latinLnBrk="0" hangingPunct="1">
+                        <a:defRPr sz="1800" kern="1200">
+                          <a:solidFill>
+                            <a:schemeClr val="lt1"/>
+                          </a:solidFill>
+                          <a:latin typeface="+mn-lt"/>
+                          <a:ea typeface="+mn-ea"/>
+                          <a:cs typeface="+mn-cs"/>
+                        </a:defRPr>
+                      </a:lvl2pPr>
+                      <a:lvl3pPr marL="914400" algn="l" defTabSz="914400" rtl="0" eaLnBrk="1" latinLnBrk="0" hangingPunct="1">
+                        <a:defRPr sz="1800" kern="1200">
+                          <a:solidFill>
+                            <a:schemeClr val="lt1"/>
+                          </a:solidFill>
+                          <a:latin typeface="+mn-lt"/>
+                          <a:ea typeface="+mn-ea"/>
+                          <a:cs typeface="+mn-cs"/>
+                        </a:defRPr>
+                      </a:lvl3pPr>
+                      <a:lvl4pPr marL="1371600" algn="l" defTabSz="914400" rtl="0" eaLnBrk="1" latinLnBrk="0" hangingPunct="1">
+                        <a:defRPr sz="1800" kern="1200">
+                          <a:solidFill>
+                            <a:schemeClr val="lt1"/>
+                          </a:solidFill>
+                          <a:latin typeface="+mn-lt"/>
+                          <a:ea typeface="+mn-ea"/>
+                          <a:cs typeface="+mn-cs"/>
+                        </a:defRPr>
+                      </a:lvl4pPr>
+                      <a:lvl5pPr marL="1828800" algn="l" defTabSz="914400" rtl="0" eaLnBrk="1" latinLnBrk="0" hangingPunct="1">
+                        <a:defRPr sz="1800" kern="1200">
+                          <a:solidFill>
+                            <a:schemeClr val="lt1"/>
+                          </a:solidFill>
+                          <a:latin typeface="+mn-lt"/>
+                          <a:ea typeface="+mn-ea"/>
+                          <a:cs typeface="+mn-cs"/>
+                        </a:defRPr>
+                      </a:lvl5pPr>
+                      <a:lvl6pPr marL="2286000" algn="l" defTabSz="914400" rtl="0" eaLnBrk="1" latinLnBrk="0" hangingPunct="1">
+                        <a:defRPr sz="1800" kern="1200">
+                          <a:solidFill>
+                            <a:schemeClr val="lt1"/>
+                          </a:solidFill>
+                          <a:latin typeface="+mn-lt"/>
+                          <a:ea typeface="+mn-ea"/>
+                          <a:cs typeface="+mn-cs"/>
+                        </a:defRPr>
+                      </a:lvl6pPr>
+                      <a:lvl7pPr marL="2743200" algn="l" defTabSz="914400" rtl="0" eaLnBrk="1" latinLnBrk="0" hangingPunct="1">
+                        <a:defRPr sz="1800" kern="1200">
+                          <a:solidFill>
+                            <a:schemeClr val="lt1"/>
+                          </a:solidFill>
+                          <a:latin typeface="+mn-lt"/>
+                          <a:ea typeface="+mn-ea"/>
+                          <a:cs typeface="+mn-cs"/>
+                        </a:defRPr>
+                      </a:lvl7pPr>
+                      <a:lvl8pPr marL="3200400" algn="l" defTabSz="914400" rtl="0" eaLnBrk="1" latinLnBrk="0" hangingPunct="1">
+                        <a:defRPr sz="1800" kern="1200">
+                          <a:solidFill>
+                            <a:schemeClr val="lt1"/>
+                          </a:solidFill>
+                          <a:latin typeface="+mn-lt"/>
+                          <a:ea typeface="+mn-ea"/>
+                          <a:cs typeface="+mn-cs"/>
+                        </a:defRPr>
+                      </a:lvl8pPr>
+                      <a:lvl9pPr marL="3657600" algn="l" defTabSz="914400" rtl="0" eaLnBrk="1" latinLnBrk="0" hangingPunct="1">
+                        <a:defRPr sz="1800" kern="1200">
+                          <a:solidFill>
+                            <a:schemeClr val="lt1"/>
+                          </a:solidFill>
+                          <a:latin typeface="+mn-lt"/>
+                          <a:ea typeface="+mn-ea"/>
+                          <a:cs typeface="+mn-cs"/>
+                        </a:defRPr>
+                      </a:lvl9pPr>
+                    </a:lstStyle>
+                    <a:p>
+                      <a:pPr algn="ctr"/>
+                      <a:endParaRPr lang="en-US"/>
+                    </a:p>
+                  </p:txBody>
+                </p:sp>
+              </p:grpSp>
+              <p:cxnSp>
+                <p:nvCxnSpPr>
+                  <p:cNvPr id="26" name="Straight Arrow Connector 25"/>
+                  <p:cNvCxnSpPr/>
+                  <p:nvPr/>
+                </p:nvCxnSpPr>
+                <p:spPr>
+                  <a:xfrm>
+                    <a:off x="4471175" y="4854077"/>
+                    <a:ext cx="2977840" cy="9975"/>
+                  </a:xfrm>
+                  <a:prstGeom prst="straightConnector1">
+                    <a:avLst/>
+                  </a:prstGeom>
+                  <a:ln w="38100">
+                    <a:solidFill>
+                      <a:schemeClr val="tx1"/>
+                    </a:solidFill>
+                    <a:tailEnd type="triangle"/>
+                  </a:ln>
+                </p:spPr>
+                <p:style>
+                  <a:lnRef idx="1">
+                    <a:schemeClr val="accent1"/>
+                  </a:lnRef>
+                  <a:fillRef idx="0">
+                    <a:schemeClr val="accent1"/>
+                  </a:fillRef>
+                  <a:effectRef idx="0">
+                    <a:schemeClr val="accent1"/>
+                  </a:effectRef>
+                  <a:fontRef idx="minor">
+                    <a:schemeClr val="tx1"/>
+                  </a:fontRef>
+                </p:style>
+              </p:cxnSp>
+              <p:cxnSp>
+                <p:nvCxnSpPr>
+                  <p:cNvPr id="27" name="Straight Connector 26"/>
+                  <p:cNvCxnSpPr/>
+                  <p:nvPr/>
+                </p:nvCxnSpPr>
+                <p:spPr>
+                  <a:xfrm>
+                    <a:off x="6058353" y="4444704"/>
+                    <a:ext cx="0" cy="419348"/>
+                  </a:xfrm>
+                  <a:prstGeom prst="line">
+                    <a:avLst/>
+                  </a:prstGeom>
+                  <a:ln w="38100">
+                    <a:solidFill>
+                      <a:schemeClr val="tx1"/>
+                    </a:solidFill>
+                    <a:prstDash val="sysDot"/>
+                  </a:ln>
+                </p:spPr>
+                <p:style>
+                  <a:lnRef idx="1">
+                    <a:schemeClr val="accent1"/>
+                  </a:lnRef>
+                  <a:fillRef idx="0">
+                    <a:schemeClr val="accent1"/>
+                  </a:fillRef>
+                  <a:effectRef idx="0">
+                    <a:schemeClr val="accent1"/>
+                  </a:effectRef>
+                  <a:fontRef idx="minor">
+                    <a:schemeClr val="tx1"/>
+                  </a:fontRef>
+                </p:style>
+              </p:cxnSp>
+              <mc:AlternateContent xmlns:mc="http://schemas.openxmlformats.org/markup-compatibility/2006" xmlns:a14="http://schemas.microsoft.com/office/drawing/2010/main">
+                <mc:Choice Requires="a14">
+                  <p:sp>
+                    <p:nvSpPr>
+                      <p:cNvPr id="28" name="TextBox 89"/>
+                      <p:cNvSpPr txBox="1"/>
+                      <p:nvPr/>
+                    </p:nvSpPr>
+                    <p:spPr>
+                      <a:xfrm>
+                        <a:off x="5876122" y="4894698"/>
+                        <a:ext cx="384907" cy="307777"/>
+                      </a:xfrm>
+                      <a:prstGeom prst="rect">
+                        <a:avLst/>
+                      </a:prstGeom>
+                      <a:noFill/>
+                    </p:spPr>
+                    <p:txBody>
+                      <a:bodyPr wrap="square" lIns="0" tIns="0" rIns="0" bIns="0" rtlCol="0">
+                        <a:spAutoFit/>
+                      </a:bodyPr>
+                      <a:lstStyle>
+                        <a:defPPr>
+                          <a:defRPr lang="en-US"/>
+                        </a:defPPr>
+                        <a:lvl1pPr marL="0" algn="l" defTabSz="914400" rtl="0" eaLnBrk="1" latinLnBrk="0" hangingPunct="1">
+                          <a:defRPr sz="1800" kern="1200">
+                            <a:solidFill>
+                              <a:schemeClr val="tx1"/>
+                            </a:solidFill>
+                            <a:latin typeface="+mn-lt"/>
+                            <a:ea typeface="+mn-ea"/>
+                            <a:cs typeface="+mn-cs"/>
+                          </a:defRPr>
+                        </a:lvl1pPr>
+                        <a:lvl2pPr marL="457200" algn="l" defTabSz="914400" rtl="0" eaLnBrk="1" latinLnBrk="0" hangingPunct="1">
+                          <a:defRPr sz="1800" kern="1200">
+                            <a:solidFill>
+                              <a:schemeClr val="tx1"/>
+                            </a:solidFill>
+                            <a:latin typeface="+mn-lt"/>
+                            <a:ea typeface="+mn-ea"/>
+                            <a:cs typeface="+mn-cs"/>
+                          </a:defRPr>
+                        </a:lvl2pPr>
+                        <a:lvl3pPr marL="914400" algn="l" defTabSz="914400" rtl="0" eaLnBrk="1" latinLnBrk="0" hangingPunct="1">
+                          <a:defRPr sz="1800" kern="1200">
+                            <a:solidFill>
+                              <a:schemeClr val="tx1"/>
+                            </a:solidFill>
+                            <a:latin typeface="+mn-lt"/>
+                            <a:ea typeface="+mn-ea"/>
+                            <a:cs typeface="+mn-cs"/>
+                          </a:defRPr>
+                        </a:lvl3pPr>
+                        <a:lvl4pPr marL="1371600" algn="l" defTabSz="914400" rtl="0" eaLnBrk="1" latinLnBrk="0" hangingPunct="1">
+                          <a:defRPr sz="1800" kern="1200">
+                            <a:solidFill>
+                              <a:schemeClr val="tx1"/>
+                            </a:solidFill>
+                            <a:latin typeface="+mn-lt"/>
+                            <a:ea typeface="+mn-ea"/>
+                            <a:cs typeface="+mn-cs"/>
+                          </a:defRPr>
+                        </a:lvl4pPr>
+                        <a:lvl5pPr marL="1828800" algn="l" defTabSz="914400" rtl="0" eaLnBrk="1" latinLnBrk="0" hangingPunct="1">
+                          <a:defRPr sz="1800" kern="1200">
+                            <a:solidFill>
+                              <a:schemeClr val="tx1"/>
+                            </a:solidFill>
+                            <a:latin typeface="+mn-lt"/>
+                            <a:ea typeface="+mn-ea"/>
+                            <a:cs typeface="+mn-cs"/>
+                          </a:defRPr>
+                        </a:lvl5pPr>
+                        <a:lvl6pPr marL="2286000" algn="l" defTabSz="914400" rtl="0" eaLnBrk="1" latinLnBrk="0" hangingPunct="1">
+                          <a:defRPr sz="1800" kern="1200">
+                            <a:solidFill>
+                              <a:schemeClr val="tx1"/>
+                            </a:solidFill>
+                            <a:latin typeface="+mn-lt"/>
+                            <a:ea typeface="+mn-ea"/>
+                            <a:cs typeface="+mn-cs"/>
+                          </a:defRPr>
+                        </a:lvl6pPr>
+                        <a:lvl7pPr marL="2743200" algn="l" defTabSz="914400" rtl="0" eaLnBrk="1" latinLnBrk="0" hangingPunct="1">
+                          <a:defRPr sz="1800" kern="1200">
+                            <a:solidFill>
+                              <a:schemeClr val="tx1"/>
+                            </a:solidFill>
+                            <a:latin typeface="+mn-lt"/>
+                            <a:ea typeface="+mn-ea"/>
+                            <a:cs typeface="+mn-cs"/>
+                          </a:defRPr>
+                        </a:lvl7pPr>
+                        <a:lvl8pPr marL="3200400" algn="l" defTabSz="914400" rtl="0" eaLnBrk="1" latinLnBrk="0" hangingPunct="1">
+                          <a:defRPr sz="1800" kern="1200">
+                            <a:solidFill>
+                              <a:schemeClr val="tx1"/>
+                            </a:solidFill>
+                            <a:latin typeface="+mn-lt"/>
+                            <a:ea typeface="+mn-ea"/>
+                            <a:cs typeface="+mn-cs"/>
+                          </a:defRPr>
+                        </a:lvl8pPr>
+                        <a:lvl9pPr marL="3657600" algn="l" defTabSz="914400" rtl="0" eaLnBrk="1" latinLnBrk="0" hangingPunct="1">
+                          <a:defRPr sz="1800" kern="1200">
+                            <a:solidFill>
+                              <a:schemeClr val="tx1"/>
+                            </a:solidFill>
+                            <a:latin typeface="+mn-lt"/>
+                            <a:ea typeface="+mn-ea"/>
+                            <a:cs typeface="+mn-cs"/>
+                          </a:defRPr>
+                        </a:lvl9pPr>
+                      </a:lstStyle>
+                      <a:p>
+                        <a:pPr/>
+                        <a14:m>
+                          <m:oMathPara xmlns:m="http://schemas.openxmlformats.org/officeDocument/2006/math">
+                            <m:oMathParaPr>
+                              <m:jc m:val="centerGroup"/>
+                            </m:oMathParaPr>
+                            <m:oMath xmlns:m="http://schemas.openxmlformats.org/officeDocument/2006/math">
+                              <m:r>
+                                <a:rPr lang="en-US" sz="2000" b="0" i="1" smtClean="0">
+                                  <a:latin typeface="Cambria Math" panose="02040503050406030204" pitchFamily="18" charset="0"/>
+                                  <a:cs typeface="Arial" panose="020B0604020202020204" pitchFamily="34" charset="0"/>
+                                </a:rPr>
+                                <m:t>0</m:t>
+                              </m:r>
+                            </m:oMath>
+                          </m:oMathPara>
+                        </a14:m>
+                        <a:endParaRPr lang="en-US" sz="2000" dirty="0">
+                          <a:latin typeface="Arial" panose="020B0604020202020204" pitchFamily="34" charset="0"/>
+                          <a:cs typeface="Arial" panose="020B0604020202020204" pitchFamily="34" charset="0"/>
+                        </a:endParaRPr>
+                      </a:p>
+                    </p:txBody>
+                  </p:sp>
+                </mc:Choice>
+                <mc:Fallback xmlns="">
+                  <p:sp>
+                    <p:nvSpPr>
+                      <p:cNvPr id="28" name="TextBox 89"/>
+                      <p:cNvSpPr txBox="1">
+                        <a:spLocks noRot="1" noChangeAspect="1" noMove="1" noResize="1" noEditPoints="1" noAdjustHandles="1" noChangeArrowheads="1" noChangeShapeType="1" noTextEdit="1"/>
+                      </p:cNvSpPr>
+                      <p:nvPr/>
+                    </p:nvSpPr>
+                    <p:spPr>
+                      <a:xfrm>
+                        <a:off x="5876122" y="4894698"/>
+                        <a:ext cx="384907" cy="307777"/>
+                      </a:xfrm>
+                      <a:prstGeom prst="rect">
+                        <a:avLst/>
+                      </a:prstGeom>
+                      <a:blipFill>
+                        <a:blip r:embed="rId9"/>
+                        <a:stretch>
+                          <a:fillRect b="-9804"/>
+                        </a:stretch>
+                      </a:blipFill>
+                    </p:spPr>
+                    <p:txBody>
+                      <a:bodyPr/>
+                      <a:lstStyle/>
+                      <a:p>
+                        <a:r>
+                          <a:rPr lang="en-US">
+                            <a:noFill/>
+                          </a:rPr>
+                          <a:t> </a:t>
+                        </a:r>
+                      </a:p>
+                    </p:txBody>
+                  </p:sp>
+                </mc:Fallback>
+              </mc:AlternateContent>
+              <p:sp>
+                <p:nvSpPr>
+                  <p:cNvPr id="29" name="Freeform 28"/>
+                  <p:cNvSpPr/>
+                  <p:nvPr/>
+                </p:nvSpPr>
+                <p:spPr>
+                  <a:xfrm>
+                    <a:off x="4503113" y="5405883"/>
+                    <a:ext cx="761679" cy="537328"/>
+                  </a:xfrm>
+                  <a:custGeom>
+                    <a:avLst/>
+                    <a:gdLst>
+                      <a:gd name="connsiteX0" fmla="*/ 0 w 10086681"/>
+                      <a:gd name="connsiteY0" fmla="*/ 931129 h 1873809"/>
+                      <a:gd name="connsiteX1" fmla="*/ 923827 w 10086681"/>
+                      <a:gd name="connsiteY1" fmla="*/ 26156 h 1873809"/>
+                      <a:gd name="connsiteX2" fmla="*/ 1838227 w 10086681"/>
+                      <a:gd name="connsiteY2" fmla="*/ 1836102 h 1873809"/>
+                      <a:gd name="connsiteX3" fmla="*/ 2771481 w 10086681"/>
+                      <a:gd name="connsiteY3" fmla="*/ 26156 h 1873809"/>
+                      <a:gd name="connsiteX4" fmla="*/ 3667027 w 10086681"/>
+                      <a:gd name="connsiteY4" fmla="*/ 1873809 h 1873809"/>
+                      <a:gd name="connsiteX5" fmla="*/ 4600281 w 10086681"/>
+                      <a:gd name="connsiteY5" fmla="*/ 26156 h 1873809"/>
+                      <a:gd name="connsiteX6" fmla="*/ 5486400 w 10086681"/>
+                      <a:gd name="connsiteY6" fmla="*/ 1854956 h 1873809"/>
+                      <a:gd name="connsiteX7" fmla="*/ 6400800 w 10086681"/>
+                      <a:gd name="connsiteY7" fmla="*/ 26156 h 1873809"/>
+                      <a:gd name="connsiteX8" fmla="*/ 7324627 w 10086681"/>
+                      <a:gd name="connsiteY8" fmla="*/ 1854956 h 1873809"/>
+                      <a:gd name="connsiteX9" fmla="*/ 8229600 w 10086681"/>
+                      <a:gd name="connsiteY9" fmla="*/ 26156 h 1873809"/>
+                      <a:gd name="connsiteX10" fmla="*/ 9134574 w 10086681"/>
+                      <a:gd name="connsiteY10" fmla="*/ 1854956 h 1873809"/>
+                      <a:gd name="connsiteX11" fmla="*/ 10086681 w 10086681"/>
+                      <a:gd name="connsiteY11" fmla="*/ 931129 h 1873809"/>
+                      <a:gd name="connsiteX12" fmla="*/ 10086681 w 10086681"/>
+                      <a:gd name="connsiteY12" fmla="*/ 931129 h 1873809"/>
+                    </a:gdLst>
+                    <a:ahLst/>
+                    <a:cxnLst>
+                      <a:cxn ang="0">
+                        <a:pos x="connsiteX0" y="connsiteY0"/>
+                      </a:cxn>
+                      <a:cxn ang="0">
+                        <a:pos x="connsiteX1" y="connsiteY1"/>
+                      </a:cxn>
+                      <a:cxn ang="0">
+                        <a:pos x="connsiteX2" y="connsiteY2"/>
+                      </a:cxn>
+                      <a:cxn ang="0">
+                        <a:pos x="connsiteX3" y="connsiteY3"/>
+                      </a:cxn>
+                      <a:cxn ang="0">
+                        <a:pos x="connsiteX4" y="connsiteY4"/>
+                      </a:cxn>
+                      <a:cxn ang="0">
+                        <a:pos x="connsiteX5" y="connsiteY5"/>
+                      </a:cxn>
+                      <a:cxn ang="0">
+                        <a:pos x="connsiteX6" y="connsiteY6"/>
+                      </a:cxn>
+                      <a:cxn ang="0">
+                        <a:pos x="connsiteX7" y="connsiteY7"/>
+                      </a:cxn>
+                      <a:cxn ang="0">
+                        <a:pos x="connsiteX8" y="connsiteY8"/>
+                      </a:cxn>
+                      <a:cxn ang="0">
+                        <a:pos x="connsiteX9" y="connsiteY9"/>
+                      </a:cxn>
+                      <a:cxn ang="0">
+                        <a:pos x="connsiteX10" y="connsiteY10"/>
+                      </a:cxn>
+                      <a:cxn ang="0">
+                        <a:pos x="connsiteX11" y="connsiteY11"/>
+                      </a:cxn>
+                      <a:cxn ang="0">
+                        <a:pos x="connsiteX12" y="connsiteY12"/>
+                      </a:cxn>
+                    </a:cxnLst>
+                    <a:rect l="l" t="t" r="r" b="b"/>
+                    <a:pathLst>
+                      <a:path w="10086681" h="1873809">
+                        <a:moveTo>
+                          <a:pt x="0" y="931129"/>
+                        </a:moveTo>
+                        <a:cubicBezTo>
+                          <a:pt x="308728" y="403228"/>
+                          <a:pt x="617456" y="-124673"/>
+                          <a:pt x="923827" y="26156"/>
+                        </a:cubicBezTo>
+                        <a:cubicBezTo>
+                          <a:pt x="1230198" y="176985"/>
+                          <a:pt x="1530285" y="1836102"/>
+                          <a:pt x="1838227" y="1836102"/>
+                        </a:cubicBezTo>
+                        <a:cubicBezTo>
+                          <a:pt x="2146169" y="1836102"/>
+                          <a:pt x="2466681" y="19871"/>
+                          <a:pt x="2771481" y="26156"/>
+                        </a:cubicBezTo>
+                        <a:cubicBezTo>
+                          <a:pt x="3076281" y="32440"/>
+                          <a:pt x="3362227" y="1873809"/>
+                          <a:pt x="3667027" y="1873809"/>
+                        </a:cubicBezTo>
+                        <a:cubicBezTo>
+                          <a:pt x="3971827" y="1873809"/>
+                          <a:pt x="4297052" y="29298"/>
+                          <a:pt x="4600281" y="26156"/>
+                        </a:cubicBezTo>
+                        <a:cubicBezTo>
+                          <a:pt x="4903510" y="23014"/>
+                          <a:pt x="5186314" y="1854956"/>
+                          <a:pt x="5486400" y="1854956"/>
+                        </a:cubicBezTo>
+                        <a:cubicBezTo>
+                          <a:pt x="5786486" y="1854956"/>
+                          <a:pt x="6094429" y="26156"/>
+                          <a:pt x="6400800" y="26156"/>
+                        </a:cubicBezTo>
+                        <a:cubicBezTo>
+                          <a:pt x="6707171" y="26156"/>
+                          <a:pt x="7019827" y="1854956"/>
+                          <a:pt x="7324627" y="1854956"/>
+                        </a:cubicBezTo>
+                        <a:cubicBezTo>
+                          <a:pt x="7629427" y="1854956"/>
+                          <a:pt x="7927942" y="26156"/>
+                          <a:pt x="8229600" y="26156"/>
+                        </a:cubicBezTo>
+                        <a:cubicBezTo>
+                          <a:pt x="8531258" y="26156"/>
+                          <a:pt x="8825061" y="1704127"/>
+                          <a:pt x="9134574" y="1854956"/>
+                        </a:cubicBezTo>
+                        <a:cubicBezTo>
+                          <a:pt x="9444087" y="2005785"/>
+                          <a:pt x="10086681" y="931129"/>
+                          <a:pt x="10086681" y="931129"/>
+                        </a:cubicBezTo>
+                        <a:lnTo>
+                          <a:pt x="10086681" y="931129"/>
+                        </a:lnTo>
+                      </a:path>
+                    </a:pathLst>
+                  </a:custGeom>
+                  <a:noFill/>
+                  <a:ln w="38100">
+                    <a:solidFill>
+                      <a:schemeClr val="tx1"/>
+                    </a:solidFill>
+                  </a:ln>
+                </p:spPr>
+                <p:style>
+                  <a:lnRef idx="2">
+                    <a:schemeClr val="accent1">
+                      <a:shade val="50000"/>
+                    </a:schemeClr>
+                  </a:lnRef>
+                  <a:fillRef idx="1">
+                    <a:schemeClr val="accent1"/>
+                  </a:fillRef>
+                  <a:effectRef idx="0">
+                    <a:schemeClr val="accent1"/>
+                  </a:effectRef>
+                  <a:fontRef idx="minor">
+                    <a:schemeClr val="lt1"/>
+                  </a:fontRef>
+                </p:style>
+                <p:txBody>
+                  <a:bodyPr rtlCol="0" anchor="ctr"/>
+                  <a:lstStyle>
+                    <a:defPPr>
+                      <a:defRPr lang="en-US"/>
+                    </a:defPPr>
+                    <a:lvl1pPr marL="0" algn="l" defTabSz="914400" rtl="0" eaLnBrk="1" latinLnBrk="0" hangingPunct="1">
+                      <a:defRPr sz="1800" kern="1200">
+                        <a:solidFill>
+                          <a:schemeClr val="lt1"/>
+                        </a:solidFill>
+                        <a:latin typeface="+mn-lt"/>
+                        <a:ea typeface="+mn-ea"/>
+                        <a:cs typeface="+mn-cs"/>
+                      </a:defRPr>
+                    </a:lvl1pPr>
+                    <a:lvl2pPr marL="457200" algn="l" defTabSz="914400" rtl="0" eaLnBrk="1" latinLnBrk="0" hangingPunct="1">
+                      <a:defRPr sz="1800" kern="1200">
+                        <a:solidFill>
+                          <a:schemeClr val="lt1"/>
+                        </a:solidFill>
+                        <a:latin typeface="+mn-lt"/>
+                        <a:ea typeface="+mn-ea"/>
+                        <a:cs typeface="+mn-cs"/>
+                      </a:defRPr>
+                    </a:lvl2pPr>
+                    <a:lvl3pPr marL="914400" algn="l" defTabSz="914400" rtl="0" eaLnBrk="1" latinLnBrk="0" hangingPunct="1">
+                      <a:defRPr sz="1800" kern="1200">
+                        <a:solidFill>
+                          <a:schemeClr val="lt1"/>
+                        </a:solidFill>
+                        <a:latin typeface="+mn-lt"/>
+                        <a:ea typeface="+mn-ea"/>
+                        <a:cs typeface="+mn-cs"/>
+                      </a:defRPr>
+                    </a:lvl3pPr>
+                    <a:lvl4pPr marL="1371600" algn="l" defTabSz="914400" rtl="0" eaLnBrk="1" latinLnBrk="0" hangingPunct="1">
+                      <a:defRPr sz="1800" kern="1200">
+                        <a:solidFill>
+                          <a:schemeClr val="lt1"/>
+                        </a:solidFill>
+                        <a:latin typeface="+mn-lt"/>
+                        <a:ea typeface="+mn-ea"/>
+                        <a:cs typeface="+mn-cs"/>
+                      </a:defRPr>
+                    </a:lvl4pPr>
+                    <a:lvl5pPr marL="1828800" algn="l" defTabSz="914400" rtl="0" eaLnBrk="1" latinLnBrk="0" hangingPunct="1">
+                      <a:defRPr sz="1800" kern="1200">
+                        <a:solidFill>
+                          <a:schemeClr val="lt1"/>
+                        </a:solidFill>
+                        <a:latin typeface="+mn-lt"/>
+                        <a:ea typeface="+mn-ea"/>
+                        <a:cs typeface="+mn-cs"/>
+                      </a:defRPr>
+                    </a:lvl5pPr>
+                    <a:lvl6pPr marL="2286000" algn="l" defTabSz="914400" rtl="0" eaLnBrk="1" latinLnBrk="0" hangingPunct="1">
+                      <a:defRPr sz="1800" kern="1200">
+                        <a:solidFill>
+                          <a:schemeClr val="lt1"/>
+                        </a:solidFill>
+                        <a:latin typeface="+mn-lt"/>
+                        <a:ea typeface="+mn-ea"/>
+                        <a:cs typeface="+mn-cs"/>
+                      </a:defRPr>
+                    </a:lvl6pPr>
+                    <a:lvl7pPr marL="2743200" algn="l" defTabSz="914400" rtl="0" eaLnBrk="1" latinLnBrk="0" hangingPunct="1">
+                      <a:defRPr sz="1800" kern="1200">
+                        <a:solidFill>
+                          <a:schemeClr val="lt1"/>
+                        </a:solidFill>
+                        <a:latin typeface="+mn-lt"/>
+                        <a:ea typeface="+mn-ea"/>
+                        <a:cs typeface="+mn-cs"/>
+                      </a:defRPr>
+                    </a:lvl7pPr>
+                    <a:lvl8pPr marL="3200400" algn="l" defTabSz="914400" rtl="0" eaLnBrk="1" latinLnBrk="0" hangingPunct="1">
+                      <a:defRPr sz="1800" kern="1200">
+                        <a:solidFill>
+                          <a:schemeClr val="lt1"/>
+                        </a:solidFill>
+                        <a:latin typeface="+mn-lt"/>
+                        <a:ea typeface="+mn-ea"/>
+                        <a:cs typeface="+mn-cs"/>
+                      </a:defRPr>
+                    </a:lvl8pPr>
+                    <a:lvl9pPr marL="3657600" algn="l" defTabSz="914400" rtl="0" eaLnBrk="1" latinLnBrk="0" hangingPunct="1">
+                      <a:defRPr sz="1800" kern="1200">
+                        <a:solidFill>
+                          <a:schemeClr val="lt1"/>
+                        </a:solidFill>
+                        <a:latin typeface="+mn-lt"/>
+                        <a:ea typeface="+mn-ea"/>
+                        <a:cs typeface="+mn-cs"/>
+                      </a:defRPr>
+                    </a:lvl9pPr>
+                  </a:lstStyle>
+                  <a:p>
+                    <a:pPr algn="ctr"/>
+                    <a:endParaRPr lang="en-US"/>
+                  </a:p>
+                </p:txBody>
+              </p:sp>
+              <p:sp>
+                <p:nvSpPr>
+                  <p:cNvPr id="30" name="Rectangle 29"/>
+                  <p:cNvSpPr/>
+                  <p:nvPr/>
+                </p:nvSpPr>
+                <p:spPr>
+                  <a:xfrm>
+                    <a:off x="6058353" y="3929380"/>
+                    <a:ext cx="405353" cy="488624"/>
+                  </a:xfrm>
+                  <a:prstGeom prst="rect">
+                    <a:avLst/>
+                  </a:prstGeom>
+                  <a:solidFill>
+                    <a:schemeClr val="bg2">
+                      <a:lumMod val="90000"/>
+                    </a:schemeClr>
+                  </a:solidFill>
+                  <a:ln w="38100">
+                    <a:solidFill>
+                      <a:schemeClr val="tx1"/>
+                    </a:solidFill>
+                  </a:ln>
+                </p:spPr>
+                <p:style>
+                  <a:lnRef idx="2">
+                    <a:schemeClr val="accent1">
+                      <a:shade val="50000"/>
+                    </a:schemeClr>
+                  </a:lnRef>
+                  <a:fillRef idx="1">
+                    <a:schemeClr val="accent1"/>
+                  </a:fillRef>
+                  <a:effectRef idx="0">
+                    <a:schemeClr val="accent1"/>
+                  </a:effectRef>
+                  <a:fontRef idx="minor">
+                    <a:schemeClr val="lt1"/>
+                  </a:fontRef>
+                </p:style>
+                <p:txBody>
+                  <a:bodyPr rtlCol="0" anchor="ctr"/>
+                  <a:lstStyle>
+                    <a:defPPr>
+                      <a:defRPr lang="en-US"/>
+                    </a:defPPr>
+                    <a:lvl1pPr marL="0" algn="l" defTabSz="914400" rtl="0" eaLnBrk="1" latinLnBrk="0" hangingPunct="1">
+                      <a:defRPr sz="1800" kern="1200">
+                        <a:solidFill>
+                          <a:schemeClr val="lt1"/>
+                        </a:solidFill>
+                        <a:latin typeface="+mn-lt"/>
+                        <a:ea typeface="+mn-ea"/>
+                        <a:cs typeface="+mn-cs"/>
+                      </a:defRPr>
+                    </a:lvl1pPr>
+                    <a:lvl2pPr marL="457200" algn="l" defTabSz="914400" rtl="0" eaLnBrk="1" latinLnBrk="0" hangingPunct="1">
+                      <a:defRPr sz="1800" kern="1200">
+                        <a:solidFill>
+                          <a:schemeClr val="lt1"/>
+                        </a:solidFill>
+                        <a:latin typeface="+mn-lt"/>
+                        <a:ea typeface="+mn-ea"/>
+                        <a:cs typeface="+mn-cs"/>
+                      </a:defRPr>
+                    </a:lvl2pPr>
+                    <a:lvl3pPr marL="914400" algn="l" defTabSz="914400" rtl="0" eaLnBrk="1" latinLnBrk="0" hangingPunct="1">
+                      <a:defRPr sz="1800" kern="1200">
+                        <a:solidFill>
+                          <a:schemeClr val="lt1"/>
+                        </a:solidFill>
+                        <a:latin typeface="+mn-lt"/>
+                        <a:ea typeface="+mn-ea"/>
+                        <a:cs typeface="+mn-cs"/>
+                      </a:defRPr>
+                    </a:lvl3pPr>
+                    <a:lvl4pPr marL="1371600" algn="l" defTabSz="914400" rtl="0" eaLnBrk="1" latinLnBrk="0" hangingPunct="1">
+                      <a:defRPr sz="1800" kern="1200">
+                        <a:solidFill>
+                          <a:schemeClr val="lt1"/>
+                        </a:solidFill>
+                        <a:latin typeface="+mn-lt"/>
+                        <a:ea typeface="+mn-ea"/>
+                        <a:cs typeface="+mn-cs"/>
+                      </a:defRPr>
+                    </a:lvl4pPr>
+                    <a:lvl5pPr marL="1828800" algn="l" defTabSz="914400" rtl="0" eaLnBrk="1" latinLnBrk="0" hangingPunct="1">
+                      <a:defRPr sz="1800" kern="1200">
+                        <a:solidFill>
+                          <a:schemeClr val="lt1"/>
+                        </a:solidFill>
+                        <a:latin typeface="+mn-lt"/>
+                        <a:ea typeface="+mn-ea"/>
+                        <a:cs typeface="+mn-cs"/>
+                      </a:defRPr>
+                    </a:lvl5pPr>
+                    <a:lvl6pPr marL="2286000" algn="l" defTabSz="914400" rtl="0" eaLnBrk="1" latinLnBrk="0" hangingPunct="1">
+                      <a:defRPr sz="1800" kern="1200">
+                        <a:solidFill>
+                          <a:schemeClr val="lt1"/>
+                        </a:solidFill>
+                        <a:latin typeface="+mn-lt"/>
+                        <a:ea typeface="+mn-ea"/>
+                        <a:cs typeface="+mn-cs"/>
+                      </a:defRPr>
+                    </a:lvl6pPr>
+                    <a:lvl7pPr marL="2743200" algn="l" defTabSz="914400" rtl="0" eaLnBrk="1" latinLnBrk="0" hangingPunct="1">
+                      <a:defRPr sz="1800" kern="1200">
+                        <a:solidFill>
+                          <a:schemeClr val="lt1"/>
+                        </a:solidFill>
+                        <a:latin typeface="+mn-lt"/>
+                        <a:ea typeface="+mn-ea"/>
+                        <a:cs typeface="+mn-cs"/>
+                      </a:defRPr>
+                    </a:lvl7pPr>
+                    <a:lvl8pPr marL="3200400" algn="l" defTabSz="914400" rtl="0" eaLnBrk="1" latinLnBrk="0" hangingPunct="1">
+                      <a:defRPr sz="1800" kern="1200">
+                        <a:solidFill>
+                          <a:schemeClr val="lt1"/>
+                        </a:solidFill>
+                        <a:latin typeface="+mn-lt"/>
+                        <a:ea typeface="+mn-ea"/>
+                        <a:cs typeface="+mn-cs"/>
+                      </a:defRPr>
+                    </a:lvl8pPr>
+                    <a:lvl9pPr marL="3657600" algn="l" defTabSz="914400" rtl="0" eaLnBrk="1" latinLnBrk="0" hangingPunct="1">
+                      <a:defRPr sz="1800" kern="1200">
+                        <a:solidFill>
+                          <a:schemeClr val="lt1"/>
+                        </a:solidFill>
+                        <a:latin typeface="+mn-lt"/>
+                        <a:ea typeface="+mn-ea"/>
+                        <a:cs typeface="+mn-cs"/>
+                      </a:defRPr>
+                    </a:lvl9pPr>
+                  </a:lstStyle>
+                  <a:p>
+                    <a:pPr algn="ctr"/>
+                    <a:endParaRPr lang="en-US"/>
+                  </a:p>
+                </p:txBody>
+              </p:sp>
+              <p:sp>
+                <p:nvSpPr>
+                  <p:cNvPr id="31" name="Rectangle 30"/>
+                  <p:cNvSpPr/>
+                  <p:nvPr/>
+                </p:nvSpPr>
+                <p:spPr>
+                  <a:xfrm>
+                    <a:off x="5263629" y="5452875"/>
+                    <a:ext cx="405353" cy="488624"/>
+                  </a:xfrm>
+                  <a:prstGeom prst="rect">
+                    <a:avLst/>
+                  </a:prstGeom>
+                  <a:solidFill>
+                    <a:schemeClr val="bg2">
+                      <a:lumMod val="90000"/>
+                    </a:schemeClr>
+                  </a:solidFill>
+                  <a:ln w="38100">
+                    <a:solidFill>
+                      <a:schemeClr val="tx1"/>
+                    </a:solidFill>
+                  </a:ln>
+                </p:spPr>
+                <p:style>
+                  <a:lnRef idx="2">
+                    <a:schemeClr val="accent1">
+                      <a:shade val="50000"/>
+                    </a:schemeClr>
+                  </a:lnRef>
+                  <a:fillRef idx="1">
+                    <a:schemeClr val="accent1"/>
+                  </a:fillRef>
+                  <a:effectRef idx="0">
+                    <a:schemeClr val="accent1"/>
+                  </a:effectRef>
+                  <a:fontRef idx="minor">
+                    <a:schemeClr val="lt1"/>
+                  </a:fontRef>
+                </p:style>
+                <p:txBody>
+                  <a:bodyPr rtlCol="0" anchor="ctr"/>
+                  <a:lstStyle>
+                    <a:defPPr>
+                      <a:defRPr lang="en-US"/>
+                    </a:defPPr>
+                    <a:lvl1pPr marL="0" algn="l" defTabSz="914400" rtl="0" eaLnBrk="1" latinLnBrk="0" hangingPunct="1">
+                      <a:defRPr sz="1800" kern="1200">
+                        <a:solidFill>
+                          <a:schemeClr val="lt1"/>
+                        </a:solidFill>
+                        <a:latin typeface="+mn-lt"/>
+                        <a:ea typeface="+mn-ea"/>
+                        <a:cs typeface="+mn-cs"/>
+                      </a:defRPr>
+                    </a:lvl1pPr>
+                    <a:lvl2pPr marL="457200" algn="l" defTabSz="914400" rtl="0" eaLnBrk="1" latinLnBrk="0" hangingPunct="1">
+                      <a:defRPr sz="1800" kern="1200">
+                        <a:solidFill>
+                          <a:schemeClr val="lt1"/>
+                        </a:solidFill>
+                        <a:latin typeface="+mn-lt"/>
+                        <a:ea typeface="+mn-ea"/>
+                        <a:cs typeface="+mn-cs"/>
+                      </a:defRPr>
+                    </a:lvl2pPr>
+                    <a:lvl3pPr marL="914400" algn="l" defTabSz="914400" rtl="0" eaLnBrk="1" latinLnBrk="0" hangingPunct="1">
+                      <a:defRPr sz="1800" kern="1200">
+                        <a:solidFill>
+                          <a:schemeClr val="lt1"/>
+                        </a:solidFill>
+                        <a:latin typeface="+mn-lt"/>
+                        <a:ea typeface="+mn-ea"/>
+                        <a:cs typeface="+mn-cs"/>
+                      </a:defRPr>
+                    </a:lvl3pPr>
+                    <a:lvl4pPr marL="1371600" algn="l" defTabSz="914400" rtl="0" eaLnBrk="1" latinLnBrk="0" hangingPunct="1">
+                      <a:defRPr sz="1800" kern="1200">
+                        <a:solidFill>
+                          <a:schemeClr val="lt1"/>
+                        </a:solidFill>
+                        <a:latin typeface="+mn-lt"/>
+                        <a:ea typeface="+mn-ea"/>
+                        <a:cs typeface="+mn-cs"/>
+                      </a:defRPr>
+                    </a:lvl4pPr>
+                    <a:lvl5pPr marL="1828800" algn="l" defTabSz="914400" rtl="0" eaLnBrk="1" latinLnBrk="0" hangingPunct="1">
+                      <a:defRPr sz="1800" kern="1200">
+                        <a:solidFill>
+                          <a:schemeClr val="lt1"/>
+                        </a:solidFill>
+                        <a:latin typeface="+mn-lt"/>
+                        <a:ea typeface="+mn-ea"/>
+                        <a:cs typeface="+mn-cs"/>
+                      </a:defRPr>
+                    </a:lvl5pPr>
+                    <a:lvl6pPr marL="2286000" algn="l" defTabSz="914400" rtl="0" eaLnBrk="1" latinLnBrk="0" hangingPunct="1">
+                      <a:defRPr sz="1800" kern="1200">
+                        <a:solidFill>
+                          <a:schemeClr val="lt1"/>
+                        </a:solidFill>
+                        <a:latin typeface="+mn-lt"/>
+                        <a:ea typeface="+mn-ea"/>
+                        <a:cs typeface="+mn-cs"/>
+                      </a:defRPr>
+                    </a:lvl6pPr>
+                    <a:lvl7pPr marL="2743200" algn="l" defTabSz="914400" rtl="0" eaLnBrk="1" latinLnBrk="0" hangingPunct="1">
+                      <a:defRPr sz="1800" kern="1200">
+                        <a:solidFill>
+                          <a:schemeClr val="lt1"/>
+                        </a:solidFill>
+                        <a:latin typeface="+mn-lt"/>
+                        <a:ea typeface="+mn-ea"/>
+                        <a:cs typeface="+mn-cs"/>
+                      </a:defRPr>
+                    </a:lvl7pPr>
+                    <a:lvl8pPr marL="3200400" algn="l" defTabSz="914400" rtl="0" eaLnBrk="1" latinLnBrk="0" hangingPunct="1">
+                      <a:defRPr sz="1800" kern="1200">
+                        <a:solidFill>
+                          <a:schemeClr val="lt1"/>
+                        </a:solidFill>
+                        <a:latin typeface="+mn-lt"/>
+                        <a:ea typeface="+mn-ea"/>
+                        <a:cs typeface="+mn-cs"/>
+                      </a:defRPr>
+                    </a:lvl8pPr>
+                    <a:lvl9pPr marL="3657600" algn="l" defTabSz="914400" rtl="0" eaLnBrk="1" latinLnBrk="0" hangingPunct="1">
+                      <a:defRPr sz="1800" kern="1200">
+                        <a:solidFill>
+                          <a:schemeClr val="lt1"/>
+                        </a:solidFill>
+                        <a:latin typeface="+mn-lt"/>
+                        <a:ea typeface="+mn-ea"/>
+                        <a:cs typeface="+mn-cs"/>
+                      </a:defRPr>
+                    </a:lvl9pPr>
+                  </a:lstStyle>
+                  <a:p>
+                    <a:pPr algn="ctr"/>
+                    <a:endParaRPr lang="en-US"/>
+                  </a:p>
+                </p:txBody>
+              </p:sp>
+              <mc:AlternateContent xmlns:mc="http://schemas.openxmlformats.org/markup-compatibility/2006" xmlns:a14="http://schemas.microsoft.com/office/drawing/2010/main">
+                <mc:Choice Requires="a14">
+                  <p:sp>
+                    <p:nvSpPr>
+                      <p:cNvPr id="32" name="Rectangle 31"/>
+                      <p:cNvSpPr/>
+                      <p:nvPr/>
+                    </p:nvSpPr>
+                    <p:spPr>
+                      <a:xfrm>
+                        <a:off x="5446486" y="4808235"/>
+                        <a:ext cx="404598" cy="369332"/>
+                      </a:xfrm>
+                      <a:prstGeom prst="rect">
+                        <a:avLst/>
+                      </a:prstGeom>
+                    </p:spPr>
+                    <p:txBody>
+                      <a:bodyPr wrap="none">
+                        <a:spAutoFit/>
+                      </a:bodyPr>
+                      <a:lstStyle>
+                        <a:defPPr>
+                          <a:defRPr lang="en-US"/>
+                        </a:defPPr>
+                        <a:lvl1pPr marL="0" algn="l" defTabSz="914400" rtl="0" eaLnBrk="1" latinLnBrk="0" hangingPunct="1">
+                          <a:defRPr sz="1800" kern="1200">
+                            <a:solidFill>
+                              <a:schemeClr val="tx1"/>
+                            </a:solidFill>
+                            <a:latin typeface="+mn-lt"/>
+                            <a:ea typeface="+mn-ea"/>
+                            <a:cs typeface="+mn-cs"/>
+                          </a:defRPr>
+                        </a:lvl1pPr>
+                        <a:lvl2pPr marL="457200" algn="l" defTabSz="914400" rtl="0" eaLnBrk="1" latinLnBrk="0" hangingPunct="1">
+                          <a:defRPr sz="1800" kern="1200">
+                            <a:solidFill>
+                              <a:schemeClr val="tx1"/>
+                            </a:solidFill>
+                            <a:latin typeface="+mn-lt"/>
+                            <a:ea typeface="+mn-ea"/>
+                            <a:cs typeface="+mn-cs"/>
+                          </a:defRPr>
+                        </a:lvl2pPr>
+                        <a:lvl3pPr marL="914400" algn="l" defTabSz="914400" rtl="0" eaLnBrk="1" latinLnBrk="0" hangingPunct="1">
+                          <a:defRPr sz="1800" kern="1200">
+                            <a:solidFill>
+                              <a:schemeClr val="tx1"/>
+                            </a:solidFill>
+                            <a:latin typeface="+mn-lt"/>
+                            <a:ea typeface="+mn-ea"/>
+                            <a:cs typeface="+mn-cs"/>
+                          </a:defRPr>
+                        </a:lvl3pPr>
+                        <a:lvl4pPr marL="1371600" algn="l" defTabSz="914400" rtl="0" eaLnBrk="1" latinLnBrk="0" hangingPunct="1">
+                          <a:defRPr sz="1800" kern="1200">
+                            <a:solidFill>
+                              <a:schemeClr val="tx1"/>
+                            </a:solidFill>
+                            <a:latin typeface="+mn-lt"/>
+                            <a:ea typeface="+mn-ea"/>
+                            <a:cs typeface="+mn-cs"/>
+                          </a:defRPr>
+                        </a:lvl4pPr>
+                        <a:lvl5pPr marL="1828800" algn="l" defTabSz="914400" rtl="0" eaLnBrk="1" latinLnBrk="0" hangingPunct="1">
+                          <a:defRPr sz="1800" kern="1200">
+                            <a:solidFill>
+                              <a:schemeClr val="tx1"/>
+                            </a:solidFill>
+                            <a:latin typeface="+mn-lt"/>
+                            <a:ea typeface="+mn-ea"/>
+                            <a:cs typeface="+mn-cs"/>
+                          </a:defRPr>
+                        </a:lvl5pPr>
+                        <a:lvl6pPr marL="2286000" algn="l" defTabSz="914400" rtl="0" eaLnBrk="1" latinLnBrk="0" hangingPunct="1">
+                          <a:defRPr sz="1800" kern="1200">
+                            <a:solidFill>
+                              <a:schemeClr val="tx1"/>
+                            </a:solidFill>
+                            <a:latin typeface="+mn-lt"/>
+                            <a:ea typeface="+mn-ea"/>
+                            <a:cs typeface="+mn-cs"/>
+                          </a:defRPr>
+                        </a:lvl6pPr>
+                        <a:lvl7pPr marL="2743200" algn="l" defTabSz="914400" rtl="0" eaLnBrk="1" latinLnBrk="0" hangingPunct="1">
+                          <a:defRPr sz="1800" kern="1200">
+                            <a:solidFill>
+                              <a:schemeClr val="tx1"/>
+                            </a:solidFill>
+                            <a:latin typeface="+mn-lt"/>
+                            <a:ea typeface="+mn-ea"/>
+                            <a:cs typeface="+mn-cs"/>
+                          </a:defRPr>
+                        </a:lvl7pPr>
+                        <a:lvl8pPr marL="3200400" algn="l" defTabSz="914400" rtl="0" eaLnBrk="1" latinLnBrk="0" hangingPunct="1">
+                          <a:defRPr sz="1800" kern="1200">
+                            <a:solidFill>
+                              <a:schemeClr val="tx1"/>
+                            </a:solidFill>
+                            <a:latin typeface="+mn-lt"/>
+                            <a:ea typeface="+mn-ea"/>
+                            <a:cs typeface="+mn-cs"/>
+                          </a:defRPr>
+                        </a:lvl8pPr>
+                        <a:lvl9pPr marL="3657600" algn="l" defTabSz="914400" rtl="0" eaLnBrk="1" latinLnBrk="0" hangingPunct="1">
+                          <a:defRPr sz="1800" kern="1200">
+                            <a:solidFill>
+                              <a:schemeClr val="tx1"/>
+                            </a:solidFill>
+                            <a:latin typeface="+mn-lt"/>
+                            <a:ea typeface="+mn-ea"/>
+                            <a:cs typeface="+mn-cs"/>
+                          </a:defRPr>
+                        </a:lvl9pPr>
+                      </a:lstStyle>
+                      <a:p>
+                        <a:pPr/>
+                        <a14:m>
+                          <m:oMathPara xmlns:m="http://schemas.openxmlformats.org/officeDocument/2006/math">
+                            <m:oMathParaPr>
+                              <m:jc m:val="centerGroup"/>
+                            </m:oMathParaPr>
+                            <m:oMath xmlns:m="http://schemas.openxmlformats.org/officeDocument/2006/math">
+                              <m:r>
+                                <a:rPr lang="en-US" b="0" i="1" smtClean="0">
+                                  <a:latin typeface="Cambria Math" panose="02040503050406030204" pitchFamily="18" charset="0"/>
+                                </a:rPr>
+                                <m:t>𝐷</m:t>
+                              </m:r>
+                            </m:oMath>
+                          </m:oMathPara>
+                        </a14:m>
+                        <a:endParaRPr lang="en-CA" dirty="0"/>
+                      </a:p>
+                    </p:txBody>
+                  </p:sp>
+                </mc:Choice>
+                <mc:Fallback xmlns="">
+                  <p:sp>
+                    <p:nvSpPr>
+                      <p:cNvPr id="32" name="Rectangle 31"/>
+                      <p:cNvSpPr>
+                        <a:spLocks noRot="1" noChangeAspect="1" noMove="1" noResize="1" noEditPoints="1" noAdjustHandles="1" noChangeArrowheads="1" noChangeShapeType="1" noTextEdit="1"/>
+                      </p:cNvSpPr>
+                      <p:nvPr/>
+                    </p:nvSpPr>
+                    <p:spPr>
+                      <a:xfrm>
+                        <a:off x="5446486" y="4808235"/>
+                        <a:ext cx="404598" cy="369332"/>
+                      </a:xfrm>
+                      <a:prstGeom prst="rect">
+                        <a:avLst/>
+                      </a:prstGeom>
+                      <a:blipFill>
+                        <a:blip r:embed="rId10"/>
+                        <a:stretch>
+                          <a:fillRect/>
+                        </a:stretch>
+                      </a:blipFill>
+                    </p:spPr>
+                    <p:txBody>
+                      <a:bodyPr/>
+                      <a:lstStyle/>
+                      <a:p>
+                        <a:r>
+                          <a:rPr lang="en-US">
+                            <a:noFill/>
+                          </a:rPr>
+                          <a:t> </a:t>
+                        </a:r>
+                      </a:p>
+                    </p:txBody>
+                  </p:sp>
+                </mc:Fallback>
+              </mc:AlternateContent>
+              <p:cxnSp>
+                <p:nvCxnSpPr>
+                  <p:cNvPr id="33" name="Straight Connector 32"/>
+                  <p:cNvCxnSpPr/>
+                  <p:nvPr/>
+                </p:nvCxnSpPr>
+                <p:spPr>
+                  <a:xfrm>
+                    <a:off x="5264792" y="4838297"/>
+                    <a:ext cx="0" cy="843194"/>
+                  </a:xfrm>
+                  <a:prstGeom prst="line">
+                    <a:avLst/>
+                  </a:prstGeom>
+                  <a:ln w="38100">
+                    <a:solidFill>
+                      <a:schemeClr val="tx1"/>
+                    </a:solidFill>
+                    <a:prstDash val="sysDot"/>
+                  </a:ln>
+                </p:spPr>
+                <p:style>
+                  <a:lnRef idx="1">
+                    <a:schemeClr val="accent1"/>
+                  </a:lnRef>
+                  <a:fillRef idx="0">
+                    <a:schemeClr val="accent1"/>
+                  </a:fillRef>
+                  <a:effectRef idx="0">
+                    <a:schemeClr val="accent1"/>
+                  </a:effectRef>
+                  <a:fontRef idx="minor">
+                    <a:schemeClr val="tx1"/>
+                  </a:fontRef>
+                </p:style>
+              </p:cxnSp>
+              <p:sp>
+                <p:nvSpPr>
+                  <p:cNvPr id="34" name="Rectangle 33"/>
+                  <p:cNvSpPr/>
+                  <p:nvPr/>
+                </p:nvSpPr>
+                <p:spPr>
+                  <a:xfrm>
+                    <a:off x="4347417" y="5155925"/>
+                    <a:ext cx="123757" cy="841883"/>
+                  </a:xfrm>
+                  <a:prstGeom prst="rect">
+                    <a:avLst/>
+                  </a:prstGeom>
+                  <a:solidFill>
+                    <a:schemeClr val="tx1"/>
+                  </a:solidFill>
+                  <a:ln w="38100">
+                    <a:solidFill>
+                      <a:schemeClr val="tx1"/>
+                    </a:solidFill>
+                  </a:ln>
+                </p:spPr>
+                <p:style>
+                  <a:lnRef idx="2">
+                    <a:schemeClr val="accent1">
+                      <a:shade val="50000"/>
+                    </a:schemeClr>
+                  </a:lnRef>
+                  <a:fillRef idx="1">
+                    <a:schemeClr val="accent1"/>
+                  </a:fillRef>
+                  <a:effectRef idx="0">
+                    <a:schemeClr val="accent1"/>
+                  </a:effectRef>
+                  <a:fontRef idx="minor">
+                    <a:schemeClr val="lt1"/>
+                  </a:fontRef>
+                </p:style>
+                <p:txBody>
+                  <a:bodyPr rtlCol="0" anchor="ctr"/>
+                  <a:lstStyle>
+                    <a:defPPr>
+                      <a:defRPr lang="en-US"/>
+                    </a:defPPr>
+                    <a:lvl1pPr marL="0" algn="l" defTabSz="914400" rtl="0" eaLnBrk="1" latinLnBrk="0" hangingPunct="1">
+                      <a:defRPr sz="1800" kern="1200">
+                        <a:solidFill>
+                          <a:schemeClr val="lt1"/>
+                        </a:solidFill>
+                        <a:latin typeface="+mn-lt"/>
+                        <a:ea typeface="+mn-ea"/>
+                        <a:cs typeface="+mn-cs"/>
+                      </a:defRPr>
+                    </a:lvl1pPr>
+                    <a:lvl2pPr marL="457200" algn="l" defTabSz="914400" rtl="0" eaLnBrk="1" latinLnBrk="0" hangingPunct="1">
+                      <a:defRPr sz="1800" kern="1200">
+                        <a:solidFill>
+                          <a:schemeClr val="lt1"/>
+                        </a:solidFill>
+                        <a:latin typeface="+mn-lt"/>
+                        <a:ea typeface="+mn-ea"/>
+                        <a:cs typeface="+mn-cs"/>
+                      </a:defRPr>
+                    </a:lvl2pPr>
+                    <a:lvl3pPr marL="914400" algn="l" defTabSz="914400" rtl="0" eaLnBrk="1" latinLnBrk="0" hangingPunct="1">
+                      <a:defRPr sz="1800" kern="1200">
+                        <a:solidFill>
+                          <a:schemeClr val="lt1"/>
+                        </a:solidFill>
+                        <a:latin typeface="+mn-lt"/>
+                        <a:ea typeface="+mn-ea"/>
+                        <a:cs typeface="+mn-cs"/>
+                      </a:defRPr>
+                    </a:lvl3pPr>
+                    <a:lvl4pPr marL="1371600" algn="l" defTabSz="914400" rtl="0" eaLnBrk="1" latinLnBrk="0" hangingPunct="1">
+                      <a:defRPr sz="1800" kern="1200">
+                        <a:solidFill>
+                          <a:schemeClr val="lt1"/>
+                        </a:solidFill>
+                        <a:latin typeface="+mn-lt"/>
+                        <a:ea typeface="+mn-ea"/>
+                        <a:cs typeface="+mn-cs"/>
+                      </a:defRPr>
+                    </a:lvl4pPr>
+                    <a:lvl5pPr marL="1828800" algn="l" defTabSz="914400" rtl="0" eaLnBrk="1" latinLnBrk="0" hangingPunct="1">
+                      <a:defRPr sz="1800" kern="1200">
+                        <a:solidFill>
+                          <a:schemeClr val="lt1"/>
+                        </a:solidFill>
+                        <a:latin typeface="+mn-lt"/>
+                        <a:ea typeface="+mn-ea"/>
+                        <a:cs typeface="+mn-cs"/>
+                      </a:defRPr>
+                    </a:lvl5pPr>
+                    <a:lvl6pPr marL="2286000" algn="l" defTabSz="914400" rtl="0" eaLnBrk="1" latinLnBrk="0" hangingPunct="1">
+                      <a:defRPr sz="1800" kern="1200">
+                        <a:solidFill>
+                          <a:schemeClr val="lt1"/>
+                        </a:solidFill>
+                        <a:latin typeface="+mn-lt"/>
+                        <a:ea typeface="+mn-ea"/>
+                        <a:cs typeface="+mn-cs"/>
+                      </a:defRPr>
+                    </a:lvl6pPr>
+                    <a:lvl7pPr marL="2743200" algn="l" defTabSz="914400" rtl="0" eaLnBrk="1" latinLnBrk="0" hangingPunct="1">
+                      <a:defRPr sz="1800" kern="1200">
+                        <a:solidFill>
+                          <a:schemeClr val="lt1"/>
+                        </a:solidFill>
+                        <a:latin typeface="+mn-lt"/>
+                        <a:ea typeface="+mn-ea"/>
+                        <a:cs typeface="+mn-cs"/>
+                      </a:defRPr>
+                    </a:lvl7pPr>
+                    <a:lvl8pPr marL="3200400" algn="l" defTabSz="914400" rtl="0" eaLnBrk="1" latinLnBrk="0" hangingPunct="1">
+                      <a:defRPr sz="1800" kern="1200">
+                        <a:solidFill>
+                          <a:schemeClr val="lt1"/>
+                        </a:solidFill>
+                        <a:latin typeface="+mn-lt"/>
+                        <a:ea typeface="+mn-ea"/>
+                        <a:cs typeface="+mn-cs"/>
+                      </a:defRPr>
+                    </a:lvl8pPr>
+                    <a:lvl9pPr marL="3657600" algn="l" defTabSz="914400" rtl="0" eaLnBrk="1" latinLnBrk="0" hangingPunct="1">
+                      <a:defRPr sz="1800" kern="1200">
+                        <a:solidFill>
+                          <a:schemeClr val="lt1"/>
+                        </a:solidFill>
+                        <a:latin typeface="+mn-lt"/>
+                        <a:ea typeface="+mn-ea"/>
+                        <a:cs typeface="+mn-cs"/>
+                      </a:defRPr>
+                    </a:lvl9pPr>
+                  </a:lstStyle>
+                  <a:p>
+                    <a:pPr algn="ctr"/>
+                    <a:endParaRPr lang="en-US"/>
+                  </a:p>
+                </p:txBody>
+              </p:sp>
+              <mc:AlternateContent xmlns:mc="http://schemas.openxmlformats.org/markup-compatibility/2006" xmlns:a14="http://schemas.microsoft.com/office/drawing/2010/main">
+                <mc:Choice Requires="a14">
+                  <p:sp>
+                    <p:nvSpPr>
+                      <p:cNvPr id="35" name="TextBox 105"/>
+                      <p:cNvSpPr txBox="1"/>
+                      <p:nvPr/>
+                    </p:nvSpPr>
+                    <p:spPr>
+                      <a:xfrm>
+                        <a:off x="7292808" y="4924267"/>
+                        <a:ext cx="214546" cy="307777"/>
+                      </a:xfrm>
+                      <a:prstGeom prst="rect">
+                        <a:avLst/>
+                      </a:prstGeom>
+                      <a:noFill/>
+                    </p:spPr>
+                    <p:txBody>
+                      <a:bodyPr wrap="none" lIns="0" tIns="0" rIns="0" bIns="0" rtlCol="0">
+                        <a:spAutoFit/>
+                      </a:bodyPr>
+                      <a:lstStyle>
+                        <a:defPPr>
+                          <a:defRPr lang="en-US"/>
+                        </a:defPPr>
+                        <a:lvl1pPr marL="0" algn="l" defTabSz="914400" rtl="0" eaLnBrk="1" latinLnBrk="0" hangingPunct="1">
+                          <a:defRPr sz="1800" kern="1200">
+                            <a:solidFill>
+                              <a:schemeClr val="tx1"/>
+                            </a:solidFill>
+                            <a:latin typeface="+mn-lt"/>
+                            <a:ea typeface="+mn-ea"/>
+                            <a:cs typeface="+mn-cs"/>
+                          </a:defRPr>
+                        </a:lvl1pPr>
+                        <a:lvl2pPr marL="457200" algn="l" defTabSz="914400" rtl="0" eaLnBrk="1" latinLnBrk="0" hangingPunct="1">
+                          <a:defRPr sz="1800" kern="1200">
+                            <a:solidFill>
+                              <a:schemeClr val="tx1"/>
+                            </a:solidFill>
+                            <a:latin typeface="+mn-lt"/>
+                            <a:ea typeface="+mn-ea"/>
+                            <a:cs typeface="+mn-cs"/>
+                          </a:defRPr>
+                        </a:lvl2pPr>
+                        <a:lvl3pPr marL="914400" algn="l" defTabSz="914400" rtl="0" eaLnBrk="1" latinLnBrk="0" hangingPunct="1">
+                          <a:defRPr sz="1800" kern="1200">
+                            <a:solidFill>
+                              <a:schemeClr val="tx1"/>
+                            </a:solidFill>
+                            <a:latin typeface="+mn-lt"/>
+                            <a:ea typeface="+mn-ea"/>
+                            <a:cs typeface="+mn-cs"/>
+                          </a:defRPr>
+                        </a:lvl3pPr>
+                        <a:lvl4pPr marL="1371600" algn="l" defTabSz="914400" rtl="0" eaLnBrk="1" latinLnBrk="0" hangingPunct="1">
+                          <a:defRPr sz="1800" kern="1200">
+                            <a:solidFill>
+                              <a:schemeClr val="tx1"/>
+                            </a:solidFill>
+                            <a:latin typeface="+mn-lt"/>
+                            <a:ea typeface="+mn-ea"/>
+                            <a:cs typeface="+mn-cs"/>
+                          </a:defRPr>
+                        </a:lvl4pPr>
+                        <a:lvl5pPr marL="1828800" algn="l" defTabSz="914400" rtl="0" eaLnBrk="1" latinLnBrk="0" hangingPunct="1">
+                          <a:defRPr sz="1800" kern="1200">
+                            <a:solidFill>
+                              <a:schemeClr val="tx1"/>
+                            </a:solidFill>
+                            <a:latin typeface="+mn-lt"/>
+                            <a:ea typeface="+mn-ea"/>
+                            <a:cs typeface="+mn-cs"/>
+                          </a:defRPr>
+                        </a:lvl5pPr>
+                        <a:lvl6pPr marL="2286000" algn="l" defTabSz="914400" rtl="0" eaLnBrk="1" latinLnBrk="0" hangingPunct="1">
+                          <a:defRPr sz="1800" kern="1200">
+                            <a:solidFill>
+                              <a:schemeClr val="tx1"/>
+                            </a:solidFill>
+                            <a:latin typeface="+mn-lt"/>
+                            <a:ea typeface="+mn-ea"/>
+                            <a:cs typeface="+mn-cs"/>
+                          </a:defRPr>
+                        </a:lvl6pPr>
+                        <a:lvl7pPr marL="2743200" algn="l" defTabSz="914400" rtl="0" eaLnBrk="1" latinLnBrk="0" hangingPunct="1">
+                          <a:defRPr sz="1800" kern="1200">
+                            <a:solidFill>
+                              <a:schemeClr val="tx1"/>
+                            </a:solidFill>
+                            <a:latin typeface="+mn-lt"/>
+                            <a:ea typeface="+mn-ea"/>
+                            <a:cs typeface="+mn-cs"/>
+                          </a:defRPr>
+                        </a:lvl7pPr>
+                        <a:lvl8pPr marL="3200400" algn="l" defTabSz="914400" rtl="0" eaLnBrk="1" latinLnBrk="0" hangingPunct="1">
+                          <a:defRPr sz="1800" kern="1200">
+                            <a:solidFill>
+                              <a:schemeClr val="tx1"/>
+                            </a:solidFill>
+                            <a:latin typeface="+mn-lt"/>
+                            <a:ea typeface="+mn-ea"/>
+                            <a:cs typeface="+mn-cs"/>
+                          </a:defRPr>
+                        </a:lvl8pPr>
+                        <a:lvl9pPr marL="3657600" algn="l" defTabSz="914400" rtl="0" eaLnBrk="1" latinLnBrk="0" hangingPunct="1">
+                          <a:defRPr sz="1800" kern="1200">
+                            <a:solidFill>
+                              <a:schemeClr val="tx1"/>
+                            </a:solidFill>
+                            <a:latin typeface="+mn-lt"/>
+                            <a:ea typeface="+mn-ea"/>
+                            <a:cs typeface="+mn-cs"/>
+                          </a:defRPr>
+                        </a:lvl9pPr>
+                      </a:lstStyle>
+                      <a:p>
+                        <a:pPr/>
+                        <a14:m>
+                          <m:oMathPara xmlns:m="http://schemas.openxmlformats.org/officeDocument/2006/math">
+                            <m:oMathParaPr>
+                              <m:jc m:val="centerGroup"/>
+                            </m:oMathParaPr>
+                            <m:oMath xmlns:m="http://schemas.openxmlformats.org/officeDocument/2006/math">
+                              <m:r>
+                                <a:rPr lang="en-US" sz="2000" b="0" i="1" smtClean="0">
+                                  <a:latin typeface="Cambria Math" panose="02040503050406030204" pitchFamily="18" charset="0"/>
+                                  <a:cs typeface="Arial" panose="020B0604020202020204" pitchFamily="34" charset="0"/>
+                                </a:rPr>
+                                <m:t>𝑥</m:t>
+                              </m:r>
+                            </m:oMath>
+                          </m:oMathPara>
+                        </a14:m>
+                        <a:endParaRPr lang="en-US" sz="2000" dirty="0" smtClean="0">
+                          <a:latin typeface="Arial" panose="020B0604020202020204" pitchFamily="34" charset="0"/>
+                          <a:cs typeface="Arial" panose="020B0604020202020204" pitchFamily="34" charset="0"/>
+                        </a:endParaRPr>
+                      </a:p>
+                    </p:txBody>
+                  </p:sp>
+                </mc:Choice>
+                <mc:Fallback xmlns="">
+                  <p:sp>
+                    <p:nvSpPr>
+                      <p:cNvPr id="35" name="TextBox 105"/>
+                      <p:cNvSpPr txBox="1">
+                        <a:spLocks noRot="1" noChangeAspect="1" noMove="1" noResize="1" noEditPoints="1" noAdjustHandles="1" noChangeArrowheads="1" noChangeShapeType="1" noTextEdit="1"/>
+                      </p:cNvSpPr>
+                      <p:nvPr/>
+                    </p:nvSpPr>
+                    <p:spPr>
+                      <a:xfrm>
+                        <a:off x="7292808" y="4924267"/>
+                        <a:ext cx="214546" cy="307777"/>
+                      </a:xfrm>
+                      <a:prstGeom prst="rect">
+                        <a:avLst/>
+                      </a:prstGeom>
+                      <a:blipFill>
+                        <a:blip r:embed="rId11"/>
+                        <a:stretch>
+                          <a:fillRect l="-11429" r="-11429" b="-2000"/>
+                        </a:stretch>
+                      </a:blipFill>
+                    </p:spPr>
+                    <p:txBody>
+                      <a:bodyPr/>
+                      <a:lstStyle/>
+                      <a:p>
+                        <a:r>
+                          <a:rPr lang="en-US">
+                            <a:noFill/>
+                          </a:rPr>
+                          <a:t> </a:t>
+                        </a:r>
+                      </a:p>
+                    </p:txBody>
+                  </p:sp>
+                </mc:Fallback>
+              </mc:AlternateContent>
+            </p:grpSp>
+            <p:sp>
+              <p:nvSpPr>
+                <p:cNvPr id="23" name="Rectangle 22"/>
+                <p:cNvSpPr/>
+                <p:nvPr/>
+              </p:nvSpPr>
+              <p:spPr>
+                <a:xfrm flipH="1">
+                  <a:off x="961881" y="4561127"/>
+                  <a:ext cx="2911564" cy="141188"/>
+                </a:xfrm>
+                <a:prstGeom prst="rect">
+                  <a:avLst/>
+                </a:prstGeom>
+                <a:solidFill>
+                  <a:schemeClr val="tx1"/>
+                </a:solidFill>
+                <a:ln w="38100">
+                  <a:solidFill>
+                    <a:schemeClr val="tx1"/>
+                  </a:solidFill>
+                </a:ln>
+              </p:spPr>
+              <p:style>
+                <a:lnRef idx="2">
+                  <a:schemeClr val="accent1">
+                    <a:shade val="50000"/>
+                  </a:schemeClr>
+                </a:lnRef>
+                <a:fillRef idx="1">
+                  <a:schemeClr val="accent1"/>
+                </a:fillRef>
+                <a:effectRef idx="0">
+                  <a:schemeClr val="accent1"/>
+                </a:effectRef>
+                <a:fontRef idx="minor">
+                  <a:schemeClr val="lt1"/>
+                </a:fontRef>
+              </p:style>
+              <p:txBody>
+                <a:bodyPr rtlCol="0" anchor="ctr"/>
+                <a:lstStyle>
+                  <a:defPPr>
+                    <a:defRPr lang="en-US"/>
+                  </a:defPPr>
+                  <a:lvl1pPr marL="0" algn="l" defTabSz="914400" rtl="0" eaLnBrk="1" latinLnBrk="0" hangingPunct="1">
+                    <a:defRPr sz="1800" kern="1200">
+                      <a:solidFill>
+                        <a:schemeClr val="lt1"/>
+                      </a:solidFill>
+                      <a:latin typeface="+mn-lt"/>
+                      <a:ea typeface="+mn-ea"/>
+                      <a:cs typeface="+mn-cs"/>
+                    </a:defRPr>
+                  </a:lvl1pPr>
+                  <a:lvl2pPr marL="457200" algn="l" defTabSz="914400" rtl="0" eaLnBrk="1" latinLnBrk="0" hangingPunct="1">
+                    <a:defRPr sz="1800" kern="1200">
+                      <a:solidFill>
+                        <a:schemeClr val="lt1"/>
+                      </a:solidFill>
+                      <a:latin typeface="+mn-lt"/>
+                      <a:ea typeface="+mn-ea"/>
+                      <a:cs typeface="+mn-cs"/>
+                    </a:defRPr>
+                  </a:lvl2pPr>
+                  <a:lvl3pPr marL="914400" algn="l" defTabSz="914400" rtl="0" eaLnBrk="1" latinLnBrk="0" hangingPunct="1">
+                    <a:defRPr sz="1800" kern="1200">
+                      <a:solidFill>
+                        <a:schemeClr val="lt1"/>
+                      </a:solidFill>
+                      <a:latin typeface="+mn-lt"/>
+                      <a:ea typeface="+mn-ea"/>
+                      <a:cs typeface="+mn-cs"/>
+                    </a:defRPr>
+                  </a:lvl3pPr>
+                  <a:lvl4pPr marL="1371600" algn="l" defTabSz="914400" rtl="0" eaLnBrk="1" latinLnBrk="0" hangingPunct="1">
+                    <a:defRPr sz="1800" kern="1200">
+                      <a:solidFill>
+                        <a:schemeClr val="lt1"/>
+                      </a:solidFill>
+                      <a:latin typeface="+mn-lt"/>
+                      <a:ea typeface="+mn-ea"/>
+                      <a:cs typeface="+mn-cs"/>
+                    </a:defRPr>
+                  </a:lvl4pPr>
+                  <a:lvl5pPr marL="1828800" algn="l" defTabSz="914400" rtl="0" eaLnBrk="1" latinLnBrk="0" hangingPunct="1">
+                    <a:defRPr sz="1800" kern="1200">
+                      <a:solidFill>
+                        <a:schemeClr val="lt1"/>
+                      </a:solidFill>
+                      <a:latin typeface="+mn-lt"/>
+                      <a:ea typeface="+mn-ea"/>
+                      <a:cs typeface="+mn-cs"/>
+                    </a:defRPr>
+                  </a:lvl5pPr>
+                  <a:lvl6pPr marL="2286000" algn="l" defTabSz="914400" rtl="0" eaLnBrk="1" latinLnBrk="0" hangingPunct="1">
+                    <a:defRPr sz="1800" kern="1200">
+                      <a:solidFill>
+                        <a:schemeClr val="lt1"/>
+                      </a:solidFill>
+                      <a:latin typeface="+mn-lt"/>
+                      <a:ea typeface="+mn-ea"/>
+                      <a:cs typeface="+mn-cs"/>
+                    </a:defRPr>
+                  </a:lvl6pPr>
+                  <a:lvl7pPr marL="2743200" algn="l" defTabSz="914400" rtl="0" eaLnBrk="1" latinLnBrk="0" hangingPunct="1">
+                    <a:defRPr sz="1800" kern="1200">
+                      <a:solidFill>
+                        <a:schemeClr val="lt1"/>
+                      </a:solidFill>
+                      <a:latin typeface="+mn-lt"/>
+                      <a:ea typeface="+mn-ea"/>
+                      <a:cs typeface="+mn-cs"/>
+                    </a:defRPr>
+                  </a:lvl7pPr>
+                  <a:lvl8pPr marL="3200400" algn="l" defTabSz="914400" rtl="0" eaLnBrk="1" latinLnBrk="0" hangingPunct="1">
+                    <a:defRPr sz="1800" kern="1200">
+                      <a:solidFill>
+                        <a:schemeClr val="lt1"/>
+                      </a:solidFill>
+                      <a:latin typeface="+mn-lt"/>
+                      <a:ea typeface="+mn-ea"/>
+                      <a:cs typeface="+mn-cs"/>
+                    </a:defRPr>
+                  </a:lvl8pPr>
+                  <a:lvl9pPr marL="3657600" algn="l" defTabSz="914400" rtl="0" eaLnBrk="1" latinLnBrk="0" hangingPunct="1">
+                    <a:defRPr sz="1800" kern="1200">
+                      <a:solidFill>
+                        <a:schemeClr val="lt1"/>
+                      </a:solidFill>
+                      <a:latin typeface="+mn-lt"/>
+                      <a:ea typeface="+mn-ea"/>
+                      <a:cs typeface="+mn-cs"/>
+                    </a:defRPr>
+                  </a:lvl9pPr>
+                </a:lstStyle>
+                <a:p>
+                  <a:pPr algn="ctr"/>
+                  <a:endParaRPr lang="en-US"/>
+                </a:p>
+              </p:txBody>
+            </p:sp>
+            <p:sp>
+              <p:nvSpPr>
+                <p:cNvPr id="24" name="Rectangle 23"/>
+                <p:cNvSpPr/>
+                <p:nvPr/>
+              </p:nvSpPr>
+              <p:spPr>
+                <a:xfrm flipH="1">
+                  <a:off x="957865" y="6104038"/>
+                  <a:ext cx="2911564" cy="141188"/>
+                </a:xfrm>
+                <a:prstGeom prst="rect">
+                  <a:avLst/>
+                </a:prstGeom>
+                <a:solidFill>
+                  <a:schemeClr val="tx1"/>
+                </a:solidFill>
+                <a:ln w="38100">
+                  <a:solidFill>
+                    <a:schemeClr val="tx1"/>
+                  </a:solidFill>
+                </a:ln>
+              </p:spPr>
+              <p:style>
+                <a:lnRef idx="2">
+                  <a:schemeClr val="accent1">
+                    <a:shade val="50000"/>
+                  </a:schemeClr>
+                </a:lnRef>
+                <a:fillRef idx="1">
+                  <a:schemeClr val="accent1"/>
+                </a:fillRef>
+                <a:effectRef idx="0">
+                  <a:schemeClr val="accent1"/>
+                </a:effectRef>
+                <a:fontRef idx="minor">
+                  <a:schemeClr val="lt1"/>
+                </a:fontRef>
+              </p:style>
+              <p:txBody>
+                <a:bodyPr rtlCol="0" anchor="ctr"/>
+                <a:lstStyle>
+                  <a:defPPr>
+                    <a:defRPr lang="en-US"/>
+                  </a:defPPr>
+                  <a:lvl1pPr marL="0" algn="l" defTabSz="914400" rtl="0" eaLnBrk="1" latinLnBrk="0" hangingPunct="1">
+                    <a:defRPr sz="1800" kern="1200">
+                      <a:solidFill>
+                        <a:schemeClr val="lt1"/>
+                      </a:solidFill>
+                      <a:latin typeface="+mn-lt"/>
+                      <a:ea typeface="+mn-ea"/>
+                      <a:cs typeface="+mn-cs"/>
+                    </a:defRPr>
+                  </a:lvl1pPr>
+                  <a:lvl2pPr marL="457200" algn="l" defTabSz="914400" rtl="0" eaLnBrk="1" latinLnBrk="0" hangingPunct="1">
+                    <a:defRPr sz="1800" kern="1200">
+                      <a:solidFill>
+                        <a:schemeClr val="lt1"/>
+                      </a:solidFill>
+                      <a:latin typeface="+mn-lt"/>
+                      <a:ea typeface="+mn-ea"/>
+                      <a:cs typeface="+mn-cs"/>
+                    </a:defRPr>
+                  </a:lvl2pPr>
+                  <a:lvl3pPr marL="914400" algn="l" defTabSz="914400" rtl="0" eaLnBrk="1" latinLnBrk="0" hangingPunct="1">
+                    <a:defRPr sz="1800" kern="1200">
+                      <a:solidFill>
+                        <a:schemeClr val="lt1"/>
+                      </a:solidFill>
+                      <a:latin typeface="+mn-lt"/>
+                      <a:ea typeface="+mn-ea"/>
+                      <a:cs typeface="+mn-cs"/>
+                    </a:defRPr>
+                  </a:lvl3pPr>
+                  <a:lvl4pPr marL="1371600" algn="l" defTabSz="914400" rtl="0" eaLnBrk="1" latinLnBrk="0" hangingPunct="1">
+                    <a:defRPr sz="1800" kern="1200">
+                      <a:solidFill>
+                        <a:schemeClr val="lt1"/>
+                      </a:solidFill>
+                      <a:latin typeface="+mn-lt"/>
+                      <a:ea typeface="+mn-ea"/>
+                      <a:cs typeface="+mn-cs"/>
+                    </a:defRPr>
+                  </a:lvl4pPr>
+                  <a:lvl5pPr marL="1828800" algn="l" defTabSz="914400" rtl="0" eaLnBrk="1" latinLnBrk="0" hangingPunct="1">
+                    <a:defRPr sz="1800" kern="1200">
+                      <a:solidFill>
+                        <a:schemeClr val="lt1"/>
+                      </a:solidFill>
+                      <a:latin typeface="+mn-lt"/>
+                      <a:ea typeface="+mn-ea"/>
+                      <a:cs typeface="+mn-cs"/>
+                    </a:defRPr>
+                  </a:lvl5pPr>
+                  <a:lvl6pPr marL="2286000" algn="l" defTabSz="914400" rtl="0" eaLnBrk="1" latinLnBrk="0" hangingPunct="1">
+                    <a:defRPr sz="1800" kern="1200">
+                      <a:solidFill>
+                        <a:schemeClr val="lt1"/>
+                      </a:solidFill>
+                      <a:latin typeface="+mn-lt"/>
+                      <a:ea typeface="+mn-ea"/>
+                      <a:cs typeface="+mn-cs"/>
+                    </a:defRPr>
+                  </a:lvl6pPr>
+                  <a:lvl7pPr marL="2743200" algn="l" defTabSz="914400" rtl="0" eaLnBrk="1" latinLnBrk="0" hangingPunct="1">
+                    <a:defRPr sz="1800" kern="1200">
+                      <a:solidFill>
+                        <a:schemeClr val="lt1"/>
+                      </a:solidFill>
+                      <a:latin typeface="+mn-lt"/>
+                      <a:ea typeface="+mn-ea"/>
+                      <a:cs typeface="+mn-cs"/>
+                    </a:defRPr>
+                  </a:lvl7pPr>
+                  <a:lvl8pPr marL="3200400" algn="l" defTabSz="914400" rtl="0" eaLnBrk="1" latinLnBrk="0" hangingPunct="1">
+                    <a:defRPr sz="1800" kern="1200">
+                      <a:solidFill>
+                        <a:schemeClr val="lt1"/>
+                      </a:solidFill>
+                      <a:latin typeface="+mn-lt"/>
+                      <a:ea typeface="+mn-ea"/>
+                      <a:cs typeface="+mn-cs"/>
+                    </a:defRPr>
+                  </a:lvl8pPr>
+                  <a:lvl9pPr marL="3657600" algn="l" defTabSz="914400" rtl="0" eaLnBrk="1" latinLnBrk="0" hangingPunct="1">
+                    <a:defRPr sz="1800" kern="1200">
+                      <a:solidFill>
+                        <a:schemeClr val="lt1"/>
+                      </a:solidFill>
+                      <a:latin typeface="+mn-lt"/>
+                      <a:ea typeface="+mn-ea"/>
+                      <a:cs typeface="+mn-cs"/>
+                    </a:defRPr>
+                  </a:lvl9pPr>
+                </a:lstStyle>
+                <a:p>
+                  <a:pPr algn="ctr"/>
+                  <a:endParaRPr lang="en-US"/>
+                </a:p>
+              </p:txBody>
+            </p:sp>
+          </p:grpSp>
+          <p:cxnSp>
+            <p:nvCxnSpPr>
+              <p:cNvPr id="21" name="Straight Arrow Connector 20"/>
+              <p:cNvCxnSpPr/>
+              <p:nvPr/>
+            </p:nvCxnSpPr>
+            <p:spPr>
+              <a:xfrm>
+                <a:off x="1880882" y="4900051"/>
+                <a:ext cx="730029" cy="8705"/>
+              </a:xfrm>
+              <a:prstGeom prst="straightConnector1">
+                <a:avLst/>
+              </a:prstGeom>
+              <a:ln w="38100">
+                <a:solidFill>
+                  <a:schemeClr val="tx1"/>
+                </a:solidFill>
+                <a:headEnd type="triangle"/>
+                <a:tailEnd type="triangle"/>
+              </a:ln>
+            </p:spPr>
+            <p:style>
+              <a:lnRef idx="1">
+                <a:schemeClr val="accent1"/>
+              </a:lnRef>
+              <a:fillRef idx="0">
+                <a:schemeClr val="accent1"/>
+              </a:fillRef>
+              <a:effectRef idx="0">
+                <a:schemeClr val="accent1"/>
+              </a:effectRef>
+              <a:fontRef idx="minor">
+                <a:schemeClr val="tx1"/>
+              </a:fontRef>
+            </p:style>
+          </p:cxnSp>
+        </p:grpSp>
+        <mc:AlternateContent xmlns:mc="http://schemas.openxmlformats.org/markup-compatibility/2006" xmlns:a14="http://schemas.microsoft.com/office/drawing/2010/main">
+          <mc:Choice Requires="a14">
+            <p:sp>
+              <p:nvSpPr>
+                <p:cNvPr id="38" name="TextBox 37"/>
+                <p:cNvSpPr txBox="1"/>
+                <p:nvPr/>
+              </p:nvSpPr>
+              <p:spPr>
+                <a:xfrm>
+                  <a:off x="1602357" y="6045927"/>
+                  <a:ext cx="234936" cy="307777"/>
+                </a:xfrm>
+                <a:prstGeom prst="rect">
+                  <a:avLst/>
+                </a:prstGeom>
+                <a:noFill/>
+              </p:spPr>
+              <p:txBody>
+                <a:bodyPr wrap="none" lIns="0" tIns="0" rIns="0" bIns="0" rtlCol="0">
+                  <a:spAutoFit/>
+                </a:bodyPr>
+                <a:lstStyle/>
+                <a:p>
+                  <a:pPr/>
+                  <a14:m>
+                    <m:oMathPara xmlns:m="http://schemas.openxmlformats.org/officeDocument/2006/math">
+                      <m:oMathParaPr>
+                        <m:jc m:val="centerGroup"/>
+                      </m:oMathParaPr>
+                      <m:oMath xmlns:m="http://schemas.openxmlformats.org/officeDocument/2006/math">
+                        <m:r>
+                          <a:rPr lang="en-US" sz="2000" b="0" i="1" smtClean="0">
+                            <a:latin typeface="Cambria Math" panose="02040503050406030204" pitchFamily="18" charset="0"/>
+                            <a:cs typeface="Arial" panose="020B0604020202020204" pitchFamily="34" charset="0"/>
+                          </a:rPr>
+                          <m:t>𝐴</m:t>
+                        </m:r>
+                      </m:oMath>
+                    </m:oMathPara>
+                  </a14:m>
+                  <a:endParaRPr lang="en-US" sz="2000" dirty="0" smtClean="0">
+                    <a:latin typeface="Arial" panose="020B0604020202020204" pitchFamily="34" charset="0"/>
+                    <a:cs typeface="Arial" panose="020B0604020202020204" pitchFamily="34" charset="0"/>
+                  </a:endParaRPr>
+                </a:p>
+              </p:txBody>
+            </p:sp>
+          </mc:Choice>
+          <mc:Fallback xmlns="">
+            <p:sp>
+              <p:nvSpPr>
+                <p:cNvPr id="38" name="TextBox 37"/>
+                <p:cNvSpPr txBox="1">
+                  <a:spLocks noRot="1" noChangeAspect="1" noMove="1" noResize="1" noEditPoints="1" noAdjustHandles="1" noChangeArrowheads="1" noChangeShapeType="1" noTextEdit="1"/>
+                </p:cNvSpPr>
+                <p:nvPr/>
+              </p:nvSpPr>
+              <p:spPr>
+                <a:xfrm>
+                  <a:off x="1602357" y="6045927"/>
+                  <a:ext cx="234936" cy="307777"/>
+                </a:xfrm>
+                <a:prstGeom prst="rect">
+                  <a:avLst/>
+                </a:prstGeom>
+                <a:blipFill>
+                  <a:blip r:embed="rId12"/>
+                  <a:stretch>
+                    <a:fillRect l="-23684" r="-23684" b="-10000"/>
+                  </a:stretch>
+                </a:blipFill>
+              </p:spPr>
+              <p:txBody>
+                <a:bodyPr/>
+                <a:lstStyle/>
+                <a:p>
+                  <a:r>
+                    <a:rPr lang="en-US">
+                      <a:noFill/>
+                    </a:rPr>
+                    <a:t> </a:t>
+                  </a:r>
+                </a:p>
+              </p:txBody>
+            </p:sp>
+          </mc:Fallback>
+        </mc:AlternateContent>
+        <mc:AlternateContent xmlns:mc="http://schemas.openxmlformats.org/markup-compatibility/2006" xmlns:a14="http://schemas.microsoft.com/office/drawing/2010/main">
+          <mc:Choice Requires="a14">
+            <p:sp>
+              <p:nvSpPr>
+                <p:cNvPr id="39" name="TextBox 38"/>
+                <p:cNvSpPr txBox="1"/>
+                <p:nvPr/>
+              </p:nvSpPr>
+              <p:spPr>
+                <a:xfrm>
+                  <a:off x="2394118" y="6045926"/>
+                  <a:ext cx="245708" cy="307777"/>
+                </a:xfrm>
+                <a:prstGeom prst="rect">
+                  <a:avLst/>
+                </a:prstGeom>
+                <a:noFill/>
+              </p:spPr>
+              <p:txBody>
+                <a:bodyPr wrap="none" lIns="0" tIns="0" rIns="0" bIns="0" rtlCol="0">
+                  <a:spAutoFit/>
+                </a:bodyPr>
+                <a:lstStyle/>
+                <a:p>
+                  <a:pPr/>
+                  <a14:m>
+                    <m:oMathPara xmlns:m="http://schemas.openxmlformats.org/officeDocument/2006/math">
+                      <m:oMathParaPr>
+                        <m:jc m:val="centerGroup"/>
+                      </m:oMathParaPr>
+                      <m:oMath xmlns:m="http://schemas.openxmlformats.org/officeDocument/2006/math">
+                        <m:r>
+                          <a:rPr lang="en-US" sz="2000" b="0" i="1" smtClean="0">
+                            <a:latin typeface="Cambria Math" panose="02040503050406030204" pitchFamily="18" charset="0"/>
+                            <a:cs typeface="Arial" panose="020B0604020202020204" pitchFamily="34" charset="0"/>
+                          </a:rPr>
+                          <m:t>𝐵</m:t>
+                        </m:r>
+                      </m:oMath>
+                    </m:oMathPara>
+                  </a14:m>
+                  <a:endParaRPr lang="en-US" sz="2000" dirty="0" smtClean="0">
+                    <a:latin typeface="Arial" panose="020B0604020202020204" pitchFamily="34" charset="0"/>
+                    <a:cs typeface="Arial" panose="020B0604020202020204" pitchFamily="34" charset="0"/>
+                  </a:endParaRPr>
+                </a:p>
+              </p:txBody>
+            </p:sp>
+          </mc:Choice>
+          <mc:Fallback xmlns="">
+            <p:sp>
+              <p:nvSpPr>
+                <p:cNvPr id="39" name="TextBox 38"/>
+                <p:cNvSpPr txBox="1">
+                  <a:spLocks noRot="1" noChangeAspect="1" noMove="1" noResize="1" noEditPoints="1" noAdjustHandles="1" noChangeArrowheads="1" noChangeShapeType="1" noTextEdit="1"/>
+                </p:cNvSpPr>
+                <p:nvPr/>
+              </p:nvSpPr>
+              <p:spPr>
+                <a:xfrm>
+                  <a:off x="2394118" y="6045926"/>
+                  <a:ext cx="245708" cy="307777"/>
+                </a:xfrm>
+                <a:prstGeom prst="rect">
+                  <a:avLst/>
+                </a:prstGeom>
+                <a:blipFill>
+                  <a:blip r:embed="rId13"/>
+                  <a:stretch>
+                    <a:fillRect l="-22500" r="-20000" b="-10000"/>
+                  </a:stretch>
+                </a:blipFill>
+              </p:spPr>
+              <p:txBody>
+                <a:bodyPr/>
+                <a:lstStyle/>
+                <a:p>
+                  <a:r>
+                    <a:rPr lang="en-US">
+                      <a:noFill/>
+                    </a:rPr>
+                    <a:t> </a:t>
+                  </a:r>
+                </a:p>
+              </p:txBody>
+            </p:sp>
+          </mc:Fallback>
+        </mc:AlternateContent>
+        <p:cxnSp>
+          <p:nvCxnSpPr>
+            <p:cNvPr id="40" name="Straight Connector 39"/>
+            <p:cNvCxnSpPr/>
+            <p:nvPr/>
+          </p:nvCxnSpPr>
+          <p:spPr>
+            <a:xfrm>
+              <a:off x="2515536" y="5685050"/>
+              <a:ext cx="0" cy="363952"/>
+            </a:xfrm>
+            <a:prstGeom prst="line">
+              <a:avLst/>
+            </a:prstGeom>
+            <a:ln w="38100">
+              <a:solidFill>
+                <a:schemeClr val="tx1"/>
+              </a:solidFill>
+              <a:prstDash val="sysDot"/>
+            </a:ln>
+          </p:spPr>
+          <p:style>
+            <a:lnRef idx="1">
+              <a:schemeClr val="accent1"/>
+            </a:lnRef>
+            <a:fillRef idx="0">
+              <a:schemeClr val="accent1"/>
+            </a:fillRef>
+            <a:effectRef idx="0">
+              <a:schemeClr val="accent1"/>
+            </a:effectRef>
+            <a:fontRef idx="minor">
+              <a:schemeClr val="tx1"/>
+            </a:fontRef>
+          </p:style>
+        </p:cxnSp>
+        <p:cxnSp>
+          <p:nvCxnSpPr>
+            <p:cNvPr id="41" name="Straight Connector 40"/>
+            <p:cNvCxnSpPr/>
+            <p:nvPr/>
+          </p:nvCxnSpPr>
+          <p:spPr>
+            <a:xfrm>
+              <a:off x="1748878" y="5688138"/>
+              <a:ext cx="0" cy="363952"/>
+            </a:xfrm>
+            <a:prstGeom prst="line">
+              <a:avLst/>
+            </a:prstGeom>
+            <a:ln w="38100">
+              <a:solidFill>
+                <a:schemeClr val="tx1"/>
+              </a:solidFill>
+              <a:prstDash val="sysDot"/>
+            </a:ln>
+          </p:spPr>
+          <p:style>
+            <a:lnRef idx="1">
+              <a:schemeClr val="accent1"/>
+            </a:lnRef>
+            <a:fillRef idx="0">
+              <a:schemeClr val="accent1"/>
+            </a:fillRef>
+            <a:effectRef idx="0">
+              <a:schemeClr val="accent1"/>
+            </a:effectRef>
+            <a:fontRef idx="minor">
+              <a:schemeClr val="tx1"/>
+            </a:fontRef>
+          </p:style>
+        </p:cxnSp>
+      </p:grpSp>
     </p:spTree>
     <p:extLst>
       <p:ext uri="{BB962C8B-B14F-4D97-AF65-F5344CB8AC3E}">
         <p14:creationId xmlns:p14="http://schemas.microsoft.com/office/powerpoint/2010/main" val="729009165"/>
+      </p:ext>
+    </p:extLst>
+  </p:cSld>
+  <p:clrMapOvr>
+    <a:masterClrMapping/>
+  </p:clrMapOvr>
+</p:sld>
+</file>
+
+<file path=ppt/slides/slide4.xml><?xml version="1.0" encoding="utf-8"?>
+<p:sld xmlns:a="http://schemas.openxmlformats.org/drawingml/2006/main" xmlns:r="http://schemas.openxmlformats.org/officeDocument/2006/relationships" xmlns:p="http://schemas.openxmlformats.org/presentationml/2006/main">
+  <p:cSld>
+    <p:spTree>
+      <p:nvGrpSpPr>
+        <p:cNvPr id="1" name=""/>
+        <p:cNvGrpSpPr/>
+        <p:nvPr/>
+      </p:nvGrpSpPr>
+      <p:grpSpPr>
+        <a:xfrm>
+          <a:off x="0" y="0"/>
+          <a:ext cx="0" cy="0"/>
+          <a:chOff x="0" y="0"/>
+          <a:chExt cx="0" cy="0"/>
+        </a:xfrm>
+      </p:grpSpPr>
+      <p:grpSp>
+        <p:nvGrpSpPr>
+          <p:cNvPr id="51" name="Group 50"/>
+          <p:cNvGrpSpPr/>
+          <p:nvPr/>
+        </p:nvGrpSpPr>
+        <p:grpSpPr>
+          <a:xfrm>
+            <a:off x="2439400" y="442651"/>
+            <a:ext cx="6087056" cy="6255468"/>
+            <a:chOff x="2489888" y="509968"/>
+            <a:chExt cx="6087056" cy="6255468"/>
+          </a:xfrm>
+        </p:grpSpPr>
+        <p:pic>
+          <p:nvPicPr>
+            <p:cNvPr id="4" name="Picture 3"/>
+            <p:cNvPicPr>
+              <a:picLocks noChangeAspect="1"/>
+            </p:cNvPicPr>
+            <p:nvPr/>
+          </p:nvPicPr>
+          <p:blipFill>
+            <a:blip r:embed="rId2">
+              <a:extLst>
+                <a:ext uri="{28A0092B-C50C-407E-A947-70E740481C1C}">
+                  <a14:useLocalDpi xmlns:a14="http://schemas.microsoft.com/office/drawing/2010/main" val="0"/>
+                </a:ext>
+              </a:extLst>
+            </a:blip>
+            <a:stretch>
+              <a:fillRect/>
+            </a:stretch>
+          </p:blipFill>
+          <p:spPr>
+            <a:xfrm>
+              <a:off x="2489888" y="2434659"/>
+              <a:ext cx="5968209" cy="4330777"/>
+            </a:xfrm>
+            <a:prstGeom prst="rect">
+              <a:avLst/>
+            </a:prstGeom>
+          </p:spPr>
+        </p:pic>
+        <p:cxnSp>
+          <p:nvCxnSpPr>
+            <p:cNvPr id="17" name="Straight Arrow Connector 16"/>
+            <p:cNvCxnSpPr/>
+            <p:nvPr/>
+          </p:nvCxnSpPr>
+          <p:spPr>
+            <a:xfrm flipV="1">
+              <a:off x="3155640" y="2176609"/>
+              <a:ext cx="5247864" cy="11229"/>
+            </a:xfrm>
+            <a:prstGeom prst="straightConnector1">
+              <a:avLst/>
+            </a:prstGeom>
+            <a:ln w="38100">
+              <a:solidFill>
+                <a:schemeClr val="tx1"/>
+              </a:solidFill>
+              <a:tailEnd type="triangle"/>
+            </a:ln>
+          </p:spPr>
+          <p:style>
+            <a:lnRef idx="1">
+              <a:schemeClr val="accent1"/>
+            </a:lnRef>
+            <a:fillRef idx="0">
+              <a:schemeClr val="accent1"/>
+            </a:fillRef>
+            <a:effectRef idx="0">
+              <a:schemeClr val="accent1"/>
+            </a:effectRef>
+            <a:fontRef idx="minor">
+              <a:schemeClr val="tx1"/>
+            </a:fontRef>
+          </p:style>
+        </p:cxnSp>
+        <p:cxnSp>
+          <p:nvCxnSpPr>
+            <p:cNvPr id="18" name="Straight Connector 17"/>
+            <p:cNvCxnSpPr/>
+            <p:nvPr/>
+          </p:nvCxnSpPr>
+          <p:spPr>
+            <a:xfrm>
+              <a:off x="5754327" y="1904333"/>
+              <a:ext cx="0" cy="419348"/>
+            </a:xfrm>
+            <a:prstGeom prst="line">
+              <a:avLst/>
+            </a:prstGeom>
+            <a:ln w="38100">
+              <a:solidFill>
+                <a:schemeClr val="tx1"/>
+              </a:solidFill>
+              <a:prstDash val="sysDot"/>
+            </a:ln>
+          </p:spPr>
+          <p:style>
+            <a:lnRef idx="1">
+              <a:schemeClr val="accent1"/>
+            </a:lnRef>
+            <a:fillRef idx="0">
+              <a:schemeClr val="accent1"/>
+            </a:fillRef>
+            <a:effectRef idx="0">
+              <a:schemeClr val="accent1"/>
+            </a:effectRef>
+            <a:fontRef idx="minor">
+              <a:schemeClr val="tx1"/>
+            </a:fontRef>
+          </p:style>
+        </p:cxnSp>
+        <mc:AlternateContent xmlns:mc="http://schemas.openxmlformats.org/markup-compatibility/2006">
+          <mc:Choice xmlns:a14="http://schemas.microsoft.com/office/drawing/2010/main" Requires="a14">
+            <p:sp>
+              <p:nvSpPr>
+                <p:cNvPr id="19" name="TextBox 89"/>
+                <p:cNvSpPr txBox="1"/>
+                <p:nvPr/>
+              </p:nvSpPr>
+              <p:spPr>
+                <a:xfrm>
+                  <a:off x="5711896" y="2209246"/>
+                  <a:ext cx="384907" cy="307777"/>
+                </a:xfrm>
+                <a:prstGeom prst="rect">
+                  <a:avLst/>
+                </a:prstGeom>
+                <a:noFill/>
+              </p:spPr>
+              <p:txBody>
+                <a:bodyPr wrap="square" lIns="0" tIns="0" rIns="0" bIns="0" rtlCol="0">
+                  <a:spAutoFit/>
+                </a:bodyPr>
+                <a:lstStyle>
+                  <a:defPPr>
+                    <a:defRPr lang="en-US"/>
+                  </a:defPPr>
+                  <a:lvl1pPr marL="0" algn="l" defTabSz="914400" rtl="0" eaLnBrk="1" latinLnBrk="0" hangingPunct="1">
+                    <a:defRPr sz="1800" kern="1200">
+                      <a:solidFill>
+                        <a:schemeClr val="tx1"/>
+                      </a:solidFill>
+                      <a:latin typeface="+mn-lt"/>
+                      <a:ea typeface="+mn-ea"/>
+                      <a:cs typeface="+mn-cs"/>
+                    </a:defRPr>
+                  </a:lvl1pPr>
+                  <a:lvl2pPr marL="457200" algn="l" defTabSz="914400" rtl="0" eaLnBrk="1" latinLnBrk="0" hangingPunct="1">
+                    <a:defRPr sz="1800" kern="1200">
+                      <a:solidFill>
+                        <a:schemeClr val="tx1"/>
+                      </a:solidFill>
+                      <a:latin typeface="+mn-lt"/>
+                      <a:ea typeface="+mn-ea"/>
+                      <a:cs typeface="+mn-cs"/>
+                    </a:defRPr>
+                  </a:lvl2pPr>
+                  <a:lvl3pPr marL="914400" algn="l" defTabSz="914400" rtl="0" eaLnBrk="1" latinLnBrk="0" hangingPunct="1">
+                    <a:defRPr sz="1800" kern="1200">
+                      <a:solidFill>
+                        <a:schemeClr val="tx1"/>
+                      </a:solidFill>
+                      <a:latin typeface="+mn-lt"/>
+                      <a:ea typeface="+mn-ea"/>
+                      <a:cs typeface="+mn-cs"/>
+                    </a:defRPr>
+                  </a:lvl3pPr>
+                  <a:lvl4pPr marL="1371600" algn="l" defTabSz="914400" rtl="0" eaLnBrk="1" latinLnBrk="0" hangingPunct="1">
+                    <a:defRPr sz="1800" kern="1200">
+                      <a:solidFill>
+                        <a:schemeClr val="tx1"/>
+                      </a:solidFill>
+                      <a:latin typeface="+mn-lt"/>
+                      <a:ea typeface="+mn-ea"/>
+                      <a:cs typeface="+mn-cs"/>
+                    </a:defRPr>
+                  </a:lvl4pPr>
+                  <a:lvl5pPr marL="1828800" algn="l" defTabSz="914400" rtl="0" eaLnBrk="1" latinLnBrk="0" hangingPunct="1">
+                    <a:defRPr sz="1800" kern="1200">
+                      <a:solidFill>
+                        <a:schemeClr val="tx1"/>
+                      </a:solidFill>
+                      <a:latin typeface="+mn-lt"/>
+                      <a:ea typeface="+mn-ea"/>
+                      <a:cs typeface="+mn-cs"/>
+                    </a:defRPr>
+                  </a:lvl5pPr>
+                  <a:lvl6pPr marL="2286000" algn="l" defTabSz="914400" rtl="0" eaLnBrk="1" latinLnBrk="0" hangingPunct="1">
+                    <a:defRPr sz="1800" kern="1200">
+                      <a:solidFill>
+                        <a:schemeClr val="tx1"/>
+                      </a:solidFill>
+                      <a:latin typeface="+mn-lt"/>
+                      <a:ea typeface="+mn-ea"/>
+                      <a:cs typeface="+mn-cs"/>
+                    </a:defRPr>
+                  </a:lvl6pPr>
+                  <a:lvl7pPr marL="2743200" algn="l" defTabSz="914400" rtl="0" eaLnBrk="1" latinLnBrk="0" hangingPunct="1">
+                    <a:defRPr sz="1800" kern="1200">
+                      <a:solidFill>
+                        <a:schemeClr val="tx1"/>
+                      </a:solidFill>
+                      <a:latin typeface="+mn-lt"/>
+                      <a:ea typeface="+mn-ea"/>
+                      <a:cs typeface="+mn-cs"/>
+                    </a:defRPr>
+                  </a:lvl7pPr>
+                  <a:lvl8pPr marL="3200400" algn="l" defTabSz="914400" rtl="0" eaLnBrk="1" latinLnBrk="0" hangingPunct="1">
+                    <a:defRPr sz="1800" kern="1200">
+                      <a:solidFill>
+                        <a:schemeClr val="tx1"/>
+                      </a:solidFill>
+                      <a:latin typeface="+mn-lt"/>
+                      <a:ea typeface="+mn-ea"/>
+                      <a:cs typeface="+mn-cs"/>
+                    </a:defRPr>
+                  </a:lvl8pPr>
+                  <a:lvl9pPr marL="3657600" algn="l" defTabSz="914400" rtl="0" eaLnBrk="1" latinLnBrk="0" hangingPunct="1">
+                    <a:defRPr sz="1800" kern="1200">
+                      <a:solidFill>
+                        <a:schemeClr val="tx1"/>
+                      </a:solidFill>
+                      <a:latin typeface="+mn-lt"/>
+                      <a:ea typeface="+mn-ea"/>
+                      <a:cs typeface="+mn-cs"/>
+                    </a:defRPr>
+                  </a:lvl9pPr>
+                </a:lstStyle>
+                <a:p>
+                  <a:pPr/>
+                  <a14:m>
+                    <m:oMathPara xmlns:m="http://schemas.openxmlformats.org/officeDocument/2006/math">
+                      <m:oMathParaPr>
+                        <m:jc m:val="centerGroup"/>
+                      </m:oMathParaPr>
+                      <m:oMath xmlns:m="http://schemas.openxmlformats.org/officeDocument/2006/math">
+                        <m:r>
+                          <a:rPr lang="en-US" sz="2000" b="0" i="1" smtClean="0">
+                            <a:latin typeface="Cambria Math" panose="02040503050406030204" pitchFamily="18" charset="0"/>
+                            <a:cs typeface="Arial" panose="020B0604020202020204" pitchFamily="34" charset="0"/>
+                          </a:rPr>
+                          <m:t>0</m:t>
+                        </m:r>
+                      </m:oMath>
+                    </m:oMathPara>
+                  </a14:m>
+                  <a:endParaRPr lang="en-US" sz="2000" dirty="0">
+                    <a:latin typeface="Arial" panose="020B0604020202020204" pitchFamily="34" charset="0"/>
+                    <a:cs typeface="Arial" panose="020B0604020202020204" pitchFamily="34" charset="0"/>
+                  </a:endParaRPr>
+                </a:p>
+              </p:txBody>
+            </p:sp>
+          </mc:Choice>
+          <mc:Fallback>
+            <p:sp>
+              <p:nvSpPr>
+                <p:cNvPr id="19" name="TextBox 89"/>
+                <p:cNvSpPr txBox="1">
+                  <a:spLocks noRot="1" noChangeAspect="1" noMove="1" noResize="1" noEditPoints="1" noAdjustHandles="1" noChangeArrowheads="1" noChangeShapeType="1" noTextEdit="1"/>
+                </p:cNvSpPr>
+                <p:nvPr/>
+              </p:nvSpPr>
+              <p:spPr>
+                <a:xfrm>
+                  <a:off x="5711896" y="2209246"/>
+                  <a:ext cx="384907" cy="307777"/>
+                </a:xfrm>
+                <a:prstGeom prst="rect">
+                  <a:avLst/>
+                </a:prstGeom>
+                <a:blipFill>
+                  <a:blip r:embed="rId3"/>
+                  <a:stretch>
+                    <a:fillRect b="-9804"/>
+                  </a:stretch>
+                </a:blipFill>
+              </p:spPr>
+              <p:txBody>
+                <a:bodyPr/>
+                <a:lstStyle/>
+                <a:p>
+                  <a:r>
+                    <a:rPr lang="en-US">
+                      <a:noFill/>
+                    </a:rPr>
+                    <a:t> </a:t>
+                  </a:r>
+                </a:p>
+              </p:txBody>
+            </p:sp>
+          </mc:Fallback>
+        </mc:AlternateContent>
+        <p:sp>
+          <p:nvSpPr>
+            <p:cNvPr id="21" name="Rectangle 20"/>
+            <p:cNvSpPr/>
+            <p:nvPr/>
+          </p:nvSpPr>
+          <p:spPr>
+            <a:xfrm>
+              <a:off x="5754327" y="1304664"/>
+              <a:ext cx="405353" cy="488624"/>
+            </a:xfrm>
+            <a:prstGeom prst="rect">
+              <a:avLst/>
+            </a:prstGeom>
+            <a:solidFill>
+              <a:schemeClr val="bg2">
+                <a:lumMod val="90000"/>
+              </a:schemeClr>
+            </a:solidFill>
+            <a:ln w="38100">
+              <a:solidFill>
+                <a:schemeClr val="tx1"/>
+              </a:solidFill>
+            </a:ln>
+          </p:spPr>
+          <p:style>
+            <a:lnRef idx="2">
+              <a:schemeClr val="accent1">
+                <a:shade val="50000"/>
+              </a:schemeClr>
+            </a:lnRef>
+            <a:fillRef idx="1">
+              <a:schemeClr val="accent1"/>
+            </a:fillRef>
+            <a:effectRef idx="0">
+              <a:schemeClr val="accent1"/>
+            </a:effectRef>
+            <a:fontRef idx="minor">
+              <a:schemeClr val="lt1"/>
+            </a:fontRef>
+          </p:style>
+          <p:txBody>
+            <a:bodyPr rtlCol="0" anchor="ctr"/>
+            <a:lstStyle>
+              <a:defPPr>
+                <a:defRPr lang="en-US"/>
+              </a:defPPr>
+              <a:lvl1pPr marL="0" algn="l" defTabSz="914400" rtl="0" eaLnBrk="1" latinLnBrk="0" hangingPunct="1">
+                <a:defRPr sz="1800" kern="1200">
+                  <a:solidFill>
+                    <a:schemeClr val="lt1"/>
+                  </a:solidFill>
+                  <a:latin typeface="+mn-lt"/>
+                  <a:ea typeface="+mn-ea"/>
+                  <a:cs typeface="+mn-cs"/>
+                </a:defRPr>
+              </a:lvl1pPr>
+              <a:lvl2pPr marL="457200" algn="l" defTabSz="914400" rtl="0" eaLnBrk="1" latinLnBrk="0" hangingPunct="1">
+                <a:defRPr sz="1800" kern="1200">
+                  <a:solidFill>
+                    <a:schemeClr val="lt1"/>
+                  </a:solidFill>
+                  <a:latin typeface="+mn-lt"/>
+                  <a:ea typeface="+mn-ea"/>
+                  <a:cs typeface="+mn-cs"/>
+                </a:defRPr>
+              </a:lvl2pPr>
+              <a:lvl3pPr marL="914400" algn="l" defTabSz="914400" rtl="0" eaLnBrk="1" latinLnBrk="0" hangingPunct="1">
+                <a:defRPr sz="1800" kern="1200">
+                  <a:solidFill>
+                    <a:schemeClr val="lt1"/>
+                  </a:solidFill>
+                  <a:latin typeface="+mn-lt"/>
+                  <a:ea typeface="+mn-ea"/>
+                  <a:cs typeface="+mn-cs"/>
+                </a:defRPr>
+              </a:lvl3pPr>
+              <a:lvl4pPr marL="1371600" algn="l" defTabSz="914400" rtl="0" eaLnBrk="1" latinLnBrk="0" hangingPunct="1">
+                <a:defRPr sz="1800" kern="1200">
+                  <a:solidFill>
+                    <a:schemeClr val="lt1"/>
+                  </a:solidFill>
+                  <a:latin typeface="+mn-lt"/>
+                  <a:ea typeface="+mn-ea"/>
+                  <a:cs typeface="+mn-cs"/>
+                </a:defRPr>
+              </a:lvl4pPr>
+              <a:lvl5pPr marL="1828800" algn="l" defTabSz="914400" rtl="0" eaLnBrk="1" latinLnBrk="0" hangingPunct="1">
+                <a:defRPr sz="1800" kern="1200">
+                  <a:solidFill>
+                    <a:schemeClr val="lt1"/>
+                  </a:solidFill>
+                  <a:latin typeface="+mn-lt"/>
+                  <a:ea typeface="+mn-ea"/>
+                  <a:cs typeface="+mn-cs"/>
+                </a:defRPr>
+              </a:lvl5pPr>
+              <a:lvl6pPr marL="2286000" algn="l" defTabSz="914400" rtl="0" eaLnBrk="1" latinLnBrk="0" hangingPunct="1">
+                <a:defRPr sz="1800" kern="1200">
+                  <a:solidFill>
+                    <a:schemeClr val="lt1"/>
+                  </a:solidFill>
+                  <a:latin typeface="+mn-lt"/>
+                  <a:ea typeface="+mn-ea"/>
+                  <a:cs typeface="+mn-cs"/>
+                </a:defRPr>
+              </a:lvl6pPr>
+              <a:lvl7pPr marL="2743200" algn="l" defTabSz="914400" rtl="0" eaLnBrk="1" latinLnBrk="0" hangingPunct="1">
+                <a:defRPr sz="1800" kern="1200">
+                  <a:solidFill>
+                    <a:schemeClr val="lt1"/>
+                  </a:solidFill>
+                  <a:latin typeface="+mn-lt"/>
+                  <a:ea typeface="+mn-ea"/>
+                  <a:cs typeface="+mn-cs"/>
+                </a:defRPr>
+              </a:lvl7pPr>
+              <a:lvl8pPr marL="3200400" algn="l" defTabSz="914400" rtl="0" eaLnBrk="1" latinLnBrk="0" hangingPunct="1">
+                <a:defRPr sz="1800" kern="1200">
+                  <a:solidFill>
+                    <a:schemeClr val="lt1"/>
+                  </a:solidFill>
+                  <a:latin typeface="+mn-lt"/>
+                  <a:ea typeface="+mn-ea"/>
+                  <a:cs typeface="+mn-cs"/>
+                </a:defRPr>
+              </a:lvl8pPr>
+              <a:lvl9pPr marL="3657600" algn="l" defTabSz="914400" rtl="0" eaLnBrk="1" latinLnBrk="0" hangingPunct="1">
+                <a:defRPr sz="1800" kern="1200">
+                  <a:solidFill>
+                    <a:schemeClr val="lt1"/>
+                  </a:solidFill>
+                  <a:latin typeface="+mn-lt"/>
+                  <a:ea typeface="+mn-ea"/>
+                  <a:cs typeface="+mn-cs"/>
+                </a:defRPr>
+              </a:lvl9pPr>
+            </a:lstStyle>
+            <a:p>
+              <a:pPr algn="ctr"/>
+              <a:endParaRPr lang="en-US"/>
+            </a:p>
+          </p:txBody>
+        </p:sp>
+        <mc:AlternateContent xmlns:mc="http://schemas.openxmlformats.org/markup-compatibility/2006">
+          <mc:Choice xmlns:a14="http://schemas.microsoft.com/office/drawing/2010/main" Requires="a14">
+            <p:sp>
+              <p:nvSpPr>
+                <p:cNvPr id="26" name="TextBox 105"/>
+                <p:cNvSpPr txBox="1"/>
+                <p:nvPr/>
+              </p:nvSpPr>
+              <p:spPr>
+                <a:xfrm>
+                  <a:off x="8362398" y="2158063"/>
+                  <a:ext cx="214546" cy="307777"/>
+                </a:xfrm>
+                <a:prstGeom prst="rect">
+                  <a:avLst/>
+                </a:prstGeom>
+                <a:noFill/>
+              </p:spPr>
+              <p:txBody>
+                <a:bodyPr wrap="none" lIns="0" tIns="0" rIns="0" bIns="0" rtlCol="0">
+                  <a:spAutoFit/>
+                </a:bodyPr>
+                <a:lstStyle>
+                  <a:defPPr>
+                    <a:defRPr lang="en-US"/>
+                  </a:defPPr>
+                  <a:lvl1pPr marL="0" algn="l" defTabSz="914400" rtl="0" eaLnBrk="1" latinLnBrk="0" hangingPunct="1">
+                    <a:defRPr sz="1800" kern="1200">
+                      <a:solidFill>
+                        <a:schemeClr val="tx1"/>
+                      </a:solidFill>
+                      <a:latin typeface="+mn-lt"/>
+                      <a:ea typeface="+mn-ea"/>
+                      <a:cs typeface="+mn-cs"/>
+                    </a:defRPr>
+                  </a:lvl1pPr>
+                  <a:lvl2pPr marL="457200" algn="l" defTabSz="914400" rtl="0" eaLnBrk="1" latinLnBrk="0" hangingPunct="1">
+                    <a:defRPr sz="1800" kern="1200">
+                      <a:solidFill>
+                        <a:schemeClr val="tx1"/>
+                      </a:solidFill>
+                      <a:latin typeface="+mn-lt"/>
+                      <a:ea typeface="+mn-ea"/>
+                      <a:cs typeface="+mn-cs"/>
+                    </a:defRPr>
+                  </a:lvl2pPr>
+                  <a:lvl3pPr marL="914400" algn="l" defTabSz="914400" rtl="0" eaLnBrk="1" latinLnBrk="0" hangingPunct="1">
+                    <a:defRPr sz="1800" kern="1200">
+                      <a:solidFill>
+                        <a:schemeClr val="tx1"/>
+                      </a:solidFill>
+                      <a:latin typeface="+mn-lt"/>
+                      <a:ea typeface="+mn-ea"/>
+                      <a:cs typeface="+mn-cs"/>
+                    </a:defRPr>
+                  </a:lvl3pPr>
+                  <a:lvl4pPr marL="1371600" algn="l" defTabSz="914400" rtl="0" eaLnBrk="1" latinLnBrk="0" hangingPunct="1">
+                    <a:defRPr sz="1800" kern="1200">
+                      <a:solidFill>
+                        <a:schemeClr val="tx1"/>
+                      </a:solidFill>
+                      <a:latin typeface="+mn-lt"/>
+                      <a:ea typeface="+mn-ea"/>
+                      <a:cs typeface="+mn-cs"/>
+                    </a:defRPr>
+                  </a:lvl4pPr>
+                  <a:lvl5pPr marL="1828800" algn="l" defTabSz="914400" rtl="0" eaLnBrk="1" latinLnBrk="0" hangingPunct="1">
+                    <a:defRPr sz="1800" kern="1200">
+                      <a:solidFill>
+                        <a:schemeClr val="tx1"/>
+                      </a:solidFill>
+                      <a:latin typeface="+mn-lt"/>
+                      <a:ea typeface="+mn-ea"/>
+                      <a:cs typeface="+mn-cs"/>
+                    </a:defRPr>
+                  </a:lvl5pPr>
+                  <a:lvl6pPr marL="2286000" algn="l" defTabSz="914400" rtl="0" eaLnBrk="1" latinLnBrk="0" hangingPunct="1">
+                    <a:defRPr sz="1800" kern="1200">
+                      <a:solidFill>
+                        <a:schemeClr val="tx1"/>
+                      </a:solidFill>
+                      <a:latin typeface="+mn-lt"/>
+                      <a:ea typeface="+mn-ea"/>
+                      <a:cs typeface="+mn-cs"/>
+                    </a:defRPr>
+                  </a:lvl6pPr>
+                  <a:lvl7pPr marL="2743200" algn="l" defTabSz="914400" rtl="0" eaLnBrk="1" latinLnBrk="0" hangingPunct="1">
+                    <a:defRPr sz="1800" kern="1200">
+                      <a:solidFill>
+                        <a:schemeClr val="tx1"/>
+                      </a:solidFill>
+                      <a:latin typeface="+mn-lt"/>
+                      <a:ea typeface="+mn-ea"/>
+                      <a:cs typeface="+mn-cs"/>
+                    </a:defRPr>
+                  </a:lvl7pPr>
+                  <a:lvl8pPr marL="3200400" algn="l" defTabSz="914400" rtl="0" eaLnBrk="1" latinLnBrk="0" hangingPunct="1">
+                    <a:defRPr sz="1800" kern="1200">
+                      <a:solidFill>
+                        <a:schemeClr val="tx1"/>
+                      </a:solidFill>
+                      <a:latin typeface="+mn-lt"/>
+                      <a:ea typeface="+mn-ea"/>
+                      <a:cs typeface="+mn-cs"/>
+                    </a:defRPr>
+                  </a:lvl8pPr>
+                  <a:lvl9pPr marL="3657600" algn="l" defTabSz="914400" rtl="0" eaLnBrk="1" latinLnBrk="0" hangingPunct="1">
+                    <a:defRPr sz="1800" kern="1200">
+                      <a:solidFill>
+                        <a:schemeClr val="tx1"/>
+                      </a:solidFill>
+                      <a:latin typeface="+mn-lt"/>
+                      <a:ea typeface="+mn-ea"/>
+                      <a:cs typeface="+mn-cs"/>
+                    </a:defRPr>
+                  </a:lvl9pPr>
+                </a:lstStyle>
+                <a:p>
+                  <a:pPr/>
+                  <a14:m>
+                    <m:oMathPara xmlns:m="http://schemas.openxmlformats.org/officeDocument/2006/math">
+                      <m:oMathParaPr>
+                        <m:jc m:val="centerGroup"/>
+                      </m:oMathParaPr>
+                      <m:oMath xmlns:m="http://schemas.openxmlformats.org/officeDocument/2006/math">
+                        <m:r>
+                          <a:rPr lang="en-US" sz="2000" b="0" i="1" smtClean="0">
+                            <a:latin typeface="Cambria Math" panose="02040503050406030204" pitchFamily="18" charset="0"/>
+                            <a:cs typeface="Arial" panose="020B0604020202020204" pitchFamily="34" charset="0"/>
+                          </a:rPr>
+                          <m:t>𝑥</m:t>
+                        </m:r>
+                      </m:oMath>
+                    </m:oMathPara>
+                  </a14:m>
+                  <a:endParaRPr lang="en-US" sz="2000" dirty="0" smtClean="0">
+                    <a:latin typeface="Arial" panose="020B0604020202020204" pitchFamily="34" charset="0"/>
+                    <a:cs typeface="Arial" panose="020B0604020202020204" pitchFamily="34" charset="0"/>
+                  </a:endParaRPr>
+                </a:p>
+              </p:txBody>
+            </p:sp>
+          </mc:Choice>
+          <mc:Fallback>
+            <p:sp>
+              <p:nvSpPr>
+                <p:cNvPr id="26" name="TextBox 105"/>
+                <p:cNvSpPr txBox="1">
+                  <a:spLocks noRot="1" noChangeAspect="1" noMove="1" noResize="1" noEditPoints="1" noAdjustHandles="1" noChangeArrowheads="1" noChangeShapeType="1" noTextEdit="1"/>
+                </p:cNvSpPr>
+                <p:nvPr/>
+              </p:nvSpPr>
+              <p:spPr>
+                <a:xfrm>
+                  <a:off x="8362398" y="2158063"/>
+                  <a:ext cx="214546" cy="307777"/>
+                </a:xfrm>
+                <a:prstGeom prst="rect">
+                  <a:avLst/>
+                </a:prstGeom>
+                <a:blipFill>
+                  <a:blip r:embed="rId4"/>
+                  <a:stretch>
+                    <a:fillRect l="-14286" r="-8571" b="-2000"/>
+                  </a:stretch>
+                </a:blipFill>
+              </p:spPr>
+              <p:txBody>
+                <a:bodyPr/>
+                <a:lstStyle/>
+                <a:p>
+                  <a:r>
+                    <a:rPr lang="en-US">
+                      <a:noFill/>
+                    </a:rPr>
+                    <a:t> </a:t>
+                  </a:r>
+                </a:p>
+              </p:txBody>
+            </p:sp>
+          </mc:Fallback>
+        </mc:AlternateContent>
+        <p:sp>
+          <p:nvSpPr>
+            <p:cNvPr id="14" name="Rectangle 13"/>
+            <p:cNvSpPr/>
+            <p:nvPr/>
+          </p:nvSpPr>
+          <p:spPr>
+            <a:xfrm flipH="1">
+              <a:off x="3155640" y="1817154"/>
+              <a:ext cx="5197375" cy="140672"/>
+            </a:xfrm>
+            <a:prstGeom prst="rect">
+              <a:avLst/>
+            </a:prstGeom>
+            <a:solidFill>
+              <a:schemeClr val="tx1"/>
+            </a:solidFill>
+            <a:ln w="38100">
+              <a:solidFill>
+                <a:schemeClr val="tx1"/>
+              </a:solidFill>
+            </a:ln>
+          </p:spPr>
+          <p:style>
+            <a:lnRef idx="2">
+              <a:schemeClr val="accent1">
+                <a:shade val="50000"/>
+              </a:schemeClr>
+            </a:lnRef>
+            <a:fillRef idx="1">
+              <a:schemeClr val="accent1"/>
+            </a:fillRef>
+            <a:effectRef idx="0">
+              <a:schemeClr val="accent1"/>
+            </a:effectRef>
+            <a:fontRef idx="minor">
+              <a:schemeClr val="lt1"/>
+            </a:fontRef>
+          </p:style>
+          <p:txBody>
+            <a:bodyPr rtlCol="0" anchor="ctr"/>
+            <a:lstStyle>
+              <a:defPPr>
+                <a:defRPr lang="en-US"/>
+              </a:defPPr>
+              <a:lvl1pPr marL="0" algn="l" defTabSz="914400" rtl="0" eaLnBrk="1" latinLnBrk="0" hangingPunct="1">
+                <a:defRPr sz="1800" kern="1200">
+                  <a:solidFill>
+                    <a:schemeClr val="lt1"/>
+                  </a:solidFill>
+                  <a:latin typeface="+mn-lt"/>
+                  <a:ea typeface="+mn-ea"/>
+                  <a:cs typeface="+mn-cs"/>
+                </a:defRPr>
+              </a:lvl1pPr>
+              <a:lvl2pPr marL="457200" algn="l" defTabSz="914400" rtl="0" eaLnBrk="1" latinLnBrk="0" hangingPunct="1">
+                <a:defRPr sz="1800" kern="1200">
+                  <a:solidFill>
+                    <a:schemeClr val="lt1"/>
+                  </a:solidFill>
+                  <a:latin typeface="+mn-lt"/>
+                  <a:ea typeface="+mn-ea"/>
+                  <a:cs typeface="+mn-cs"/>
+                </a:defRPr>
+              </a:lvl2pPr>
+              <a:lvl3pPr marL="914400" algn="l" defTabSz="914400" rtl="0" eaLnBrk="1" latinLnBrk="0" hangingPunct="1">
+                <a:defRPr sz="1800" kern="1200">
+                  <a:solidFill>
+                    <a:schemeClr val="lt1"/>
+                  </a:solidFill>
+                  <a:latin typeface="+mn-lt"/>
+                  <a:ea typeface="+mn-ea"/>
+                  <a:cs typeface="+mn-cs"/>
+                </a:defRPr>
+              </a:lvl3pPr>
+              <a:lvl4pPr marL="1371600" algn="l" defTabSz="914400" rtl="0" eaLnBrk="1" latinLnBrk="0" hangingPunct="1">
+                <a:defRPr sz="1800" kern="1200">
+                  <a:solidFill>
+                    <a:schemeClr val="lt1"/>
+                  </a:solidFill>
+                  <a:latin typeface="+mn-lt"/>
+                  <a:ea typeface="+mn-ea"/>
+                  <a:cs typeface="+mn-cs"/>
+                </a:defRPr>
+              </a:lvl4pPr>
+              <a:lvl5pPr marL="1828800" algn="l" defTabSz="914400" rtl="0" eaLnBrk="1" latinLnBrk="0" hangingPunct="1">
+                <a:defRPr sz="1800" kern="1200">
+                  <a:solidFill>
+                    <a:schemeClr val="lt1"/>
+                  </a:solidFill>
+                  <a:latin typeface="+mn-lt"/>
+                  <a:ea typeface="+mn-ea"/>
+                  <a:cs typeface="+mn-cs"/>
+                </a:defRPr>
+              </a:lvl5pPr>
+              <a:lvl6pPr marL="2286000" algn="l" defTabSz="914400" rtl="0" eaLnBrk="1" latinLnBrk="0" hangingPunct="1">
+                <a:defRPr sz="1800" kern="1200">
+                  <a:solidFill>
+                    <a:schemeClr val="lt1"/>
+                  </a:solidFill>
+                  <a:latin typeface="+mn-lt"/>
+                  <a:ea typeface="+mn-ea"/>
+                  <a:cs typeface="+mn-cs"/>
+                </a:defRPr>
+              </a:lvl6pPr>
+              <a:lvl7pPr marL="2743200" algn="l" defTabSz="914400" rtl="0" eaLnBrk="1" latinLnBrk="0" hangingPunct="1">
+                <a:defRPr sz="1800" kern="1200">
+                  <a:solidFill>
+                    <a:schemeClr val="lt1"/>
+                  </a:solidFill>
+                  <a:latin typeface="+mn-lt"/>
+                  <a:ea typeface="+mn-ea"/>
+                  <a:cs typeface="+mn-cs"/>
+                </a:defRPr>
+              </a:lvl7pPr>
+              <a:lvl8pPr marL="3200400" algn="l" defTabSz="914400" rtl="0" eaLnBrk="1" latinLnBrk="0" hangingPunct="1">
+                <a:defRPr sz="1800" kern="1200">
+                  <a:solidFill>
+                    <a:schemeClr val="lt1"/>
+                  </a:solidFill>
+                  <a:latin typeface="+mn-lt"/>
+                  <a:ea typeface="+mn-ea"/>
+                  <a:cs typeface="+mn-cs"/>
+                </a:defRPr>
+              </a:lvl8pPr>
+              <a:lvl9pPr marL="3657600" algn="l" defTabSz="914400" rtl="0" eaLnBrk="1" latinLnBrk="0" hangingPunct="1">
+                <a:defRPr sz="1800" kern="1200">
+                  <a:solidFill>
+                    <a:schemeClr val="lt1"/>
+                  </a:solidFill>
+                  <a:latin typeface="+mn-lt"/>
+                  <a:ea typeface="+mn-ea"/>
+                  <a:cs typeface="+mn-cs"/>
+                </a:defRPr>
+              </a:lvl9pPr>
+            </a:lstStyle>
+            <a:p>
+              <a:pPr algn="ctr"/>
+              <a:endParaRPr lang="en-US"/>
+            </a:p>
+          </p:txBody>
+        </p:sp>
+        <p:sp>
+          <p:nvSpPr>
+            <p:cNvPr id="29" name="Rectangle 28"/>
+            <p:cNvSpPr/>
+            <p:nvPr/>
+          </p:nvSpPr>
+          <p:spPr>
+            <a:xfrm>
+              <a:off x="4287870" y="1313241"/>
+              <a:ext cx="405353" cy="488624"/>
+            </a:xfrm>
+            <a:prstGeom prst="rect">
+              <a:avLst/>
+            </a:prstGeom>
+            <a:solidFill>
+              <a:schemeClr val="bg2">
+                <a:lumMod val="90000"/>
+              </a:schemeClr>
+            </a:solidFill>
+            <a:ln w="38100">
+              <a:solidFill>
+                <a:schemeClr val="tx1"/>
+              </a:solidFill>
+            </a:ln>
+          </p:spPr>
+          <p:style>
+            <a:lnRef idx="2">
+              <a:schemeClr val="accent1">
+                <a:shade val="50000"/>
+              </a:schemeClr>
+            </a:lnRef>
+            <a:fillRef idx="1">
+              <a:schemeClr val="accent1"/>
+            </a:fillRef>
+            <a:effectRef idx="0">
+              <a:schemeClr val="accent1"/>
+            </a:effectRef>
+            <a:fontRef idx="minor">
+              <a:schemeClr val="lt1"/>
+            </a:fontRef>
+          </p:style>
+          <p:txBody>
+            <a:bodyPr rtlCol="0" anchor="ctr"/>
+            <a:lstStyle>
+              <a:defPPr>
+                <a:defRPr lang="en-US"/>
+              </a:defPPr>
+              <a:lvl1pPr marL="0" algn="l" defTabSz="914400" rtl="0" eaLnBrk="1" latinLnBrk="0" hangingPunct="1">
+                <a:defRPr sz="1800" kern="1200">
+                  <a:solidFill>
+                    <a:schemeClr val="lt1"/>
+                  </a:solidFill>
+                  <a:latin typeface="+mn-lt"/>
+                  <a:ea typeface="+mn-ea"/>
+                  <a:cs typeface="+mn-cs"/>
+                </a:defRPr>
+              </a:lvl1pPr>
+              <a:lvl2pPr marL="457200" algn="l" defTabSz="914400" rtl="0" eaLnBrk="1" latinLnBrk="0" hangingPunct="1">
+                <a:defRPr sz="1800" kern="1200">
+                  <a:solidFill>
+                    <a:schemeClr val="lt1"/>
+                  </a:solidFill>
+                  <a:latin typeface="+mn-lt"/>
+                  <a:ea typeface="+mn-ea"/>
+                  <a:cs typeface="+mn-cs"/>
+                </a:defRPr>
+              </a:lvl2pPr>
+              <a:lvl3pPr marL="914400" algn="l" defTabSz="914400" rtl="0" eaLnBrk="1" latinLnBrk="0" hangingPunct="1">
+                <a:defRPr sz="1800" kern="1200">
+                  <a:solidFill>
+                    <a:schemeClr val="lt1"/>
+                  </a:solidFill>
+                  <a:latin typeface="+mn-lt"/>
+                  <a:ea typeface="+mn-ea"/>
+                  <a:cs typeface="+mn-cs"/>
+                </a:defRPr>
+              </a:lvl3pPr>
+              <a:lvl4pPr marL="1371600" algn="l" defTabSz="914400" rtl="0" eaLnBrk="1" latinLnBrk="0" hangingPunct="1">
+                <a:defRPr sz="1800" kern="1200">
+                  <a:solidFill>
+                    <a:schemeClr val="lt1"/>
+                  </a:solidFill>
+                  <a:latin typeface="+mn-lt"/>
+                  <a:ea typeface="+mn-ea"/>
+                  <a:cs typeface="+mn-cs"/>
+                </a:defRPr>
+              </a:lvl4pPr>
+              <a:lvl5pPr marL="1828800" algn="l" defTabSz="914400" rtl="0" eaLnBrk="1" latinLnBrk="0" hangingPunct="1">
+                <a:defRPr sz="1800" kern="1200">
+                  <a:solidFill>
+                    <a:schemeClr val="lt1"/>
+                  </a:solidFill>
+                  <a:latin typeface="+mn-lt"/>
+                  <a:ea typeface="+mn-ea"/>
+                  <a:cs typeface="+mn-cs"/>
+                </a:defRPr>
+              </a:lvl5pPr>
+              <a:lvl6pPr marL="2286000" algn="l" defTabSz="914400" rtl="0" eaLnBrk="1" latinLnBrk="0" hangingPunct="1">
+                <a:defRPr sz="1800" kern="1200">
+                  <a:solidFill>
+                    <a:schemeClr val="lt1"/>
+                  </a:solidFill>
+                  <a:latin typeface="+mn-lt"/>
+                  <a:ea typeface="+mn-ea"/>
+                  <a:cs typeface="+mn-cs"/>
+                </a:defRPr>
+              </a:lvl6pPr>
+              <a:lvl7pPr marL="2743200" algn="l" defTabSz="914400" rtl="0" eaLnBrk="1" latinLnBrk="0" hangingPunct="1">
+                <a:defRPr sz="1800" kern="1200">
+                  <a:solidFill>
+                    <a:schemeClr val="lt1"/>
+                  </a:solidFill>
+                  <a:latin typeface="+mn-lt"/>
+                  <a:ea typeface="+mn-ea"/>
+                  <a:cs typeface="+mn-cs"/>
+                </a:defRPr>
+              </a:lvl7pPr>
+              <a:lvl8pPr marL="3200400" algn="l" defTabSz="914400" rtl="0" eaLnBrk="1" latinLnBrk="0" hangingPunct="1">
+                <a:defRPr sz="1800" kern="1200">
+                  <a:solidFill>
+                    <a:schemeClr val="lt1"/>
+                  </a:solidFill>
+                  <a:latin typeface="+mn-lt"/>
+                  <a:ea typeface="+mn-ea"/>
+                  <a:cs typeface="+mn-cs"/>
+                </a:defRPr>
+              </a:lvl8pPr>
+              <a:lvl9pPr marL="3657600" algn="l" defTabSz="914400" rtl="0" eaLnBrk="1" latinLnBrk="0" hangingPunct="1">
+                <a:defRPr sz="1800" kern="1200">
+                  <a:solidFill>
+                    <a:schemeClr val="lt1"/>
+                  </a:solidFill>
+                  <a:latin typeface="+mn-lt"/>
+                  <a:ea typeface="+mn-ea"/>
+                  <a:cs typeface="+mn-cs"/>
+                </a:defRPr>
+              </a:lvl9pPr>
+            </a:lstStyle>
+            <a:p>
+              <a:pPr algn="ctr"/>
+              <a:endParaRPr lang="en-US"/>
+            </a:p>
+          </p:txBody>
+        </p:sp>
+        <p:sp>
+          <p:nvSpPr>
+            <p:cNvPr id="30" name="Rectangle 29"/>
+            <p:cNvSpPr/>
+            <p:nvPr/>
+          </p:nvSpPr>
+          <p:spPr>
+            <a:xfrm>
+              <a:off x="7284830" y="1304664"/>
+              <a:ext cx="405353" cy="488624"/>
+            </a:xfrm>
+            <a:prstGeom prst="rect">
+              <a:avLst/>
+            </a:prstGeom>
+            <a:solidFill>
+              <a:schemeClr val="bg2">
+                <a:lumMod val="90000"/>
+              </a:schemeClr>
+            </a:solidFill>
+            <a:ln w="38100">
+              <a:solidFill>
+                <a:schemeClr val="tx1"/>
+              </a:solidFill>
+            </a:ln>
+          </p:spPr>
+          <p:style>
+            <a:lnRef idx="2">
+              <a:schemeClr val="accent1">
+                <a:shade val="50000"/>
+              </a:schemeClr>
+            </a:lnRef>
+            <a:fillRef idx="1">
+              <a:schemeClr val="accent1"/>
+            </a:fillRef>
+            <a:effectRef idx="0">
+              <a:schemeClr val="accent1"/>
+            </a:effectRef>
+            <a:fontRef idx="minor">
+              <a:schemeClr val="lt1"/>
+            </a:fontRef>
+          </p:style>
+          <p:txBody>
+            <a:bodyPr rtlCol="0" anchor="ctr"/>
+            <a:lstStyle>
+              <a:defPPr>
+                <a:defRPr lang="en-US"/>
+              </a:defPPr>
+              <a:lvl1pPr marL="0" algn="l" defTabSz="914400" rtl="0" eaLnBrk="1" latinLnBrk="0" hangingPunct="1">
+                <a:defRPr sz="1800" kern="1200">
+                  <a:solidFill>
+                    <a:schemeClr val="lt1"/>
+                  </a:solidFill>
+                  <a:latin typeface="+mn-lt"/>
+                  <a:ea typeface="+mn-ea"/>
+                  <a:cs typeface="+mn-cs"/>
+                </a:defRPr>
+              </a:lvl1pPr>
+              <a:lvl2pPr marL="457200" algn="l" defTabSz="914400" rtl="0" eaLnBrk="1" latinLnBrk="0" hangingPunct="1">
+                <a:defRPr sz="1800" kern="1200">
+                  <a:solidFill>
+                    <a:schemeClr val="lt1"/>
+                  </a:solidFill>
+                  <a:latin typeface="+mn-lt"/>
+                  <a:ea typeface="+mn-ea"/>
+                  <a:cs typeface="+mn-cs"/>
+                </a:defRPr>
+              </a:lvl2pPr>
+              <a:lvl3pPr marL="914400" algn="l" defTabSz="914400" rtl="0" eaLnBrk="1" latinLnBrk="0" hangingPunct="1">
+                <a:defRPr sz="1800" kern="1200">
+                  <a:solidFill>
+                    <a:schemeClr val="lt1"/>
+                  </a:solidFill>
+                  <a:latin typeface="+mn-lt"/>
+                  <a:ea typeface="+mn-ea"/>
+                  <a:cs typeface="+mn-cs"/>
+                </a:defRPr>
+              </a:lvl3pPr>
+              <a:lvl4pPr marL="1371600" algn="l" defTabSz="914400" rtl="0" eaLnBrk="1" latinLnBrk="0" hangingPunct="1">
+                <a:defRPr sz="1800" kern="1200">
+                  <a:solidFill>
+                    <a:schemeClr val="lt1"/>
+                  </a:solidFill>
+                  <a:latin typeface="+mn-lt"/>
+                  <a:ea typeface="+mn-ea"/>
+                  <a:cs typeface="+mn-cs"/>
+                </a:defRPr>
+              </a:lvl4pPr>
+              <a:lvl5pPr marL="1828800" algn="l" defTabSz="914400" rtl="0" eaLnBrk="1" latinLnBrk="0" hangingPunct="1">
+                <a:defRPr sz="1800" kern="1200">
+                  <a:solidFill>
+                    <a:schemeClr val="lt1"/>
+                  </a:solidFill>
+                  <a:latin typeface="+mn-lt"/>
+                  <a:ea typeface="+mn-ea"/>
+                  <a:cs typeface="+mn-cs"/>
+                </a:defRPr>
+              </a:lvl5pPr>
+              <a:lvl6pPr marL="2286000" algn="l" defTabSz="914400" rtl="0" eaLnBrk="1" latinLnBrk="0" hangingPunct="1">
+                <a:defRPr sz="1800" kern="1200">
+                  <a:solidFill>
+                    <a:schemeClr val="lt1"/>
+                  </a:solidFill>
+                  <a:latin typeface="+mn-lt"/>
+                  <a:ea typeface="+mn-ea"/>
+                  <a:cs typeface="+mn-cs"/>
+                </a:defRPr>
+              </a:lvl6pPr>
+              <a:lvl7pPr marL="2743200" algn="l" defTabSz="914400" rtl="0" eaLnBrk="1" latinLnBrk="0" hangingPunct="1">
+                <a:defRPr sz="1800" kern="1200">
+                  <a:solidFill>
+                    <a:schemeClr val="lt1"/>
+                  </a:solidFill>
+                  <a:latin typeface="+mn-lt"/>
+                  <a:ea typeface="+mn-ea"/>
+                  <a:cs typeface="+mn-cs"/>
+                </a:defRPr>
+              </a:lvl7pPr>
+              <a:lvl8pPr marL="3200400" algn="l" defTabSz="914400" rtl="0" eaLnBrk="1" latinLnBrk="0" hangingPunct="1">
+                <a:defRPr sz="1800" kern="1200">
+                  <a:solidFill>
+                    <a:schemeClr val="lt1"/>
+                  </a:solidFill>
+                  <a:latin typeface="+mn-lt"/>
+                  <a:ea typeface="+mn-ea"/>
+                  <a:cs typeface="+mn-cs"/>
+                </a:defRPr>
+              </a:lvl8pPr>
+              <a:lvl9pPr marL="3657600" algn="l" defTabSz="914400" rtl="0" eaLnBrk="1" latinLnBrk="0" hangingPunct="1">
+                <a:defRPr sz="1800" kern="1200">
+                  <a:solidFill>
+                    <a:schemeClr val="lt1"/>
+                  </a:solidFill>
+                  <a:latin typeface="+mn-lt"/>
+                  <a:ea typeface="+mn-ea"/>
+                  <a:cs typeface="+mn-cs"/>
+                </a:defRPr>
+              </a:lvl9pPr>
+            </a:lstStyle>
+            <a:p>
+              <a:pPr algn="ctr"/>
+              <a:endParaRPr lang="en-US"/>
+            </a:p>
+          </p:txBody>
+        </p:sp>
+        <p:grpSp>
+          <p:nvGrpSpPr>
+            <p:cNvPr id="33" name="Group 32"/>
+            <p:cNvGrpSpPr/>
+            <p:nvPr/>
+          </p:nvGrpSpPr>
+          <p:grpSpPr>
+            <a:xfrm>
+              <a:off x="3157110" y="959982"/>
+              <a:ext cx="1117570" cy="841883"/>
+              <a:chOff x="2317785" y="1008668"/>
+              <a:chExt cx="1707460" cy="841883"/>
+            </a:xfrm>
+          </p:grpSpPr>
+          <p:sp>
+            <p:nvSpPr>
+              <p:cNvPr id="34" name="Freeform 33"/>
+              <p:cNvSpPr/>
+              <p:nvPr/>
+            </p:nvSpPr>
+            <p:spPr>
+              <a:xfrm>
+                <a:off x="2441542" y="1252980"/>
+                <a:ext cx="1583703" cy="537328"/>
+              </a:xfrm>
+              <a:custGeom>
+                <a:avLst/>
+                <a:gdLst>
+                  <a:gd name="connsiteX0" fmla="*/ 0 w 10086681"/>
+                  <a:gd name="connsiteY0" fmla="*/ 931129 h 1873809"/>
+                  <a:gd name="connsiteX1" fmla="*/ 923827 w 10086681"/>
+                  <a:gd name="connsiteY1" fmla="*/ 26156 h 1873809"/>
+                  <a:gd name="connsiteX2" fmla="*/ 1838227 w 10086681"/>
+                  <a:gd name="connsiteY2" fmla="*/ 1836102 h 1873809"/>
+                  <a:gd name="connsiteX3" fmla="*/ 2771481 w 10086681"/>
+                  <a:gd name="connsiteY3" fmla="*/ 26156 h 1873809"/>
+                  <a:gd name="connsiteX4" fmla="*/ 3667027 w 10086681"/>
+                  <a:gd name="connsiteY4" fmla="*/ 1873809 h 1873809"/>
+                  <a:gd name="connsiteX5" fmla="*/ 4600281 w 10086681"/>
+                  <a:gd name="connsiteY5" fmla="*/ 26156 h 1873809"/>
+                  <a:gd name="connsiteX6" fmla="*/ 5486400 w 10086681"/>
+                  <a:gd name="connsiteY6" fmla="*/ 1854956 h 1873809"/>
+                  <a:gd name="connsiteX7" fmla="*/ 6400800 w 10086681"/>
+                  <a:gd name="connsiteY7" fmla="*/ 26156 h 1873809"/>
+                  <a:gd name="connsiteX8" fmla="*/ 7324627 w 10086681"/>
+                  <a:gd name="connsiteY8" fmla="*/ 1854956 h 1873809"/>
+                  <a:gd name="connsiteX9" fmla="*/ 8229600 w 10086681"/>
+                  <a:gd name="connsiteY9" fmla="*/ 26156 h 1873809"/>
+                  <a:gd name="connsiteX10" fmla="*/ 9134574 w 10086681"/>
+                  <a:gd name="connsiteY10" fmla="*/ 1854956 h 1873809"/>
+                  <a:gd name="connsiteX11" fmla="*/ 10086681 w 10086681"/>
+                  <a:gd name="connsiteY11" fmla="*/ 931129 h 1873809"/>
+                  <a:gd name="connsiteX12" fmla="*/ 10086681 w 10086681"/>
+                  <a:gd name="connsiteY12" fmla="*/ 931129 h 1873809"/>
+                </a:gdLst>
+                <a:ahLst/>
+                <a:cxnLst>
+                  <a:cxn ang="0">
+                    <a:pos x="connsiteX0" y="connsiteY0"/>
+                  </a:cxn>
+                  <a:cxn ang="0">
+                    <a:pos x="connsiteX1" y="connsiteY1"/>
+                  </a:cxn>
+                  <a:cxn ang="0">
+                    <a:pos x="connsiteX2" y="connsiteY2"/>
+                  </a:cxn>
+                  <a:cxn ang="0">
+                    <a:pos x="connsiteX3" y="connsiteY3"/>
+                  </a:cxn>
+                  <a:cxn ang="0">
+                    <a:pos x="connsiteX4" y="connsiteY4"/>
+                  </a:cxn>
+                  <a:cxn ang="0">
+                    <a:pos x="connsiteX5" y="connsiteY5"/>
+                  </a:cxn>
+                  <a:cxn ang="0">
+                    <a:pos x="connsiteX6" y="connsiteY6"/>
+                  </a:cxn>
+                  <a:cxn ang="0">
+                    <a:pos x="connsiteX7" y="connsiteY7"/>
+                  </a:cxn>
+                  <a:cxn ang="0">
+                    <a:pos x="connsiteX8" y="connsiteY8"/>
+                  </a:cxn>
+                  <a:cxn ang="0">
+                    <a:pos x="connsiteX9" y="connsiteY9"/>
+                  </a:cxn>
+                  <a:cxn ang="0">
+                    <a:pos x="connsiteX10" y="connsiteY10"/>
+                  </a:cxn>
+                  <a:cxn ang="0">
+                    <a:pos x="connsiteX11" y="connsiteY11"/>
+                  </a:cxn>
+                  <a:cxn ang="0">
+                    <a:pos x="connsiteX12" y="connsiteY12"/>
+                  </a:cxn>
+                </a:cxnLst>
+                <a:rect l="l" t="t" r="r" b="b"/>
+                <a:pathLst>
+                  <a:path w="10086681" h="1873809">
+                    <a:moveTo>
+                      <a:pt x="0" y="931129"/>
+                    </a:moveTo>
+                    <a:cubicBezTo>
+                      <a:pt x="308728" y="403228"/>
+                      <a:pt x="617456" y="-124673"/>
+                      <a:pt x="923827" y="26156"/>
+                    </a:cubicBezTo>
+                    <a:cubicBezTo>
+                      <a:pt x="1230198" y="176985"/>
+                      <a:pt x="1530285" y="1836102"/>
+                      <a:pt x="1838227" y="1836102"/>
+                    </a:cubicBezTo>
+                    <a:cubicBezTo>
+                      <a:pt x="2146169" y="1836102"/>
+                      <a:pt x="2466681" y="19871"/>
+                      <a:pt x="2771481" y="26156"/>
+                    </a:cubicBezTo>
+                    <a:cubicBezTo>
+                      <a:pt x="3076281" y="32440"/>
+                      <a:pt x="3362227" y="1873809"/>
+                      <a:pt x="3667027" y="1873809"/>
+                    </a:cubicBezTo>
+                    <a:cubicBezTo>
+                      <a:pt x="3971827" y="1873809"/>
+                      <a:pt x="4297052" y="29298"/>
+                      <a:pt x="4600281" y="26156"/>
+                    </a:cubicBezTo>
+                    <a:cubicBezTo>
+                      <a:pt x="4903510" y="23014"/>
+                      <a:pt x="5186314" y="1854956"/>
+                      <a:pt x="5486400" y="1854956"/>
+                    </a:cubicBezTo>
+                    <a:cubicBezTo>
+                      <a:pt x="5786486" y="1854956"/>
+                      <a:pt x="6094429" y="26156"/>
+                      <a:pt x="6400800" y="26156"/>
+                    </a:cubicBezTo>
+                    <a:cubicBezTo>
+                      <a:pt x="6707171" y="26156"/>
+                      <a:pt x="7019827" y="1854956"/>
+                      <a:pt x="7324627" y="1854956"/>
+                    </a:cubicBezTo>
+                    <a:cubicBezTo>
+                      <a:pt x="7629427" y="1854956"/>
+                      <a:pt x="7927942" y="26156"/>
+                      <a:pt x="8229600" y="26156"/>
+                    </a:cubicBezTo>
+                    <a:cubicBezTo>
+                      <a:pt x="8531258" y="26156"/>
+                      <a:pt x="8825061" y="1704127"/>
+                      <a:pt x="9134574" y="1854956"/>
+                    </a:cubicBezTo>
+                    <a:cubicBezTo>
+                      <a:pt x="9444087" y="2005785"/>
+                      <a:pt x="10086681" y="931129"/>
+                      <a:pt x="10086681" y="931129"/>
+                    </a:cubicBezTo>
+                    <a:lnTo>
+                      <a:pt x="10086681" y="931129"/>
+                    </a:lnTo>
+                  </a:path>
+                </a:pathLst>
+              </a:custGeom>
+              <a:noFill/>
+              <a:ln w="38100">
+                <a:solidFill>
+                  <a:schemeClr val="tx1"/>
+                </a:solidFill>
+              </a:ln>
+            </p:spPr>
+            <p:style>
+              <a:lnRef idx="2">
+                <a:schemeClr val="accent1">
+                  <a:shade val="50000"/>
+                </a:schemeClr>
+              </a:lnRef>
+              <a:fillRef idx="1">
+                <a:schemeClr val="accent1"/>
+              </a:fillRef>
+              <a:effectRef idx="0">
+                <a:schemeClr val="accent1"/>
+              </a:effectRef>
+              <a:fontRef idx="minor">
+                <a:schemeClr val="lt1"/>
+              </a:fontRef>
+            </p:style>
+            <p:txBody>
+              <a:bodyPr rtlCol="0" anchor="ctr"/>
+              <a:lstStyle>
+                <a:defPPr>
+                  <a:defRPr lang="en-US"/>
+                </a:defPPr>
+                <a:lvl1pPr marL="0" algn="l" defTabSz="914400" rtl="0" eaLnBrk="1" latinLnBrk="0" hangingPunct="1">
+                  <a:defRPr sz="1800" kern="1200">
+                    <a:solidFill>
+                      <a:schemeClr val="lt1"/>
+                    </a:solidFill>
+                    <a:latin typeface="+mn-lt"/>
+                    <a:ea typeface="+mn-ea"/>
+                    <a:cs typeface="+mn-cs"/>
+                  </a:defRPr>
+                </a:lvl1pPr>
+                <a:lvl2pPr marL="457200" algn="l" defTabSz="914400" rtl="0" eaLnBrk="1" latinLnBrk="0" hangingPunct="1">
+                  <a:defRPr sz="1800" kern="1200">
+                    <a:solidFill>
+                      <a:schemeClr val="lt1"/>
+                    </a:solidFill>
+                    <a:latin typeface="+mn-lt"/>
+                    <a:ea typeface="+mn-ea"/>
+                    <a:cs typeface="+mn-cs"/>
+                  </a:defRPr>
+                </a:lvl2pPr>
+                <a:lvl3pPr marL="914400" algn="l" defTabSz="914400" rtl="0" eaLnBrk="1" latinLnBrk="0" hangingPunct="1">
+                  <a:defRPr sz="1800" kern="1200">
+                    <a:solidFill>
+                      <a:schemeClr val="lt1"/>
+                    </a:solidFill>
+                    <a:latin typeface="+mn-lt"/>
+                    <a:ea typeface="+mn-ea"/>
+                    <a:cs typeface="+mn-cs"/>
+                  </a:defRPr>
+                </a:lvl3pPr>
+                <a:lvl4pPr marL="1371600" algn="l" defTabSz="914400" rtl="0" eaLnBrk="1" latinLnBrk="0" hangingPunct="1">
+                  <a:defRPr sz="1800" kern="1200">
+                    <a:solidFill>
+                      <a:schemeClr val="lt1"/>
+                    </a:solidFill>
+                    <a:latin typeface="+mn-lt"/>
+                    <a:ea typeface="+mn-ea"/>
+                    <a:cs typeface="+mn-cs"/>
+                  </a:defRPr>
+                </a:lvl4pPr>
+                <a:lvl5pPr marL="1828800" algn="l" defTabSz="914400" rtl="0" eaLnBrk="1" latinLnBrk="0" hangingPunct="1">
+                  <a:defRPr sz="1800" kern="1200">
+                    <a:solidFill>
+                      <a:schemeClr val="lt1"/>
+                    </a:solidFill>
+                    <a:latin typeface="+mn-lt"/>
+                    <a:ea typeface="+mn-ea"/>
+                    <a:cs typeface="+mn-cs"/>
+                  </a:defRPr>
+                </a:lvl5pPr>
+                <a:lvl6pPr marL="2286000" algn="l" defTabSz="914400" rtl="0" eaLnBrk="1" latinLnBrk="0" hangingPunct="1">
+                  <a:defRPr sz="1800" kern="1200">
+                    <a:solidFill>
+                      <a:schemeClr val="lt1"/>
+                    </a:solidFill>
+                    <a:latin typeface="+mn-lt"/>
+                    <a:ea typeface="+mn-ea"/>
+                    <a:cs typeface="+mn-cs"/>
+                  </a:defRPr>
+                </a:lvl6pPr>
+                <a:lvl7pPr marL="2743200" algn="l" defTabSz="914400" rtl="0" eaLnBrk="1" latinLnBrk="0" hangingPunct="1">
+                  <a:defRPr sz="1800" kern="1200">
+                    <a:solidFill>
+                      <a:schemeClr val="lt1"/>
+                    </a:solidFill>
+                    <a:latin typeface="+mn-lt"/>
+                    <a:ea typeface="+mn-ea"/>
+                    <a:cs typeface="+mn-cs"/>
+                  </a:defRPr>
+                </a:lvl7pPr>
+                <a:lvl8pPr marL="3200400" algn="l" defTabSz="914400" rtl="0" eaLnBrk="1" latinLnBrk="0" hangingPunct="1">
+                  <a:defRPr sz="1800" kern="1200">
+                    <a:solidFill>
+                      <a:schemeClr val="lt1"/>
+                    </a:solidFill>
+                    <a:latin typeface="+mn-lt"/>
+                    <a:ea typeface="+mn-ea"/>
+                    <a:cs typeface="+mn-cs"/>
+                  </a:defRPr>
+                </a:lvl8pPr>
+                <a:lvl9pPr marL="3657600" algn="l" defTabSz="914400" rtl="0" eaLnBrk="1" latinLnBrk="0" hangingPunct="1">
+                  <a:defRPr sz="1800" kern="1200">
+                    <a:solidFill>
+                      <a:schemeClr val="lt1"/>
+                    </a:solidFill>
+                    <a:latin typeface="+mn-lt"/>
+                    <a:ea typeface="+mn-ea"/>
+                    <a:cs typeface="+mn-cs"/>
+                  </a:defRPr>
+                </a:lvl9pPr>
+              </a:lstStyle>
+              <a:p>
+                <a:pPr algn="ctr"/>
+                <a:endParaRPr lang="en-US"/>
+              </a:p>
+            </p:txBody>
+          </p:sp>
+          <p:sp>
+            <p:nvSpPr>
+              <p:cNvPr id="35" name="Rectangle 34"/>
+              <p:cNvSpPr/>
+              <p:nvPr/>
+            </p:nvSpPr>
+            <p:spPr>
+              <a:xfrm>
+                <a:off x="2317785" y="1008668"/>
+                <a:ext cx="123757" cy="841883"/>
+              </a:xfrm>
+              <a:prstGeom prst="rect">
+                <a:avLst/>
+              </a:prstGeom>
+              <a:solidFill>
+                <a:schemeClr val="tx1"/>
+              </a:solidFill>
+              <a:ln w="38100">
+                <a:solidFill>
+                  <a:schemeClr val="tx1"/>
+                </a:solidFill>
+              </a:ln>
+            </p:spPr>
+            <p:style>
+              <a:lnRef idx="2">
+                <a:schemeClr val="accent1">
+                  <a:shade val="50000"/>
+                </a:schemeClr>
+              </a:lnRef>
+              <a:fillRef idx="1">
+                <a:schemeClr val="accent1"/>
+              </a:fillRef>
+              <a:effectRef idx="0">
+                <a:schemeClr val="accent1"/>
+              </a:effectRef>
+              <a:fontRef idx="minor">
+                <a:schemeClr val="lt1"/>
+              </a:fontRef>
+            </p:style>
+            <p:txBody>
+              <a:bodyPr rtlCol="0" anchor="ctr"/>
+              <a:lstStyle>
+                <a:defPPr>
+                  <a:defRPr lang="en-US"/>
+                </a:defPPr>
+                <a:lvl1pPr marL="0" algn="l" defTabSz="914400" rtl="0" eaLnBrk="1" latinLnBrk="0" hangingPunct="1">
+                  <a:defRPr sz="1800" kern="1200">
+                    <a:solidFill>
+                      <a:schemeClr val="lt1"/>
+                    </a:solidFill>
+                    <a:latin typeface="+mn-lt"/>
+                    <a:ea typeface="+mn-ea"/>
+                    <a:cs typeface="+mn-cs"/>
+                  </a:defRPr>
+                </a:lvl1pPr>
+                <a:lvl2pPr marL="457200" algn="l" defTabSz="914400" rtl="0" eaLnBrk="1" latinLnBrk="0" hangingPunct="1">
+                  <a:defRPr sz="1800" kern="1200">
+                    <a:solidFill>
+                      <a:schemeClr val="lt1"/>
+                    </a:solidFill>
+                    <a:latin typeface="+mn-lt"/>
+                    <a:ea typeface="+mn-ea"/>
+                    <a:cs typeface="+mn-cs"/>
+                  </a:defRPr>
+                </a:lvl2pPr>
+                <a:lvl3pPr marL="914400" algn="l" defTabSz="914400" rtl="0" eaLnBrk="1" latinLnBrk="0" hangingPunct="1">
+                  <a:defRPr sz="1800" kern="1200">
+                    <a:solidFill>
+                      <a:schemeClr val="lt1"/>
+                    </a:solidFill>
+                    <a:latin typeface="+mn-lt"/>
+                    <a:ea typeface="+mn-ea"/>
+                    <a:cs typeface="+mn-cs"/>
+                  </a:defRPr>
+                </a:lvl3pPr>
+                <a:lvl4pPr marL="1371600" algn="l" defTabSz="914400" rtl="0" eaLnBrk="1" latinLnBrk="0" hangingPunct="1">
+                  <a:defRPr sz="1800" kern="1200">
+                    <a:solidFill>
+                      <a:schemeClr val="lt1"/>
+                    </a:solidFill>
+                    <a:latin typeface="+mn-lt"/>
+                    <a:ea typeface="+mn-ea"/>
+                    <a:cs typeface="+mn-cs"/>
+                  </a:defRPr>
+                </a:lvl4pPr>
+                <a:lvl5pPr marL="1828800" algn="l" defTabSz="914400" rtl="0" eaLnBrk="1" latinLnBrk="0" hangingPunct="1">
+                  <a:defRPr sz="1800" kern="1200">
+                    <a:solidFill>
+                      <a:schemeClr val="lt1"/>
+                    </a:solidFill>
+                    <a:latin typeface="+mn-lt"/>
+                    <a:ea typeface="+mn-ea"/>
+                    <a:cs typeface="+mn-cs"/>
+                  </a:defRPr>
+                </a:lvl5pPr>
+                <a:lvl6pPr marL="2286000" algn="l" defTabSz="914400" rtl="0" eaLnBrk="1" latinLnBrk="0" hangingPunct="1">
+                  <a:defRPr sz="1800" kern="1200">
+                    <a:solidFill>
+                      <a:schemeClr val="lt1"/>
+                    </a:solidFill>
+                    <a:latin typeface="+mn-lt"/>
+                    <a:ea typeface="+mn-ea"/>
+                    <a:cs typeface="+mn-cs"/>
+                  </a:defRPr>
+                </a:lvl6pPr>
+                <a:lvl7pPr marL="2743200" algn="l" defTabSz="914400" rtl="0" eaLnBrk="1" latinLnBrk="0" hangingPunct="1">
+                  <a:defRPr sz="1800" kern="1200">
+                    <a:solidFill>
+                      <a:schemeClr val="lt1"/>
+                    </a:solidFill>
+                    <a:latin typeface="+mn-lt"/>
+                    <a:ea typeface="+mn-ea"/>
+                    <a:cs typeface="+mn-cs"/>
+                  </a:defRPr>
+                </a:lvl7pPr>
+                <a:lvl8pPr marL="3200400" algn="l" defTabSz="914400" rtl="0" eaLnBrk="1" latinLnBrk="0" hangingPunct="1">
+                  <a:defRPr sz="1800" kern="1200">
+                    <a:solidFill>
+                      <a:schemeClr val="lt1"/>
+                    </a:solidFill>
+                    <a:latin typeface="+mn-lt"/>
+                    <a:ea typeface="+mn-ea"/>
+                    <a:cs typeface="+mn-cs"/>
+                  </a:defRPr>
+                </a:lvl8pPr>
+                <a:lvl9pPr marL="3657600" algn="l" defTabSz="914400" rtl="0" eaLnBrk="1" latinLnBrk="0" hangingPunct="1">
+                  <a:defRPr sz="1800" kern="1200">
+                    <a:solidFill>
+                      <a:schemeClr val="lt1"/>
+                    </a:solidFill>
+                    <a:latin typeface="+mn-lt"/>
+                    <a:ea typeface="+mn-ea"/>
+                    <a:cs typeface="+mn-cs"/>
+                  </a:defRPr>
+                </a:lvl9pPr>
+              </a:lstStyle>
+              <a:p>
+                <a:pPr algn="ctr"/>
+                <a:endParaRPr lang="en-US"/>
+              </a:p>
+            </p:txBody>
+          </p:sp>
+        </p:grpSp>
+        <p:sp>
+          <p:nvSpPr>
+            <p:cNvPr id="36" name="Rectangle 35"/>
+            <p:cNvSpPr/>
+            <p:nvPr/>
+          </p:nvSpPr>
+          <p:spPr>
+            <a:xfrm>
+              <a:off x="5752729" y="1304731"/>
+              <a:ext cx="405353" cy="488624"/>
+            </a:xfrm>
+            <a:prstGeom prst="rect">
+              <a:avLst/>
+            </a:prstGeom>
+            <a:solidFill>
+              <a:schemeClr val="bg2">
+                <a:lumMod val="90000"/>
+              </a:schemeClr>
+            </a:solidFill>
+            <a:ln w="38100">
+              <a:solidFill>
+                <a:schemeClr val="tx1"/>
+              </a:solidFill>
+              <a:prstDash val="sysDot"/>
+            </a:ln>
+          </p:spPr>
+          <p:style>
+            <a:lnRef idx="2">
+              <a:schemeClr val="accent1">
+                <a:shade val="50000"/>
+              </a:schemeClr>
+            </a:lnRef>
+            <a:fillRef idx="1">
+              <a:schemeClr val="accent1"/>
+            </a:fillRef>
+            <a:effectRef idx="0">
+              <a:schemeClr val="accent1"/>
+            </a:effectRef>
+            <a:fontRef idx="minor">
+              <a:schemeClr val="lt1"/>
+            </a:fontRef>
+          </p:style>
+          <p:txBody>
+            <a:bodyPr rtlCol="0" anchor="ctr"/>
+            <a:lstStyle>
+              <a:defPPr>
+                <a:defRPr lang="en-US"/>
+              </a:defPPr>
+              <a:lvl1pPr marL="0" algn="l" defTabSz="914400" rtl="0" eaLnBrk="1" latinLnBrk="0" hangingPunct="1">
+                <a:defRPr sz="1800" kern="1200">
+                  <a:solidFill>
+                    <a:schemeClr val="lt1"/>
+                  </a:solidFill>
+                  <a:latin typeface="+mn-lt"/>
+                  <a:ea typeface="+mn-ea"/>
+                  <a:cs typeface="+mn-cs"/>
+                </a:defRPr>
+              </a:lvl1pPr>
+              <a:lvl2pPr marL="457200" algn="l" defTabSz="914400" rtl="0" eaLnBrk="1" latinLnBrk="0" hangingPunct="1">
+                <a:defRPr sz="1800" kern="1200">
+                  <a:solidFill>
+                    <a:schemeClr val="lt1"/>
+                  </a:solidFill>
+                  <a:latin typeface="+mn-lt"/>
+                  <a:ea typeface="+mn-ea"/>
+                  <a:cs typeface="+mn-cs"/>
+                </a:defRPr>
+              </a:lvl2pPr>
+              <a:lvl3pPr marL="914400" algn="l" defTabSz="914400" rtl="0" eaLnBrk="1" latinLnBrk="0" hangingPunct="1">
+                <a:defRPr sz="1800" kern="1200">
+                  <a:solidFill>
+                    <a:schemeClr val="lt1"/>
+                  </a:solidFill>
+                  <a:latin typeface="+mn-lt"/>
+                  <a:ea typeface="+mn-ea"/>
+                  <a:cs typeface="+mn-cs"/>
+                </a:defRPr>
+              </a:lvl3pPr>
+              <a:lvl4pPr marL="1371600" algn="l" defTabSz="914400" rtl="0" eaLnBrk="1" latinLnBrk="0" hangingPunct="1">
+                <a:defRPr sz="1800" kern="1200">
+                  <a:solidFill>
+                    <a:schemeClr val="lt1"/>
+                  </a:solidFill>
+                  <a:latin typeface="+mn-lt"/>
+                  <a:ea typeface="+mn-ea"/>
+                  <a:cs typeface="+mn-cs"/>
+                </a:defRPr>
+              </a:lvl4pPr>
+              <a:lvl5pPr marL="1828800" algn="l" defTabSz="914400" rtl="0" eaLnBrk="1" latinLnBrk="0" hangingPunct="1">
+                <a:defRPr sz="1800" kern="1200">
+                  <a:solidFill>
+                    <a:schemeClr val="lt1"/>
+                  </a:solidFill>
+                  <a:latin typeface="+mn-lt"/>
+                  <a:ea typeface="+mn-ea"/>
+                  <a:cs typeface="+mn-cs"/>
+                </a:defRPr>
+              </a:lvl5pPr>
+              <a:lvl6pPr marL="2286000" algn="l" defTabSz="914400" rtl="0" eaLnBrk="1" latinLnBrk="0" hangingPunct="1">
+                <a:defRPr sz="1800" kern="1200">
+                  <a:solidFill>
+                    <a:schemeClr val="lt1"/>
+                  </a:solidFill>
+                  <a:latin typeface="+mn-lt"/>
+                  <a:ea typeface="+mn-ea"/>
+                  <a:cs typeface="+mn-cs"/>
+                </a:defRPr>
+              </a:lvl6pPr>
+              <a:lvl7pPr marL="2743200" algn="l" defTabSz="914400" rtl="0" eaLnBrk="1" latinLnBrk="0" hangingPunct="1">
+                <a:defRPr sz="1800" kern="1200">
+                  <a:solidFill>
+                    <a:schemeClr val="lt1"/>
+                  </a:solidFill>
+                  <a:latin typeface="+mn-lt"/>
+                  <a:ea typeface="+mn-ea"/>
+                  <a:cs typeface="+mn-cs"/>
+                </a:defRPr>
+              </a:lvl7pPr>
+              <a:lvl8pPr marL="3200400" algn="l" defTabSz="914400" rtl="0" eaLnBrk="1" latinLnBrk="0" hangingPunct="1">
+                <a:defRPr sz="1800" kern="1200">
+                  <a:solidFill>
+                    <a:schemeClr val="lt1"/>
+                  </a:solidFill>
+                  <a:latin typeface="+mn-lt"/>
+                  <a:ea typeface="+mn-ea"/>
+                  <a:cs typeface="+mn-cs"/>
+                </a:defRPr>
+              </a:lvl8pPr>
+              <a:lvl9pPr marL="3657600" algn="l" defTabSz="914400" rtl="0" eaLnBrk="1" latinLnBrk="0" hangingPunct="1">
+                <a:defRPr sz="1800" kern="1200">
+                  <a:solidFill>
+                    <a:schemeClr val="lt1"/>
+                  </a:solidFill>
+                  <a:latin typeface="+mn-lt"/>
+                  <a:ea typeface="+mn-ea"/>
+                  <a:cs typeface="+mn-cs"/>
+                </a:defRPr>
+              </a:lvl9pPr>
+            </a:lstStyle>
+            <a:p>
+              <a:pPr algn="ctr"/>
+              <a:endParaRPr lang="en-US"/>
+            </a:p>
+          </p:txBody>
+        </p:sp>
+        <p:sp>
+          <p:nvSpPr>
+            <p:cNvPr id="37" name="Rectangle 36"/>
+            <p:cNvSpPr/>
+            <p:nvPr/>
+          </p:nvSpPr>
+          <p:spPr>
+            <a:xfrm>
+              <a:off x="7283232" y="1304731"/>
+              <a:ext cx="405353" cy="488624"/>
+            </a:xfrm>
+            <a:prstGeom prst="rect">
+              <a:avLst/>
+            </a:prstGeom>
+            <a:solidFill>
+              <a:schemeClr val="bg2">
+                <a:lumMod val="90000"/>
+              </a:schemeClr>
+            </a:solidFill>
+            <a:ln w="38100">
+              <a:solidFill>
+                <a:schemeClr val="tx1"/>
+              </a:solidFill>
+              <a:prstDash val="sysDot"/>
+            </a:ln>
+          </p:spPr>
+          <p:style>
+            <a:lnRef idx="2">
+              <a:schemeClr val="accent1">
+                <a:shade val="50000"/>
+              </a:schemeClr>
+            </a:lnRef>
+            <a:fillRef idx="1">
+              <a:schemeClr val="accent1"/>
+            </a:fillRef>
+            <a:effectRef idx="0">
+              <a:schemeClr val="accent1"/>
+            </a:effectRef>
+            <a:fontRef idx="minor">
+              <a:schemeClr val="lt1"/>
+            </a:fontRef>
+          </p:style>
+          <p:txBody>
+            <a:bodyPr rtlCol="0" anchor="ctr"/>
+            <a:lstStyle>
+              <a:defPPr>
+                <a:defRPr lang="en-US"/>
+              </a:defPPr>
+              <a:lvl1pPr marL="0" algn="l" defTabSz="914400" rtl="0" eaLnBrk="1" latinLnBrk="0" hangingPunct="1">
+                <a:defRPr sz="1800" kern="1200">
+                  <a:solidFill>
+                    <a:schemeClr val="lt1"/>
+                  </a:solidFill>
+                  <a:latin typeface="+mn-lt"/>
+                  <a:ea typeface="+mn-ea"/>
+                  <a:cs typeface="+mn-cs"/>
+                </a:defRPr>
+              </a:lvl1pPr>
+              <a:lvl2pPr marL="457200" algn="l" defTabSz="914400" rtl="0" eaLnBrk="1" latinLnBrk="0" hangingPunct="1">
+                <a:defRPr sz="1800" kern="1200">
+                  <a:solidFill>
+                    <a:schemeClr val="lt1"/>
+                  </a:solidFill>
+                  <a:latin typeface="+mn-lt"/>
+                  <a:ea typeface="+mn-ea"/>
+                  <a:cs typeface="+mn-cs"/>
+                </a:defRPr>
+              </a:lvl2pPr>
+              <a:lvl3pPr marL="914400" algn="l" defTabSz="914400" rtl="0" eaLnBrk="1" latinLnBrk="0" hangingPunct="1">
+                <a:defRPr sz="1800" kern="1200">
+                  <a:solidFill>
+                    <a:schemeClr val="lt1"/>
+                  </a:solidFill>
+                  <a:latin typeface="+mn-lt"/>
+                  <a:ea typeface="+mn-ea"/>
+                  <a:cs typeface="+mn-cs"/>
+                </a:defRPr>
+              </a:lvl3pPr>
+              <a:lvl4pPr marL="1371600" algn="l" defTabSz="914400" rtl="0" eaLnBrk="1" latinLnBrk="0" hangingPunct="1">
+                <a:defRPr sz="1800" kern="1200">
+                  <a:solidFill>
+                    <a:schemeClr val="lt1"/>
+                  </a:solidFill>
+                  <a:latin typeface="+mn-lt"/>
+                  <a:ea typeface="+mn-ea"/>
+                  <a:cs typeface="+mn-cs"/>
+                </a:defRPr>
+              </a:lvl4pPr>
+              <a:lvl5pPr marL="1828800" algn="l" defTabSz="914400" rtl="0" eaLnBrk="1" latinLnBrk="0" hangingPunct="1">
+                <a:defRPr sz="1800" kern="1200">
+                  <a:solidFill>
+                    <a:schemeClr val="lt1"/>
+                  </a:solidFill>
+                  <a:latin typeface="+mn-lt"/>
+                  <a:ea typeface="+mn-ea"/>
+                  <a:cs typeface="+mn-cs"/>
+                </a:defRPr>
+              </a:lvl5pPr>
+              <a:lvl6pPr marL="2286000" algn="l" defTabSz="914400" rtl="0" eaLnBrk="1" latinLnBrk="0" hangingPunct="1">
+                <a:defRPr sz="1800" kern="1200">
+                  <a:solidFill>
+                    <a:schemeClr val="lt1"/>
+                  </a:solidFill>
+                  <a:latin typeface="+mn-lt"/>
+                  <a:ea typeface="+mn-ea"/>
+                  <a:cs typeface="+mn-cs"/>
+                </a:defRPr>
+              </a:lvl6pPr>
+              <a:lvl7pPr marL="2743200" algn="l" defTabSz="914400" rtl="0" eaLnBrk="1" latinLnBrk="0" hangingPunct="1">
+                <a:defRPr sz="1800" kern="1200">
+                  <a:solidFill>
+                    <a:schemeClr val="lt1"/>
+                  </a:solidFill>
+                  <a:latin typeface="+mn-lt"/>
+                  <a:ea typeface="+mn-ea"/>
+                  <a:cs typeface="+mn-cs"/>
+                </a:defRPr>
+              </a:lvl7pPr>
+              <a:lvl8pPr marL="3200400" algn="l" defTabSz="914400" rtl="0" eaLnBrk="1" latinLnBrk="0" hangingPunct="1">
+                <a:defRPr sz="1800" kern="1200">
+                  <a:solidFill>
+                    <a:schemeClr val="lt1"/>
+                  </a:solidFill>
+                  <a:latin typeface="+mn-lt"/>
+                  <a:ea typeface="+mn-ea"/>
+                  <a:cs typeface="+mn-cs"/>
+                </a:defRPr>
+              </a:lvl8pPr>
+              <a:lvl9pPr marL="3657600" algn="l" defTabSz="914400" rtl="0" eaLnBrk="1" latinLnBrk="0" hangingPunct="1">
+                <a:defRPr sz="1800" kern="1200">
+                  <a:solidFill>
+                    <a:schemeClr val="lt1"/>
+                  </a:solidFill>
+                  <a:latin typeface="+mn-lt"/>
+                  <a:ea typeface="+mn-ea"/>
+                  <a:cs typeface="+mn-cs"/>
+                </a:defRPr>
+              </a:lvl9pPr>
+            </a:lstStyle>
+            <a:p>
+              <a:pPr algn="ctr"/>
+              <a:endParaRPr lang="en-US"/>
+            </a:p>
+          </p:txBody>
+        </p:sp>
+        <p:cxnSp>
+          <p:nvCxnSpPr>
+            <p:cNvPr id="39" name="Straight Arrow Connector 38"/>
+            <p:cNvCxnSpPr/>
+            <p:nvPr/>
+          </p:nvCxnSpPr>
+          <p:spPr>
+            <a:xfrm flipV="1">
+              <a:off x="4289316" y="1005962"/>
+              <a:ext cx="807813" cy="5610"/>
+            </a:xfrm>
+            <a:prstGeom prst="straightConnector1">
+              <a:avLst/>
+            </a:prstGeom>
+            <a:ln w="38100">
+              <a:solidFill>
+                <a:schemeClr val="tx1"/>
+              </a:solidFill>
+              <a:tailEnd type="triangle"/>
+            </a:ln>
+          </p:spPr>
+          <p:style>
+            <a:lnRef idx="1">
+              <a:schemeClr val="accent1"/>
+            </a:lnRef>
+            <a:fillRef idx="0">
+              <a:schemeClr val="accent1"/>
+            </a:fillRef>
+            <a:effectRef idx="0">
+              <a:schemeClr val="accent1"/>
+            </a:effectRef>
+            <a:fontRef idx="minor">
+              <a:schemeClr val="tx1"/>
+            </a:fontRef>
+          </p:style>
+        </p:cxnSp>
+        <mc:AlternateContent xmlns:mc="http://schemas.openxmlformats.org/markup-compatibility/2006">
+          <mc:Choice xmlns:a14="http://schemas.microsoft.com/office/drawing/2010/main" Requires="a14">
+            <p:sp>
+              <p:nvSpPr>
+                <p:cNvPr id="40" name="TextBox 39"/>
+                <p:cNvSpPr txBox="1"/>
+                <p:nvPr/>
+              </p:nvSpPr>
+              <p:spPr>
+                <a:xfrm>
+                  <a:off x="3912449" y="509968"/>
+                  <a:ext cx="1269771" cy="345159"/>
+                </a:xfrm>
+                <a:prstGeom prst="rect">
+                  <a:avLst/>
+                </a:prstGeom>
+                <a:noFill/>
+              </p:spPr>
+              <p:txBody>
+                <a:bodyPr wrap="none" lIns="0" tIns="0" rIns="0" bIns="0" rtlCol="0">
+                  <a:spAutoFit/>
+                </a:bodyPr>
+                <a:lstStyle/>
+                <a:p>
+                  <a14:m>
+                    <m:oMathPara xmlns:m="http://schemas.openxmlformats.org/officeDocument/2006/math">
+                      <m:oMathParaPr>
+                        <m:jc m:val="centerGroup"/>
+                      </m:oMathParaPr>
+                      <m:oMath xmlns:m="http://schemas.openxmlformats.org/officeDocument/2006/math">
+                        <m:acc>
+                          <m:accPr>
+                            <m:chr m:val="⃗"/>
+                            <m:ctrlPr>
+                              <a:rPr lang="en-US" sz="2000" b="0" i="1" smtClean="0">
+                                <a:latin typeface="Cambria Math" panose="02040503050406030204" pitchFamily="18" charset="0"/>
+                                <a:cs typeface="Arial" panose="020B0604020202020204" pitchFamily="34" charset="0"/>
+                              </a:rPr>
+                            </m:ctrlPr>
+                          </m:accPr>
+                          <m:e>
+                            <m:r>
+                              <a:rPr lang="en-US" sz="2000" b="0" i="1" smtClean="0">
+                                <a:latin typeface="Cambria Math" panose="02040503050406030204" pitchFamily="18" charset="0"/>
+                                <a:cs typeface="Arial" panose="020B0604020202020204" pitchFamily="34" charset="0"/>
+                              </a:rPr>
+                              <m:t>𝐹</m:t>
+                            </m:r>
+                          </m:e>
+                        </m:acc>
+                        <m:r>
+                          <a:rPr lang="en-US" sz="2000" b="0" i="0" smtClean="0">
+                            <a:latin typeface="Cambria Math" panose="02040503050406030204" pitchFamily="18" charset="0"/>
+                            <a:cs typeface="Arial" panose="020B0604020202020204" pitchFamily="34" charset="0"/>
+                          </a:rPr>
+                          <m:t>(</m:t>
+                        </m:r>
+                        <m:r>
+                          <m:rPr>
+                            <m:sty m:val="p"/>
+                          </m:rPr>
+                          <a:rPr lang="en-US" sz="2000" b="0" i="0" smtClean="0">
+                            <a:latin typeface="Cambria Math" panose="02040503050406030204" pitchFamily="18" charset="0"/>
+                            <a:cs typeface="Arial" panose="020B0604020202020204" pitchFamily="34" charset="0"/>
+                          </a:rPr>
+                          <m:t>x</m:t>
+                        </m:r>
+                        <m:r>
+                          <a:rPr lang="en-US" sz="2000" b="0" i="0" smtClean="0">
+                            <a:latin typeface="Cambria Math" panose="02040503050406030204" pitchFamily="18" charset="0"/>
+                            <a:cs typeface="Arial" panose="020B0604020202020204" pitchFamily="34" charset="0"/>
+                          </a:rPr>
+                          <m:t>=−</m:t>
+                        </m:r>
+                        <m:r>
+                          <m:rPr>
+                            <m:sty m:val="p"/>
+                          </m:rPr>
+                          <a:rPr lang="en-US" sz="2000" b="0" i="0" smtClean="0">
+                            <a:latin typeface="Cambria Math" panose="02040503050406030204" pitchFamily="18" charset="0"/>
+                            <a:cs typeface="Arial" panose="020B0604020202020204" pitchFamily="34" charset="0"/>
+                          </a:rPr>
+                          <m:t>D</m:t>
+                        </m:r>
+                        <m:r>
+                          <a:rPr lang="en-US" sz="2000" b="0" i="0" smtClean="0">
+                            <a:latin typeface="Cambria Math" panose="02040503050406030204" pitchFamily="18" charset="0"/>
+                            <a:cs typeface="Arial" panose="020B0604020202020204" pitchFamily="34" charset="0"/>
+                          </a:rPr>
+                          <m:t>)</m:t>
+                        </m:r>
+                      </m:oMath>
+                    </m:oMathPara>
+                  </a14:m>
+                  <a:endParaRPr lang="en-US" sz="2000" dirty="0" smtClean="0">
+                    <a:latin typeface="Arial" panose="020B0604020202020204" pitchFamily="34" charset="0"/>
+                    <a:cs typeface="Arial" panose="020B0604020202020204" pitchFamily="34" charset="0"/>
+                  </a:endParaRPr>
+                </a:p>
+              </p:txBody>
+            </p:sp>
+          </mc:Choice>
+          <mc:Fallback>
+            <p:sp>
+              <p:nvSpPr>
+                <p:cNvPr id="40" name="TextBox 39"/>
+                <p:cNvSpPr txBox="1">
+                  <a:spLocks noRot="1" noChangeAspect="1" noMove="1" noResize="1" noEditPoints="1" noAdjustHandles="1" noChangeArrowheads="1" noChangeShapeType="1" noTextEdit="1"/>
+                </p:cNvSpPr>
+                <p:nvPr/>
+              </p:nvSpPr>
+              <p:spPr>
+                <a:xfrm>
+                  <a:off x="3912449" y="509968"/>
+                  <a:ext cx="1269771" cy="345159"/>
+                </a:xfrm>
+                <a:prstGeom prst="rect">
+                  <a:avLst/>
+                </a:prstGeom>
+                <a:blipFill>
+                  <a:blip r:embed="rId5"/>
+                  <a:stretch>
+                    <a:fillRect l="-3846" t="-35714" r="-6731" b="-35714"/>
+                  </a:stretch>
+                </a:blipFill>
+              </p:spPr>
+              <p:txBody>
+                <a:bodyPr/>
+                <a:lstStyle/>
+                <a:p>
+                  <a:r>
+                    <a:rPr lang="en-US">
+                      <a:noFill/>
+                    </a:rPr>
+                    <a:t> </a:t>
+                  </a:r>
+                </a:p>
+              </p:txBody>
+            </p:sp>
+          </mc:Fallback>
+        </mc:AlternateContent>
+        <p:cxnSp>
+          <p:nvCxnSpPr>
+            <p:cNvPr id="41" name="Straight Arrow Connector 40"/>
+            <p:cNvCxnSpPr/>
+            <p:nvPr/>
+          </p:nvCxnSpPr>
+          <p:spPr>
+            <a:xfrm flipH="1">
+              <a:off x="6507387" y="1005962"/>
+              <a:ext cx="775845" cy="16274"/>
+            </a:xfrm>
+            <a:prstGeom prst="straightConnector1">
+              <a:avLst/>
+            </a:prstGeom>
+            <a:ln w="38100">
+              <a:solidFill>
+                <a:schemeClr val="tx1"/>
+              </a:solidFill>
+              <a:tailEnd type="triangle"/>
+            </a:ln>
+          </p:spPr>
+          <p:style>
+            <a:lnRef idx="1">
+              <a:schemeClr val="accent1"/>
+            </a:lnRef>
+            <a:fillRef idx="0">
+              <a:schemeClr val="accent1"/>
+            </a:fillRef>
+            <a:effectRef idx="0">
+              <a:schemeClr val="accent1"/>
+            </a:effectRef>
+            <a:fontRef idx="minor">
+              <a:schemeClr val="tx1"/>
+            </a:fontRef>
+          </p:style>
+        </p:cxnSp>
+        <mc:AlternateContent xmlns:mc="http://schemas.openxmlformats.org/markup-compatibility/2006">
+          <mc:Choice xmlns:a14="http://schemas.microsoft.com/office/drawing/2010/main" Requires="a14">
+            <p:sp>
+              <p:nvSpPr>
+                <p:cNvPr id="43" name="TextBox 42"/>
+                <p:cNvSpPr txBox="1"/>
+                <p:nvPr/>
+              </p:nvSpPr>
+              <p:spPr>
+                <a:xfrm>
+                  <a:off x="6372398" y="509968"/>
+                  <a:ext cx="1113510" cy="345159"/>
+                </a:xfrm>
+                <a:prstGeom prst="rect">
+                  <a:avLst/>
+                </a:prstGeom>
+                <a:noFill/>
+              </p:spPr>
+              <p:txBody>
+                <a:bodyPr wrap="none" lIns="0" tIns="0" rIns="0" bIns="0" rtlCol="0">
+                  <a:spAutoFit/>
+                </a:bodyPr>
+                <a:lstStyle/>
+                <a:p>
+                  <a14:m>
+                    <m:oMathPara xmlns:m="http://schemas.openxmlformats.org/officeDocument/2006/math">
+                      <m:oMathParaPr>
+                        <m:jc m:val="centerGroup"/>
+                      </m:oMathParaPr>
+                      <m:oMath xmlns:m="http://schemas.openxmlformats.org/officeDocument/2006/math">
+                        <m:acc>
+                          <m:accPr>
+                            <m:chr m:val="⃗"/>
+                            <m:ctrlPr>
+                              <a:rPr lang="en-US" sz="2000" b="0" i="1" smtClean="0">
+                                <a:latin typeface="Cambria Math" panose="02040503050406030204" pitchFamily="18" charset="0"/>
+                                <a:cs typeface="Arial" panose="020B0604020202020204" pitchFamily="34" charset="0"/>
+                              </a:rPr>
+                            </m:ctrlPr>
+                          </m:accPr>
+                          <m:e>
+                            <m:r>
+                              <a:rPr lang="en-US" sz="2000" b="0" i="1" smtClean="0">
+                                <a:latin typeface="Cambria Math" panose="02040503050406030204" pitchFamily="18" charset="0"/>
+                                <a:cs typeface="Arial" panose="020B0604020202020204" pitchFamily="34" charset="0"/>
+                              </a:rPr>
+                              <m:t>𝐹</m:t>
+                            </m:r>
+                          </m:e>
+                        </m:acc>
+                        <m:r>
+                          <a:rPr lang="en-US" sz="2000" b="0" i="1" smtClean="0">
+                            <a:latin typeface="Cambria Math" panose="02040503050406030204" pitchFamily="18" charset="0"/>
+                            <a:cs typeface="Arial" panose="020B0604020202020204" pitchFamily="34" charset="0"/>
+                          </a:rPr>
+                          <m:t>(</m:t>
+                        </m:r>
+                        <m:r>
+                          <a:rPr lang="en-US" sz="2000" b="0" i="1" smtClean="0">
+                            <a:latin typeface="Cambria Math" panose="02040503050406030204" pitchFamily="18" charset="0"/>
+                            <a:cs typeface="Arial" panose="020B0604020202020204" pitchFamily="34" charset="0"/>
+                          </a:rPr>
+                          <m:t>𝑥</m:t>
+                        </m:r>
+                        <m:r>
+                          <a:rPr lang="en-US" sz="2000" b="0" i="1" smtClean="0">
+                            <a:latin typeface="Cambria Math" panose="02040503050406030204" pitchFamily="18" charset="0"/>
+                            <a:cs typeface="Arial" panose="020B0604020202020204" pitchFamily="34" charset="0"/>
+                          </a:rPr>
+                          <m:t>=</m:t>
+                        </m:r>
+                        <m:r>
+                          <a:rPr lang="en-US" sz="2000" b="0" i="1" smtClean="0">
+                            <a:latin typeface="Cambria Math" panose="02040503050406030204" pitchFamily="18" charset="0"/>
+                            <a:cs typeface="Arial" panose="020B0604020202020204" pitchFamily="34" charset="0"/>
+                          </a:rPr>
+                          <m:t>𝐷</m:t>
+                        </m:r>
+                        <m:r>
+                          <a:rPr lang="en-US" sz="2000" b="0" i="1" smtClean="0">
+                            <a:latin typeface="Cambria Math" panose="02040503050406030204" pitchFamily="18" charset="0"/>
+                            <a:cs typeface="Arial" panose="020B0604020202020204" pitchFamily="34" charset="0"/>
+                          </a:rPr>
+                          <m:t>)</m:t>
+                        </m:r>
+                      </m:oMath>
+                    </m:oMathPara>
+                  </a14:m>
+                  <a:endParaRPr lang="en-US" sz="2000" dirty="0" smtClean="0">
+                    <a:latin typeface="Arial" panose="020B0604020202020204" pitchFamily="34" charset="0"/>
+                    <a:cs typeface="Arial" panose="020B0604020202020204" pitchFamily="34" charset="0"/>
+                  </a:endParaRPr>
+                </a:p>
+              </p:txBody>
+            </p:sp>
+          </mc:Choice>
+          <mc:Fallback>
+            <p:sp>
+              <p:nvSpPr>
+                <p:cNvPr id="43" name="TextBox 42"/>
+                <p:cNvSpPr txBox="1">
+                  <a:spLocks noRot="1" noChangeAspect="1" noMove="1" noResize="1" noEditPoints="1" noAdjustHandles="1" noChangeArrowheads="1" noChangeShapeType="1" noTextEdit="1"/>
+                </p:cNvSpPr>
+                <p:nvPr/>
+              </p:nvSpPr>
+              <p:spPr>
+                <a:xfrm>
+                  <a:off x="6372398" y="509968"/>
+                  <a:ext cx="1113510" cy="345159"/>
+                </a:xfrm>
+                <a:prstGeom prst="rect">
+                  <a:avLst/>
+                </a:prstGeom>
+                <a:blipFill>
+                  <a:blip r:embed="rId6"/>
+                  <a:stretch>
+                    <a:fillRect l="-3825" t="-35714" r="-7104" b="-35714"/>
+                  </a:stretch>
+                </a:blipFill>
+              </p:spPr>
+              <p:txBody>
+                <a:bodyPr/>
+                <a:lstStyle/>
+                <a:p>
+                  <a:r>
+                    <a:rPr lang="en-US">
+                      <a:noFill/>
+                    </a:rPr>
+                    <a:t> </a:t>
+                  </a:r>
+                </a:p>
+              </p:txBody>
+            </p:sp>
+          </mc:Fallback>
+        </mc:AlternateContent>
+        <p:cxnSp>
+          <p:nvCxnSpPr>
+            <p:cNvPr id="45" name="Straight Arrow Connector 44"/>
+            <p:cNvCxnSpPr/>
+            <p:nvPr/>
+          </p:nvCxnSpPr>
+          <p:spPr>
+            <a:xfrm>
+              <a:off x="4318557" y="2061864"/>
+              <a:ext cx="1393339" cy="3924"/>
+            </a:xfrm>
+            <a:prstGeom prst="straightConnector1">
+              <a:avLst/>
+            </a:prstGeom>
+            <a:ln w="38100">
+              <a:solidFill>
+                <a:schemeClr val="tx1"/>
+              </a:solidFill>
+              <a:headEnd type="triangle"/>
+              <a:tailEnd type="triangle"/>
+            </a:ln>
+          </p:spPr>
+          <p:style>
+            <a:lnRef idx="1">
+              <a:schemeClr val="accent1"/>
+            </a:lnRef>
+            <a:fillRef idx="0">
+              <a:schemeClr val="accent1"/>
+            </a:fillRef>
+            <a:effectRef idx="0">
+              <a:schemeClr val="accent1"/>
+            </a:effectRef>
+            <a:fontRef idx="minor">
+              <a:schemeClr val="tx1"/>
+            </a:fontRef>
+          </p:style>
+        </p:cxnSp>
+        <p:cxnSp>
+          <p:nvCxnSpPr>
+            <p:cNvPr id="46" name="Straight Arrow Connector 45"/>
+            <p:cNvCxnSpPr/>
+            <p:nvPr/>
+          </p:nvCxnSpPr>
+          <p:spPr>
+            <a:xfrm flipV="1">
+              <a:off x="5822385" y="2057609"/>
+              <a:ext cx="1404009" cy="12434"/>
+            </a:xfrm>
+            <a:prstGeom prst="straightConnector1">
+              <a:avLst/>
+            </a:prstGeom>
+            <a:ln w="38100">
+              <a:solidFill>
+                <a:schemeClr val="tx1"/>
+              </a:solidFill>
+              <a:headEnd type="triangle"/>
+              <a:tailEnd type="triangle"/>
+            </a:ln>
+          </p:spPr>
+          <p:style>
+            <a:lnRef idx="1">
+              <a:schemeClr val="accent1"/>
+            </a:lnRef>
+            <a:fillRef idx="0">
+              <a:schemeClr val="accent1"/>
+            </a:fillRef>
+            <a:effectRef idx="0">
+              <a:schemeClr val="accent1"/>
+            </a:effectRef>
+            <a:fontRef idx="minor">
+              <a:schemeClr val="tx1"/>
+            </a:fontRef>
+          </p:style>
+        </p:cxnSp>
+        <p:cxnSp>
+          <p:nvCxnSpPr>
+            <p:cNvPr id="47" name="Straight Connector 46"/>
+            <p:cNvCxnSpPr/>
+            <p:nvPr/>
+          </p:nvCxnSpPr>
+          <p:spPr>
+            <a:xfrm>
+              <a:off x="4287870" y="1904333"/>
+              <a:ext cx="0" cy="419348"/>
+            </a:xfrm>
+            <a:prstGeom prst="line">
+              <a:avLst/>
+            </a:prstGeom>
+            <a:ln w="38100">
+              <a:solidFill>
+                <a:schemeClr val="tx1"/>
+              </a:solidFill>
+              <a:prstDash val="sysDot"/>
+            </a:ln>
+          </p:spPr>
+          <p:style>
+            <a:lnRef idx="1">
+              <a:schemeClr val="accent1"/>
+            </a:lnRef>
+            <a:fillRef idx="0">
+              <a:schemeClr val="accent1"/>
+            </a:fillRef>
+            <a:effectRef idx="0">
+              <a:schemeClr val="accent1"/>
+            </a:effectRef>
+            <a:fontRef idx="minor">
+              <a:schemeClr val="tx1"/>
+            </a:fontRef>
+          </p:style>
+        </p:cxnSp>
+        <p:cxnSp>
+          <p:nvCxnSpPr>
+            <p:cNvPr id="48" name="Straight Connector 47"/>
+            <p:cNvCxnSpPr/>
+            <p:nvPr/>
+          </p:nvCxnSpPr>
+          <p:spPr>
+            <a:xfrm>
+              <a:off x="7283232" y="1887490"/>
+              <a:ext cx="0" cy="419348"/>
+            </a:xfrm>
+            <a:prstGeom prst="line">
+              <a:avLst/>
+            </a:prstGeom>
+            <a:ln w="38100">
+              <a:solidFill>
+                <a:schemeClr val="tx1"/>
+              </a:solidFill>
+              <a:prstDash val="sysDot"/>
+            </a:ln>
+          </p:spPr>
+          <p:style>
+            <a:lnRef idx="1">
+              <a:schemeClr val="accent1"/>
+            </a:lnRef>
+            <a:fillRef idx="0">
+              <a:schemeClr val="accent1"/>
+            </a:fillRef>
+            <a:effectRef idx="0">
+              <a:schemeClr val="accent1"/>
+            </a:effectRef>
+            <a:fontRef idx="minor">
+              <a:schemeClr val="tx1"/>
+            </a:fontRef>
+          </p:style>
+        </p:cxnSp>
+        <mc:AlternateContent xmlns:mc="http://schemas.openxmlformats.org/markup-compatibility/2006">
+          <mc:Choice xmlns:a14="http://schemas.microsoft.com/office/drawing/2010/main" Requires="a14">
+            <p:sp>
+              <p:nvSpPr>
+                <p:cNvPr id="49" name="TextBox 48"/>
+                <p:cNvSpPr txBox="1"/>
+                <p:nvPr/>
+              </p:nvSpPr>
+              <p:spPr>
+                <a:xfrm>
+                  <a:off x="6503710" y="2189421"/>
+                  <a:ext cx="255968" cy="307777"/>
+                </a:xfrm>
+                <a:prstGeom prst="rect">
+                  <a:avLst/>
+                </a:prstGeom>
+                <a:noFill/>
+              </p:spPr>
+              <p:txBody>
+                <a:bodyPr wrap="none" lIns="0" tIns="0" rIns="0" bIns="0" rtlCol="0">
+                  <a:spAutoFit/>
+                </a:bodyPr>
+                <a:lstStyle/>
+                <a:p>
+                  <a14:m>
+                    <m:oMathPara xmlns:m="http://schemas.openxmlformats.org/officeDocument/2006/math">
+                      <m:oMathParaPr>
+                        <m:jc m:val="centerGroup"/>
+                      </m:oMathParaPr>
+                      <m:oMath xmlns:m="http://schemas.openxmlformats.org/officeDocument/2006/math">
+                        <m:r>
+                          <a:rPr lang="en-US" sz="2000" b="0" i="1" smtClean="0">
+                            <a:latin typeface="Cambria Math" panose="02040503050406030204" pitchFamily="18" charset="0"/>
+                            <a:cs typeface="Arial" panose="020B0604020202020204" pitchFamily="34" charset="0"/>
+                          </a:rPr>
+                          <m:t>𝐷</m:t>
+                        </m:r>
+                      </m:oMath>
+                    </m:oMathPara>
+                  </a14:m>
+                  <a:endParaRPr lang="en-US" sz="2000" dirty="0" smtClean="0">
+                    <a:latin typeface="Arial" panose="020B0604020202020204" pitchFamily="34" charset="0"/>
+                    <a:cs typeface="Arial" panose="020B0604020202020204" pitchFamily="34" charset="0"/>
+                  </a:endParaRPr>
+                </a:p>
+              </p:txBody>
+            </p:sp>
+          </mc:Choice>
+          <mc:Fallback>
+            <p:sp>
+              <p:nvSpPr>
+                <p:cNvPr id="49" name="TextBox 48"/>
+                <p:cNvSpPr txBox="1">
+                  <a:spLocks noRot="1" noChangeAspect="1" noMove="1" noResize="1" noEditPoints="1" noAdjustHandles="1" noChangeArrowheads="1" noChangeShapeType="1" noTextEdit="1"/>
+                </p:cNvSpPr>
+                <p:nvPr/>
+              </p:nvSpPr>
+              <p:spPr>
+                <a:xfrm>
+                  <a:off x="6503710" y="2189421"/>
+                  <a:ext cx="255968" cy="307777"/>
+                </a:xfrm>
+                <a:prstGeom prst="rect">
+                  <a:avLst/>
+                </a:prstGeom>
+                <a:blipFill>
+                  <a:blip r:embed="rId7"/>
+                  <a:stretch>
+                    <a:fillRect l="-21429" r="-16667" b="-9804"/>
+                  </a:stretch>
+                </a:blipFill>
+              </p:spPr>
+              <p:txBody>
+                <a:bodyPr/>
+                <a:lstStyle/>
+                <a:p>
+                  <a:r>
+                    <a:rPr lang="en-US">
+                      <a:noFill/>
+                    </a:rPr>
+                    <a:t> </a:t>
+                  </a:r>
+                </a:p>
+              </p:txBody>
+            </p:sp>
+          </mc:Fallback>
+        </mc:AlternateContent>
+        <mc:AlternateContent xmlns:mc="http://schemas.openxmlformats.org/markup-compatibility/2006">
+          <mc:Choice xmlns:a14="http://schemas.microsoft.com/office/drawing/2010/main" Requires="a14">
+            <p:sp>
+              <p:nvSpPr>
+                <p:cNvPr id="50" name="TextBox 49"/>
+                <p:cNvSpPr txBox="1"/>
+                <p:nvPr/>
+              </p:nvSpPr>
+              <p:spPr>
+                <a:xfrm>
+                  <a:off x="4926252" y="2176395"/>
+                  <a:ext cx="255968" cy="307777"/>
+                </a:xfrm>
+                <a:prstGeom prst="rect">
+                  <a:avLst/>
+                </a:prstGeom>
+                <a:noFill/>
+              </p:spPr>
+              <p:txBody>
+                <a:bodyPr wrap="none" lIns="0" tIns="0" rIns="0" bIns="0" rtlCol="0">
+                  <a:spAutoFit/>
+                </a:bodyPr>
+                <a:lstStyle/>
+                <a:p>
+                  <a14:m>
+                    <m:oMathPara xmlns:m="http://schemas.openxmlformats.org/officeDocument/2006/math">
+                      <m:oMathParaPr>
+                        <m:jc m:val="centerGroup"/>
+                      </m:oMathParaPr>
+                      <m:oMath xmlns:m="http://schemas.openxmlformats.org/officeDocument/2006/math">
+                        <m:r>
+                          <a:rPr lang="en-US" sz="2000" b="0" i="1" smtClean="0">
+                            <a:latin typeface="Cambria Math" panose="02040503050406030204" pitchFamily="18" charset="0"/>
+                            <a:cs typeface="Arial" panose="020B0604020202020204" pitchFamily="34" charset="0"/>
+                          </a:rPr>
+                          <m:t>𝐷</m:t>
+                        </m:r>
+                      </m:oMath>
+                    </m:oMathPara>
+                  </a14:m>
+                  <a:endParaRPr lang="en-US" sz="2000" dirty="0" smtClean="0">
+                    <a:latin typeface="Arial" panose="020B0604020202020204" pitchFamily="34" charset="0"/>
+                    <a:cs typeface="Arial" panose="020B0604020202020204" pitchFamily="34" charset="0"/>
+                  </a:endParaRPr>
+                </a:p>
+              </p:txBody>
+            </p:sp>
+          </mc:Choice>
+          <mc:Fallback>
+            <p:sp>
+              <p:nvSpPr>
+                <p:cNvPr id="50" name="TextBox 49"/>
+                <p:cNvSpPr txBox="1">
+                  <a:spLocks noRot="1" noChangeAspect="1" noMove="1" noResize="1" noEditPoints="1" noAdjustHandles="1" noChangeArrowheads="1" noChangeShapeType="1" noTextEdit="1"/>
+                </p:cNvSpPr>
+                <p:nvPr/>
+              </p:nvSpPr>
+              <p:spPr>
+                <a:xfrm>
+                  <a:off x="4926252" y="2176395"/>
+                  <a:ext cx="255968" cy="307777"/>
+                </a:xfrm>
+                <a:prstGeom prst="rect">
+                  <a:avLst/>
+                </a:prstGeom>
+                <a:blipFill>
+                  <a:blip r:embed="rId8"/>
+                  <a:stretch>
+                    <a:fillRect l="-21429" r="-16667" b="-10000"/>
+                  </a:stretch>
+                </a:blipFill>
+              </p:spPr>
+              <p:txBody>
+                <a:bodyPr/>
+                <a:lstStyle/>
+                <a:p>
+                  <a:r>
+                    <a:rPr lang="en-US">
+                      <a:noFill/>
+                    </a:rPr>
+                    <a:t> </a:t>
+                  </a:r>
+                </a:p>
+              </p:txBody>
+            </p:sp>
+          </mc:Fallback>
+        </mc:AlternateContent>
+      </p:grpSp>
+    </p:spTree>
+    <p:extLst>
+      <p:ext uri="{BB962C8B-B14F-4D97-AF65-F5344CB8AC3E}">
+        <p14:creationId xmlns:p14="http://schemas.microsoft.com/office/powerpoint/2010/main" val="756032802"/>
       </p:ext>
     </p:extLst>
   </p:cSld>

--- a/tex/figures/PotentialECons/Figures.pptx
+++ b/tex/figures/PotentialECons/Figures.pptx
@@ -9,6 +9,7 @@
     <p:sldId id="272" r:id="rId3"/>
     <p:sldId id="273" r:id="rId4"/>
     <p:sldId id="274" r:id="rId5"/>
+    <p:sldId id="275" r:id="rId6"/>
   </p:sldIdLst>
   <p:sldSz cx="12192000" cy="6858000"/>
   <p:notesSz cx="6858000" cy="9144000"/>
@@ -246,7 +247,7 @@
           <a:p>
             <a:fld id="{F7249F8D-641B-4CAF-BAE5-10524742F6F1}" type="datetimeFigureOut">
               <a:rPr lang="en-CA" smtClean="0"/>
-              <a:t>2018-06-13</a:t>
+              <a:t>2018-06-14</a:t>
             </a:fld>
             <a:endParaRPr lang="en-CA"/>
           </a:p>
@@ -416,7 +417,7 @@
           <a:p>
             <a:fld id="{F7249F8D-641B-4CAF-BAE5-10524742F6F1}" type="datetimeFigureOut">
               <a:rPr lang="en-CA" smtClean="0"/>
-              <a:t>2018-06-13</a:t>
+              <a:t>2018-06-14</a:t>
             </a:fld>
             <a:endParaRPr lang="en-CA"/>
           </a:p>
@@ -596,7 +597,7 @@
           <a:p>
             <a:fld id="{F7249F8D-641B-4CAF-BAE5-10524742F6F1}" type="datetimeFigureOut">
               <a:rPr lang="en-CA" smtClean="0"/>
-              <a:t>2018-06-13</a:t>
+              <a:t>2018-06-14</a:t>
             </a:fld>
             <a:endParaRPr lang="en-CA"/>
           </a:p>
@@ -766,7 +767,7 @@
           <a:p>
             <a:fld id="{F7249F8D-641B-4CAF-BAE5-10524742F6F1}" type="datetimeFigureOut">
               <a:rPr lang="en-CA" smtClean="0"/>
-              <a:t>2018-06-13</a:t>
+              <a:t>2018-06-14</a:t>
             </a:fld>
             <a:endParaRPr lang="en-CA"/>
           </a:p>
@@ -1012,7 +1013,7 @@
           <a:p>
             <a:fld id="{F7249F8D-641B-4CAF-BAE5-10524742F6F1}" type="datetimeFigureOut">
               <a:rPr lang="en-CA" smtClean="0"/>
-              <a:t>2018-06-13</a:t>
+              <a:t>2018-06-14</a:t>
             </a:fld>
             <a:endParaRPr lang="en-CA"/>
           </a:p>
@@ -1244,7 +1245,7 @@
           <a:p>
             <a:fld id="{F7249F8D-641B-4CAF-BAE5-10524742F6F1}" type="datetimeFigureOut">
               <a:rPr lang="en-CA" smtClean="0"/>
-              <a:t>2018-06-13</a:t>
+              <a:t>2018-06-14</a:t>
             </a:fld>
             <a:endParaRPr lang="en-CA"/>
           </a:p>
@@ -1611,7 +1612,7 @@
           <a:p>
             <a:fld id="{F7249F8D-641B-4CAF-BAE5-10524742F6F1}" type="datetimeFigureOut">
               <a:rPr lang="en-CA" smtClean="0"/>
-              <a:t>2018-06-13</a:t>
+              <a:t>2018-06-14</a:t>
             </a:fld>
             <a:endParaRPr lang="en-CA"/>
           </a:p>
@@ -1729,7 +1730,7 @@
           <a:p>
             <a:fld id="{F7249F8D-641B-4CAF-BAE5-10524742F6F1}" type="datetimeFigureOut">
               <a:rPr lang="en-CA" smtClean="0"/>
-              <a:t>2018-06-13</a:t>
+              <a:t>2018-06-14</a:t>
             </a:fld>
             <a:endParaRPr lang="en-CA"/>
           </a:p>
@@ -1824,7 +1825,7 @@
           <a:p>
             <a:fld id="{F7249F8D-641B-4CAF-BAE5-10524742F6F1}" type="datetimeFigureOut">
               <a:rPr lang="en-CA" smtClean="0"/>
-              <a:t>2018-06-13</a:t>
+              <a:t>2018-06-14</a:t>
             </a:fld>
             <a:endParaRPr lang="en-CA"/>
           </a:p>
@@ -2101,7 +2102,7 @@
           <a:p>
             <a:fld id="{F7249F8D-641B-4CAF-BAE5-10524742F6F1}" type="datetimeFigureOut">
               <a:rPr lang="en-CA" smtClean="0"/>
-              <a:t>2018-06-13</a:t>
+              <a:t>2018-06-14</a:t>
             </a:fld>
             <a:endParaRPr lang="en-CA"/>
           </a:p>
@@ -2354,7 +2355,7 @@
           <a:p>
             <a:fld id="{F7249F8D-641B-4CAF-BAE5-10524742F6F1}" type="datetimeFigureOut">
               <a:rPr lang="en-CA" smtClean="0"/>
-              <a:t>2018-06-13</a:t>
+              <a:t>2018-06-14</a:t>
             </a:fld>
             <a:endParaRPr lang="en-CA"/>
           </a:p>
@@ -2567,7 +2568,7 @@
           <a:p>
             <a:fld id="{F7249F8D-641B-4CAF-BAE5-10524742F6F1}" type="datetimeFigureOut">
               <a:rPr lang="en-CA" smtClean="0"/>
-              <a:t>2018-06-13</a:t>
+              <a:t>2018-06-14</a:t>
             </a:fld>
             <a:endParaRPr lang="en-CA"/>
           </a:p>
@@ -14598,8 +14599,8 @@
             </a:fontRef>
           </p:style>
         </p:cxnSp>
-        <mc:AlternateContent xmlns:mc="http://schemas.openxmlformats.org/markup-compatibility/2006">
-          <mc:Choice xmlns:a14="http://schemas.microsoft.com/office/drawing/2010/main" Requires="a14">
+        <mc:AlternateContent xmlns:mc="http://schemas.openxmlformats.org/markup-compatibility/2006" xmlns:a14="http://schemas.microsoft.com/office/drawing/2010/main">
+          <mc:Choice Requires="a14">
             <p:sp>
               <p:nvSpPr>
                 <p:cNvPr id="19" name="TextBox 89"/>
@@ -14741,7 +14742,7 @@
               </p:txBody>
             </p:sp>
           </mc:Choice>
-          <mc:Fallback>
+          <mc:Fallback xmlns="">
             <p:sp>
               <p:nvSpPr>
                 <p:cNvPr id="19" name="TextBox 89"/>
@@ -14924,8 +14925,8 @@
             </a:p>
           </p:txBody>
         </p:sp>
-        <mc:AlternateContent xmlns:mc="http://schemas.openxmlformats.org/markup-compatibility/2006">
-          <mc:Choice xmlns:a14="http://schemas.microsoft.com/office/drawing/2010/main" Requires="a14">
+        <mc:AlternateContent xmlns:mc="http://schemas.openxmlformats.org/markup-compatibility/2006" xmlns:a14="http://schemas.microsoft.com/office/drawing/2010/main">
+          <mc:Choice Requires="a14">
             <p:sp>
               <p:nvSpPr>
                 <p:cNvPr id="26" name="TextBox 105"/>
@@ -15067,7 +15068,7 @@
               </p:txBody>
             </p:sp>
           </mc:Choice>
-          <mc:Fallback>
+          <mc:Fallback xmlns="">
             <p:sp>
               <p:nvSpPr>
                 <p:cNvPr id="26" name="TextBox 105"/>
@@ -16295,8 +16296,8 @@
             </a:fontRef>
           </p:style>
         </p:cxnSp>
-        <mc:AlternateContent xmlns:mc="http://schemas.openxmlformats.org/markup-compatibility/2006">
-          <mc:Choice xmlns:a14="http://schemas.microsoft.com/office/drawing/2010/main" Requires="a14">
+        <mc:AlternateContent xmlns:mc="http://schemas.openxmlformats.org/markup-compatibility/2006" xmlns:a14="http://schemas.microsoft.com/office/drawing/2010/main">
+          <mc:Choice Requires="a14">
             <p:sp>
               <p:nvSpPr>
                 <p:cNvPr id="40" name="TextBox 39"/>
@@ -16319,6 +16320,7 @@
                 </a:bodyPr>
                 <a:lstStyle/>
                 <a:p>
+                  <a:pPr/>
                   <a14:m>
                     <m:oMathPara xmlns:m="http://schemas.openxmlformats.org/officeDocument/2006/math">
                       <m:oMathParaPr>
@@ -16397,7 +16399,7 @@
               </p:txBody>
             </p:sp>
           </mc:Choice>
-          <mc:Fallback>
+          <mc:Fallback xmlns="">
             <p:sp>
               <p:nvSpPr>
                 <p:cNvPr id="40" name="TextBox 39"/>
@@ -16472,8 +16474,8 @@
             </a:fontRef>
           </p:style>
         </p:cxnSp>
-        <mc:AlternateContent xmlns:mc="http://schemas.openxmlformats.org/markup-compatibility/2006">
-          <mc:Choice xmlns:a14="http://schemas.microsoft.com/office/drawing/2010/main" Requires="a14">
+        <mc:AlternateContent xmlns:mc="http://schemas.openxmlformats.org/markup-compatibility/2006" xmlns:a14="http://schemas.microsoft.com/office/drawing/2010/main">
+          <mc:Choice Requires="a14">
             <p:sp>
               <p:nvSpPr>
                 <p:cNvPr id="43" name="TextBox 42"/>
@@ -16496,6 +16498,7 @@
                 </a:bodyPr>
                 <a:lstStyle/>
                 <a:p>
+                  <a:pPr/>
                   <a14:m>
                     <m:oMathPara xmlns:m="http://schemas.openxmlformats.org/officeDocument/2006/math">
                       <m:oMathParaPr>
@@ -16568,7 +16571,7 @@
               </p:txBody>
             </p:sp>
           </mc:Choice>
-          <mc:Fallback>
+          <mc:Fallback xmlns="">
             <p:sp>
               <p:nvSpPr>
                 <p:cNvPr id="43" name="TextBox 42"/>
@@ -16753,8 +16756,8 @@
             </a:fontRef>
           </p:style>
         </p:cxnSp>
-        <mc:AlternateContent xmlns:mc="http://schemas.openxmlformats.org/markup-compatibility/2006">
-          <mc:Choice xmlns:a14="http://schemas.microsoft.com/office/drawing/2010/main" Requires="a14">
+        <mc:AlternateContent xmlns:mc="http://schemas.openxmlformats.org/markup-compatibility/2006" xmlns:a14="http://schemas.microsoft.com/office/drawing/2010/main">
+          <mc:Choice Requires="a14">
             <p:sp>
               <p:nvSpPr>
                 <p:cNvPr id="49" name="TextBox 48"/>
@@ -16777,6 +16780,7 @@
                 </a:bodyPr>
                 <a:lstStyle/>
                 <a:p>
+                  <a:pPr/>
                   <a14:m>
                     <m:oMathPara xmlns:m="http://schemas.openxmlformats.org/officeDocument/2006/math">
                       <m:oMathParaPr>
@@ -16801,7 +16805,7 @@
               </p:txBody>
             </p:sp>
           </mc:Choice>
-          <mc:Fallback>
+          <mc:Fallback xmlns="">
             <p:sp>
               <p:nvSpPr>
                 <p:cNvPr id="49" name="TextBox 48"/>
@@ -16840,8 +16844,8 @@
             </p:sp>
           </mc:Fallback>
         </mc:AlternateContent>
-        <mc:AlternateContent xmlns:mc="http://schemas.openxmlformats.org/markup-compatibility/2006">
-          <mc:Choice xmlns:a14="http://schemas.microsoft.com/office/drawing/2010/main" Requires="a14">
+        <mc:AlternateContent xmlns:mc="http://schemas.openxmlformats.org/markup-compatibility/2006" xmlns:a14="http://schemas.microsoft.com/office/drawing/2010/main">
+          <mc:Choice Requires="a14">
             <p:sp>
               <p:nvSpPr>
                 <p:cNvPr id="50" name="TextBox 49"/>
@@ -16864,6 +16868,7 @@
                 </a:bodyPr>
                 <a:lstStyle/>
                 <a:p>
+                  <a:pPr/>
                   <a14:m>
                     <m:oMathPara xmlns:m="http://schemas.openxmlformats.org/officeDocument/2006/math">
                       <m:oMathParaPr>
@@ -16888,7 +16893,7 @@
               </p:txBody>
             </p:sp>
           </mc:Choice>
-          <mc:Fallback>
+          <mc:Fallback xmlns="">
             <p:sp>
               <p:nvSpPr>
                 <p:cNvPr id="50" name="TextBox 49"/>
@@ -16932,6 +16937,1083 @@
     <p:extLst>
       <p:ext uri="{BB962C8B-B14F-4D97-AF65-F5344CB8AC3E}">
         <p14:creationId xmlns:p14="http://schemas.microsoft.com/office/powerpoint/2010/main" val="756032802"/>
+      </p:ext>
+    </p:extLst>
+  </p:cSld>
+  <p:clrMapOvr>
+    <a:masterClrMapping/>
+  </p:clrMapOvr>
+</p:sld>
+</file>
+
+<file path=ppt/slides/slide5.xml><?xml version="1.0" encoding="utf-8"?>
+<p:sld xmlns:a="http://schemas.openxmlformats.org/drawingml/2006/main" xmlns:r="http://schemas.openxmlformats.org/officeDocument/2006/relationships" xmlns:p="http://schemas.openxmlformats.org/presentationml/2006/main">
+  <p:cSld>
+    <p:spTree>
+      <p:nvGrpSpPr>
+        <p:cNvPr id="1" name=""/>
+        <p:cNvGrpSpPr/>
+        <p:nvPr/>
+      </p:nvGrpSpPr>
+      <p:grpSpPr>
+        <a:xfrm>
+          <a:off x="0" y="0"/>
+          <a:ext cx="0" cy="0"/>
+          <a:chOff x="0" y="0"/>
+          <a:chExt cx="0" cy="0"/>
+        </a:xfrm>
+      </p:grpSpPr>
+      <p:grpSp>
+        <p:nvGrpSpPr>
+          <p:cNvPr id="29" name="Group 28"/>
+          <p:cNvGrpSpPr/>
+          <p:nvPr/>
+        </p:nvGrpSpPr>
+        <p:grpSpPr>
+          <a:xfrm>
+            <a:off x="3397461" y="710143"/>
+            <a:ext cx="4409753" cy="2750001"/>
+            <a:chOff x="3397461" y="710143"/>
+            <a:chExt cx="4409753" cy="2750001"/>
+          </a:xfrm>
+        </p:grpSpPr>
+        <p:grpSp>
+          <p:nvGrpSpPr>
+            <p:cNvPr id="4" name="Group 3"/>
+            <p:cNvGrpSpPr/>
+            <p:nvPr/>
+          </p:nvGrpSpPr>
+          <p:grpSpPr>
+            <a:xfrm>
+              <a:off x="3397461" y="1236295"/>
+              <a:ext cx="4409753" cy="2223849"/>
+              <a:chOff x="1100977" y="708040"/>
+              <a:chExt cx="4409753" cy="2223849"/>
+            </a:xfrm>
+          </p:grpSpPr>
+          <p:grpSp>
+            <p:nvGrpSpPr>
+              <p:cNvPr id="5" name="Group 4"/>
+              <p:cNvGrpSpPr/>
+              <p:nvPr/>
+            </p:nvGrpSpPr>
+            <p:grpSpPr>
+              <a:xfrm>
+                <a:off x="1100977" y="708040"/>
+                <a:ext cx="4409753" cy="2223849"/>
+                <a:chOff x="1128272" y="680744"/>
+                <a:chExt cx="4409753" cy="2223849"/>
+              </a:xfrm>
+            </p:grpSpPr>
+            <p:cxnSp>
+              <p:nvCxnSpPr>
+                <p:cNvPr id="7" name="Straight Arrow Connector 6"/>
+                <p:cNvCxnSpPr/>
+                <p:nvPr/>
+              </p:nvCxnSpPr>
+              <p:spPr>
+                <a:xfrm flipV="1">
+                  <a:off x="1516583" y="680744"/>
+                  <a:ext cx="7684" cy="1859536"/>
+                </a:xfrm>
+                <a:prstGeom prst="straightConnector1">
+                  <a:avLst/>
+                </a:prstGeom>
+                <a:ln w="38100">
+                  <a:solidFill>
+                    <a:schemeClr val="tx1"/>
+                  </a:solidFill>
+                  <a:tailEnd type="triangle"/>
+                </a:ln>
+              </p:spPr>
+              <p:style>
+                <a:lnRef idx="1">
+                  <a:schemeClr val="accent1"/>
+                </a:lnRef>
+                <a:fillRef idx="0">
+                  <a:schemeClr val="accent1"/>
+                </a:fillRef>
+                <a:effectRef idx="0">
+                  <a:schemeClr val="accent1"/>
+                </a:effectRef>
+                <a:fontRef idx="minor">
+                  <a:schemeClr val="tx1"/>
+                </a:fontRef>
+              </p:style>
+            </p:cxnSp>
+            <p:cxnSp>
+              <p:nvCxnSpPr>
+                <p:cNvPr id="8" name="Straight Arrow Connector 7"/>
+                <p:cNvCxnSpPr/>
+                <p:nvPr/>
+              </p:nvCxnSpPr>
+              <p:spPr>
+                <a:xfrm>
+                  <a:off x="1507013" y="2535261"/>
+                  <a:ext cx="4021442" cy="5019"/>
+                </a:xfrm>
+                <a:prstGeom prst="straightConnector1">
+                  <a:avLst/>
+                </a:prstGeom>
+                <a:ln w="38100">
+                  <a:solidFill>
+                    <a:schemeClr val="tx1"/>
+                  </a:solidFill>
+                  <a:tailEnd type="triangle"/>
+                </a:ln>
+              </p:spPr>
+              <p:style>
+                <a:lnRef idx="1">
+                  <a:schemeClr val="accent1"/>
+                </a:lnRef>
+                <a:fillRef idx="0">
+                  <a:schemeClr val="accent1"/>
+                </a:fillRef>
+                <a:effectRef idx="0">
+                  <a:schemeClr val="accent1"/>
+                </a:effectRef>
+                <a:fontRef idx="minor">
+                  <a:schemeClr val="tx1"/>
+                </a:fontRef>
+              </p:style>
+            </p:cxnSp>
+            <mc:AlternateContent xmlns:mc="http://schemas.openxmlformats.org/markup-compatibility/2006">
+              <mc:Choice xmlns:a14="http://schemas.microsoft.com/office/drawing/2010/main" Requires="a14">
+                <p:sp>
+                  <p:nvSpPr>
+                    <p:cNvPr id="9" name="Rectangle 8"/>
+                    <p:cNvSpPr/>
+                    <p:nvPr/>
+                  </p:nvSpPr>
+                  <p:spPr>
+                    <a:xfrm>
+                      <a:off x="5170040" y="2535261"/>
+                      <a:ext cx="367985" cy="369332"/>
+                    </a:xfrm>
+                    <a:prstGeom prst="rect">
+                      <a:avLst/>
+                    </a:prstGeom>
+                  </p:spPr>
+                  <p:txBody>
+                    <a:bodyPr wrap="none">
+                      <a:spAutoFit/>
+                    </a:bodyPr>
+                    <a:lstStyle/>
+                    <a:p>
+                      <a:pPr/>
+                      <a14:m>
+                        <m:oMathPara xmlns:m="http://schemas.openxmlformats.org/officeDocument/2006/math">
+                          <m:oMathParaPr>
+                            <m:jc m:val="centerGroup"/>
+                          </m:oMathParaPr>
+                          <m:oMath xmlns:m="http://schemas.openxmlformats.org/officeDocument/2006/math">
+                            <m:r>
+                              <a:rPr lang="en-US" i="1">
+                                <a:latin typeface="Cambria Math" panose="02040503050406030204" pitchFamily="18" charset="0"/>
+                                <a:cs typeface="Arial" panose="020B0604020202020204" pitchFamily="34" charset="0"/>
+                              </a:rPr>
+                              <m:t>𝑥</m:t>
+                            </m:r>
+                          </m:oMath>
+                        </m:oMathPara>
+                      </a14:m>
+                      <a:endParaRPr lang="en-CA" dirty="0"/>
+                    </a:p>
+                  </p:txBody>
+                </p:sp>
+              </mc:Choice>
+              <mc:Fallback>
+                <p:sp>
+                  <p:nvSpPr>
+                    <p:cNvPr id="9" name="Rectangle 8"/>
+                    <p:cNvSpPr>
+                      <a:spLocks noRot="1" noChangeAspect="1" noMove="1" noResize="1" noEditPoints="1" noAdjustHandles="1" noChangeArrowheads="1" noChangeShapeType="1" noTextEdit="1"/>
+                    </p:cNvSpPr>
+                    <p:nvPr/>
+                  </p:nvSpPr>
+                  <p:spPr>
+                    <a:xfrm>
+                      <a:off x="5170040" y="2535261"/>
+                      <a:ext cx="367985" cy="369332"/>
+                    </a:xfrm>
+                    <a:prstGeom prst="rect">
+                      <a:avLst/>
+                    </a:prstGeom>
+                    <a:blipFill>
+                      <a:blip r:embed="rId2"/>
+                      <a:stretch>
+                        <a:fillRect/>
+                      </a:stretch>
+                    </a:blipFill>
+                  </p:spPr>
+                  <p:txBody>
+                    <a:bodyPr/>
+                    <a:lstStyle/>
+                    <a:p>
+                      <a:r>
+                        <a:rPr lang="en-US">
+                          <a:noFill/>
+                        </a:rPr>
+                        <a:t> </a:t>
+                      </a:r>
+                    </a:p>
+                  </p:txBody>
+                </p:sp>
+              </mc:Fallback>
+            </mc:AlternateContent>
+            <mc:AlternateContent xmlns:mc="http://schemas.openxmlformats.org/markup-compatibility/2006">
+              <mc:Choice xmlns:a14="http://schemas.microsoft.com/office/drawing/2010/main" Requires="a14">
+                <p:sp>
+                  <p:nvSpPr>
+                    <p:cNvPr id="10" name="Rectangle 9"/>
+                    <p:cNvSpPr/>
+                    <p:nvPr/>
+                  </p:nvSpPr>
+                  <p:spPr>
+                    <a:xfrm>
+                      <a:off x="1128272" y="1259416"/>
+                      <a:ext cx="390876" cy="369332"/>
+                    </a:xfrm>
+                    <a:prstGeom prst="rect">
+                      <a:avLst/>
+                    </a:prstGeom>
+                  </p:spPr>
+                  <p:txBody>
+                    <a:bodyPr wrap="none">
+                      <a:spAutoFit/>
+                    </a:bodyPr>
+                    <a:lstStyle/>
+                    <a:p>
+                      <a:pPr/>
+                      <a14:m>
+                        <m:oMathPara xmlns:m="http://schemas.openxmlformats.org/officeDocument/2006/math">
+                          <m:oMathParaPr>
+                            <m:jc m:val="centerGroup"/>
+                          </m:oMathParaPr>
+                          <m:oMath xmlns:m="http://schemas.openxmlformats.org/officeDocument/2006/math">
+                            <m:r>
+                              <a:rPr lang="en-US" b="0" i="1" smtClean="0">
+                                <a:latin typeface="Cambria Math" panose="02040503050406030204" pitchFamily="18" charset="0"/>
+                              </a:rPr>
+                              <m:t>𝐸</m:t>
+                            </m:r>
+                          </m:oMath>
+                        </m:oMathPara>
+                      </a14:m>
+                      <a:endParaRPr lang="en-CA" dirty="0"/>
+                    </a:p>
+                  </p:txBody>
+                </p:sp>
+              </mc:Choice>
+              <mc:Fallback>
+                <p:sp>
+                  <p:nvSpPr>
+                    <p:cNvPr id="10" name="Rectangle 9"/>
+                    <p:cNvSpPr>
+                      <a:spLocks noRot="1" noChangeAspect="1" noMove="1" noResize="1" noEditPoints="1" noAdjustHandles="1" noChangeArrowheads="1" noChangeShapeType="1" noTextEdit="1"/>
+                    </p:cNvSpPr>
+                    <p:nvPr/>
+                  </p:nvSpPr>
+                  <p:spPr>
+                    <a:xfrm>
+                      <a:off x="1128272" y="1259416"/>
+                      <a:ext cx="390876" cy="369332"/>
+                    </a:xfrm>
+                    <a:prstGeom prst="rect">
+                      <a:avLst/>
+                    </a:prstGeom>
+                    <a:blipFill>
+                      <a:blip r:embed="rId3"/>
+                      <a:stretch>
+                        <a:fillRect/>
+                      </a:stretch>
+                    </a:blipFill>
+                  </p:spPr>
+                  <p:txBody>
+                    <a:bodyPr/>
+                    <a:lstStyle/>
+                    <a:p>
+                      <a:r>
+                        <a:rPr lang="en-US">
+                          <a:noFill/>
+                        </a:rPr>
+                        <a:t> </a:t>
+                      </a:r>
+                    </a:p>
+                  </p:txBody>
+                </p:sp>
+              </mc:Fallback>
+            </mc:AlternateContent>
+            <mc:AlternateContent xmlns:mc="http://schemas.openxmlformats.org/markup-compatibility/2006" xmlns:a14="http://schemas.microsoft.com/office/drawing/2010/main">
+              <mc:Choice Requires="a14">
+                <p:sp>
+                  <p:nvSpPr>
+                    <p:cNvPr id="11" name="Rectangle 10"/>
+                    <p:cNvSpPr/>
+                    <p:nvPr/>
+                  </p:nvSpPr>
+                  <p:spPr>
+                    <a:xfrm>
+                      <a:off x="1205483" y="2447020"/>
+                      <a:ext cx="367985" cy="369332"/>
+                    </a:xfrm>
+                    <a:prstGeom prst="rect">
+                      <a:avLst/>
+                    </a:prstGeom>
+                  </p:spPr>
+                  <p:txBody>
+                    <a:bodyPr wrap="none">
+                      <a:spAutoFit/>
+                    </a:bodyPr>
+                    <a:lstStyle/>
+                    <a:p>
+                      <a:pPr/>
+                      <a14:m>
+                        <m:oMathPara xmlns:m="http://schemas.openxmlformats.org/officeDocument/2006/math">
+                          <m:oMathParaPr>
+                            <m:jc m:val="centerGroup"/>
+                          </m:oMathParaPr>
+                          <m:oMath xmlns:m="http://schemas.openxmlformats.org/officeDocument/2006/math">
+                            <m:r>
+                              <a:rPr lang="en-US" b="0" i="1" smtClean="0">
+                                <a:latin typeface="Cambria Math" panose="02040503050406030204" pitchFamily="18" charset="0"/>
+                                <a:cs typeface="Arial" panose="020B0604020202020204" pitchFamily="34" charset="0"/>
+                              </a:rPr>
+                              <m:t>0</m:t>
+                            </m:r>
+                          </m:oMath>
+                        </m:oMathPara>
+                      </a14:m>
+                      <a:endParaRPr lang="en-CA" dirty="0"/>
+                    </a:p>
+                  </p:txBody>
+                </p:sp>
+              </mc:Choice>
+              <mc:Fallback xmlns="">
+                <p:sp>
+                  <p:nvSpPr>
+                    <p:cNvPr id="14" name="Rectangle 13"/>
+                    <p:cNvSpPr>
+                      <a:spLocks noRot="1" noChangeAspect="1" noMove="1" noResize="1" noEditPoints="1" noAdjustHandles="1" noChangeArrowheads="1" noChangeShapeType="1" noTextEdit="1"/>
+                    </p:cNvSpPr>
+                    <p:nvPr/>
+                  </p:nvSpPr>
+                  <p:spPr>
+                    <a:xfrm>
+                      <a:off x="1205483" y="2447020"/>
+                      <a:ext cx="367985" cy="369332"/>
+                    </a:xfrm>
+                    <a:prstGeom prst="rect">
+                      <a:avLst/>
+                    </a:prstGeom>
+                    <a:blipFill rotWithShape="0">
+                      <a:blip r:embed="rId4"/>
+                      <a:stretch>
+                        <a:fillRect/>
+                      </a:stretch>
+                    </a:blipFill>
+                  </p:spPr>
+                  <p:txBody>
+                    <a:bodyPr/>
+                    <a:lstStyle/>
+                    <a:p>
+                      <a:r>
+                        <a:rPr lang="en-CA">
+                          <a:noFill/>
+                        </a:rPr>
+                        <a:t> </a:t>
+                      </a:r>
+                    </a:p>
+                  </p:txBody>
+                </p:sp>
+              </mc:Fallback>
+            </mc:AlternateContent>
+          </p:grpSp>
+          <p:sp>
+            <p:nvSpPr>
+              <p:cNvPr id="6" name="Rectangle 5"/>
+              <p:cNvSpPr/>
+              <p:nvPr/>
+            </p:nvSpPr>
+            <p:spPr>
+              <a:xfrm>
+                <a:off x="1129904" y="1614682"/>
+                <a:ext cx="184731" cy="369332"/>
+              </a:xfrm>
+              <a:prstGeom prst="rect">
+                <a:avLst/>
+              </a:prstGeom>
+            </p:spPr>
+            <p:txBody>
+              <a:bodyPr wrap="none">
+                <a:spAutoFit/>
+              </a:bodyPr>
+              <a:lstStyle/>
+              <a:p>
+                <a:endParaRPr lang="en-CA" dirty="0"/>
+              </a:p>
+            </p:txBody>
+          </p:sp>
+        </p:grpSp>
+        <p:sp>
+          <p:nvSpPr>
+            <p:cNvPr id="14" name="Oval 13"/>
+            <p:cNvSpPr/>
+            <p:nvPr/>
+          </p:nvSpPr>
+          <p:spPr>
+            <a:xfrm>
+              <a:off x="5585608" y="1901417"/>
+              <a:ext cx="120943" cy="119766"/>
+            </a:xfrm>
+            <a:prstGeom prst="ellipse">
+              <a:avLst/>
+            </a:prstGeom>
+            <a:solidFill>
+              <a:schemeClr val="tx1"/>
+            </a:solidFill>
+            <a:ln w="38100">
+              <a:solidFill>
+                <a:schemeClr val="tx1"/>
+              </a:solidFill>
+            </a:ln>
+          </p:spPr>
+          <p:style>
+            <a:lnRef idx="2">
+              <a:schemeClr val="accent1">
+                <a:shade val="50000"/>
+              </a:schemeClr>
+            </a:lnRef>
+            <a:fillRef idx="1">
+              <a:schemeClr val="accent1"/>
+            </a:fillRef>
+            <a:effectRef idx="0">
+              <a:schemeClr val="accent1"/>
+            </a:effectRef>
+            <a:fontRef idx="minor">
+              <a:schemeClr val="lt1"/>
+            </a:fontRef>
+          </p:style>
+          <p:txBody>
+            <a:bodyPr rtlCol="0" anchor="ctr"/>
+            <a:lstStyle/>
+            <a:p>
+              <a:pPr algn="ctr"/>
+              <a:endParaRPr lang="en-US" dirty="0"/>
+            </a:p>
+          </p:txBody>
+        </p:sp>
+        <mc:AlternateContent xmlns:mc="http://schemas.openxmlformats.org/markup-compatibility/2006">
+          <mc:Choice xmlns:a14="http://schemas.microsoft.com/office/drawing/2010/main" Requires="a14">
+            <p:sp>
+              <p:nvSpPr>
+                <p:cNvPr id="15" name="TextBox 14"/>
+                <p:cNvSpPr txBox="1"/>
+                <p:nvPr/>
+              </p:nvSpPr>
+              <p:spPr>
+                <a:xfrm>
+                  <a:off x="4282760" y="2490661"/>
+                  <a:ext cx="234936" cy="307777"/>
+                </a:xfrm>
+                <a:prstGeom prst="rect">
+                  <a:avLst/>
+                </a:prstGeom>
+                <a:noFill/>
+              </p:spPr>
+              <p:txBody>
+                <a:bodyPr wrap="none" lIns="0" tIns="0" rIns="0" bIns="0" rtlCol="0">
+                  <a:spAutoFit/>
+                </a:bodyPr>
+                <a:lstStyle/>
+                <a:p>
+                  <a14:m>
+                    <m:oMathPara xmlns:m="http://schemas.openxmlformats.org/officeDocument/2006/math">
+                      <m:oMathParaPr>
+                        <m:jc m:val="centerGroup"/>
+                      </m:oMathParaPr>
+                      <m:oMath xmlns:m="http://schemas.openxmlformats.org/officeDocument/2006/math">
+                        <m:r>
+                          <a:rPr lang="en-US" sz="2000" b="0" i="1" smtClean="0">
+                            <a:latin typeface="Cambria Math" panose="02040503050406030204" pitchFamily="18" charset="0"/>
+                            <a:cs typeface="Arial" panose="020B0604020202020204" pitchFamily="34" charset="0"/>
+                          </a:rPr>
+                          <m:t>𝐴</m:t>
+                        </m:r>
+                      </m:oMath>
+                    </m:oMathPara>
+                  </a14:m>
+                  <a:endParaRPr lang="en-US" sz="2000" dirty="0" smtClean="0">
+                    <a:latin typeface="Arial" panose="020B0604020202020204" pitchFamily="34" charset="0"/>
+                    <a:cs typeface="Arial" panose="020B0604020202020204" pitchFamily="34" charset="0"/>
+                  </a:endParaRPr>
+                </a:p>
+              </p:txBody>
+            </p:sp>
+          </mc:Choice>
+          <mc:Fallback>
+            <p:sp>
+              <p:nvSpPr>
+                <p:cNvPr id="15" name="TextBox 14"/>
+                <p:cNvSpPr txBox="1">
+                  <a:spLocks noRot="1" noChangeAspect="1" noMove="1" noResize="1" noEditPoints="1" noAdjustHandles="1" noChangeArrowheads="1" noChangeShapeType="1" noTextEdit="1"/>
+                </p:cNvSpPr>
+                <p:nvPr/>
+              </p:nvSpPr>
+              <p:spPr>
+                <a:xfrm>
+                  <a:off x="4282760" y="2490661"/>
+                  <a:ext cx="234936" cy="307777"/>
+                </a:xfrm>
+                <a:prstGeom prst="rect">
+                  <a:avLst/>
+                </a:prstGeom>
+                <a:blipFill>
+                  <a:blip r:embed="rId5"/>
+                  <a:stretch>
+                    <a:fillRect l="-23684" r="-23684" b="-10000"/>
+                  </a:stretch>
+                </a:blipFill>
+              </p:spPr>
+              <p:txBody>
+                <a:bodyPr/>
+                <a:lstStyle/>
+                <a:p>
+                  <a:r>
+                    <a:rPr lang="en-US">
+                      <a:noFill/>
+                    </a:rPr>
+                    <a:t> </a:t>
+                  </a:r>
+                </a:p>
+              </p:txBody>
+            </p:sp>
+          </mc:Fallback>
+        </mc:AlternateContent>
+        <mc:AlternateContent xmlns:mc="http://schemas.openxmlformats.org/markup-compatibility/2006">
+          <mc:Choice xmlns:a14="http://schemas.microsoft.com/office/drawing/2010/main" Requires="a14">
+            <p:sp>
+              <p:nvSpPr>
+                <p:cNvPr id="16" name="TextBox 15"/>
+                <p:cNvSpPr txBox="1"/>
+                <p:nvPr/>
+              </p:nvSpPr>
+              <p:spPr>
+                <a:xfrm>
+                  <a:off x="4780859" y="1566897"/>
+                  <a:ext cx="245708" cy="307777"/>
+                </a:xfrm>
+                <a:prstGeom prst="rect">
+                  <a:avLst/>
+                </a:prstGeom>
+                <a:noFill/>
+              </p:spPr>
+              <p:txBody>
+                <a:bodyPr wrap="none" lIns="0" tIns="0" rIns="0" bIns="0" rtlCol="0">
+                  <a:spAutoFit/>
+                </a:bodyPr>
+                <a:lstStyle/>
+                <a:p>
+                  <a14:m>
+                    <m:oMathPara xmlns:m="http://schemas.openxmlformats.org/officeDocument/2006/math">
+                      <m:oMathParaPr>
+                        <m:jc m:val="centerGroup"/>
+                      </m:oMathParaPr>
+                      <m:oMath xmlns:m="http://schemas.openxmlformats.org/officeDocument/2006/math">
+                        <m:r>
+                          <a:rPr lang="en-US" sz="2000" b="0" i="1" smtClean="0">
+                            <a:latin typeface="Cambria Math" panose="02040503050406030204" pitchFamily="18" charset="0"/>
+                            <a:cs typeface="Arial" panose="020B0604020202020204" pitchFamily="34" charset="0"/>
+                          </a:rPr>
+                          <m:t>𝐵</m:t>
+                        </m:r>
+                      </m:oMath>
+                    </m:oMathPara>
+                  </a14:m>
+                  <a:endParaRPr lang="en-US" sz="2000" dirty="0" smtClean="0">
+                    <a:latin typeface="Arial" panose="020B0604020202020204" pitchFamily="34" charset="0"/>
+                    <a:cs typeface="Arial" panose="020B0604020202020204" pitchFamily="34" charset="0"/>
+                  </a:endParaRPr>
+                </a:p>
+              </p:txBody>
+            </p:sp>
+          </mc:Choice>
+          <mc:Fallback>
+            <p:sp>
+              <p:nvSpPr>
+                <p:cNvPr id="16" name="TextBox 15"/>
+                <p:cNvSpPr txBox="1">
+                  <a:spLocks noRot="1" noChangeAspect="1" noMove="1" noResize="1" noEditPoints="1" noAdjustHandles="1" noChangeArrowheads="1" noChangeShapeType="1" noTextEdit="1"/>
+                </p:cNvSpPr>
+                <p:nvPr/>
+              </p:nvSpPr>
+              <p:spPr>
+                <a:xfrm>
+                  <a:off x="4780859" y="1566897"/>
+                  <a:ext cx="245708" cy="307777"/>
+                </a:xfrm>
+                <a:prstGeom prst="rect">
+                  <a:avLst/>
+                </a:prstGeom>
+                <a:blipFill>
+                  <a:blip r:embed="rId6"/>
+                  <a:stretch>
+                    <a:fillRect l="-19512" r="-19512" b="-9804"/>
+                  </a:stretch>
+                </a:blipFill>
+              </p:spPr>
+              <p:txBody>
+                <a:bodyPr/>
+                <a:lstStyle/>
+                <a:p>
+                  <a:r>
+                    <a:rPr lang="en-US">
+                      <a:noFill/>
+                    </a:rPr>
+                    <a:t> </a:t>
+                  </a:r>
+                </a:p>
+              </p:txBody>
+            </p:sp>
+          </mc:Fallback>
+        </mc:AlternateContent>
+        <mc:AlternateContent xmlns:mc="http://schemas.openxmlformats.org/markup-compatibility/2006">
+          <mc:Choice xmlns:a14="http://schemas.microsoft.com/office/drawing/2010/main" Requires="a14">
+            <p:sp>
+              <p:nvSpPr>
+                <p:cNvPr id="17" name="TextBox 16"/>
+                <p:cNvSpPr txBox="1"/>
+                <p:nvPr/>
+              </p:nvSpPr>
+              <p:spPr>
+                <a:xfrm>
+                  <a:off x="5195342" y="2490661"/>
+                  <a:ext cx="234102" cy="307777"/>
+                </a:xfrm>
+                <a:prstGeom prst="rect">
+                  <a:avLst/>
+                </a:prstGeom>
+                <a:noFill/>
+              </p:spPr>
+              <p:txBody>
+                <a:bodyPr wrap="none" lIns="0" tIns="0" rIns="0" bIns="0" rtlCol="0">
+                  <a:spAutoFit/>
+                </a:bodyPr>
+                <a:lstStyle/>
+                <a:p>
+                  <a14:m>
+                    <m:oMathPara xmlns:m="http://schemas.openxmlformats.org/officeDocument/2006/math">
+                      <m:oMathParaPr>
+                        <m:jc m:val="centerGroup"/>
+                      </m:oMathParaPr>
+                      <m:oMath xmlns:m="http://schemas.openxmlformats.org/officeDocument/2006/math">
+                        <m:r>
+                          <a:rPr lang="en-US" sz="2000" b="0" i="1" smtClean="0">
+                            <a:latin typeface="Cambria Math" panose="02040503050406030204" pitchFamily="18" charset="0"/>
+                            <a:cs typeface="Arial" panose="020B0604020202020204" pitchFamily="34" charset="0"/>
+                          </a:rPr>
+                          <m:t>𝐶</m:t>
+                        </m:r>
+                      </m:oMath>
+                    </m:oMathPara>
+                  </a14:m>
+                  <a:endParaRPr lang="en-US" sz="2000" dirty="0" smtClean="0">
+                    <a:latin typeface="Arial" panose="020B0604020202020204" pitchFamily="34" charset="0"/>
+                    <a:cs typeface="Arial" panose="020B0604020202020204" pitchFamily="34" charset="0"/>
+                  </a:endParaRPr>
+                </a:p>
+              </p:txBody>
+            </p:sp>
+          </mc:Choice>
+          <mc:Fallback>
+            <p:sp>
+              <p:nvSpPr>
+                <p:cNvPr id="17" name="TextBox 16"/>
+                <p:cNvSpPr txBox="1">
+                  <a:spLocks noRot="1" noChangeAspect="1" noMove="1" noResize="1" noEditPoints="1" noAdjustHandles="1" noChangeArrowheads="1" noChangeShapeType="1" noTextEdit="1"/>
+                </p:cNvSpPr>
+                <p:nvPr/>
+              </p:nvSpPr>
+              <p:spPr>
+                <a:xfrm>
+                  <a:off x="5195342" y="2490661"/>
+                  <a:ext cx="234102" cy="307777"/>
+                </a:xfrm>
+                <a:prstGeom prst="rect">
+                  <a:avLst/>
+                </a:prstGeom>
+                <a:blipFill>
+                  <a:blip r:embed="rId7"/>
+                  <a:stretch>
+                    <a:fillRect l="-20513" r="-17949" b="-10000"/>
+                  </a:stretch>
+                </a:blipFill>
+              </p:spPr>
+              <p:txBody>
+                <a:bodyPr/>
+                <a:lstStyle/>
+                <a:p>
+                  <a:r>
+                    <a:rPr lang="en-US">
+                      <a:noFill/>
+                    </a:rPr>
+                    <a:t> </a:t>
+                  </a:r>
+                </a:p>
+              </p:txBody>
+            </p:sp>
+          </mc:Fallback>
+        </mc:AlternateContent>
+        <mc:AlternateContent xmlns:mc="http://schemas.openxmlformats.org/markup-compatibility/2006">
+          <mc:Choice xmlns:a14="http://schemas.microsoft.com/office/drawing/2010/main" Requires="a14">
+            <p:sp>
+              <p:nvSpPr>
+                <p:cNvPr id="18" name="TextBox 17"/>
+                <p:cNvSpPr txBox="1"/>
+                <p:nvPr/>
+              </p:nvSpPr>
+              <p:spPr>
+                <a:xfrm>
+                  <a:off x="6119970" y="710143"/>
+                  <a:ext cx="255968" cy="307777"/>
+                </a:xfrm>
+                <a:prstGeom prst="rect">
+                  <a:avLst/>
+                </a:prstGeom>
+                <a:noFill/>
+              </p:spPr>
+              <p:txBody>
+                <a:bodyPr wrap="none" lIns="0" tIns="0" rIns="0" bIns="0" rtlCol="0">
+                  <a:spAutoFit/>
+                </a:bodyPr>
+                <a:lstStyle/>
+                <a:p>
+                  <a14:m>
+                    <m:oMathPara xmlns:m="http://schemas.openxmlformats.org/officeDocument/2006/math">
+                      <m:oMathParaPr>
+                        <m:jc m:val="centerGroup"/>
+                      </m:oMathParaPr>
+                      <m:oMath xmlns:m="http://schemas.openxmlformats.org/officeDocument/2006/math">
+                        <m:r>
+                          <a:rPr lang="en-US" sz="2000" b="0" i="1" smtClean="0">
+                            <a:latin typeface="Cambria Math" panose="02040503050406030204" pitchFamily="18" charset="0"/>
+                            <a:cs typeface="Arial" panose="020B0604020202020204" pitchFamily="34" charset="0"/>
+                          </a:rPr>
+                          <m:t>𝐷</m:t>
+                        </m:r>
+                      </m:oMath>
+                    </m:oMathPara>
+                  </a14:m>
+                  <a:endParaRPr lang="en-US" sz="2000" dirty="0" smtClean="0">
+                    <a:latin typeface="Arial" panose="020B0604020202020204" pitchFamily="34" charset="0"/>
+                    <a:cs typeface="Arial" panose="020B0604020202020204" pitchFamily="34" charset="0"/>
+                  </a:endParaRPr>
+                </a:p>
+              </p:txBody>
+            </p:sp>
+          </mc:Choice>
+          <mc:Fallback>
+            <p:sp>
+              <p:nvSpPr>
+                <p:cNvPr id="18" name="TextBox 17"/>
+                <p:cNvSpPr txBox="1">
+                  <a:spLocks noRot="1" noChangeAspect="1" noMove="1" noResize="1" noEditPoints="1" noAdjustHandles="1" noChangeArrowheads="1" noChangeShapeType="1" noTextEdit="1"/>
+                </p:cNvSpPr>
+                <p:nvPr/>
+              </p:nvSpPr>
+              <p:spPr>
+                <a:xfrm>
+                  <a:off x="6119970" y="710143"/>
+                  <a:ext cx="255968" cy="307777"/>
+                </a:xfrm>
+                <a:prstGeom prst="rect">
+                  <a:avLst/>
+                </a:prstGeom>
+                <a:blipFill>
+                  <a:blip r:embed="rId8"/>
+                  <a:stretch>
+                    <a:fillRect l="-21429" r="-16667" b="-9804"/>
+                  </a:stretch>
+                </a:blipFill>
+              </p:spPr>
+              <p:txBody>
+                <a:bodyPr/>
+                <a:lstStyle/>
+                <a:p>
+                  <a:r>
+                    <a:rPr lang="en-US">
+                      <a:noFill/>
+                    </a:rPr>
+                    <a:t> </a:t>
+                  </a:r>
+                </a:p>
+              </p:txBody>
+            </p:sp>
+          </mc:Fallback>
+        </mc:AlternateContent>
+        <mc:AlternateContent xmlns:mc="http://schemas.openxmlformats.org/markup-compatibility/2006">
+          <mc:Choice xmlns:a14="http://schemas.microsoft.com/office/drawing/2010/main" Requires="a14">
+            <p:sp>
+              <p:nvSpPr>
+                <p:cNvPr id="19" name="TextBox 18"/>
+                <p:cNvSpPr txBox="1"/>
+                <p:nvPr/>
+              </p:nvSpPr>
+              <p:spPr>
+                <a:xfrm>
+                  <a:off x="7135492" y="2030410"/>
+                  <a:ext cx="607474" cy="307777"/>
+                </a:xfrm>
+                <a:prstGeom prst="rect">
+                  <a:avLst/>
+                </a:prstGeom>
+                <a:noFill/>
+              </p:spPr>
+              <p:txBody>
+                <a:bodyPr wrap="none" lIns="0" tIns="0" rIns="0" bIns="0" rtlCol="0">
+                  <a:spAutoFit/>
+                </a:bodyPr>
+                <a:lstStyle/>
+                <a:p>
+                  <a14:m>
+                    <m:oMathPara xmlns:m="http://schemas.openxmlformats.org/officeDocument/2006/math">
+                      <m:oMathParaPr>
+                        <m:jc m:val="centerGroup"/>
+                      </m:oMathParaPr>
+                      <m:oMath xmlns:m="http://schemas.openxmlformats.org/officeDocument/2006/math">
+                        <m:r>
+                          <a:rPr lang="en-US" sz="2000" b="0" i="1" smtClean="0">
+                            <a:latin typeface="Cambria Math" panose="02040503050406030204" pitchFamily="18" charset="0"/>
+                            <a:cs typeface="Arial" panose="020B0604020202020204" pitchFamily="34" charset="0"/>
+                          </a:rPr>
+                          <m:t>𝑈</m:t>
+                        </m:r>
+                        <m:r>
+                          <a:rPr lang="en-US" sz="2000" b="0" i="1" smtClean="0">
+                            <a:latin typeface="Cambria Math" panose="02040503050406030204" pitchFamily="18" charset="0"/>
+                            <a:cs typeface="Arial" panose="020B0604020202020204" pitchFamily="34" charset="0"/>
+                          </a:rPr>
+                          <m:t>(</m:t>
+                        </m:r>
+                        <m:r>
+                          <a:rPr lang="en-US" sz="2000" b="0" i="1" smtClean="0">
+                            <a:latin typeface="Cambria Math" panose="02040503050406030204" pitchFamily="18" charset="0"/>
+                            <a:cs typeface="Arial" panose="020B0604020202020204" pitchFamily="34" charset="0"/>
+                          </a:rPr>
+                          <m:t>𝑥</m:t>
+                        </m:r>
+                        <m:r>
+                          <a:rPr lang="en-US" sz="2000" b="0" i="1" smtClean="0">
+                            <a:latin typeface="Cambria Math" panose="02040503050406030204" pitchFamily="18" charset="0"/>
+                            <a:cs typeface="Arial" panose="020B0604020202020204" pitchFamily="34" charset="0"/>
+                          </a:rPr>
+                          <m:t>)</m:t>
+                        </m:r>
+                      </m:oMath>
+                    </m:oMathPara>
+                  </a14:m>
+                  <a:endParaRPr lang="en-US" sz="2000" dirty="0" smtClean="0">
+                    <a:latin typeface="Arial" panose="020B0604020202020204" pitchFamily="34" charset="0"/>
+                    <a:cs typeface="Arial" panose="020B0604020202020204" pitchFamily="34" charset="0"/>
+                  </a:endParaRPr>
+                </a:p>
+              </p:txBody>
+            </p:sp>
+          </mc:Choice>
+          <mc:Fallback>
+            <p:sp>
+              <p:nvSpPr>
+                <p:cNvPr id="19" name="TextBox 18"/>
+                <p:cNvSpPr txBox="1">
+                  <a:spLocks noRot="1" noChangeAspect="1" noMove="1" noResize="1" noEditPoints="1" noAdjustHandles="1" noChangeArrowheads="1" noChangeShapeType="1" noTextEdit="1"/>
+                </p:cNvSpPr>
+                <p:nvPr/>
+              </p:nvSpPr>
+              <p:spPr>
+                <a:xfrm>
+                  <a:off x="7135492" y="2030410"/>
+                  <a:ext cx="607474" cy="307777"/>
+                </a:xfrm>
+                <a:prstGeom prst="rect">
+                  <a:avLst/>
+                </a:prstGeom>
+                <a:blipFill>
+                  <a:blip r:embed="rId9"/>
+                  <a:stretch>
+                    <a:fillRect l="-9091" r="-14141" b="-37255"/>
+                  </a:stretch>
+                </a:blipFill>
+              </p:spPr>
+              <p:txBody>
+                <a:bodyPr/>
+                <a:lstStyle/>
+                <a:p>
+                  <a:r>
+                    <a:rPr lang="en-US">
+                      <a:noFill/>
+                    </a:rPr>
+                    <a:t> </a:t>
+                  </a:r>
+                </a:p>
+              </p:txBody>
+            </p:sp>
+          </mc:Fallback>
+        </mc:AlternateContent>
+        <p:cxnSp>
+          <p:nvCxnSpPr>
+            <p:cNvPr id="21" name="Straight Connector 20"/>
+            <p:cNvCxnSpPr/>
+            <p:nvPr/>
+          </p:nvCxnSpPr>
+          <p:spPr>
+            <a:xfrm flipV="1">
+              <a:off x="3785772" y="1979642"/>
+              <a:ext cx="1900418" cy="19991"/>
+            </a:xfrm>
+            <a:prstGeom prst="line">
+              <a:avLst/>
+            </a:prstGeom>
+            <a:ln w="38100">
+              <a:solidFill>
+                <a:schemeClr val="tx1"/>
+              </a:solidFill>
+              <a:prstDash val="dash"/>
+            </a:ln>
+          </p:spPr>
+          <p:style>
+            <a:lnRef idx="1">
+              <a:schemeClr val="accent1"/>
+            </a:lnRef>
+            <a:fillRef idx="0">
+              <a:schemeClr val="accent1"/>
+            </a:fillRef>
+            <a:effectRef idx="0">
+              <a:schemeClr val="accent1"/>
+            </a:effectRef>
+            <a:fontRef idx="minor">
+              <a:schemeClr val="tx1"/>
+            </a:fontRef>
+          </p:style>
+        </p:cxnSp>
+        <p:sp>
+          <p:nvSpPr>
+            <p:cNvPr id="26" name="Freeform 25"/>
+            <p:cNvSpPr/>
+            <p:nvPr/>
+          </p:nvSpPr>
+          <p:spPr>
+            <a:xfrm>
+              <a:off x="3813817" y="1074456"/>
+              <a:ext cx="3231254" cy="1981255"/>
+            </a:xfrm>
+            <a:custGeom>
+              <a:avLst/>
+              <a:gdLst>
+                <a:gd name="connsiteX0" fmla="*/ 0 w 3231254"/>
+                <a:gd name="connsiteY0" fmla="*/ 671270 h 1981255"/>
+                <a:gd name="connsiteX1" fmla="*/ 572202 w 3231254"/>
+                <a:gd name="connsiteY1" fmla="*/ 1978357 h 1981255"/>
+                <a:gd name="connsiteX2" fmla="*/ 1060256 w 3231254"/>
+                <a:gd name="connsiteY2" fmla="*/ 1047128 h 1981255"/>
+                <a:gd name="connsiteX3" fmla="*/ 1509041 w 3231254"/>
+                <a:gd name="connsiteY3" fmla="*/ 1854942 h 1981255"/>
+                <a:gd name="connsiteX4" fmla="*/ 2322464 w 3231254"/>
+                <a:gd name="connsiteY4" fmla="*/ 14922 h 1981255"/>
+                <a:gd name="connsiteX5" fmla="*/ 3231254 w 3231254"/>
+                <a:gd name="connsiteY5" fmla="*/ 1136885 h 1981255"/>
+              </a:gdLst>
+              <a:ahLst/>
+              <a:cxnLst>
+                <a:cxn ang="0">
+                  <a:pos x="connsiteX0" y="connsiteY0"/>
+                </a:cxn>
+                <a:cxn ang="0">
+                  <a:pos x="connsiteX1" y="connsiteY1"/>
+                </a:cxn>
+                <a:cxn ang="0">
+                  <a:pos x="connsiteX2" y="connsiteY2"/>
+                </a:cxn>
+                <a:cxn ang="0">
+                  <a:pos x="connsiteX3" y="connsiteY3"/>
+                </a:cxn>
+                <a:cxn ang="0">
+                  <a:pos x="connsiteX4" y="connsiteY4"/>
+                </a:cxn>
+                <a:cxn ang="0">
+                  <a:pos x="connsiteX5" y="connsiteY5"/>
+                </a:cxn>
+              </a:cxnLst>
+              <a:rect l="l" t="t" r="r" b="b"/>
+              <a:pathLst>
+                <a:path w="3231254" h="1981255">
+                  <a:moveTo>
+                    <a:pt x="0" y="671270"/>
+                  </a:moveTo>
+                  <a:cubicBezTo>
+                    <a:pt x="197746" y="1293492"/>
+                    <a:pt x="395493" y="1915714"/>
+                    <a:pt x="572202" y="1978357"/>
+                  </a:cubicBezTo>
+                  <a:cubicBezTo>
+                    <a:pt x="748911" y="2041000"/>
+                    <a:pt x="904116" y="1067697"/>
+                    <a:pt x="1060256" y="1047128"/>
+                  </a:cubicBezTo>
+                  <a:cubicBezTo>
+                    <a:pt x="1216396" y="1026559"/>
+                    <a:pt x="1298673" y="2026976"/>
+                    <a:pt x="1509041" y="1854942"/>
+                  </a:cubicBezTo>
+                  <a:cubicBezTo>
+                    <a:pt x="1719409" y="1682908"/>
+                    <a:pt x="2035429" y="134598"/>
+                    <a:pt x="2322464" y="14922"/>
+                  </a:cubicBezTo>
+                  <a:cubicBezTo>
+                    <a:pt x="2609500" y="-104754"/>
+                    <a:pt x="2920377" y="516065"/>
+                    <a:pt x="3231254" y="1136885"/>
+                  </a:cubicBezTo>
+                </a:path>
+              </a:pathLst>
+            </a:custGeom>
+            <a:noFill/>
+            <a:ln w="38100">
+              <a:solidFill>
+                <a:schemeClr val="tx1"/>
+              </a:solidFill>
+            </a:ln>
+          </p:spPr>
+          <p:style>
+            <a:lnRef idx="2">
+              <a:schemeClr val="accent1">
+                <a:shade val="50000"/>
+              </a:schemeClr>
+            </a:lnRef>
+            <a:fillRef idx="1">
+              <a:schemeClr val="accent1"/>
+            </a:fillRef>
+            <a:effectRef idx="0">
+              <a:schemeClr val="accent1"/>
+            </a:effectRef>
+            <a:fontRef idx="minor">
+              <a:schemeClr val="lt1"/>
+            </a:fontRef>
+          </p:style>
+          <p:txBody>
+            <a:bodyPr rtlCol="0" anchor="ctr"/>
+            <a:lstStyle/>
+            <a:p>
+              <a:pPr algn="ctr"/>
+              <a:endParaRPr lang="en-US"/>
+            </a:p>
+          </p:txBody>
+        </p:sp>
+      </p:grpSp>
+    </p:spTree>
+    <p:extLst>
+      <p:ext uri="{BB962C8B-B14F-4D97-AF65-F5344CB8AC3E}">
+        <p14:creationId xmlns:p14="http://schemas.microsoft.com/office/powerpoint/2010/main" val="1479465575"/>
       </p:ext>
     </p:extLst>
   </p:cSld>

--- a/tex/figures/PotentialECons/Figures.pptx
+++ b/tex/figures/PotentialECons/Figures.pptx
@@ -252,7 +252,7 @@
           <a:p>
             <a:fld id="{F7249F8D-641B-4CAF-BAE5-10524742F6F1}" type="datetimeFigureOut">
               <a:rPr lang="en-CA" smtClean="0"/>
-              <a:t>2018-06-25</a:t>
+              <a:t>2018-10-22</a:t>
             </a:fld>
             <a:endParaRPr lang="en-CA"/>
           </a:p>
@@ -422,7 +422,7 @@
           <a:p>
             <a:fld id="{F7249F8D-641B-4CAF-BAE5-10524742F6F1}" type="datetimeFigureOut">
               <a:rPr lang="en-CA" smtClean="0"/>
-              <a:t>2018-06-25</a:t>
+              <a:t>2018-10-22</a:t>
             </a:fld>
             <a:endParaRPr lang="en-CA"/>
           </a:p>
@@ -602,7 +602,7 @@
           <a:p>
             <a:fld id="{F7249F8D-641B-4CAF-BAE5-10524742F6F1}" type="datetimeFigureOut">
               <a:rPr lang="en-CA" smtClean="0"/>
-              <a:t>2018-06-25</a:t>
+              <a:t>2018-10-22</a:t>
             </a:fld>
             <a:endParaRPr lang="en-CA"/>
           </a:p>
@@ -772,7 +772,7 @@
           <a:p>
             <a:fld id="{F7249F8D-641B-4CAF-BAE5-10524742F6F1}" type="datetimeFigureOut">
               <a:rPr lang="en-CA" smtClean="0"/>
-              <a:t>2018-06-25</a:t>
+              <a:t>2018-10-22</a:t>
             </a:fld>
             <a:endParaRPr lang="en-CA"/>
           </a:p>
@@ -1018,7 +1018,7 @@
           <a:p>
             <a:fld id="{F7249F8D-641B-4CAF-BAE5-10524742F6F1}" type="datetimeFigureOut">
               <a:rPr lang="en-CA" smtClean="0"/>
-              <a:t>2018-06-25</a:t>
+              <a:t>2018-10-22</a:t>
             </a:fld>
             <a:endParaRPr lang="en-CA"/>
           </a:p>
@@ -1250,7 +1250,7 @@
           <a:p>
             <a:fld id="{F7249F8D-641B-4CAF-BAE5-10524742F6F1}" type="datetimeFigureOut">
               <a:rPr lang="en-CA" smtClean="0"/>
-              <a:t>2018-06-25</a:t>
+              <a:t>2018-10-22</a:t>
             </a:fld>
             <a:endParaRPr lang="en-CA"/>
           </a:p>
@@ -1617,7 +1617,7 @@
           <a:p>
             <a:fld id="{F7249F8D-641B-4CAF-BAE5-10524742F6F1}" type="datetimeFigureOut">
               <a:rPr lang="en-CA" smtClean="0"/>
-              <a:t>2018-06-25</a:t>
+              <a:t>2018-10-22</a:t>
             </a:fld>
             <a:endParaRPr lang="en-CA"/>
           </a:p>
@@ -1735,7 +1735,7 @@
           <a:p>
             <a:fld id="{F7249F8D-641B-4CAF-BAE5-10524742F6F1}" type="datetimeFigureOut">
               <a:rPr lang="en-CA" smtClean="0"/>
-              <a:t>2018-06-25</a:t>
+              <a:t>2018-10-22</a:t>
             </a:fld>
             <a:endParaRPr lang="en-CA"/>
           </a:p>
@@ -1830,7 +1830,7 @@
           <a:p>
             <a:fld id="{F7249F8D-641B-4CAF-BAE5-10524742F6F1}" type="datetimeFigureOut">
               <a:rPr lang="en-CA" smtClean="0"/>
-              <a:t>2018-06-25</a:t>
+              <a:t>2018-10-22</a:t>
             </a:fld>
             <a:endParaRPr lang="en-CA"/>
           </a:p>
@@ -2107,7 +2107,7 @@
           <a:p>
             <a:fld id="{F7249F8D-641B-4CAF-BAE5-10524742F6F1}" type="datetimeFigureOut">
               <a:rPr lang="en-CA" smtClean="0"/>
-              <a:t>2018-06-25</a:t>
+              <a:t>2018-10-22</a:t>
             </a:fld>
             <a:endParaRPr lang="en-CA"/>
           </a:p>
@@ -2360,7 +2360,7 @@
           <a:p>
             <a:fld id="{F7249F8D-641B-4CAF-BAE5-10524742F6F1}" type="datetimeFigureOut">
               <a:rPr lang="en-CA" smtClean="0"/>
-              <a:t>2018-06-25</a:t>
+              <a:t>2018-10-22</a:t>
             </a:fld>
             <a:endParaRPr lang="en-CA"/>
           </a:p>
@@ -2573,7 +2573,7 @@
           <a:p>
             <a:fld id="{F7249F8D-641B-4CAF-BAE5-10524742F6F1}" type="datetimeFigureOut">
               <a:rPr lang="en-CA" smtClean="0"/>
-              <a:t>2018-06-25</a:t>
+              <a:t>2018-10-22</a:t>
             </a:fld>
             <a:endParaRPr lang="en-CA"/>
           </a:p>
@@ -4622,7 +4622,7 @@
             <p:nvPr/>
           </p:nvPicPr>
           <p:blipFill rotWithShape="1">
-            <a:blip r:embed="rId2">
+            <a:blip r:embed="rId2" cstate="print">
               <a:extLst>
                 <a:ext uri="{BEBA8EAE-BF5A-486C-A8C5-ECC9F3942E4B}">
                   <a14:imgProps xmlns:a14="http://schemas.microsoft.com/office/drawing/2010/main">
@@ -4660,12 +4660,12 @@
             <p:nvPr/>
           </p:nvPicPr>
           <p:blipFill rotWithShape="1">
-            <a:blip r:embed="rId2">
+            <a:blip r:embed="rId2" cstate="print">
               <a:alphaModFix amt="63000"/>
               <a:extLst>
                 <a:ext uri="{BEBA8EAE-BF5A-486C-A8C5-ECC9F3942E4B}">
                   <a14:imgProps xmlns:a14="http://schemas.microsoft.com/office/drawing/2010/main">
-                    <a14:imgLayer r:embed="rId4">
+                    <a14:imgLayer r:embed="rId3">
                       <a14:imgEffect>
                         <a14:backgroundRemoval t="15702" b="83596" l="32836" r="74428"/>
                       </a14:imgEffect>
@@ -5231,7 +5231,7 @@
                             <m:sSubPr>
                               <m:ctrlPr>
                                 <a:rPr lang="en-US" sz="2000" b="0" i="1" smtClean="0">
-                                  <a:latin typeface="Cambria Math" charset="0"/>
+                                  <a:latin typeface="Cambria Math" panose="02040503050406030204" pitchFamily="18" charset="0"/>
                                   <a:cs typeface="Arial" panose="020B0604020202020204" pitchFamily="34" charset="0"/>
                                 </a:rPr>
                               </m:ctrlPr>
@@ -5242,7 +5242,7 @@
                                   <m:chr m:val="⃗"/>
                                   <m:ctrlPr>
                                     <a:rPr lang="en-US" sz="2000" b="0" i="1" smtClean="0">
-                                      <a:latin typeface="Cambria Math" charset="0"/>
+                                      <a:latin typeface="Cambria Math" panose="02040503050406030204" pitchFamily="18" charset="0"/>
                                       <a:cs typeface="Arial" panose="020B0604020202020204" pitchFamily="34" charset="0"/>
                                     </a:rPr>
                                   </m:ctrlPr>
@@ -5353,7 +5353,7 @@
                             <m:sSubPr>
                               <m:ctrlPr>
                                 <a:rPr lang="en-US" sz="2000" b="0" i="1" smtClean="0">
-                                  <a:latin typeface="Cambria Math" charset="0"/>
+                                  <a:latin typeface="Cambria Math" panose="02040503050406030204" pitchFamily="18" charset="0"/>
                                   <a:cs typeface="Arial" panose="020B0604020202020204" pitchFamily="34" charset="0"/>
                                 </a:rPr>
                               </m:ctrlPr>
@@ -5364,7 +5364,7 @@
                                   <m:chr m:val="⃗"/>
                                   <m:ctrlPr>
                                     <a:rPr lang="en-US" sz="2000" b="0" i="1" smtClean="0">
-                                      <a:latin typeface="Cambria Math" charset="0"/>
+                                      <a:latin typeface="Cambria Math" panose="02040503050406030204" pitchFamily="18" charset="0"/>
                                       <a:cs typeface="Arial" panose="020B0604020202020204" pitchFamily="34" charset="0"/>
                                     </a:rPr>
                                   </m:ctrlPr>
@@ -5547,7 +5547,7 @@
                             <m:sSubPr>
                               <m:ctrlPr>
                                 <a:rPr lang="en-US" sz="2000" b="0" i="1" smtClean="0">
-                                  <a:latin typeface="Cambria Math" charset="0"/>
+                                  <a:latin typeface="Cambria Math" panose="02040503050406030204" pitchFamily="18" charset="0"/>
                                   <a:cs typeface="Arial" panose="020B0604020202020204" pitchFamily="34" charset="0"/>
                                 </a:rPr>
                               </m:ctrlPr>
@@ -5558,7 +5558,7 @@
                                   <m:chr m:val="⃗"/>
                                   <m:ctrlPr>
                                     <a:rPr lang="en-US" sz="2000" b="0" i="1" smtClean="0">
-                                      <a:latin typeface="Cambria Math" charset="0"/>
+                                      <a:latin typeface="Cambria Math" panose="02040503050406030204" pitchFamily="18" charset="0"/>
                                       <a:cs typeface="Arial" panose="020B0604020202020204" pitchFamily="34" charset="0"/>
                                     </a:rPr>
                                   </m:ctrlPr>
@@ -5669,7 +5669,7 @@
                             <m:sSubPr>
                               <m:ctrlPr>
                                 <a:rPr lang="en-US" sz="2000" b="0" i="1" smtClean="0">
-                                  <a:latin typeface="Cambria Math" charset="0"/>
+                                  <a:latin typeface="Cambria Math" panose="02040503050406030204" pitchFamily="18" charset="0"/>
                                   <a:cs typeface="Arial" panose="020B0604020202020204" pitchFamily="34" charset="0"/>
                                 </a:rPr>
                               </m:ctrlPr>
@@ -5680,7 +5680,7 @@
                                   <m:chr m:val="⃗"/>
                                   <m:ctrlPr>
                                     <a:rPr lang="en-US" sz="2000" b="0" i="1" smtClean="0">
-                                      <a:latin typeface="Cambria Math" charset="0"/>
+                                      <a:latin typeface="Cambria Math" panose="02040503050406030204" pitchFamily="18" charset="0"/>
                                       <a:cs typeface="Arial" panose="020B0604020202020204" pitchFamily="34" charset="0"/>
                                     </a:rPr>
                                   </m:ctrlPr>
@@ -6597,7 +6597,7 @@
                               <m:chr m:val="⃗"/>
                               <m:ctrlPr>
                                 <a:rPr lang="en-US" sz="2000" b="0" i="1" smtClean="0">
-                                  <a:latin typeface="Cambria Math" charset="0"/>
+                                  <a:latin typeface="Cambria Math" panose="02040503050406030204" pitchFamily="18" charset="0"/>
                                   <a:cs typeface="Arial" panose="020B0604020202020204" pitchFamily="34" charset="0"/>
                                 </a:rPr>
                               </m:ctrlPr>
@@ -6624,7 +6624,7 @@
                               <m:chr m:val="⃗"/>
                               <m:ctrlPr>
                                 <a:rPr lang="en-US" sz="2000" b="0" i="1" smtClean="0">
-                                  <a:latin typeface="Cambria Math" charset="0"/>
+                                  <a:latin typeface="Cambria Math" panose="02040503050406030204" pitchFamily="18" charset="0"/>
                                   <a:cs typeface="Arial" panose="020B0604020202020204" pitchFamily="34" charset="0"/>
                                 </a:rPr>
                               </m:ctrlPr>
@@ -6781,7 +6781,7 @@
                                   <a:solidFill>
                                     <a:srgbClr val="FF0000"/>
                                   </a:solidFill>
-                                  <a:latin typeface="Cambria Math" charset="0"/>
+                                  <a:latin typeface="Cambria Math" panose="02040503050406030204" pitchFamily="18" charset="0"/>
                                   <a:cs typeface="Arial" panose="020B0604020202020204" pitchFamily="34" charset="0"/>
                                 </a:rPr>
                               </m:ctrlPr>
@@ -6965,7 +6965,7 @@
                             <m:sSubPr>
                               <m:ctrlPr>
                                 <a:rPr lang="en-US" sz="2000" b="0" i="1" smtClean="0">
-                                  <a:latin typeface="Cambria Math" charset="0"/>
+                                  <a:latin typeface="Cambria Math" panose="02040503050406030204" pitchFamily="18" charset="0"/>
                                   <a:cs typeface="Arial" panose="020B0604020202020204" pitchFamily="34" charset="0"/>
                                 </a:rPr>
                               </m:ctrlPr>
@@ -6976,7 +6976,7 @@
                                   <m:chr m:val="⃗"/>
                                   <m:ctrlPr>
                                     <a:rPr lang="en-US" sz="2000" b="0" i="1" smtClean="0">
-                                      <a:latin typeface="Cambria Math" charset="0"/>
+                                      <a:latin typeface="Cambria Math" panose="02040503050406030204" pitchFamily="18" charset="0"/>
                                       <a:cs typeface="Arial" panose="020B0604020202020204" pitchFamily="34" charset="0"/>
                                     </a:rPr>
                                   </m:ctrlPr>
@@ -7087,7 +7087,7 @@
                             <m:sSubPr>
                               <m:ctrlPr>
                                 <a:rPr lang="en-US" sz="2000" b="0" i="1" smtClean="0">
-                                  <a:latin typeface="Cambria Math" charset="0"/>
+                                  <a:latin typeface="Cambria Math" panose="02040503050406030204" pitchFamily="18" charset="0"/>
                                   <a:cs typeface="Arial" panose="020B0604020202020204" pitchFamily="34" charset="0"/>
                                 </a:rPr>
                               </m:ctrlPr>
@@ -7098,7 +7098,7 @@
                                   <m:chr m:val="⃗"/>
                                   <m:ctrlPr>
                                     <a:rPr lang="en-US" sz="2000" b="0" i="1" smtClean="0">
-                                      <a:latin typeface="Cambria Math" charset="0"/>
+                                      <a:latin typeface="Cambria Math" panose="02040503050406030204" pitchFamily="18" charset="0"/>
                                       <a:cs typeface="Arial" panose="020B0604020202020204" pitchFamily="34" charset="0"/>
                                     </a:rPr>
                                   </m:ctrlPr>
@@ -7252,7 +7252,7 @@
                             <m:dPr>
                               <m:ctrlPr>
                                 <a:rPr lang="en-US" sz="2000" b="0" i="1" smtClean="0">
-                                  <a:latin typeface="Cambria Math" charset="0"/>
+                                  <a:latin typeface="Cambria Math" panose="02040503050406030204" pitchFamily="18" charset="0"/>
                                   <a:cs typeface="Arial" panose="020B0604020202020204" pitchFamily="34" charset="0"/>
                                 </a:rPr>
                               </m:ctrlPr>
@@ -7262,7 +7262,7 @@
                                 <m:sSubPr>
                                   <m:ctrlPr>
                                     <a:rPr lang="en-US" sz="2000" b="0" i="1" smtClean="0">
-                                      <a:latin typeface="Cambria Math" charset="0"/>
+                                      <a:latin typeface="Cambria Math" panose="02040503050406030204" pitchFamily="18" charset="0"/>
                                       <a:cs typeface="Arial" panose="020B0604020202020204" pitchFamily="34" charset="0"/>
                                     </a:rPr>
                                   </m:ctrlPr>
@@ -7273,7 +7273,7 @@
                                       <m:chr m:val="⃗"/>
                                       <m:ctrlPr>
                                         <a:rPr lang="en-US" sz="2000" b="0" i="1" smtClean="0">
-                                          <a:latin typeface="Cambria Math" charset="0"/>
+                                          <a:latin typeface="Cambria Math" panose="02040503050406030204" pitchFamily="18" charset="0"/>
                                           <a:cs typeface="Arial" panose="020B0604020202020204" pitchFamily="34" charset="0"/>
                                         </a:rPr>
                                       </m:ctrlPr>
@@ -7393,7 +7393,7 @@
                             <m:dPr>
                               <m:ctrlPr>
                                 <a:rPr lang="en-US" sz="2000" b="0" i="1" smtClean="0">
-                                  <a:latin typeface="Cambria Math" charset="0"/>
+                                  <a:latin typeface="Cambria Math" panose="02040503050406030204" pitchFamily="18" charset="0"/>
                                   <a:cs typeface="Arial" panose="020B0604020202020204" pitchFamily="34" charset="0"/>
                                 </a:rPr>
                               </m:ctrlPr>
@@ -7403,7 +7403,7 @@
                                 <m:sSubPr>
                                   <m:ctrlPr>
                                     <a:rPr lang="en-US" sz="2000" b="0" i="1" smtClean="0">
-                                      <a:latin typeface="Cambria Math" charset="0"/>
+                                      <a:latin typeface="Cambria Math" panose="02040503050406030204" pitchFamily="18" charset="0"/>
                                       <a:cs typeface="Arial" panose="020B0604020202020204" pitchFamily="34" charset="0"/>
                                     </a:rPr>
                                   </m:ctrlPr>
@@ -7414,7 +7414,7 @@
                                       <m:chr m:val="⃗"/>
                                       <m:ctrlPr>
                                         <a:rPr lang="en-US" sz="2000" b="0" i="1" smtClean="0">
-                                          <a:latin typeface="Cambria Math" charset="0"/>
+                                          <a:latin typeface="Cambria Math" panose="02040503050406030204" pitchFamily="18" charset="0"/>
                                           <a:cs typeface="Arial" panose="020B0604020202020204" pitchFamily="34" charset="0"/>
                                         </a:rPr>
                                       </m:ctrlPr>
@@ -8276,7 +8276,7 @@
                           <m:sSubPr>
                             <m:ctrlPr>
                               <a:rPr lang="en-US" sz="2000" b="0" i="1" smtClean="0">
-                                <a:latin typeface="Cambria Math" charset="0"/>
+                                <a:latin typeface="Cambria Math" panose="02040503050406030204" pitchFamily="18" charset="0"/>
                                 <a:cs typeface="Arial" panose="020B0604020202020204" pitchFamily="34" charset="0"/>
                               </a:rPr>
                             </m:ctrlPr>
@@ -8385,7 +8385,7 @@
                           <m:sSubPr>
                             <m:ctrlPr>
                               <a:rPr lang="en-US" sz="2000" b="0" i="1" smtClean="0">
-                                <a:latin typeface="Cambria Math" charset="0"/>
+                                <a:latin typeface="Cambria Math" panose="02040503050406030204" pitchFamily="18" charset="0"/>
                                 <a:cs typeface="Arial" panose="020B0604020202020204" pitchFamily="34" charset="0"/>
                               </a:rPr>
                             </m:ctrlPr>
@@ -8530,7 +8530,7 @@
                           <m:sSubPr>
                             <m:ctrlPr>
                               <a:rPr lang="en-US" sz="2000" b="0" i="1" smtClean="0">
-                                <a:latin typeface="Cambria Math" charset="0"/>
+                                <a:latin typeface="Cambria Math" panose="02040503050406030204" pitchFamily="18" charset="0"/>
                                 <a:cs typeface="Arial" panose="020B0604020202020204" pitchFamily="34" charset="0"/>
                               </a:rPr>
                             </m:ctrlPr>
@@ -8541,7 +8541,7 @@
                                 <m:chr m:val="⃗"/>
                                 <m:ctrlPr>
                                   <a:rPr lang="en-US" sz="2000" b="0" i="1" smtClean="0">
-                                    <a:latin typeface="Cambria Math" charset="0"/>
+                                    <a:latin typeface="Cambria Math" panose="02040503050406030204" pitchFamily="18" charset="0"/>
                                     <a:cs typeface="Arial" panose="020B0604020202020204" pitchFamily="34" charset="0"/>
                                   </a:rPr>
                                 </m:ctrlPr>
@@ -8666,7 +8666,7 @@
                                 <a:solidFill>
                                   <a:srgbClr val="FF0000"/>
                                 </a:solidFill>
-                                <a:latin typeface="Cambria Math" charset="0"/>
+                                <a:latin typeface="Cambria Math" panose="02040503050406030204" pitchFamily="18" charset="0"/>
                                 <a:cs typeface="Arial" panose="020B0604020202020204" pitchFamily="34" charset="0"/>
                               </a:rPr>
                             </m:ctrlPr>
@@ -8722,7 +8722,7 @@
                                 <a:solidFill>
                                   <a:srgbClr val="FF0000"/>
                                 </a:solidFill>
-                                <a:latin typeface="Cambria Math" charset="0"/>
+                                <a:latin typeface="Cambria Math" panose="02040503050406030204" pitchFamily="18" charset="0"/>
                                 <a:cs typeface="Arial" panose="020B0604020202020204" pitchFamily="34" charset="0"/>
                               </a:rPr>
                             </m:ctrlPr>
@@ -16906,7 +16906,7 @@
                             <m:chr m:val="⃗"/>
                             <m:ctrlPr>
                               <a:rPr lang="en-US" sz="2000" b="0" i="1" smtClean="0">
-                                <a:latin typeface="Cambria Math" charset="0"/>
+                                <a:latin typeface="Cambria Math" panose="02040503050406030204" pitchFamily="18" charset="0"/>
                                 <a:cs typeface="Arial" panose="020B0604020202020204" pitchFamily="34" charset="0"/>
                               </a:rPr>
                             </m:ctrlPr>
@@ -17084,7 +17084,7 @@
                             <m:chr m:val="⃗"/>
                             <m:ctrlPr>
                               <a:rPr lang="en-US" sz="2000" b="0" i="1" smtClean="0">
-                                <a:latin typeface="Cambria Math" charset="0"/>
+                                <a:latin typeface="Cambria Math" panose="02040503050406030204" pitchFamily="18" charset="0"/>
                                 <a:cs typeface="Arial" panose="020B0604020202020204" pitchFamily="34" charset="0"/>
                               </a:rPr>
                             </m:ctrlPr>
@@ -17539,7 +17539,7 @@
       </p:grpSpPr>
       <p:grpSp>
         <p:nvGrpSpPr>
-          <p:cNvPr id="29" name="Group 28"/>
+          <p:cNvPr id="3" name="Group 2"/>
           <p:cNvGrpSpPr/>
           <p:nvPr/>
         </p:nvGrpSpPr>
@@ -17553,392 +17553,1066 @@
         </p:grpSpPr>
         <p:grpSp>
           <p:nvGrpSpPr>
-            <p:cNvPr id="4" name="Group 3"/>
+            <p:cNvPr id="29" name="Group 28"/>
             <p:cNvGrpSpPr/>
             <p:nvPr/>
           </p:nvGrpSpPr>
           <p:grpSpPr>
             <a:xfrm>
-              <a:off x="3397461" y="1236295"/>
-              <a:ext cx="4409753" cy="2223849"/>
-              <a:chOff x="1100977" y="708040"/>
-              <a:chExt cx="4409753" cy="2223849"/>
+              <a:off x="3397461" y="710143"/>
+              <a:ext cx="4409753" cy="2750001"/>
+              <a:chOff x="3397461" y="710143"/>
+              <a:chExt cx="4409753" cy="2750001"/>
             </a:xfrm>
           </p:grpSpPr>
+          <p:cxnSp>
+            <p:nvCxnSpPr>
+              <p:cNvPr id="21" name="Straight Connector 20"/>
+              <p:cNvCxnSpPr/>
+              <p:nvPr/>
+            </p:nvCxnSpPr>
+            <p:spPr>
+              <a:xfrm flipV="1">
+                <a:off x="3785772" y="1979642"/>
+                <a:ext cx="1900418" cy="19991"/>
+              </a:xfrm>
+              <a:prstGeom prst="line">
+                <a:avLst/>
+              </a:prstGeom>
+              <a:ln w="38100">
+                <a:solidFill>
+                  <a:schemeClr val="tx1"/>
+                </a:solidFill>
+                <a:prstDash val="dash"/>
+              </a:ln>
+            </p:spPr>
+            <p:style>
+              <a:lnRef idx="1">
+                <a:schemeClr val="accent1"/>
+              </a:lnRef>
+              <a:fillRef idx="0">
+                <a:schemeClr val="accent1"/>
+              </a:fillRef>
+              <a:effectRef idx="0">
+                <a:schemeClr val="accent1"/>
+              </a:effectRef>
+              <a:fontRef idx="minor">
+                <a:schemeClr val="tx1"/>
+              </a:fontRef>
+            </p:style>
+          </p:cxnSp>
           <p:grpSp>
             <p:nvGrpSpPr>
-              <p:cNvPr id="5" name="Group 4"/>
+              <p:cNvPr id="4" name="Group 3"/>
               <p:cNvGrpSpPr/>
               <p:nvPr/>
             </p:nvGrpSpPr>
             <p:grpSpPr>
               <a:xfrm>
-                <a:off x="1100977" y="708040"/>
+                <a:off x="3397461" y="1236295"/>
                 <a:ext cx="4409753" cy="2223849"/>
-                <a:chOff x="1128272" y="680744"/>
+                <a:chOff x="1100977" y="708040"/>
                 <a:chExt cx="4409753" cy="2223849"/>
               </a:xfrm>
             </p:grpSpPr>
-            <p:cxnSp>
-              <p:nvCxnSpPr>
-                <p:cNvPr id="7" name="Straight Arrow Connector 6"/>
-                <p:cNvCxnSpPr/>
+            <p:grpSp>
+              <p:nvGrpSpPr>
+                <p:cNvPr id="5" name="Group 4"/>
+                <p:cNvGrpSpPr/>
                 <p:nvPr/>
-              </p:nvCxnSpPr>
+              </p:nvGrpSpPr>
+              <p:grpSpPr>
+                <a:xfrm>
+                  <a:off x="1100977" y="708040"/>
+                  <a:ext cx="4409753" cy="2223849"/>
+                  <a:chOff x="1128272" y="680744"/>
+                  <a:chExt cx="4409753" cy="2223849"/>
+                </a:xfrm>
+              </p:grpSpPr>
+              <p:cxnSp>
+                <p:nvCxnSpPr>
+                  <p:cNvPr id="7" name="Straight Arrow Connector 6"/>
+                  <p:cNvCxnSpPr/>
+                  <p:nvPr/>
+                </p:nvCxnSpPr>
+                <p:spPr>
+                  <a:xfrm flipV="1">
+                    <a:off x="1516583" y="680744"/>
+                    <a:ext cx="7684" cy="1859536"/>
+                  </a:xfrm>
+                  <a:prstGeom prst="straightConnector1">
+                    <a:avLst/>
+                  </a:prstGeom>
+                  <a:ln w="38100">
+                    <a:solidFill>
+                      <a:schemeClr val="tx1"/>
+                    </a:solidFill>
+                    <a:tailEnd type="triangle"/>
+                  </a:ln>
+                </p:spPr>
+                <p:style>
+                  <a:lnRef idx="1">
+                    <a:schemeClr val="accent1"/>
+                  </a:lnRef>
+                  <a:fillRef idx="0">
+                    <a:schemeClr val="accent1"/>
+                  </a:fillRef>
+                  <a:effectRef idx="0">
+                    <a:schemeClr val="accent1"/>
+                  </a:effectRef>
+                  <a:fontRef idx="minor">
+                    <a:schemeClr val="tx1"/>
+                  </a:fontRef>
+                </p:style>
+              </p:cxnSp>
+              <p:cxnSp>
+                <p:nvCxnSpPr>
+                  <p:cNvPr id="8" name="Straight Arrow Connector 7"/>
+                  <p:cNvCxnSpPr/>
+                  <p:nvPr/>
+                </p:nvCxnSpPr>
+                <p:spPr>
+                  <a:xfrm>
+                    <a:off x="1507013" y="2535261"/>
+                    <a:ext cx="4021442" cy="5019"/>
+                  </a:xfrm>
+                  <a:prstGeom prst="straightConnector1">
+                    <a:avLst/>
+                  </a:prstGeom>
+                  <a:ln w="38100">
+                    <a:solidFill>
+                      <a:schemeClr val="tx1"/>
+                    </a:solidFill>
+                    <a:tailEnd type="triangle"/>
+                  </a:ln>
+                </p:spPr>
+                <p:style>
+                  <a:lnRef idx="1">
+                    <a:schemeClr val="accent1"/>
+                  </a:lnRef>
+                  <a:fillRef idx="0">
+                    <a:schemeClr val="accent1"/>
+                  </a:fillRef>
+                  <a:effectRef idx="0">
+                    <a:schemeClr val="accent1"/>
+                  </a:effectRef>
+                  <a:fontRef idx="minor">
+                    <a:schemeClr val="tx1"/>
+                  </a:fontRef>
+                </p:style>
+              </p:cxnSp>
+              <mc:AlternateContent xmlns:mc="http://schemas.openxmlformats.org/markup-compatibility/2006" xmlns:a14="http://schemas.microsoft.com/office/drawing/2010/main">
+                <mc:Choice Requires="a14">
+                  <p:sp>
+                    <p:nvSpPr>
+                      <p:cNvPr id="9" name="Rectangle 8"/>
+                      <p:cNvSpPr/>
+                      <p:nvPr/>
+                    </p:nvSpPr>
+                    <p:spPr>
+                      <a:xfrm>
+                        <a:off x="5170040" y="2535261"/>
+                        <a:ext cx="367985" cy="369332"/>
+                      </a:xfrm>
+                      <a:prstGeom prst="rect">
+                        <a:avLst/>
+                      </a:prstGeom>
+                    </p:spPr>
+                    <p:txBody>
+                      <a:bodyPr wrap="none">
+                        <a:spAutoFit/>
+                      </a:bodyPr>
+                      <a:lstStyle/>
+                      <a:p>
+                        <a:pPr/>
+                        <a14:m>
+                          <m:oMathPara xmlns:m="http://schemas.openxmlformats.org/officeDocument/2006/math">
+                            <m:oMathParaPr>
+                              <m:jc m:val="centerGroup"/>
+                            </m:oMathParaPr>
+                            <m:oMath xmlns:m="http://schemas.openxmlformats.org/officeDocument/2006/math">
+                              <m:r>
+                                <a:rPr lang="en-US" i="1">
+                                  <a:latin typeface="Cambria Math" panose="02040503050406030204" pitchFamily="18" charset="0"/>
+                                  <a:cs typeface="Arial" panose="020B0604020202020204" pitchFamily="34" charset="0"/>
+                                </a:rPr>
+                                <m:t>𝑥</m:t>
+                              </m:r>
+                            </m:oMath>
+                          </m:oMathPara>
+                        </a14:m>
+                        <a:endParaRPr lang="en-CA" dirty="0"/>
+                      </a:p>
+                    </p:txBody>
+                  </p:sp>
+                </mc:Choice>
+                <mc:Fallback xmlns="">
+                  <p:sp>
+                    <p:nvSpPr>
+                      <p:cNvPr id="9" name="Rectangle 8"/>
+                      <p:cNvSpPr>
+                        <a:spLocks noRot="1" noChangeAspect="1" noMove="1" noResize="1" noEditPoints="1" noAdjustHandles="1" noChangeArrowheads="1" noChangeShapeType="1" noTextEdit="1"/>
+                      </p:cNvSpPr>
+                      <p:nvPr/>
+                    </p:nvSpPr>
+                    <p:spPr>
+                      <a:xfrm>
+                        <a:off x="5170040" y="2535261"/>
+                        <a:ext cx="367985" cy="369332"/>
+                      </a:xfrm>
+                      <a:prstGeom prst="rect">
+                        <a:avLst/>
+                      </a:prstGeom>
+                      <a:blipFill>
+                        <a:blip r:embed="rId2"/>
+                        <a:stretch>
+                          <a:fillRect/>
+                        </a:stretch>
+                      </a:blipFill>
+                    </p:spPr>
+                    <p:txBody>
+                      <a:bodyPr/>
+                      <a:lstStyle/>
+                      <a:p>
+                        <a:r>
+                          <a:rPr lang="en-US">
+                            <a:noFill/>
+                          </a:rPr>
+                          <a:t> </a:t>
+                        </a:r>
+                      </a:p>
+                    </p:txBody>
+                  </p:sp>
+                </mc:Fallback>
+              </mc:AlternateContent>
+              <mc:AlternateContent xmlns:mc="http://schemas.openxmlformats.org/markup-compatibility/2006" xmlns:a14="http://schemas.microsoft.com/office/drawing/2010/main">
+                <mc:Choice Requires="a14">
+                  <p:sp>
+                    <p:nvSpPr>
+                      <p:cNvPr id="10" name="Rectangle 9"/>
+                      <p:cNvSpPr/>
+                      <p:nvPr/>
+                    </p:nvSpPr>
+                    <p:spPr>
+                      <a:xfrm>
+                        <a:off x="1128272" y="1259416"/>
+                        <a:ext cx="390876" cy="369332"/>
+                      </a:xfrm>
+                      <a:prstGeom prst="rect">
+                        <a:avLst/>
+                      </a:prstGeom>
+                    </p:spPr>
+                    <p:txBody>
+                      <a:bodyPr wrap="none">
+                        <a:spAutoFit/>
+                      </a:bodyPr>
+                      <a:lstStyle/>
+                      <a:p>
+                        <a:pPr/>
+                        <a14:m>
+                          <m:oMathPara xmlns:m="http://schemas.openxmlformats.org/officeDocument/2006/math">
+                            <m:oMathParaPr>
+                              <m:jc m:val="centerGroup"/>
+                            </m:oMathParaPr>
+                            <m:oMath xmlns:m="http://schemas.openxmlformats.org/officeDocument/2006/math">
+                              <m:r>
+                                <a:rPr lang="en-US" b="0" i="1" smtClean="0">
+                                  <a:latin typeface="Cambria Math" panose="02040503050406030204" pitchFamily="18" charset="0"/>
+                                </a:rPr>
+                                <m:t>𝐸</m:t>
+                              </m:r>
+                            </m:oMath>
+                          </m:oMathPara>
+                        </a14:m>
+                        <a:endParaRPr lang="en-CA" dirty="0"/>
+                      </a:p>
+                    </p:txBody>
+                  </p:sp>
+                </mc:Choice>
+                <mc:Fallback xmlns="">
+                  <p:sp>
+                    <p:nvSpPr>
+                      <p:cNvPr id="10" name="Rectangle 9"/>
+                      <p:cNvSpPr>
+                        <a:spLocks noRot="1" noChangeAspect="1" noMove="1" noResize="1" noEditPoints="1" noAdjustHandles="1" noChangeArrowheads="1" noChangeShapeType="1" noTextEdit="1"/>
+                      </p:cNvSpPr>
+                      <p:nvPr/>
+                    </p:nvSpPr>
+                    <p:spPr>
+                      <a:xfrm>
+                        <a:off x="1128272" y="1259416"/>
+                        <a:ext cx="390876" cy="369332"/>
+                      </a:xfrm>
+                      <a:prstGeom prst="rect">
+                        <a:avLst/>
+                      </a:prstGeom>
+                      <a:blipFill>
+                        <a:blip r:embed="rId3"/>
+                        <a:stretch>
+                          <a:fillRect/>
+                        </a:stretch>
+                      </a:blipFill>
+                    </p:spPr>
+                    <p:txBody>
+                      <a:bodyPr/>
+                      <a:lstStyle/>
+                      <a:p>
+                        <a:r>
+                          <a:rPr lang="en-US">
+                            <a:noFill/>
+                          </a:rPr>
+                          <a:t> </a:t>
+                        </a:r>
+                      </a:p>
+                    </p:txBody>
+                  </p:sp>
+                </mc:Fallback>
+              </mc:AlternateContent>
+              <mc:AlternateContent xmlns:mc="http://schemas.openxmlformats.org/markup-compatibility/2006" xmlns:a14="http://schemas.microsoft.com/office/drawing/2010/main">
+                <mc:Choice Requires="a14">
+                  <p:sp>
+                    <p:nvSpPr>
+                      <p:cNvPr id="11" name="Rectangle 10"/>
+                      <p:cNvSpPr/>
+                      <p:nvPr/>
+                    </p:nvSpPr>
+                    <p:spPr>
+                      <a:xfrm>
+                        <a:off x="1205483" y="2447020"/>
+                        <a:ext cx="367985" cy="369332"/>
+                      </a:xfrm>
+                      <a:prstGeom prst="rect">
+                        <a:avLst/>
+                      </a:prstGeom>
+                    </p:spPr>
+                    <p:txBody>
+                      <a:bodyPr wrap="none">
+                        <a:spAutoFit/>
+                      </a:bodyPr>
+                      <a:lstStyle/>
+                      <a:p>
+                        <a:pPr/>
+                        <a14:m>
+                          <m:oMathPara xmlns:m="http://schemas.openxmlformats.org/officeDocument/2006/math">
+                            <m:oMathParaPr>
+                              <m:jc m:val="centerGroup"/>
+                            </m:oMathParaPr>
+                            <m:oMath xmlns:m="http://schemas.openxmlformats.org/officeDocument/2006/math">
+                              <m:r>
+                                <a:rPr lang="en-US" b="0" i="1" smtClean="0">
+                                  <a:latin typeface="Cambria Math" panose="02040503050406030204" pitchFamily="18" charset="0"/>
+                                  <a:cs typeface="Arial" panose="020B0604020202020204" pitchFamily="34" charset="0"/>
+                                </a:rPr>
+                                <m:t>0</m:t>
+                              </m:r>
+                            </m:oMath>
+                          </m:oMathPara>
+                        </a14:m>
+                        <a:endParaRPr lang="en-CA" dirty="0"/>
+                      </a:p>
+                    </p:txBody>
+                  </p:sp>
+                </mc:Choice>
+                <mc:Fallback xmlns="">
+                  <p:sp>
+                    <p:nvSpPr>
+                      <p:cNvPr id="14" name="Rectangle 13"/>
+                      <p:cNvSpPr>
+                        <a:spLocks noRot="1" noChangeAspect="1" noMove="1" noResize="1" noEditPoints="1" noAdjustHandles="1" noChangeArrowheads="1" noChangeShapeType="1" noTextEdit="1"/>
+                      </p:cNvSpPr>
+                      <p:nvPr/>
+                    </p:nvSpPr>
+                    <p:spPr>
+                      <a:xfrm>
+                        <a:off x="1205483" y="2447020"/>
+                        <a:ext cx="367985" cy="369332"/>
+                      </a:xfrm>
+                      <a:prstGeom prst="rect">
+                        <a:avLst/>
+                      </a:prstGeom>
+                      <a:blipFill rotWithShape="0">
+                        <a:blip r:embed="rId4"/>
+                        <a:stretch>
+                          <a:fillRect/>
+                        </a:stretch>
+                      </a:blipFill>
+                    </p:spPr>
+                    <p:txBody>
+                      <a:bodyPr/>
+                      <a:lstStyle/>
+                      <a:p>
+                        <a:r>
+                          <a:rPr lang="en-CA">
+                            <a:noFill/>
+                          </a:rPr>
+                          <a:t> </a:t>
+                        </a:r>
+                      </a:p>
+                    </p:txBody>
+                  </p:sp>
+                </mc:Fallback>
+              </mc:AlternateContent>
+            </p:grpSp>
+            <p:sp>
+              <p:nvSpPr>
+                <p:cNvPr id="6" name="Rectangle 5"/>
+                <p:cNvSpPr/>
+                <p:nvPr/>
+              </p:nvSpPr>
               <p:spPr>
-                <a:xfrm flipV="1">
-                  <a:off x="1516583" y="680744"/>
-                  <a:ext cx="7684" cy="1859536"/>
+                <a:xfrm>
+                  <a:off x="1129904" y="1614682"/>
+                  <a:ext cx="184731" cy="369332"/>
                 </a:xfrm>
-                <a:prstGeom prst="straightConnector1">
+                <a:prstGeom prst="rect">
                   <a:avLst/>
                 </a:prstGeom>
-                <a:ln w="38100">
-                  <a:solidFill>
-                    <a:schemeClr val="tx1"/>
-                  </a:solidFill>
-                  <a:tailEnd type="triangle"/>
-                </a:ln>
               </p:spPr>
-              <p:style>
-                <a:lnRef idx="1">
-                  <a:schemeClr val="accent1"/>
-                </a:lnRef>
-                <a:fillRef idx="0">
-                  <a:schemeClr val="accent1"/>
-                </a:fillRef>
-                <a:effectRef idx="0">
-                  <a:schemeClr val="accent1"/>
-                </a:effectRef>
-                <a:fontRef idx="minor">
-                  <a:schemeClr val="tx1"/>
-                </a:fontRef>
-              </p:style>
-            </p:cxnSp>
-            <p:cxnSp>
-              <p:nvCxnSpPr>
-                <p:cNvPr id="8" name="Straight Arrow Connector 7"/>
-                <p:cNvCxnSpPr/>
-                <p:nvPr/>
-              </p:nvCxnSpPr>
-              <p:spPr>
-                <a:xfrm>
-                  <a:off x="1507013" y="2535261"/>
-                  <a:ext cx="4021442" cy="5019"/>
-                </a:xfrm>
-                <a:prstGeom prst="straightConnector1">
-                  <a:avLst/>
-                </a:prstGeom>
-                <a:ln w="38100">
-                  <a:solidFill>
-                    <a:schemeClr val="tx1"/>
-                  </a:solidFill>
-                  <a:tailEnd type="triangle"/>
-                </a:ln>
-              </p:spPr>
-              <p:style>
-                <a:lnRef idx="1">
-                  <a:schemeClr val="accent1"/>
-                </a:lnRef>
-                <a:fillRef idx="0">
-                  <a:schemeClr val="accent1"/>
-                </a:fillRef>
-                <a:effectRef idx="0">
-                  <a:schemeClr val="accent1"/>
-                </a:effectRef>
-                <a:fontRef idx="minor">
-                  <a:schemeClr val="tx1"/>
-                </a:fontRef>
-              </p:style>
-            </p:cxnSp>
-            <mc:AlternateContent xmlns:mc="http://schemas.openxmlformats.org/markup-compatibility/2006" xmlns:a14="http://schemas.microsoft.com/office/drawing/2010/main">
-              <mc:Choice Requires="a14">
-                <p:sp>
-                  <p:nvSpPr>
-                    <p:cNvPr id="9" name="Rectangle 8"/>
-                    <p:cNvSpPr/>
-                    <p:nvPr/>
-                  </p:nvSpPr>
-                  <p:spPr>
-                    <a:xfrm>
-                      <a:off x="5170040" y="2535261"/>
-                      <a:ext cx="367985" cy="369332"/>
-                    </a:xfrm>
-                    <a:prstGeom prst="rect">
-                      <a:avLst/>
-                    </a:prstGeom>
-                  </p:spPr>
-                  <p:txBody>
-                    <a:bodyPr wrap="none">
-                      <a:spAutoFit/>
-                    </a:bodyPr>
-                    <a:lstStyle/>
-                    <a:p>
-                      <a:pPr/>
-                      <a14:m>
-                        <m:oMathPara xmlns:m="http://schemas.openxmlformats.org/officeDocument/2006/math">
-                          <m:oMathParaPr>
-                            <m:jc m:val="centerGroup"/>
-                          </m:oMathParaPr>
-                          <m:oMath xmlns:m="http://schemas.openxmlformats.org/officeDocument/2006/math">
-                            <m:r>
-                              <a:rPr lang="en-US" i="1">
-                                <a:latin typeface="Cambria Math" panose="02040503050406030204" pitchFamily="18" charset="0"/>
-                                <a:cs typeface="Arial" panose="020B0604020202020204" pitchFamily="34" charset="0"/>
-                              </a:rPr>
-                              <m:t>𝑥</m:t>
-                            </m:r>
-                          </m:oMath>
-                        </m:oMathPara>
-                      </a14:m>
-                      <a:endParaRPr lang="en-CA" dirty="0"/>
-                    </a:p>
-                  </p:txBody>
-                </p:sp>
-              </mc:Choice>
-              <mc:Fallback xmlns="">
-                <p:sp>
-                  <p:nvSpPr>
-                    <p:cNvPr id="9" name="Rectangle 8"/>
-                    <p:cNvSpPr>
-                      <a:spLocks noRot="1" noChangeAspect="1" noMove="1" noResize="1" noEditPoints="1" noAdjustHandles="1" noChangeArrowheads="1" noChangeShapeType="1" noTextEdit="1"/>
-                    </p:cNvSpPr>
-                    <p:nvPr/>
-                  </p:nvSpPr>
-                  <p:spPr>
-                    <a:xfrm>
-                      <a:off x="5170040" y="2535261"/>
-                      <a:ext cx="367985" cy="369332"/>
-                    </a:xfrm>
-                    <a:prstGeom prst="rect">
-                      <a:avLst/>
-                    </a:prstGeom>
-                    <a:blipFill>
-                      <a:blip r:embed="rId2"/>
-                      <a:stretch>
-                        <a:fillRect/>
-                      </a:stretch>
-                    </a:blipFill>
-                  </p:spPr>
-                  <p:txBody>
-                    <a:bodyPr/>
-                    <a:lstStyle/>
-                    <a:p>
-                      <a:r>
-                        <a:rPr lang="en-US">
-                          <a:noFill/>
-                        </a:rPr>
-                        <a:t> </a:t>
-                      </a:r>
-                    </a:p>
-                  </p:txBody>
-                </p:sp>
-              </mc:Fallback>
-            </mc:AlternateContent>
-            <mc:AlternateContent xmlns:mc="http://schemas.openxmlformats.org/markup-compatibility/2006" xmlns:a14="http://schemas.microsoft.com/office/drawing/2010/main">
-              <mc:Choice Requires="a14">
-                <p:sp>
-                  <p:nvSpPr>
-                    <p:cNvPr id="10" name="Rectangle 9"/>
-                    <p:cNvSpPr/>
-                    <p:nvPr/>
-                  </p:nvSpPr>
-                  <p:spPr>
-                    <a:xfrm>
-                      <a:off x="1128272" y="1259416"/>
-                      <a:ext cx="390876" cy="369332"/>
-                    </a:xfrm>
-                    <a:prstGeom prst="rect">
-                      <a:avLst/>
-                    </a:prstGeom>
-                  </p:spPr>
-                  <p:txBody>
-                    <a:bodyPr wrap="none">
-                      <a:spAutoFit/>
-                    </a:bodyPr>
-                    <a:lstStyle/>
-                    <a:p>
-                      <a:pPr/>
-                      <a14:m>
-                        <m:oMathPara xmlns:m="http://schemas.openxmlformats.org/officeDocument/2006/math">
-                          <m:oMathParaPr>
-                            <m:jc m:val="centerGroup"/>
-                          </m:oMathParaPr>
-                          <m:oMath xmlns:m="http://schemas.openxmlformats.org/officeDocument/2006/math">
-                            <m:r>
-                              <a:rPr lang="en-US" b="0" i="1" smtClean="0">
-                                <a:latin typeface="Cambria Math" panose="02040503050406030204" pitchFamily="18" charset="0"/>
-                              </a:rPr>
-                              <m:t>𝐸</m:t>
-                            </m:r>
-                          </m:oMath>
-                        </m:oMathPara>
-                      </a14:m>
-                      <a:endParaRPr lang="en-CA" dirty="0"/>
-                    </a:p>
-                  </p:txBody>
-                </p:sp>
-              </mc:Choice>
-              <mc:Fallback xmlns="">
-                <p:sp>
-                  <p:nvSpPr>
-                    <p:cNvPr id="10" name="Rectangle 9"/>
-                    <p:cNvSpPr>
-                      <a:spLocks noRot="1" noChangeAspect="1" noMove="1" noResize="1" noEditPoints="1" noAdjustHandles="1" noChangeArrowheads="1" noChangeShapeType="1" noTextEdit="1"/>
-                    </p:cNvSpPr>
-                    <p:nvPr/>
-                  </p:nvSpPr>
-                  <p:spPr>
-                    <a:xfrm>
-                      <a:off x="1128272" y="1259416"/>
-                      <a:ext cx="390876" cy="369332"/>
-                    </a:xfrm>
-                    <a:prstGeom prst="rect">
-                      <a:avLst/>
-                    </a:prstGeom>
-                    <a:blipFill>
-                      <a:blip r:embed="rId3"/>
-                      <a:stretch>
-                        <a:fillRect/>
-                      </a:stretch>
-                    </a:blipFill>
-                  </p:spPr>
-                  <p:txBody>
-                    <a:bodyPr/>
-                    <a:lstStyle/>
-                    <a:p>
-                      <a:r>
-                        <a:rPr lang="en-US">
-                          <a:noFill/>
-                        </a:rPr>
-                        <a:t> </a:t>
-                      </a:r>
-                    </a:p>
-                  </p:txBody>
-                </p:sp>
-              </mc:Fallback>
-            </mc:AlternateContent>
-            <mc:AlternateContent xmlns:mc="http://schemas.openxmlformats.org/markup-compatibility/2006" xmlns:a14="http://schemas.microsoft.com/office/drawing/2010/main">
-              <mc:Choice Requires="a14">
-                <p:sp>
-                  <p:nvSpPr>
-                    <p:cNvPr id="11" name="Rectangle 10"/>
-                    <p:cNvSpPr/>
-                    <p:nvPr/>
-                  </p:nvSpPr>
-                  <p:spPr>
-                    <a:xfrm>
-                      <a:off x="1205483" y="2447020"/>
-                      <a:ext cx="367985" cy="369332"/>
-                    </a:xfrm>
-                    <a:prstGeom prst="rect">
-                      <a:avLst/>
-                    </a:prstGeom>
-                  </p:spPr>
-                  <p:txBody>
-                    <a:bodyPr wrap="none">
-                      <a:spAutoFit/>
-                    </a:bodyPr>
-                    <a:lstStyle/>
-                    <a:p>
-                      <a:pPr/>
-                      <a14:m>
-                        <m:oMathPara xmlns:m="http://schemas.openxmlformats.org/officeDocument/2006/math">
-                          <m:oMathParaPr>
-                            <m:jc m:val="centerGroup"/>
-                          </m:oMathParaPr>
-                          <m:oMath xmlns:m="http://schemas.openxmlformats.org/officeDocument/2006/math">
-                            <m:r>
-                              <a:rPr lang="en-US" b="0" i="1" smtClean="0">
-                                <a:latin typeface="Cambria Math" panose="02040503050406030204" pitchFamily="18" charset="0"/>
-                                <a:cs typeface="Arial" panose="020B0604020202020204" pitchFamily="34" charset="0"/>
-                              </a:rPr>
-                              <m:t>0</m:t>
-                            </m:r>
-                          </m:oMath>
-                        </m:oMathPara>
-                      </a14:m>
-                      <a:endParaRPr lang="en-CA" dirty="0"/>
-                    </a:p>
-                  </p:txBody>
-                </p:sp>
-              </mc:Choice>
-              <mc:Fallback xmlns="">
-                <p:sp>
-                  <p:nvSpPr>
-                    <p:cNvPr id="14" name="Rectangle 13"/>
-                    <p:cNvSpPr>
-                      <a:spLocks noRot="1" noChangeAspect="1" noMove="1" noResize="1" noEditPoints="1" noAdjustHandles="1" noChangeArrowheads="1" noChangeShapeType="1" noTextEdit="1"/>
-                    </p:cNvSpPr>
-                    <p:nvPr/>
-                  </p:nvSpPr>
-                  <p:spPr>
-                    <a:xfrm>
-                      <a:off x="1205483" y="2447020"/>
-                      <a:ext cx="367985" cy="369332"/>
-                    </a:xfrm>
-                    <a:prstGeom prst="rect">
-                      <a:avLst/>
-                    </a:prstGeom>
-                    <a:blipFill rotWithShape="0">
-                      <a:blip r:embed="rId4"/>
-                      <a:stretch>
-                        <a:fillRect/>
-                      </a:stretch>
-                    </a:blipFill>
-                  </p:spPr>
-                  <p:txBody>
-                    <a:bodyPr/>
-                    <a:lstStyle/>
-                    <a:p>
-                      <a:r>
-                        <a:rPr lang="en-CA">
-                          <a:noFill/>
-                        </a:rPr>
-                        <a:t> </a:t>
-                      </a:r>
-                    </a:p>
-                  </p:txBody>
-                </p:sp>
-              </mc:Fallback>
-            </mc:AlternateContent>
+              <p:txBody>
+                <a:bodyPr wrap="none">
+                  <a:spAutoFit/>
+                </a:bodyPr>
+                <a:lstStyle/>
+                <a:p>
+                  <a:endParaRPr lang="en-CA" dirty="0"/>
+                </a:p>
+              </p:txBody>
+            </p:sp>
           </p:grpSp>
           <p:sp>
             <p:nvSpPr>
-              <p:cNvPr id="6" name="Rectangle 5"/>
+              <p:cNvPr id="14" name="Oval 13"/>
               <p:cNvSpPr/>
               <p:nvPr/>
             </p:nvSpPr>
             <p:spPr>
               <a:xfrm>
-                <a:off x="1129904" y="1614682"/>
-                <a:ext cx="184731" cy="369332"/>
+                <a:off x="5482406" y="1870624"/>
+                <a:ext cx="208243" cy="206216"/>
               </a:xfrm>
-              <a:prstGeom prst="rect">
+              <a:prstGeom prst="ellipse">
                 <a:avLst/>
               </a:prstGeom>
+              <a:solidFill>
+                <a:srgbClr val="FF0000"/>
+              </a:solidFill>
+              <a:ln w="38100">
+                <a:solidFill>
+                  <a:schemeClr val="tx1"/>
+                </a:solidFill>
+              </a:ln>
             </p:spPr>
+            <p:style>
+              <a:lnRef idx="2">
+                <a:schemeClr val="accent1">
+                  <a:shade val="50000"/>
+                </a:schemeClr>
+              </a:lnRef>
+              <a:fillRef idx="1">
+                <a:schemeClr val="accent1"/>
+              </a:fillRef>
+              <a:effectRef idx="0">
+                <a:schemeClr val="accent1"/>
+              </a:effectRef>
+              <a:fontRef idx="minor">
+                <a:schemeClr val="lt1"/>
+              </a:fontRef>
+            </p:style>
             <p:txBody>
-              <a:bodyPr wrap="none">
-                <a:spAutoFit/>
-              </a:bodyPr>
+              <a:bodyPr rtlCol="0" anchor="ctr"/>
               <a:lstStyle/>
               <a:p>
-                <a:endParaRPr lang="en-CA" dirty="0"/>
+                <a:pPr algn="ctr"/>
+                <a:endParaRPr lang="en-US" dirty="0"/>
+              </a:p>
+            </p:txBody>
+          </p:sp>
+          <mc:AlternateContent xmlns:mc="http://schemas.openxmlformats.org/markup-compatibility/2006" xmlns:a14="http://schemas.microsoft.com/office/drawing/2010/main">
+            <mc:Choice Requires="a14">
+              <p:sp>
+                <p:nvSpPr>
+                  <p:cNvPr id="15" name="TextBox 14"/>
+                  <p:cNvSpPr txBox="1"/>
+                  <p:nvPr/>
+                </p:nvSpPr>
+                <p:spPr>
+                  <a:xfrm>
+                    <a:off x="4282760" y="2490661"/>
+                    <a:ext cx="234936" cy="307777"/>
+                  </a:xfrm>
+                  <a:prstGeom prst="rect">
+                    <a:avLst/>
+                  </a:prstGeom>
+                  <a:noFill/>
+                </p:spPr>
+                <p:txBody>
+                  <a:bodyPr wrap="none" lIns="0" tIns="0" rIns="0" bIns="0" rtlCol="0">
+                    <a:spAutoFit/>
+                  </a:bodyPr>
+                  <a:lstStyle/>
+                  <a:p>
+                    <a:pPr/>
+                    <a14:m>
+                      <m:oMathPara xmlns:m="http://schemas.openxmlformats.org/officeDocument/2006/math">
+                        <m:oMathParaPr>
+                          <m:jc m:val="centerGroup"/>
+                        </m:oMathParaPr>
+                        <m:oMath xmlns:m="http://schemas.openxmlformats.org/officeDocument/2006/math">
+                          <m:r>
+                            <a:rPr lang="en-US" sz="2000" b="0" i="1" smtClean="0">
+                              <a:latin typeface="Cambria Math" panose="02040503050406030204" pitchFamily="18" charset="0"/>
+                              <a:cs typeface="Arial" panose="020B0604020202020204" pitchFamily="34" charset="0"/>
+                            </a:rPr>
+                            <m:t>𝐴</m:t>
+                          </m:r>
+                        </m:oMath>
+                      </m:oMathPara>
+                    </a14:m>
+                    <a:endParaRPr lang="en-US" sz="2000" dirty="0" smtClean="0">
+                      <a:latin typeface="Arial" panose="020B0604020202020204" pitchFamily="34" charset="0"/>
+                      <a:cs typeface="Arial" panose="020B0604020202020204" pitchFamily="34" charset="0"/>
+                    </a:endParaRPr>
+                  </a:p>
+                </p:txBody>
+              </p:sp>
+            </mc:Choice>
+            <mc:Fallback xmlns="">
+              <p:sp>
+                <p:nvSpPr>
+                  <p:cNvPr id="15" name="TextBox 14"/>
+                  <p:cNvSpPr txBox="1">
+                    <a:spLocks noRot="1" noChangeAspect="1" noMove="1" noResize="1" noEditPoints="1" noAdjustHandles="1" noChangeArrowheads="1" noChangeShapeType="1" noTextEdit="1"/>
+                  </p:cNvSpPr>
+                  <p:nvPr/>
+                </p:nvSpPr>
+                <p:spPr>
+                  <a:xfrm>
+                    <a:off x="4282760" y="2490661"/>
+                    <a:ext cx="234936" cy="307777"/>
+                  </a:xfrm>
+                  <a:prstGeom prst="rect">
+                    <a:avLst/>
+                  </a:prstGeom>
+                  <a:blipFill>
+                    <a:blip r:embed="rId5"/>
+                    <a:stretch>
+                      <a:fillRect l="-23684" r="-23684" b="-10000"/>
+                    </a:stretch>
+                  </a:blipFill>
+                </p:spPr>
+                <p:txBody>
+                  <a:bodyPr/>
+                  <a:lstStyle/>
+                  <a:p>
+                    <a:r>
+                      <a:rPr lang="en-US">
+                        <a:noFill/>
+                      </a:rPr>
+                      <a:t> </a:t>
+                    </a:r>
+                  </a:p>
+                </p:txBody>
+              </p:sp>
+            </mc:Fallback>
+          </mc:AlternateContent>
+          <mc:AlternateContent xmlns:mc="http://schemas.openxmlformats.org/markup-compatibility/2006" xmlns:a14="http://schemas.microsoft.com/office/drawing/2010/main">
+            <mc:Choice Requires="a14">
+              <p:sp>
+                <p:nvSpPr>
+                  <p:cNvPr id="16" name="TextBox 15"/>
+                  <p:cNvSpPr txBox="1"/>
+                  <p:nvPr/>
+                </p:nvSpPr>
+                <p:spPr>
+                  <a:xfrm>
+                    <a:off x="4780859" y="1566897"/>
+                    <a:ext cx="245708" cy="307777"/>
+                  </a:xfrm>
+                  <a:prstGeom prst="rect">
+                    <a:avLst/>
+                  </a:prstGeom>
+                  <a:noFill/>
+                </p:spPr>
+                <p:txBody>
+                  <a:bodyPr wrap="none" lIns="0" tIns="0" rIns="0" bIns="0" rtlCol="0">
+                    <a:spAutoFit/>
+                  </a:bodyPr>
+                  <a:lstStyle/>
+                  <a:p>
+                    <a:pPr/>
+                    <a14:m>
+                      <m:oMathPara xmlns:m="http://schemas.openxmlformats.org/officeDocument/2006/math">
+                        <m:oMathParaPr>
+                          <m:jc m:val="centerGroup"/>
+                        </m:oMathParaPr>
+                        <m:oMath xmlns:m="http://schemas.openxmlformats.org/officeDocument/2006/math">
+                          <m:r>
+                            <a:rPr lang="en-US" sz="2000" b="0" i="1" smtClean="0">
+                              <a:latin typeface="Cambria Math" panose="02040503050406030204" pitchFamily="18" charset="0"/>
+                              <a:cs typeface="Arial" panose="020B0604020202020204" pitchFamily="34" charset="0"/>
+                            </a:rPr>
+                            <m:t>𝐵</m:t>
+                          </m:r>
+                        </m:oMath>
+                      </m:oMathPara>
+                    </a14:m>
+                    <a:endParaRPr lang="en-US" sz="2000" dirty="0" smtClean="0">
+                      <a:latin typeface="Arial" panose="020B0604020202020204" pitchFamily="34" charset="0"/>
+                      <a:cs typeface="Arial" panose="020B0604020202020204" pitchFamily="34" charset="0"/>
+                    </a:endParaRPr>
+                  </a:p>
+                </p:txBody>
+              </p:sp>
+            </mc:Choice>
+            <mc:Fallback xmlns="">
+              <p:sp>
+                <p:nvSpPr>
+                  <p:cNvPr id="16" name="TextBox 15"/>
+                  <p:cNvSpPr txBox="1">
+                    <a:spLocks noRot="1" noChangeAspect="1" noMove="1" noResize="1" noEditPoints="1" noAdjustHandles="1" noChangeArrowheads="1" noChangeShapeType="1" noTextEdit="1"/>
+                  </p:cNvSpPr>
+                  <p:nvPr/>
+                </p:nvSpPr>
+                <p:spPr>
+                  <a:xfrm>
+                    <a:off x="4780859" y="1566897"/>
+                    <a:ext cx="245708" cy="307777"/>
+                  </a:xfrm>
+                  <a:prstGeom prst="rect">
+                    <a:avLst/>
+                  </a:prstGeom>
+                  <a:blipFill>
+                    <a:blip r:embed="rId6"/>
+                    <a:stretch>
+                      <a:fillRect l="-19512" r="-19512" b="-9804"/>
+                    </a:stretch>
+                  </a:blipFill>
+                </p:spPr>
+                <p:txBody>
+                  <a:bodyPr/>
+                  <a:lstStyle/>
+                  <a:p>
+                    <a:r>
+                      <a:rPr lang="en-US">
+                        <a:noFill/>
+                      </a:rPr>
+                      <a:t> </a:t>
+                    </a:r>
+                  </a:p>
+                </p:txBody>
+              </p:sp>
+            </mc:Fallback>
+          </mc:AlternateContent>
+          <mc:AlternateContent xmlns:mc="http://schemas.openxmlformats.org/markup-compatibility/2006" xmlns:a14="http://schemas.microsoft.com/office/drawing/2010/main">
+            <mc:Choice Requires="a14">
+              <p:sp>
+                <p:nvSpPr>
+                  <p:cNvPr id="17" name="TextBox 16"/>
+                  <p:cNvSpPr txBox="1"/>
+                  <p:nvPr/>
+                </p:nvSpPr>
+                <p:spPr>
+                  <a:xfrm>
+                    <a:off x="5195342" y="2490661"/>
+                    <a:ext cx="234102" cy="307777"/>
+                  </a:xfrm>
+                  <a:prstGeom prst="rect">
+                    <a:avLst/>
+                  </a:prstGeom>
+                  <a:noFill/>
+                </p:spPr>
+                <p:txBody>
+                  <a:bodyPr wrap="none" lIns="0" tIns="0" rIns="0" bIns="0" rtlCol="0">
+                    <a:spAutoFit/>
+                  </a:bodyPr>
+                  <a:lstStyle/>
+                  <a:p>
+                    <a:pPr/>
+                    <a14:m>
+                      <m:oMathPara xmlns:m="http://schemas.openxmlformats.org/officeDocument/2006/math">
+                        <m:oMathParaPr>
+                          <m:jc m:val="centerGroup"/>
+                        </m:oMathParaPr>
+                        <m:oMath xmlns:m="http://schemas.openxmlformats.org/officeDocument/2006/math">
+                          <m:r>
+                            <a:rPr lang="en-US" sz="2000" b="0" i="1" smtClean="0">
+                              <a:latin typeface="Cambria Math" panose="02040503050406030204" pitchFamily="18" charset="0"/>
+                              <a:cs typeface="Arial" panose="020B0604020202020204" pitchFamily="34" charset="0"/>
+                            </a:rPr>
+                            <m:t>𝐶</m:t>
+                          </m:r>
+                        </m:oMath>
+                      </m:oMathPara>
+                    </a14:m>
+                    <a:endParaRPr lang="en-US" sz="2000" dirty="0" smtClean="0">
+                      <a:latin typeface="Arial" panose="020B0604020202020204" pitchFamily="34" charset="0"/>
+                      <a:cs typeface="Arial" panose="020B0604020202020204" pitchFamily="34" charset="0"/>
+                    </a:endParaRPr>
+                  </a:p>
+                </p:txBody>
+              </p:sp>
+            </mc:Choice>
+            <mc:Fallback xmlns="">
+              <p:sp>
+                <p:nvSpPr>
+                  <p:cNvPr id="17" name="TextBox 16"/>
+                  <p:cNvSpPr txBox="1">
+                    <a:spLocks noRot="1" noChangeAspect="1" noMove="1" noResize="1" noEditPoints="1" noAdjustHandles="1" noChangeArrowheads="1" noChangeShapeType="1" noTextEdit="1"/>
+                  </p:cNvSpPr>
+                  <p:nvPr/>
+                </p:nvSpPr>
+                <p:spPr>
+                  <a:xfrm>
+                    <a:off x="5195342" y="2490661"/>
+                    <a:ext cx="234102" cy="307777"/>
+                  </a:xfrm>
+                  <a:prstGeom prst="rect">
+                    <a:avLst/>
+                  </a:prstGeom>
+                  <a:blipFill>
+                    <a:blip r:embed="rId7"/>
+                    <a:stretch>
+                      <a:fillRect l="-20513" r="-17949" b="-10000"/>
+                    </a:stretch>
+                  </a:blipFill>
+                </p:spPr>
+                <p:txBody>
+                  <a:bodyPr/>
+                  <a:lstStyle/>
+                  <a:p>
+                    <a:r>
+                      <a:rPr lang="en-US">
+                        <a:noFill/>
+                      </a:rPr>
+                      <a:t> </a:t>
+                    </a:r>
+                  </a:p>
+                </p:txBody>
+              </p:sp>
+            </mc:Fallback>
+          </mc:AlternateContent>
+          <mc:AlternateContent xmlns:mc="http://schemas.openxmlformats.org/markup-compatibility/2006" xmlns:a14="http://schemas.microsoft.com/office/drawing/2010/main">
+            <mc:Choice Requires="a14">
+              <p:sp>
+                <p:nvSpPr>
+                  <p:cNvPr id="18" name="TextBox 17"/>
+                  <p:cNvSpPr txBox="1"/>
+                  <p:nvPr/>
+                </p:nvSpPr>
+                <p:spPr>
+                  <a:xfrm>
+                    <a:off x="6119970" y="710143"/>
+                    <a:ext cx="255968" cy="307777"/>
+                  </a:xfrm>
+                  <a:prstGeom prst="rect">
+                    <a:avLst/>
+                  </a:prstGeom>
+                  <a:noFill/>
+                </p:spPr>
+                <p:txBody>
+                  <a:bodyPr wrap="none" lIns="0" tIns="0" rIns="0" bIns="0" rtlCol="0">
+                    <a:spAutoFit/>
+                  </a:bodyPr>
+                  <a:lstStyle/>
+                  <a:p>
+                    <a:pPr/>
+                    <a14:m>
+                      <m:oMathPara xmlns:m="http://schemas.openxmlformats.org/officeDocument/2006/math">
+                        <m:oMathParaPr>
+                          <m:jc m:val="centerGroup"/>
+                        </m:oMathParaPr>
+                        <m:oMath xmlns:m="http://schemas.openxmlformats.org/officeDocument/2006/math">
+                          <m:r>
+                            <a:rPr lang="en-US" sz="2000" b="0" i="1" smtClean="0">
+                              <a:latin typeface="Cambria Math" panose="02040503050406030204" pitchFamily="18" charset="0"/>
+                              <a:cs typeface="Arial" panose="020B0604020202020204" pitchFamily="34" charset="0"/>
+                            </a:rPr>
+                            <m:t>𝐷</m:t>
+                          </m:r>
+                        </m:oMath>
+                      </m:oMathPara>
+                    </a14:m>
+                    <a:endParaRPr lang="en-US" sz="2000" dirty="0" smtClean="0">
+                      <a:latin typeface="Arial" panose="020B0604020202020204" pitchFamily="34" charset="0"/>
+                      <a:cs typeface="Arial" panose="020B0604020202020204" pitchFamily="34" charset="0"/>
+                    </a:endParaRPr>
+                  </a:p>
+                </p:txBody>
+              </p:sp>
+            </mc:Choice>
+            <mc:Fallback xmlns="">
+              <p:sp>
+                <p:nvSpPr>
+                  <p:cNvPr id="18" name="TextBox 17"/>
+                  <p:cNvSpPr txBox="1">
+                    <a:spLocks noRot="1" noChangeAspect="1" noMove="1" noResize="1" noEditPoints="1" noAdjustHandles="1" noChangeArrowheads="1" noChangeShapeType="1" noTextEdit="1"/>
+                  </p:cNvSpPr>
+                  <p:nvPr/>
+                </p:nvSpPr>
+                <p:spPr>
+                  <a:xfrm>
+                    <a:off x="6119970" y="710143"/>
+                    <a:ext cx="255968" cy="307777"/>
+                  </a:xfrm>
+                  <a:prstGeom prst="rect">
+                    <a:avLst/>
+                  </a:prstGeom>
+                  <a:blipFill>
+                    <a:blip r:embed="rId8"/>
+                    <a:stretch>
+                      <a:fillRect l="-21429" r="-16667" b="-9804"/>
+                    </a:stretch>
+                  </a:blipFill>
+                </p:spPr>
+                <p:txBody>
+                  <a:bodyPr/>
+                  <a:lstStyle/>
+                  <a:p>
+                    <a:r>
+                      <a:rPr lang="en-US">
+                        <a:noFill/>
+                      </a:rPr>
+                      <a:t> </a:t>
+                    </a:r>
+                  </a:p>
+                </p:txBody>
+              </p:sp>
+            </mc:Fallback>
+          </mc:AlternateContent>
+          <mc:AlternateContent xmlns:mc="http://schemas.openxmlformats.org/markup-compatibility/2006" xmlns:a14="http://schemas.microsoft.com/office/drawing/2010/main">
+            <mc:Choice Requires="a14">
+              <p:sp>
+                <p:nvSpPr>
+                  <p:cNvPr id="19" name="TextBox 18"/>
+                  <p:cNvSpPr txBox="1"/>
+                  <p:nvPr/>
+                </p:nvSpPr>
+                <p:spPr>
+                  <a:xfrm>
+                    <a:off x="7135492" y="2030410"/>
+                    <a:ext cx="607474" cy="307777"/>
+                  </a:xfrm>
+                  <a:prstGeom prst="rect">
+                    <a:avLst/>
+                  </a:prstGeom>
+                  <a:noFill/>
+                </p:spPr>
+                <p:txBody>
+                  <a:bodyPr wrap="none" lIns="0" tIns="0" rIns="0" bIns="0" rtlCol="0">
+                    <a:spAutoFit/>
+                  </a:bodyPr>
+                  <a:lstStyle/>
+                  <a:p>
+                    <a:pPr/>
+                    <a14:m>
+                      <m:oMathPara xmlns:m="http://schemas.openxmlformats.org/officeDocument/2006/math">
+                        <m:oMathParaPr>
+                          <m:jc m:val="centerGroup"/>
+                        </m:oMathParaPr>
+                        <m:oMath xmlns:m="http://schemas.openxmlformats.org/officeDocument/2006/math">
+                          <m:r>
+                            <a:rPr lang="en-US" sz="2000" b="0" i="1" smtClean="0">
+                              <a:latin typeface="Cambria Math" panose="02040503050406030204" pitchFamily="18" charset="0"/>
+                              <a:cs typeface="Arial" panose="020B0604020202020204" pitchFamily="34" charset="0"/>
+                            </a:rPr>
+                            <m:t>𝑈</m:t>
+                          </m:r>
+                          <m:r>
+                            <a:rPr lang="en-US" sz="2000" b="0" i="1" smtClean="0">
+                              <a:latin typeface="Cambria Math" panose="02040503050406030204" pitchFamily="18" charset="0"/>
+                              <a:cs typeface="Arial" panose="020B0604020202020204" pitchFamily="34" charset="0"/>
+                            </a:rPr>
+                            <m:t>(</m:t>
+                          </m:r>
+                          <m:r>
+                            <a:rPr lang="en-US" sz="2000" b="0" i="1" smtClean="0">
+                              <a:latin typeface="Cambria Math" panose="02040503050406030204" pitchFamily="18" charset="0"/>
+                              <a:cs typeface="Arial" panose="020B0604020202020204" pitchFamily="34" charset="0"/>
+                            </a:rPr>
+                            <m:t>𝑥</m:t>
+                          </m:r>
+                          <m:r>
+                            <a:rPr lang="en-US" sz="2000" b="0" i="1" smtClean="0">
+                              <a:latin typeface="Cambria Math" panose="02040503050406030204" pitchFamily="18" charset="0"/>
+                              <a:cs typeface="Arial" panose="020B0604020202020204" pitchFamily="34" charset="0"/>
+                            </a:rPr>
+                            <m:t>)</m:t>
+                          </m:r>
+                        </m:oMath>
+                      </m:oMathPara>
+                    </a14:m>
+                    <a:endParaRPr lang="en-US" sz="2000" dirty="0" smtClean="0">
+                      <a:latin typeface="Arial" panose="020B0604020202020204" pitchFamily="34" charset="0"/>
+                      <a:cs typeface="Arial" panose="020B0604020202020204" pitchFamily="34" charset="0"/>
+                    </a:endParaRPr>
+                  </a:p>
+                </p:txBody>
+              </p:sp>
+            </mc:Choice>
+            <mc:Fallback xmlns="">
+              <p:sp>
+                <p:nvSpPr>
+                  <p:cNvPr id="19" name="TextBox 18"/>
+                  <p:cNvSpPr txBox="1">
+                    <a:spLocks noRot="1" noChangeAspect="1" noMove="1" noResize="1" noEditPoints="1" noAdjustHandles="1" noChangeArrowheads="1" noChangeShapeType="1" noTextEdit="1"/>
+                  </p:cNvSpPr>
+                  <p:nvPr/>
+                </p:nvSpPr>
+                <p:spPr>
+                  <a:xfrm>
+                    <a:off x="7135492" y="2030410"/>
+                    <a:ext cx="607474" cy="307777"/>
+                  </a:xfrm>
+                  <a:prstGeom prst="rect">
+                    <a:avLst/>
+                  </a:prstGeom>
+                  <a:blipFill>
+                    <a:blip r:embed="rId9"/>
+                    <a:stretch>
+                      <a:fillRect l="-9091" r="-14141" b="-37255"/>
+                    </a:stretch>
+                  </a:blipFill>
+                </p:spPr>
+                <p:txBody>
+                  <a:bodyPr/>
+                  <a:lstStyle/>
+                  <a:p>
+                    <a:r>
+                      <a:rPr lang="en-US">
+                        <a:noFill/>
+                      </a:rPr>
+                      <a:t> </a:t>
+                    </a:r>
+                  </a:p>
+                </p:txBody>
+              </p:sp>
+            </mc:Fallback>
+          </mc:AlternateContent>
+          <p:sp>
+            <p:nvSpPr>
+              <p:cNvPr id="26" name="Freeform 25"/>
+              <p:cNvSpPr/>
+              <p:nvPr/>
+            </p:nvSpPr>
+            <p:spPr>
+              <a:xfrm>
+                <a:off x="3813817" y="1074456"/>
+                <a:ext cx="3231254" cy="1981255"/>
+              </a:xfrm>
+              <a:custGeom>
+                <a:avLst/>
+                <a:gdLst>
+                  <a:gd name="connsiteX0" fmla="*/ 0 w 3231254"/>
+                  <a:gd name="connsiteY0" fmla="*/ 671270 h 1981255"/>
+                  <a:gd name="connsiteX1" fmla="*/ 572202 w 3231254"/>
+                  <a:gd name="connsiteY1" fmla="*/ 1978357 h 1981255"/>
+                  <a:gd name="connsiteX2" fmla="*/ 1060256 w 3231254"/>
+                  <a:gd name="connsiteY2" fmla="*/ 1047128 h 1981255"/>
+                  <a:gd name="connsiteX3" fmla="*/ 1509041 w 3231254"/>
+                  <a:gd name="connsiteY3" fmla="*/ 1854942 h 1981255"/>
+                  <a:gd name="connsiteX4" fmla="*/ 2322464 w 3231254"/>
+                  <a:gd name="connsiteY4" fmla="*/ 14922 h 1981255"/>
+                  <a:gd name="connsiteX5" fmla="*/ 3231254 w 3231254"/>
+                  <a:gd name="connsiteY5" fmla="*/ 1136885 h 1981255"/>
+                </a:gdLst>
+                <a:ahLst/>
+                <a:cxnLst>
+                  <a:cxn ang="0">
+                    <a:pos x="connsiteX0" y="connsiteY0"/>
+                  </a:cxn>
+                  <a:cxn ang="0">
+                    <a:pos x="connsiteX1" y="connsiteY1"/>
+                  </a:cxn>
+                  <a:cxn ang="0">
+                    <a:pos x="connsiteX2" y="connsiteY2"/>
+                  </a:cxn>
+                  <a:cxn ang="0">
+                    <a:pos x="connsiteX3" y="connsiteY3"/>
+                  </a:cxn>
+                  <a:cxn ang="0">
+                    <a:pos x="connsiteX4" y="connsiteY4"/>
+                  </a:cxn>
+                  <a:cxn ang="0">
+                    <a:pos x="connsiteX5" y="connsiteY5"/>
+                  </a:cxn>
+                </a:cxnLst>
+                <a:rect l="l" t="t" r="r" b="b"/>
+                <a:pathLst>
+                  <a:path w="3231254" h="1981255">
+                    <a:moveTo>
+                      <a:pt x="0" y="671270"/>
+                    </a:moveTo>
+                    <a:cubicBezTo>
+                      <a:pt x="197746" y="1293492"/>
+                      <a:pt x="395493" y="1915714"/>
+                      <a:pt x="572202" y="1978357"/>
+                    </a:cubicBezTo>
+                    <a:cubicBezTo>
+                      <a:pt x="748911" y="2041000"/>
+                      <a:pt x="904116" y="1067697"/>
+                      <a:pt x="1060256" y="1047128"/>
+                    </a:cubicBezTo>
+                    <a:cubicBezTo>
+                      <a:pt x="1216396" y="1026559"/>
+                      <a:pt x="1298673" y="2026976"/>
+                      <a:pt x="1509041" y="1854942"/>
+                    </a:cubicBezTo>
+                    <a:cubicBezTo>
+                      <a:pt x="1719409" y="1682908"/>
+                      <a:pt x="2035429" y="134598"/>
+                      <a:pt x="2322464" y="14922"/>
+                    </a:cubicBezTo>
+                    <a:cubicBezTo>
+                      <a:pt x="2609500" y="-104754"/>
+                      <a:pt x="2920377" y="516065"/>
+                      <a:pt x="3231254" y="1136885"/>
+                    </a:cubicBezTo>
+                  </a:path>
+                </a:pathLst>
+              </a:custGeom>
+              <a:noFill/>
+              <a:ln w="38100">
+                <a:solidFill>
+                  <a:schemeClr val="tx1"/>
+                </a:solidFill>
+              </a:ln>
+            </p:spPr>
+            <p:style>
+              <a:lnRef idx="2">
+                <a:schemeClr val="accent1">
+                  <a:shade val="50000"/>
+                </a:schemeClr>
+              </a:lnRef>
+              <a:fillRef idx="1">
+                <a:schemeClr val="accent1"/>
+              </a:fillRef>
+              <a:effectRef idx="0">
+                <a:schemeClr val="accent1"/>
+              </a:effectRef>
+              <a:fontRef idx="minor">
+                <a:schemeClr val="lt1"/>
+              </a:fontRef>
+            </p:style>
+            <p:txBody>
+              <a:bodyPr rtlCol="0" anchor="ctr"/>
+              <a:lstStyle/>
+              <a:p>
+                <a:pPr algn="ctr"/>
+                <a:endParaRPr lang="en-US"/>
               </a:p>
             </p:txBody>
           </p:sp>
         </p:grpSp>
         <p:sp>
           <p:nvSpPr>
-            <p:cNvPr id="14" name="Oval 13"/>
+            <p:cNvPr id="2" name="Oval 1"/>
             <p:cNvSpPr/>
             <p:nvPr/>
           </p:nvSpPr>
           <p:spPr>
             <a:xfrm>
-              <a:off x="5585608" y="1901417"/>
-              <a:ext cx="120943" cy="119766"/>
+              <a:off x="4356495" y="3003347"/>
+              <a:ext cx="87465" cy="87465"/>
             </a:xfrm>
             <a:prstGeom prst="ellipse">
               <a:avLst/>
@@ -17973,590 +18647,123 @@
             <a:lstStyle/>
             <a:p>
               <a:pPr algn="ctr"/>
-              <a:endParaRPr lang="en-US" dirty="0"/>
+              <a:endParaRPr lang="en-US"/>
             </a:p>
           </p:txBody>
         </p:sp>
-        <mc:AlternateContent xmlns:mc="http://schemas.openxmlformats.org/markup-compatibility/2006" xmlns:a14="http://schemas.microsoft.com/office/drawing/2010/main">
-          <mc:Choice Requires="a14">
-            <p:sp>
-              <p:nvSpPr>
-                <p:cNvPr id="15" name="TextBox 14"/>
-                <p:cNvSpPr txBox="1"/>
-                <p:nvPr/>
-              </p:nvSpPr>
-              <p:spPr>
-                <a:xfrm>
-                  <a:off x="4282760" y="2490661"/>
-                  <a:ext cx="234936" cy="307777"/>
-                </a:xfrm>
-                <a:prstGeom prst="rect">
-                  <a:avLst/>
-                </a:prstGeom>
-                <a:noFill/>
-              </p:spPr>
-              <p:txBody>
-                <a:bodyPr wrap="none" lIns="0" tIns="0" rIns="0" bIns="0" rtlCol="0">
-                  <a:spAutoFit/>
-                </a:bodyPr>
-                <a:lstStyle/>
-                <a:p>
-                  <a:pPr/>
-                  <a14:m>
-                    <m:oMathPara xmlns:m="http://schemas.openxmlformats.org/officeDocument/2006/math">
-                      <m:oMathParaPr>
-                        <m:jc m:val="centerGroup"/>
-                      </m:oMathParaPr>
-                      <m:oMath xmlns:m="http://schemas.openxmlformats.org/officeDocument/2006/math">
-                        <m:r>
-                          <a:rPr lang="en-US" sz="2000" b="0" i="1" smtClean="0">
-                            <a:latin typeface="Cambria Math" panose="02040503050406030204" pitchFamily="18" charset="0"/>
-                            <a:cs typeface="Arial" panose="020B0604020202020204" pitchFamily="34" charset="0"/>
-                          </a:rPr>
-                          <m:t>𝐴</m:t>
-                        </m:r>
-                      </m:oMath>
-                    </m:oMathPara>
-                  </a14:m>
-                  <a:endParaRPr lang="en-US" sz="2000" dirty="0" smtClean="0">
-                    <a:latin typeface="Arial" panose="020B0604020202020204" pitchFamily="34" charset="0"/>
-                    <a:cs typeface="Arial" panose="020B0604020202020204" pitchFamily="34" charset="0"/>
-                  </a:endParaRPr>
-                </a:p>
-              </p:txBody>
-            </p:sp>
-          </mc:Choice>
-          <mc:Fallback xmlns="">
-            <p:sp>
-              <p:nvSpPr>
-                <p:cNvPr id="15" name="TextBox 14"/>
-                <p:cNvSpPr txBox="1">
-                  <a:spLocks noRot="1" noChangeAspect="1" noMove="1" noResize="1" noEditPoints="1" noAdjustHandles="1" noChangeArrowheads="1" noChangeShapeType="1" noTextEdit="1"/>
-                </p:cNvSpPr>
-                <p:nvPr/>
-              </p:nvSpPr>
-              <p:spPr>
-                <a:xfrm>
-                  <a:off x="4282760" y="2490661"/>
-                  <a:ext cx="234936" cy="307777"/>
-                </a:xfrm>
-                <a:prstGeom prst="rect">
-                  <a:avLst/>
-                </a:prstGeom>
-                <a:blipFill>
-                  <a:blip r:embed="rId5"/>
-                  <a:stretch>
-                    <a:fillRect l="-23684" r="-23684" b="-10000"/>
-                  </a:stretch>
-                </a:blipFill>
-              </p:spPr>
-              <p:txBody>
-                <a:bodyPr/>
-                <a:lstStyle/>
-                <a:p>
-                  <a:r>
-                    <a:rPr lang="en-US">
-                      <a:noFill/>
-                    </a:rPr>
-                    <a:t> </a:t>
-                  </a:r>
-                </a:p>
-              </p:txBody>
-            </p:sp>
-          </mc:Fallback>
-        </mc:AlternateContent>
-        <mc:AlternateContent xmlns:mc="http://schemas.openxmlformats.org/markup-compatibility/2006" xmlns:a14="http://schemas.microsoft.com/office/drawing/2010/main">
-          <mc:Choice Requires="a14">
-            <p:sp>
-              <p:nvSpPr>
-                <p:cNvPr id="16" name="TextBox 15"/>
-                <p:cNvSpPr txBox="1"/>
-                <p:nvPr/>
-              </p:nvSpPr>
-              <p:spPr>
-                <a:xfrm>
-                  <a:off x="4780859" y="1566897"/>
-                  <a:ext cx="245708" cy="307777"/>
-                </a:xfrm>
-                <a:prstGeom prst="rect">
-                  <a:avLst/>
-                </a:prstGeom>
-                <a:noFill/>
-              </p:spPr>
-              <p:txBody>
-                <a:bodyPr wrap="none" lIns="0" tIns="0" rIns="0" bIns="0" rtlCol="0">
-                  <a:spAutoFit/>
-                </a:bodyPr>
-                <a:lstStyle/>
-                <a:p>
-                  <a:pPr/>
-                  <a14:m>
-                    <m:oMathPara xmlns:m="http://schemas.openxmlformats.org/officeDocument/2006/math">
-                      <m:oMathParaPr>
-                        <m:jc m:val="centerGroup"/>
-                      </m:oMathParaPr>
-                      <m:oMath xmlns:m="http://schemas.openxmlformats.org/officeDocument/2006/math">
-                        <m:r>
-                          <a:rPr lang="en-US" sz="2000" b="0" i="1" smtClean="0">
-                            <a:latin typeface="Cambria Math" panose="02040503050406030204" pitchFamily="18" charset="0"/>
-                            <a:cs typeface="Arial" panose="020B0604020202020204" pitchFamily="34" charset="0"/>
-                          </a:rPr>
-                          <m:t>𝐵</m:t>
-                        </m:r>
-                      </m:oMath>
-                    </m:oMathPara>
-                  </a14:m>
-                  <a:endParaRPr lang="en-US" sz="2000" dirty="0" smtClean="0">
-                    <a:latin typeface="Arial" panose="020B0604020202020204" pitchFamily="34" charset="0"/>
-                    <a:cs typeface="Arial" panose="020B0604020202020204" pitchFamily="34" charset="0"/>
-                  </a:endParaRPr>
-                </a:p>
-              </p:txBody>
-            </p:sp>
-          </mc:Choice>
-          <mc:Fallback xmlns="">
-            <p:sp>
-              <p:nvSpPr>
-                <p:cNvPr id="16" name="TextBox 15"/>
-                <p:cNvSpPr txBox="1">
-                  <a:spLocks noRot="1" noChangeAspect="1" noMove="1" noResize="1" noEditPoints="1" noAdjustHandles="1" noChangeArrowheads="1" noChangeShapeType="1" noTextEdit="1"/>
-                </p:cNvSpPr>
-                <p:nvPr/>
-              </p:nvSpPr>
-              <p:spPr>
-                <a:xfrm>
-                  <a:off x="4780859" y="1566897"/>
-                  <a:ext cx="245708" cy="307777"/>
-                </a:xfrm>
-                <a:prstGeom prst="rect">
-                  <a:avLst/>
-                </a:prstGeom>
-                <a:blipFill>
-                  <a:blip r:embed="rId6"/>
-                  <a:stretch>
-                    <a:fillRect l="-19512" r="-19512" b="-9804"/>
-                  </a:stretch>
-                </a:blipFill>
-              </p:spPr>
-              <p:txBody>
-                <a:bodyPr/>
-                <a:lstStyle/>
-                <a:p>
-                  <a:r>
-                    <a:rPr lang="en-US">
-                      <a:noFill/>
-                    </a:rPr>
-                    <a:t> </a:t>
-                  </a:r>
-                </a:p>
-              </p:txBody>
-            </p:sp>
-          </mc:Fallback>
-        </mc:AlternateContent>
-        <mc:AlternateContent xmlns:mc="http://schemas.openxmlformats.org/markup-compatibility/2006" xmlns:a14="http://schemas.microsoft.com/office/drawing/2010/main">
-          <mc:Choice Requires="a14">
-            <p:sp>
-              <p:nvSpPr>
-                <p:cNvPr id="17" name="TextBox 16"/>
-                <p:cNvSpPr txBox="1"/>
-                <p:nvPr/>
-              </p:nvSpPr>
-              <p:spPr>
-                <a:xfrm>
-                  <a:off x="5195342" y="2490661"/>
-                  <a:ext cx="234102" cy="307777"/>
-                </a:xfrm>
-                <a:prstGeom prst="rect">
-                  <a:avLst/>
-                </a:prstGeom>
-                <a:noFill/>
-              </p:spPr>
-              <p:txBody>
-                <a:bodyPr wrap="none" lIns="0" tIns="0" rIns="0" bIns="0" rtlCol="0">
-                  <a:spAutoFit/>
-                </a:bodyPr>
-                <a:lstStyle/>
-                <a:p>
-                  <a:pPr/>
-                  <a14:m>
-                    <m:oMathPara xmlns:m="http://schemas.openxmlformats.org/officeDocument/2006/math">
-                      <m:oMathParaPr>
-                        <m:jc m:val="centerGroup"/>
-                      </m:oMathParaPr>
-                      <m:oMath xmlns:m="http://schemas.openxmlformats.org/officeDocument/2006/math">
-                        <m:r>
-                          <a:rPr lang="en-US" sz="2000" b="0" i="1" smtClean="0">
-                            <a:latin typeface="Cambria Math" panose="02040503050406030204" pitchFamily="18" charset="0"/>
-                            <a:cs typeface="Arial" panose="020B0604020202020204" pitchFamily="34" charset="0"/>
-                          </a:rPr>
-                          <m:t>𝐶</m:t>
-                        </m:r>
-                      </m:oMath>
-                    </m:oMathPara>
-                  </a14:m>
-                  <a:endParaRPr lang="en-US" sz="2000" dirty="0" smtClean="0">
-                    <a:latin typeface="Arial" panose="020B0604020202020204" pitchFamily="34" charset="0"/>
-                    <a:cs typeface="Arial" panose="020B0604020202020204" pitchFamily="34" charset="0"/>
-                  </a:endParaRPr>
-                </a:p>
-              </p:txBody>
-            </p:sp>
-          </mc:Choice>
-          <mc:Fallback xmlns="">
-            <p:sp>
-              <p:nvSpPr>
-                <p:cNvPr id="17" name="TextBox 16"/>
-                <p:cNvSpPr txBox="1">
-                  <a:spLocks noRot="1" noChangeAspect="1" noMove="1" noResize="1" noEditPoints="1" noAdjustHandles="1" noChangeArrowheads="1" noChangeShapeType="1" noTextEdit="1"/>
-                </p:cNvSpPr>
-                <p:nvPr/>
-              </p:nvSpPr>
-              <p:spPr>
-                <a:xfrm>
-                  <a:off x="5195342" y="2490661"/>
-                  <a:ext cx="234102" cy="307777"/>
-                </a:xfrm>
-                <a:prstGeom prst="rect">
-                  <a:avLst/>
-                </a:prstGeom>
-                <a:blipFill>
-                  <a:blip r:embed="rId7"/>
-                  <a:stretch>
-                    <a:fillRect l="-20513" r="-17949" b="-10000"/>
-                  </a:stretch>
-                </a:blipFill>
-              </p:spPr>
-              <p:txBody>
-                <a:bodyPr/>
-                <a:lstStyle/>
-                <a:p>
-                  <a:r>
-                    <a:rPr lang="en-US">
-                      <a:noFill/>
-                    </a:rPr>
-                    <a:t> </a:t>
-                  </a:r>
-                </a:p>
-              </p:txBody>
-            </p:sp>
-          </mc:Fallback>
-        </mc:AlternateContent>
-        <mc:AlternateContent xmlns:mc="http://schemas.openxmlformats.org/markup-compatibility/2006" xmlns:a14="http://schemas.microsoft.com/office/drawing/2010/main">
-          <mc:Choice Requires="a14">
-            <p:sp>
-              <p:nvSpPr>
-                <p:cNvPr id="18" name="TextBox 17"/>
-                <p:cNvSpPr txBox="1"/>
-                <p:nvPr/>
-              </p:nvSpPr>
-              <p:spPr>
-                <a:xfrm>
-                  <a:off x="6119970" y="710143"/>
-                  <a:ext cx="255968" cy="307777"/>
-                </a:xfrm>
-                <a:prstGeom prst="rect">
-                  <a:avLst/>
-                </a:prstGeom>
-                <a:noFill/>
-              </p:spPr>
-              <p:txBody>
-                <a:bodyPr wrap="none" lIns="0" tIns="0" rIns="0" bIns="0" rtlCol="0">
-                  <a:spAutoFit/>
-                </a:bodyPr>
-                <a:lstStyle/>
-                <a:p>
-                  <a:pPr/>
-                  <a14:m>
-                    <m:oMathPara xmlns:m="http://schemas.openxmlformats.org/officeDocument/2006/math">
-                      <m:oMathParaPr>
-                        <m:jc m:val="centerGroup"/>
-                      </m:oMathParaPr>
-                      <m:oMath xmlns:m="http://schemas.openxmlformats.org/officeDocument/2006/math">
-                        <m:r>
-                          <a:rPr lang="en-US" sz="2000" b="0" i="1" smtClean="0">
-                            <a:latin typeface="Cambria Math" panose="02040503050406030204" pitchFamily="18" charset="0"/>
-                            <a:cs typeface="Arial" panose="020B0604020202020204" pitchFamily="34" charset="0"/>
-                          </a:rPr>
-                          <m:t>𝐷</m:t>
-                        </m:r>
-                      </m:oMath>
-                    </m:oMathPara>
-                  </a14:m>
-                  <a:endParaRPr lang="en-US" sz="2000" dirty="0" smtClean="0">
-                    <a:latin typeface="Arial" panose="020B0604020202020204" pitchFamily="34" charset="0"/>
-                    <a:cs typeface="Arial" panose="020B0604020202020204" pitchFamily="34" charset="0"/>
-                  </a:endParaRPr>
-                </a:p>
-              </p:txBody>
-            </p:sp>
-          </mc:Choice>
-          <mc:Fallback xmlns="">
-            <p:sp>
-              <p:nvSpPr>
-                <p:cNvPr id="18" name="TextBox 17"/>
-                <p:cNvSpPr txBox="1">
-                  <a:spLocks noRot="1" noChangeAspect="1" noMove="1" noResize="1" noEditPoints="1" noAdjustHandles="1" noChangeArrowheads="1" noChangeShapeType="1" noTextEdit="1"/>
-                </p:cNvSpPr>
-                <p:nvPr/>
-              </p:nvSpPr>
-              <p:spPr>
-                <a:xfrm>
-                  <a:off x="6119970" y="710143"/>
-                  <a:ext cx="255968" cy="307777"/>
-                </a:xfrm>
-                <a:prstGeom prst="rect">
-                  <a:avLst/>
-                </a:prstGeom>
-                <a:blipFill>
-                  <a:blip r:embed="rId8"/>
-                  <a:stretch>
-                    <a:fillRect l="-21429" r="-16667" b="-9804"/>
-                  </a:stretch>
-                </a:blipFill>
-              </p:spPr>
-              <p:txBody>
-                <a:bodyPr/>
-                <a:lstStyle/>
-                <a:p>
-                  <a:r>
-                    <a:rPr lang="en-US">
-                      <a:noFill/>
-                    </a:rPr>
-                    <a:t> </a:t>
-                  </a:r>
-                </a:p>
-              </p:txBody>
-            </p:sp>
-          </mc:Fallback>
-        </mc:AlternateContent>
-        <mc:AlternateContent xmlns:mc="http://schemas.openxmlformats.org/markup-compatibility/2006" xmlns:a14="http://schemas.microsoft.com/office/drawing/2010/main">
-          <mc:Choice Requires="a14">
-            <p:sp>
-              <p:nvSpPr>
-                <p:cNvPr id="19" name="TextBox 18"/>
-                <p:cNvSpPr txBox="1"/>
-                <p:nvPr/>
-              </p:nvSpPr>
-              <p:spPr>
-                <a:xfrm>
-                  <a:off x="7135492" y="2030410"/>
-                  <a:ext cx="607474" cy="307777"/>
-                </a:xfrm>
-                <a:prstGeom prst="rect">
-                  <a:avLst/>
-                </a:prstGeom>
-                <a:noFill/>
-              </p:spPr>
-              <p:txBody>
-                <a:bodyPr wrap="none" lIns="0" tIns="0" rIns="0" bIns="0" rtlCol="0">
-                  <a:spAutoFit/>
-                </a:bodyPr>
-                <a:lstStyle/>
-                <a:p>
-                  <a:pPr/>
-                  <a14:m>
-                    <m:oMathPara xmlns:m="http://schemas.openxmlformats.org/officeDocument/2006/math">
-                      <m:oMathParaPr>
-                        <m:jc m:val="centerGroup"/>
-                      </m:oMathParaPr>
-                      <m:oMath xmlns:m="http://schemas.openxmlformats.org/officeDocument/2006/math">
-                        <m:r>
-                          <a:rPr lang="en-US" sz="2000" b="0" i="1" smtClean="0">
-                            <a:latin typeface="Cambria Math" panose="02040503050406030204" pitchFamily="18" charset="0"/>
-                            <a:cs typeface="Arial" panose="020B0604020202020204" pitchFamily="34" charset="0"/>
-                          </a:rPr>
-                          <m:t>𝑈</m:t>
-                        </m:r>
-                        <m:r>
-                          <a:rPr lang="en-US" sz="2000" b="0" i="1" smtClean="0">
-                            <a:latin typeface="Cambria Math" panose="02040503050406030204" pitchFamily="18" charset="0"/>
-                            <a:cs typeface="Arial" panose="020B0604020202020204" pitchFamily="34" charset="0"/>
-                          </a:rPr>
-                          <m:t>(</m:t>
-                        </m:r>
-                        <m:r>
-                          <a:rPr lang="en-US" sz="2000" b="0" i="1" smtClean="0">
-                            <a:latin typeface="Cambria Math" panose="02040503050406030204" pitchFamily="18" charset="0"/>
-                            <a:cs typeface="Arial" panose="020B0604020202020204" pitchFamily="34" charset="0"/>
-                          </a:rPr>
-                          <m:t>𝑥</m:t>
-                        </m:r>
-                        <m:r>
-                          <a:rPr lang="en-US" sz="2000" b="0" i="1" smtClean="0">
-                            <a:latin typeface="Cambria Math" panose="02040503050406030204" pitchFamily="18" charset="0"/>
-                            <a:cs typeface="Arial" panose="020B0604020202020204" pitchFamily="34" charset="0"/>
-                          </a:rPr>
-                          <m:t>)</m:t>
-                        </m:r>
-                      </m:oMath>
-                    </m:oMathPara>
-                  </a14:m>
-                  <a:endParaRPr lang="en-US" sz="2000" dirty="0" smtClean="0">
-                    <a:latin typeface="Arial" panose="020B0604020202020204" pitchFamily="34" charset="0"/>
-                    <a:cs typeface="Arial" panose="020B0604020202020204" pitchFamily="34" charset="0"/>
-                  </a:endParaRPr>
-                </a:p>
-              </p:txBody>
-            </p:sp>
-          </mc:Choice>
-          <mc:Fallback xmlns="">
-            <p:sp>
-              <p:nvSpPr>
-                <p:cNvPr id="19" name="TextBox 18"/>
-                <p:cNvSpPr txBox="1">
-                  <a:spLocks noRot="1" noChangeAspect="1" noMove="1" noResize="1" noEditPoints="1" noAdjustHandles="1" noChangeArrowheads="1" noChangeShapeType="1" noTextEdit="1"/>
-                </p:cNvSpPr>
-                <p:nvPr/>
-              </p:nvSpPr>
-              <p:spPr>
-                <a:xfrm>
-                  <a:off x="7135492" y="2030410"/>
-                  <a:ext cx="607474" cy="307777"/>
-                </a:xfrm>
-                <a:prstGeom prst="rect">
-                  <a:avLst/>
-                </a:prstGeom>
-                <a:blipFill>
-                  <a:blip r:embed="rId9"/>
-                  <a:stretch>
-                    <a:fillRect l="-9091" r="-14141" b="-37255"/>
-                  </a:stretch>
-                </a:blipFill>
-              </p:spPr>
-              <p:txBody>
-                <a:bodyPr/>
-                <a:lstStyle/>
-                <a:p>
-                  <a:r>
-                    <a:rPr lang="en-US">
-                      <a:noFill/>
-                    </a:rPr>
-                    <a:t> </a:t>
-                  </a:r>
-                </a:p>
-              </p:txBody>
-            </p:sp>
-          </mc:Fallback>
-        </mc:AlternateContent>
-        <p:cxnSp>
-          <p:nvCxnSpPr>
-            <p:cNvPr id="21" name="Straight Connector 20"/>
-            <p:cNvCxnSpPr/>
+        <p:sp>
+          <p:nvSpPr>
+            <p:cNvPr id="20" name="Oval 19"/>
+            <p:cNvSpPr/>
             <p:nvPr/>
-          </p:nvCxnSpPr>
+          </p:nvSpPr>
           <p:spPr>
-            <a:xfrm flipV="1">
-              <a:off x="3785772" y="1979642"/>
-              <a:ext cx="1900418" cy="19991"/>
+            <a:xfrm>
+              <a:off x="4824199" y="2082977"/>
+              <a:ext cx="87465" cy="87465"/>
             </a:xfrm>
-            <a:prstGeom prst="line">
+            <a:prstGeom prst="ellipse">
               <a:avLst/>
             </a:prstGeom>
+            <a:solidFill>
+              <a:schemeClr val="tx1"/>
+            </a:solidFill>
             <a:ln w="38100">
               <a:solidFill>
                 <a:schemeClr val="tx1"/>
               </a:solidFill>
-              <a:prstDash val="dash"/>
             </a:ln>
           </p:spPr>
           <p:style>
-            <a:lnRef idx="1">
-              <a:schemeClr val="accent1"/>
+            <a:lnRef idx="2">
+              <a:schemeClr val="accent1">
+                <a:shade val="50000"/>
+              </a:schemeClr>
             </a:lnRef>
-            <a:fillRef idx="0">
+            <a:fillRef idx="1">
               <a:schemeClr val="accent1"/>
             </a:fillRef>
             <a:effectRef idx="0">
               <a:schemeClr val="accent1"/>
             </a:effectRef>
             <a:fontRef idx="minor">
-              <a:schemeClr val="tx1"/>
+              <a:schemeClr val="lt1"/>
             </a:fontRef>
           </p:style>
-        </p:cxnSp>
+          <p:txBody>
+            <a:bodyPr rtlCol="0" anchor="ctr"/>
+            <a:lstStyle/>
+            <a:p>
+              <a:pPr algn="ctr"/>
+              <a:endParaRPr lang="en-US"/>
+            </a:p>
+          </p:txBody>
+        </p:sp>
         <p:sp>
           <p:nvSpPr>
-            <p:cNvPr id="26" name="Freeform 25"/>
+            <p:cNvPr id="22" name="Oval 21"/>
             <p:cNvSpPr/>
             <p:nvPr/>
           </p:nvSpPr>
           <p:spPr>
             <a:xfrm>
-              <a:off x="3813817" y="1074456"/>
-              <a:ext cx="3231254" cy="1981255"/>
+              <a:off x="5252758" y="2912191"/>
+              <a:ext cx="87465" cy="87465"/>
             </a:xfrm>
-            <a:custGeom>
+            <a:prstGeom prst="ellipse">
               <a:avLst/>
-              <a:gdLst>
-                <a:gd name="connsiteX0" fmla="*/ 0 w 3231254"/>
-                <a:gd name="connsiteY0" fmla="*/ 671270 h 1981255"/>
-                <a:gd name="connsiteX1" fmla="*/ 572202 w 3231254"/>
-                <a:gd name="connsiteY1" fmla="*/ 1978357 h 1981255"/>
-                <a:gd name="connsiteX2" fmla="*/ 1060256 w 3231254"/>
-                <a:gd name="connsiteY2" fmla="*/ 1047128 h 1981255"/>
-                <a:gd name="connsiteX3" fmla="*/ 1509041 w 3231254"/>
-                <a:gd name="connsiteY3" fmla="*/ 1854942 h 1981255"/>
-                <a:gd name="connsiteX4" fmla="*/ 2322464 w 3231254"/>
-                <a:gd name="connsiteY4" fmla="*/ 14922 h 1981255"/>
-                <a:gd name="connsiteX5" fmla="*/ 3231254 w 3231254"/>
-                <a:gd name="connsiteY5" fmla="*/ 1136885 h 1981255"/>
-              </a:gdLst>
-              <a:ahLst/>
-              <a:cxnLst>
-                <a:cxn ang="0">
-                  <a:pos x="connsiteX0" y="connsiteY0"/>
-                </a:cxn>
-                <a:cxn ang="0">
-                  <a:pos x="connsiteX1" y="connsiteY1"/>
-                </a:cxn>
-                <a:cxn ang="0">
-                  <a:pos x="connsiteX2" y="connsiteY2"/>
-                </a:cxn>
-                <a:cxn ang="0">
-                  <a:pos x="connsiteX3" y="connsiteY3"/>
-                </a:cxn>
-                <a:cxn ang="0">
-                  <a:pos x="connsiteX4" y="connsiteY4"/>
-                </a:cxn>
-                <a:cxn ang="0">
-                  <a:pos x="connsiteX5" y="connsiteY5"/>
-                </a:cxn>
-              </a:cxnLst>
-              <a:rect l="l" t="t" r="r" b="b"/>
-              <a:pathLst>
-                <a:path w="3231254" h="1981255">
-                  <a:moveTo>
-                    <a:pt x="0" y="671270"/>
-                  </a:moveTo>
-                  <a:cubicBezTo>
-                    <a:pt x="197746" y="1293492"/>
-                    <a:pt x="395493" y="1915714"/>
-                    <a:pt x="572202" y="1978357"/>
-                  </a:cubicBezTo>
-                  <a:cubicBezTo>
-                    <a:pt x="748911" y="2041000"/>
-                    <a:pt x="904116" y="1067697"/>
-                    <a:pt x="1060256" y="1047128"/>
-                  </a:cubicBezTo>
-                  <a:cubicBezTo>
-                    <a:pt x="1216396" y="1026559"/>
-                    <a:pt x="1298673" y="2026976"/>
-                    <a:pt x="1509041" y="1854942"/>
-                  </a:cubicBezTo>
-                  <a:cubicBezTo>
-                    <a:pt x="1719409" y="1682908"/>
-                    <a:pt x="2035429" y="134598"/>
-                    <a:pt x="2322464" y="14922"/>
-                  </a:cubicBezTo>
-                  <a:cubicBezTo>
-                    <a:pt x="2609500" y="-104754"/>
-                    <a:pt x="2920377" y="516065"/>
-                    <a:pt x="3231254" y="1136885"/>
-                  </a:cubicBezTo>
-                </a:path>
-              </a:pathLst>
-            </a:custGeom>
-            <a:noFill/>
+            </a:prstGeom>
+            <a:solidFill>
+              <a:schemeClr val="tx1"/>
+            </a:solidFill>
+            <a:ln w="38100">
+              <a:solidFill>
+                <a:schemeClr val="tx1"/>
+              </a:solidFill>
+            </a:ln>
+          </p:spPr>
+          <p:style>
+            <a:lnRef idx="2">
+              <a:schemeClr val="accent1">
+                <a:shade val="50000"/>
+              </a:schemeClr>
+            </a:lnRef>
+            <a:fillRef idx="1">
+              <a:schemeClr val="accent1"/>
+            </a:fillRef>
+            <a:effectRef idx="0">
+              <a:schemeClr val="accent1"/>
+            </a:effectRef>
+            <a:fontRef idx="minor">
+              <a:schemeClr val="lt1"/>
+            </a:fontRef>
+          </p:style>
+          <p:txBody>
+            <a:bodyPr rtlCol="0" anchor="ctr"/>
+            <a:lstStyle/>
+            <a:p>
+              <a:pPr algn="ctr"/>
+              <a:endParaRPr lang="en-US"/>
+            </a:p>
+          </p:txBody>
+        </p:sp>
+        <p:sp>
+          <p:nvSpPr>
+            <p:cNvPr id="23" name="Oval 22"/>
+            <p:cNvSpPr/>
+            <p:nvPr/>
+          </p:nvSpPr>
+          <p:spPr>
+            <a:xfrm>
+              <a:off x="6160489" y="1023732"/>
+              <a:ext cx="87465" cy="87465"/>
+            </a:xfrm>
+            <a:prstGeom prst="ellipse">
+              <a:avLst/>
+            </a:prstGeom>
+            <a:solidFill>
+              <a:schemeClr val="tx1"/>
+            </a:solidFill>
             <a:ln w="38100">
               <a:solidFill>
                 <a:schemeClr val="tx1"/>
@@ -20527,7 +20734,7 @@
                                     <m:chr m:val="⃗"/>
                                     <m:ctrlPr>
                                       <a:rPr lang="en-US" sz="2000" b="0" i="1" smtClean="0">
-                                        <a:latin typeface="Cambria Math" charset="0"/>
+                                        <a:latin typeface="Cambria Math" panose="02040503050406030204" pitchFamily="18" charset="0"/>
                                         <a:cs typeface="Arial" panose="020B0604020202020204" pitchFamily="34" charset="0"/>
                                       </a:rPr>
                                     </m:ctrlPr>
@@ -21343,7 +21550,7 @@
                                     <m:chr m:val="⃗"/>
                                     <m:ctrlPr>
                                       <a:rPr lang="en-US" sz="2000" b="0" i="1" smtClean="0">
-                                        <a:latin typeface="Cambria Math" charset="0"/>
+                                        <a:latin typeface="Cambria Math" panose="02040503050406030204" pitchFamily="18" charset="0"/>
                                         <a:cs typeface="Arial" panose="020B0604020202020204" pitchFamily="34" charset="0"/>
                                       </a:rPr>
                                     </m:ctrlPr>
@@ -23558,7 +23765,7 @@
                             <m:sSubPr>
                               <m:ctrlPr>
                                 <a:rPr lang="en-CA" sz="2000" b="0" i="1" smtClean="0">
-                                  <a:latin typeface="Cambria Math" charset="0"/>
+                                  <a:latin typeface="Cambria Math" panose="02040503050406030204" pitchFamily="18" charset="0"/>
                                   <a:cs typeface="Arial" panose="020B0604020202020204" pitchFamily="34" charset="0"/>
                                 </a:rPr>
                               </m:ctrlPr>
@@ -24036,7 +24243,7 @@
                               <m:sSubPr>
                                 <m:ctrlPr>
                                   <a:rPr lang="en-CA" sz="2000" b="0" i="1" smtClean="0">
-                                    <a:latin typeface="Cambria Math" charset="0"/>
+                                    <a:latin typeface="Cambria Math" panose="02040503050406030204" pitchFamily="18" charset="0"/>
                                     <a:cs typeface="Arial" panose="020B0604020202020204" pitchFamily="34" charset="0"/>
                                   </a:rPr>
                                 </m:ctrlPr>
@@ -25032,7 +25239,7 @@
                             <m:sSubPr>
                               <m:ctrlPr>
                                 <a:rPr lang="en-CA" b="0" i="1" smtClean="0">
-                                  <a:latin typeface="Cambria Math" charset="0"/>
+                                  <a:latin typeface="Cambria Math" panose="02040503050406030204" pitchFamily="18" charset="0"/>
                                   <a:ea typeface="Cambria Math" charset="0"/>
                                   <a:cs typeface="Cambria Math" charset="0"/>
                                 </a:rPr>
@@ -25494,7 +25701,7 @@
                           <m:sSubPr>
                             <m:ctrlPr>
                               <a:rPr lang="en-CA" sz="2000" b="0" i="1" smtClean="0">
-                                <a:latin typeface="Cambria Math" charset="0"/>
+                                <a:latin typeface="Cambria Math" panose="02040503050406030204" pitchFamily="18" charset="0"/>
                                 <a:cs typeface="Arial" panose="020B0604020202020204" pitchFamily="34" charset="0"/>
                               </a:rPr>
                             </m:ctrlPr>
@@ -25742,7 +25949,7 @@
             <p:nvPr/>
           </p:nvPicPr>
           <p:blipFill rotWithShape="1">
-            <a:blip r:embed="rId2">
+            <a:blip r:embed="rId2" cstate="print">
               <a:extLst>
                 <a:ext uri="{28A0092B-C50C-407E-A947-70E740481C1C}">
                   <a14:useLocalDpi xmlns:a14="http://schemas.microsoft.com/office/drawing/2010/main" val="0"/>
@@ -26081,7 +26288,7 @@
                                   <m:sSubPr>
                                     <m:ctrlPr>
                                       <a:rPr lang="en-CA" sz="2000" b="0" i="1" smtClean="0">
-                                        <a:latin typeface="Cambria Math" charset="0"/>
+                                        <a:latin typeface="Cambria Math" panose="02040503050406030204" pitchFamily="18" charset="0"/>
                                         <a:cs typeface="Arial" panose="020B0604020202020204" pitchFamily="34" charset="0"/>
                                       </a:rPr>
                                     </m:ctrlPr>
@@ -26190,7 +26397,7 @@
                                   <m:sSubPr>
                                     <m:ctrlPr>
                                       <a:rPr lang="en-CA" sz="2000" b="0" i="1" smtClean="0">
-                                        <a:latin typeface="Cambria Math" charset="0"/>
+                                        <a:latin typeface="Cambria Math" panose="02040503050406030204" pitchFamily="18" charset="0"/>
                                         <a:cs typeface="Arial" panose="020B0604020202020204" pitchFamily="34" charset="0"/>
                                       </a:rPr>
                                     </m:ctrlPr>
@@ -26288,7 +26495,7 @@
                     <p:nvPr/>
                   </p:nvPicPr>
                   <p:blipFill rotWithShape="1">
-                    <a:blip r:embed="rId6">
+                    <a:blip r:embed="rId6" cstate="print">
                       <a:extLst>
                         <a:ext uri="{28A0092B-C50C-407E-A947-70E740481C1C}">
                           <a14:useLocalDpi xmlns:a14="http://schemas.microsoft.com/office/drawing/2010/main" val="0"/>
@@ -26571,7 +26778,7 @@
                                   <m:sSubPr>
                                     <m:ctrlPr>
                                       <a:rPr lang="en-CA" sz="2000" b="0" i="1" smtClean="0">
-                                        <a:latin typeface="Cambria Math" charset="0"/>
+                                        <a:latin typeface="Cambria Math" panose="02040503050406030204" pitchFamily="18" charset="0"/>
                                         <a:cs typeface="Arial" panose="020B0604020202020204" pitchFamily="34" charset="0"/>
                                       </a:rPr>
                                     </m:ctrlPr>
@@ -26680,7 +26887,7 @@
                                   <m:sSubPr>
                                     <m:ctrlPr>
                                       <a:rPr lang="en-CA" sz="2000" b="0" i="1" smtClean="0">
-                                        <a:latin typeface="Cambria Math" charset="0"/>
+                                        <a:latin typeface="Cambria Math" panose="02040503050406030204" pitchFamily="18" charset="0"/>
                                         <a:cs typeface="Arial" panose="020B0604020202020204" pitchFamily="34" charset="0"/>
                                       </a:rPr>
                                     </m:ctrlPr>
@@ -26778,7 +26985,7 @@
                     <p:nvPr/>
                   </p:nvPicPr>
                   <p:blipFill rotWithShape="1">
-                    <a:blip r:embed="rId10">
+                    <a:blip r:embed="rId10" cstate="print">
                       <a:extLst>
                         <a:ext uri="{28A0092B-C50C-407E-A947-70E740481C1C}">
                           <a14:useLocalDpi xmlns:a14="http://schemas.microsoft.com/office/drawing/2010/main" val="0"/>
@@ -27061,7 +27268,7 @@
                                   <m:sSubPr>
                                     <m:ctrlPr>
                                       <a:rPr lang="en-CA" sz="2000" b="0" i="1" smtClean="0">
-                                        <a:latin typeface="Cambria Math" charset="0"/>
+                                        <a:latin typeface="Cambria Math" panose="02040503050406030204" pitchFamily="18" charset="0"/>
                                         <a:cs typeface="Arial" panose="020B0604020202020204" pitchFamily="34" charset="0"/>
                                       </a:rPr>
                                     </m:ctrlPr>
@@ -27170,7 +27377,7 @@
                                   <m:sSubPr>
                                     <m:ctrlPr>
                                       <a:rPr lang="en-CA" sz="2000" b="0" i="1" smtClean="0">
-                                        <a:latin typeface="Cambria Math" charset="0"/>
+                                        <a:latin typeface="Cambria Math" panose="02040503050406030204" pitchFamily="18" charset="0"/>
                                         <a:cs typeface="Arial" panose="020B0604020202020204" pitchFamily="34" charset="0"/>
                                       </a:rPr>
                                     </m:ctrlPr>
@@ -30089,7 +30296,7 @@
                             <m:chr m:val="⃗"/>
                             <m:ctrlPr>
                               <a:rPr lang="en-US" sz="2000" b="0" i="1" smtClean="0">
-                                <a:latin typeface="Cambria Math" charset="0"/>
+                                <a:latin typeface="Cambria Math" panose="02040503050406030204" pitchFamily="18" charset="0"/>
                                 <a:cs typeface="Arial" panose="020B0604020202020204" pitchFamily="34" charset="0"/>
                               </a:rPr>
                             </m:ctrlPr>
@@ -30247,7 +30454,7 @@
                             <m:chr m:val="⃗"/>
                             <m:ctrlPr>
                               <a:rPr lang="en-US" sz="2000" b="0" i="1" smtClean="0">
-                                <a:latin typeface="Cambria Math" charset="0"/>
+                                <a:latin typeface="Cambria Math" panose="02040503050406030204" pitchFamily="18" charset="0"/>
                                 <a:cs typeface="Arial" panose="020B0604020202020204" pitchFamily="34" charset="0"/>
                               </a:rPr>
                             </m:ctrlPr>
@@ -30914,7 +31121,7 @@
                               <m:chr m:val="⃗"/>
                               <m:ctrlPr>
                                 <a:rPr lang="en-US" sz="2000" i="1" smtClean="0">
-                                  <a:latin typeface="Cambria Math" charset="0"/>
+                                  <a:latin typeface="Cambria Math" panose="02040503050406030204" pitchFamily="18" charset="0"/>
                                   <a:cs typeface="Arial" panose="020B0604020202020204" pitchFamily="34" charset="0"/>
                                 </a:rPr>
                               </m:ctrlPr>
@@ -31530,7 +31737,7 @@
                               <m:chr m:val="⃗"/>
                               <m:ctrlPr>
                                 <a:rPr lang="en-US" sz="2000" i="1" smtClean="0">
-                                  <a:latin typeface="Cambria Math" charset="0"/>
+                                  <a:latin typeface="Cambria Math" panose="02040503050406030204" pitchFamily="18" charset="0"/>
                                   <a:cs typeface="Arial" panose="020B0604020202020204" pitchFamily="34" charset="0"/>
                                 </a:rPr>
                               </m:ctrlPr>
